--- a/ours/E-R图初稿.pptx
+++ b/ours/E-R图初稿.pptx
@@ -254,7 +254,7 @@
           <a:p>
             <a:fld id="{07BB1640-576C-4106-8BBF-5EE4E1757382}" type="datetimeFigureOut">
               <a:rPr lang="zh-CN" altLang="en-US" smtClean="0"/>
-              <a:t>2016/10/19</a:t>
+              <a:t>2016/10/20</a:t>
             </a:fld>
             <a:endParaRPr lang="zh-CN" altLang="en-US"/>
           </a:p>
@@ -424,7 +424,7 @@
           <a:p>
             <a:fld id="{07BB1640-576C-4106-8BBF-5EE4E1757382}" type="datetimeFigureOut">
               <a:rPr lang="zh-CN" altLang="en-US" smtClean="0"/>
-              <a:t>2016/10/19</a:t>
+              <a:t>2016/10/20</a:t>
             </a:fld>
             <a:endParaRPr lang="zh-CN" altLang="en-US"/>
           </a:p>
@@ -604,7 +604,7 @@
           <a:p>
             <a:fld id="{07BB1640-576C-4106-8BBF-5EE4E1757382}" type="datetimeFigureOut">
               <a:rPr lang="zh-CN" altLang="en-US" smtClean="0"/>
-              <a:t>2016/10/19</a:t>
+              <a:t>2016/10/20</a:t>
             </a:fld>
             <a:endParaRPr lang="zh-CN" altLang="en-US"/>
           </a:p>
@@ -774,7 +774,7 @@
           <a:p>
             <a:fld id="{07BB1640-576C-4106-8BBF-5EE4E1757382}" type="datetimeFigureOut">
               <a:rPr lang="zh-CN" altLang="en-US" smtClean="0"/>
-              <a:t>2016/10/19</a:t>
+              <a:t>2016/10/20</a:t>
             </a:fld>
             <a:endParaRPr lang="zh-CN" altLang="en-US"/>
           </a:p>
@@ -1020,7 +1020,7 @@
           <a:p>
             <a:fld id="{07BB1640-576C-4106-8BBF-5EE4E1757382}" type="datetimeFigureOut">
               <a:rPr lang="zh-CN" altLang="en-US" smtClean="0"/>
-              <a:t>2016/10/19</a:t>
+              <a:t>2016/10/20</a:t>
             </a:fld>
             <a:endParaRPr lang="zh-CN" altLang="en-US"/>
           </a:p>
@@ -1252,7 +1252,7 @@
           <a:p>
             <a:fld id="{07BB1640-576C-4106-8BBF-5EE4E1757382}" type="datetimeFigureOut">
               <a:rPr lang="zh-CN" altLang="en-US" smtClean="0"/>
-              <a:t>2016/10/19</a:t>
+              <a:t>2016/10/20</a:t>
             </a:fld>
             <a:endParaRPr lang="zh-CN" altLang="en-US"/>
           </a:p>
@@ -1619,7 +1619,7 @@
           <a:p>
             <a:fld id="{07BB1640-576C-4106-8BBF-5EE4E1757382}" type="datetimeFigureOut">
               <a:rPr lang="zh-CN" altLang="en-US" smtClean="0"/>
-              <a:t>2016/10/19</a:t>
+              <a:t>2016/10/20</a:t>
             </a:fld>
             <a:endParaRPr lang="zh-CN" altLang="en-US"/>
           </a:p>
@@ -1737,7 +1737,7 @@
           <a:p>
             <a:fld id="{07BB1640-576C-4106-8BBF-5EE4E1757382}" type="datetimeFigureOut">
               <a:rPr lang="zh-CN" altLang="en-US" smtClean="0"/>
-              <a:t>2016/10/19</a:t>
+              <a:t>2016/10/20</a:t>
             </a:fld>
             <a:endParaRPr lang="zh-CN" altLang="en-US"/>
           </a:p>
@@ -1832,7 +1832,7 @@
           <a:p>
             <a:fld id="{07BB1640-576C-4106-8BBF-5EE4E1757382}" type="datetimeFigureOut">
               <a:rPr lang="zh-CN" altLang="en-US" smtClean="0"/>
-              <a:t>2016/10/19</a:t>
+              <a:t>2016/10/20</a:t>
             </a:fld>
             <a:endParaRPr lang="zh-CN" altLang="en-US"/>
           </a:p>
@@ -2109,7 +2109,7 @@
           <a:p>
             <a:fld id="{07BB1640-576C-4106-8BBF-5EE4E1757382}" type="datetimeFigureOut">
               <a:rPr lang="zh-CN" altLang="en-US" smtClean="0"/>
-              <a:t>2016/10/19</a:t>
+              <a:t>2016/10/20</a:t>
             </a:fld>
             <a:endParaRPr lang="zh-CN" altLang="en-US"/>
           </a:p>
@@ -2362,7 +2362,7 @@
           <a:p>
             <a:fld id="{07BB1640-576C-4106-8BBF-5EE4E1757382}" type="datetimeFigureOut">
               <a:rPr lang="zh-CN" altLang="en-US" smtClean="0"/>
-              <a:t>2016/10/19</a:t>
+              <a:t>2016/10/20</a:t>
             </a:fld>
             <a:endParaRPr lang="zh-CN" altLang="en-US"/>
           </a:p>
@@ -2575,7 +2575,7 @@
           <a:p>
             <a:fld id="{07BB1640-576C-4106-8BBF-5EE4E1757382}" type="datetimeFigureOut">
               <a:rPr lang="zh-CN" altLang="en-US" smtClean="0"/>
-              <a:t>2016/10/19</a:t>
+              <a:t>2016/10/20</a:t>
             </a:fld>
             <a:endParaRPr lang="zh-CN" altLang="en-US"/>
           </a:p>
@@ -5278,15 +5278,7 @@
                   <a:schemeClr val="tx1"/>
                 </a:solidFill>
               </a:rPr>
-              <a:t>教室预</a:t>
-            </a:r>
-            <a:r>
-              <a:rPr lang="zh-CN" altLang="en-US" dirty="0" smtClean="0">
-                <a:solidFill>
-                  <a:schemeClr val="tx1"/>
-                </a:solidFill>
-              </a:rPr>
-              <a:t>约</a:t>
+              <a:t>教室预约</a:t>
             </a:r>
             <a:endParaRPr lang="zh-CN" altLang="en-US" dirty="0">
               <a:solidFill>
@@ -5641,13 +5633,13 @@
       </p:grpSpPr>
       <p:sp>
         <p:nvSpPr>
-          <p:cNvPr id="2" name="矩形 1"/>
+          <p:cNvPr id="29" name="矩形 28"/>
           <p:cNvSpPr/>
           <p:nvPr/>
         </p:nvSpPr>
         <p:spPr>
           <a:xfrm>
-            <a:off x="1619675" y="3777136"/>
+            <a:off x="7365306" y="3622074"/>
             <a:ext cx="1714193" cy="683703"/>
           </a:xfrm>
           <a:prstGeom prst="rect">
@@ -5687,7 +5679,15 @@
                   <a:schemeClr val="tx1"/>
                 </a:solidFill>
               </a:rPr>
-              <a:t>进出控制系统</a:t>
+              <a:t>进出控</a:t>
+            </a:r>
+            <a:r>
+              <a:rPr lang="zh-CN" altLang="en-US" dirty="0" smtClean="0">
+                <a:solidFill>
+                  <a:schemeClr val="tx1"/>
+                </a:solidFill>
+              </a:rPr>
+              <a:t>制系统</a:t>
             </a:r>
             <a:endParaRPr lang="zh-CN" altLang="en-US" dirty="0">
               <a:solidFill>
@@ -5699,14 +5699,14 @@
       </p:sp>
       <p:sp>
         <p:nvSpPr>
-          <p:cNvPr id="3" name="椭圆 2"/>
+          <p:cNvPr id="31" name="椭圆 30"/>
           <p:cNvSpPr/>
           <p:nvPr/>
         </p:nvSpPr>
         <p:spPr>
           <a:xfrm>
-            <a:off x="1968758" y="5246351"/>
-            <a:ext cx="1023457" cy="784371"/>
+            <a:off x="7060549" y="5185069"/>
+            <a:ext cx="1161853" cy="784371"/>
           </a:xfrm>
           <a:prstGeom prst="ellipse">
             <a:avLst/>
@@ -5740,12 +5740,12 @@
           <a:p>
             <a:pPr algn="ctr"/>
             <a:r>
-              <a:rPr lang="zh-CN" altLang="en-US" dirty="0" smtClean="0">
+              <a:rPr lang="en-US" altLang="zh-CN" dirty="0" smtClean="0">
                 <a:solidFill>
                   <a:schemeClr val="tx1"/>
                 </a:solidFill>
               </a:rPr>
-              <a:t>学号</a:t>
+              <a:t>ID</a:t>
             </a:r>
             <a:endParaRPr lang="zh-CN" altLang="en-US" dirty="0">
               <a:solidFill>
@@ -5757,253 +5757,13 @@
       </p:sp>
       <p:sp>
         <p:nvSpPr>
-          <p:cNvPr id="4" name="椭圆 3"/>
-          <p:cNvSpPr/>
-          <p:nvPr/>
-        </p:nvSpPr>
-        <p:spPr>
-          <a:xfrm>
-            <a:off x="3613744" y="5246351"/>
-            <a:ext cx="1023457" cy="784371"/>
-          </a:xfrm>
-          <a:prstGeom prst="ellipse">
-            <a:avLst/>
-          </a:prstGeom>
-          <a:solidFill>
-            <a:schemeClr val="accent4">
-              <a:lumMod val="20000"/>
-              <a:lumOff val="80000"/>
-            </a:schemeClr>
-          </a:solidFill>
-        </p:spPr>
-        <p:style>
-          <a:lnRef idx="2">
-            <a:schemeClr val="accent1">
-              <a:shade val="50000"/>
-            </a:schemeClr>
-          </a:lnRef>
-          <a:fillRef idx="1">
-            <a:schemeClr val="accent1"/>
-          </a:fillRef>
-          <a:effectRef idx="0">
-            <a:schemeClr val="accent1"/>
-          </a:effectRef>
-          <a:fontRef idx="minor">
-            <a:schemeClr val="lt1"/>
-          </a:fontRef>
-        </p:style>
-        <p:txBody>
-          <a:bodyPr rtlCol="0" anchor="ctr"/>
-          <a:lstStyle/>
-          <a:p>
-            <a:pPr algn="ctr"/>
-            <a:r>
-              <a:rPr lang="zh-CN" altLang="en-US" dirty="0" smtClean="0">
-                <a:solidFill>
-                  <a:schemeClr val="tx1"/>
-                </a:solidFill>
-              </a:rPr>
-              <a:t>进入时间</a:t>
-            </a:r>
-            <a:endParaRPr lang="zh-CN" altLang="en-US" dirty="0">
-              <a:solidFill>
-                <a:schemeClr val="tx1"/>
-              </a:solidFill>
-            </a:endParaRPr>
-          </a:p>
-        </p:txBody>
-      </p:sp>
-      <p:cxnSp>
-        <p:nvCxnSpPr>
-          <p:cNvPr id="10" name="直接连接符 9"/>
-          <p:cNvCxnSpPr>
-            <a:stCxn id="3" idx="0"/>
-            <a:endCxn id="2" idx="2"/>
-          </p:cNvCxnSpPr>
-          <p:nvPr/>
-        </p:nvCxnSpPr>
-        <p:spPr>
-          <a:xfrm flipH="1" flipV="1">
-            <a:off x="2476772" y="4460839"/>
-            <a:ext cx="3715" cy="785512"/>
-          </a:xfrm>
-          <a:prstGeom prst="line">
-            <a:avLst/>
-          </a:prstGeom>
-        </p:spPr>
-        <p:style>
-          <a:lnRef idx="1">
-            <a:schemeClr val="accent1"/>
-          </a:lnRef>
-          <a:fillRef idx="0">
-            <a:schemeClr val="accent1"/>
-          </a:fillRef>
-          <a:effectRef idx="0">
-            <a:schemeClr val="accent1"/>
-          </a:effectRef>
-          <a:fontRef idx="minor">
-            <a:schemeClr val="tx1"/>
-          </a:fontRef>
-        </p:style>
-      </p:cxnSp>
-      <p:cxnSp>
-        <p:nvCxnSpPr>
-          <p:cNvPr id="14" name="直接连接符 13"/>
-          <p:cNvCxnSpPr>
-            <a:stCxn id="4" idx="0"/>
-            <a:endCxn id="2" idx="2"/>
-          </p:cNvCxnSpPr>
-          <p:nvPr/>
-        </p:nvCxnSpPr>
-        <p:spPr>
-          <a:xfrm flipH="1" flipV="1">
-            <a:off x="2476772" y="4460839"/>
-            <a:ext cx="1648701" cy="785512"/>
-          </a:xfrm>
-          <a:prstGeom prst="line">
-            <a:avLst/>
-          </a:prstGeom>
-        </p:spPr>
-        <p:style>
-          <a:lnRef idx="1">
-            <a:schemeClr val="accent1"/>
-          </a:lnRef>
-          <a:fillRef idx="0">
-            <a:schemeClr val="accent1"/>
-          </a:fillRef>
-          <a:effectRef idx="0">
-            <a:schemeClr val="accent1"/>
-          </a:effectRef>
-          <a:fontRef idx="minor">
-            <a:schemeClr val="tx1"/>
-          </a:fontRef>
-        </p:style>
-      </p:cxnSp>
-      <p:sp>
-        <p:nvSpPr>
-          <p:cNvPr id="29" name="矩形 28"/>
-          <p:cNvSpPr/>
-          <p:nvPr/>
-        </p:nvSpPr>
-        <p:spPr>
-          <a:xfrm>
-            <a:off x="7814118" y="3680796"/>
-            <a:ext cx="1714193" cy="683703"/>
-          </a:xfrm>
-          <a:prstGeom prst="rect">
-            <a:avLst/>
-          </a:prstGeom>
-          <a:solidFill>
-            <a:schemeClr val="accent6">
-              <a:lumMod val="20000"/>
-              <a:lumOff val="80000"/>
-            </a:schemeClr>
-          </a:solidFill>
-        </p:spPr>
-        <p:style>
-          <a:lnRef idx="2">
-            <a:schemeClr val="accent1">
-              <a:shade val="50000"/>
-            </a:schemeClr>
-          </a:lnRef>
-          <a:fillRef idx="1">
-            <a:schemeClr val="accent1"/>
-          </a:fillRef>
-          <a:effectRef idx="0">
-            <a:schemeClr val="accent1"/>
-          </a:effectRef>
-          <a:fontRef idx="minor">
-            <a:schemeClr val="lt1"/>
-          </a:fontRef>
-        </p:style>
-        <p:txBody>
-          <a:bodyPr rtlCol="0" anchor="ctr"/>
-          <a:lstStyle/>
-          <a:p>
-            <a:pPr algn="ctr"/>
-            <a:r>
-              <a:rPr lang="zh-CN" altLang="en-US" dirty="0" smtClean="0">
-                <a:solidFill>
-                  <a:schemeClr val="tx1"/>
-                </a:solidFill>
-              </a:rPr>
-              <a:t>门禁控制系统</a:t>
-            </a:r>
-            <a:endParaRPr lang="zh-CN" altLang="en-US" dirty="0">
-              <a:solidFill>
-                <a:schemeClr val="tx1"/>
-              </a:solidFill>
-            </a:endParaRPr>
-          </a:p>
-        </p:txBody>
-      </p:sp>
-      <p:sp>
-        <p:nvSpPr>
-          <p:cNvPr id="31" name="椭圆 30"/>
-          <p:cNvSpPr/>
-          <p:nvPr/>
-        </p:nvSpPr>
-        <p:spPr>
-          <a:xfrm>
-            <a:off x="7509361" y="5243791"/>
-            <a:ext cx="1161853" cy="784371"/>
-          </a:xfrm>
-          <a:prstGeom prst="ellipse">
-            <a:avLst/>
-          </a:prstGeom>
-          <a:solidFill>
-            <a:schemeClr val="accent4">
-              <a:lumMod val="20000"/>
-              <a:lumOff val="80000"/>
-            </a:schemeClr>
-          </a:solidFill>
-        </p:spPr>
-        <p:style>
-          <a:lnRef idx="2">
-            <a:schemeClr val="accent1">
-              <a:shade val="50000"/>
-            </a:schemeClr>
-          </a:lnRef>
-          <a:fillRef idx="1">
-            <a:schemeClr val="accent1"/>
-          </a:fillRef>
-          <a:effectRef idx="0">
-            <a:schemeClr val="accent1"/>
-          </a:effectRef>
-          <a:fontRef idx="minor">
-            <a:schemeClr val="lt1"/>
-          </a:fontRef>
-        </p:style>
-        <p:txBody>
-          <a:bodyPr rtlCol="0" anchor="ctr"/>
-          <a:lstStyle/>
-          <a:p>
-            <a:pPr algn="ctr"/>
-            <a:r>
-              <a:rPr lang="zh-CN" altLang="en-US" dirty="0" smtClean="0">
-                <a:solidFill>
-                  <a:schemeClr val="tx1"/>
-                </a:solidFill>
-              </a:rPr>
-              <a:t>团体编号</a:t>
-            </a:r>
-            <a:endParaRPr lang="zh-CN" altLang="en-US" dirty="0">
-              <a:solidFill>
-                <a:schemeClr val="tx1"/>
-              </a:solidFill>
-            </a:endParaRPr>
-          </a:p>
-        </p:txBody>
-      </p:sp>
-      <p:sp>
-        <p:nvSpPr>
           <p:cNvPr id="32" name="椭圆 31"/>
           <p:cNvSpPr/>
           <p:nvPr/>
         </p:nvSpPr>
         <p:spPr>
           <a:xfrm>
-            <a:off x="9106732" y="5243792"/>
+            <a:off x="8657920" y="5185070"/>
             <a:ext cx="1023457" cy="784371"/>
           </a:xfrm>
           <a:prstGeom prst="ellipse">
@@ -6064,7 +5824,7 @@
         </p:nvCxnSpPr>
         <p:spPr>
           <a:xfrm flipV="1">
-            <a:off x="8090288" y="4364499"/>
+            <a:off x="7641476" y="4305777"/>
             <a:ext cx="580927" cy="879292"/>
           </a:xfrm>
           <a:prstGeom prst="line">
@@ -6097,7 +5857,7 @@
         </p:nvCxnSpPr>
         <p:spPr>
           <a:xfrm flipH="1" flipV="1">
-            <a:off x="8671215" y="4364499"/>
+            <a:off x="8222403" y="4305777"/>
             <a:ext cx="947246" cy="879293"/>
           </a:xfrm>
           <a:prstGeom prst="line">
@@ -6127,7 +5887,7 @@
         </p:nvSpPr>
         <p:spPr>
           <a:xfrm>
-            <a:off x="10565706" y="5243792"/>
+            <a:off x="10116894" y="5185070"/>
             <a:ext cx="1023457" cy="784371"/>
           </a:xfrm>
           <a:prstGeom prst="ellipse">
@@ -6188,7 +5948,7 @@
         </p:nvCxnSpPr>
         <p:spPr>
           <a:xfrm flipH="1" flipV="1">
-            <a:off x="8671215" y="4364499"/>
+            <a:off x="8222403" y="4305777"/>
             <a:ext cx="2406220" cy="879293"/>
           </a:xfrm>
           <a:prstGeom prst="line">
@@ -6218,7 +5978,7 @@
         </p:nvSpPr>
         <p:spPr>
           <a:xfrm>
-            <a:off x="4528074" y="1623024"/>
+            <a:off x="4464134" y="2423582"/>
             <a:ext cx="1518408" cy="683703"/>
           </a:xfrm>
           <a:prstGeom prst="rect">
@@ -6428,7 +6188,7 @@
         <p:spPr>
           <a:xfrm>
             <a:off x="3763049" y="1964875"/>
-            <a:ext cx="765025" cy="1"/>
+            <a:ext cx="701085" cy="800559"/>
           </a:xfrm>
           <a:prstGeom prst="line">
             <a:avLst/>
@@ -6457,7 +6217,7 @@
         </p:nvSpPr>
         <p:spPr>
           <a:xfrm>
-            <a:off x="4528074" y="454641"/>
+            <a:off x="4464134" y="807761"/>
             <a:ext cx="1518408" cy="683703"/>
           </a:xfrm>
           <a:prstGeom prst="rect">
@@ -6510,175 +6270,19 @@
           </a:p>
         </p:txBody>
       </p:sp>
-      <p:sp>
-        <p:nvSpPr>
-          <p:cNvPr id="37" name="矩形 36"/>
-          <p:cNvSpPr/>
-          <p:nvPr/>
-        </p:nvSpPr>
-        <p:spPr>
-          <a:xfrm>
-            <a:off x="230627" y="454641"/>
-            <a:ext cx="1714193" cy="683703"/>
-          </a:xfrm>
-          <a:prstGeom prst="rect">
-            <a:avLst/>
-          </a:prstGeom>
-          <a:solidFill>
-            <a:schemeClr val="accent6">
-              <a:lumMod val="20000"/>
-              <a:lumOff val="80000"/>
-            </a:schemeClr>
-          </a:solidFill>
-        </p:spPr>
-        <p:style>
-          <a:lnRef idx="2">
-            <a:schemeClr val="accent1">
-              <a:shade val="50000"/>
-            </a:schemeClr>
-          </a:lnRef>
-          <a:fillRef idx="1">
-            <a:schemeClr val="accent1"/>
-          </a:fillRef>
-          <a:effectRef idx="0">
-            <a:schemeClr val="accent1"/>
-          </a:effectRef>
-          <a:fontRef idx="minor">
-            <a:schemeClr val="lt1"/>
-          </a:fontRef>
-        </p:style>
-        <p:txBody>
-          <a:bodyPr rtlCol="0" anchor="ctr"/>
-          <a:lstStyle/>
-          <a:p>
-            <a:pPr algn="ctr"/>
-            <a:r>
-              <a:rPr lang="zh-CN" altLang="en-US" dirty="0">
-                <a:solidFill>
-                  <a:schemeClr val="tx1"/>
-                </a:solidFill>
-              </a:rPr>
-              <a:t>门禁</a:t>
-            </a:r>
-            <a:r>
-              <a:rPr lang="zh-CN" altLang="en-US" dirty="0" smtClean="0">
-                <a:solidFill>
-                  <a:schemeClr val="tx1"/>
-                </a:solidFill>
-              </a:rPr>
-              <a:t>控制系统</a:t>
-            </a:r>
-            <a:endParaRPr lang="zh-CN" altLang="en-US" dirty="0">
-              <a:solidFill>
-                <a:schemeClr val="tx1"/>
-              </a:solidFill>
-            </a:endParaRPr>
-          </a:p>
-        </p:txBody>
-      </p:sp>
-      <p:sp>
-        <p:nvSpPr>
-          <p:cNvPr id="38" name="菱形 37"/>
-          <p:cNvSpPr/>
-          <p:nvPr/>
-        </p:nvSpPr>
-        <p:spPr>
-          <a:xfrm>
-            <a:off x="2779247" y="339292"/>
-            <a:ext cx="914400" cy="914400"/>
-          </a:xfrm>
-          <a:prstGeom prst="diamond">
-            <a:avLst/>
-          </a:prstGeom>
-          <a:solidFill>
-            <a:schemeClr val="bg1">
-              <a:lumMod val="95000"/>
-            </a:schemeClr>
-          </a:solidFill>
-        </p:spPr>
-        <p:style>
-          <a:lnRef idx="2">
-            <a:schemeClr val="accent1">
-              <a:shade val="50000"/>
-            </a:schemeClr>
-          </a:lnRef>
-          <a:fillRef idx="1">
-            <a:schemeClr val="accent1"/>
-          </a:fillRef>
-          <a:effectRef idx="0">
-            <a:schemeClr val="accent1"/>
-          </a:effectRef>
-          <a:fontRef idx="minor">
-            <a:schemeClr val="lt1"/>
-          </a:fontRef>
-        </p:style>
-        <p:txBody>
-          <a:bodyPr rtlCol="0" anchor="ctr"/>
-          <a:lstStyle/>
-          <a:p>
-            <a:pPr algn="ctr"/>
-            <a:r>
-              <a:rPr lang="zh-CN" altLang="en-US" dirty="0" smtClean="0">
-                <a:solidFill>
-                  <a:schemeClr val="tx1"/>
-                </a:solidFill>
-              </a:rPr>
-              <a:t>验证</a:t>
-            </a:r>
-            <a:endParaRPr lang="zh-CN" altLang="en-US" dirty="0">
-              <a:solidFill>
-                <a:schemeClr val="tx1"/>
-              </a:solidFill>
-            </a:endParaRPr>
-          </a:p>
-        </p:txBody>
-      </p:sp>
-      <p:cxnSp>
-        <p:nvCxnSpPr>
-          <p:cNvPr id="39" name="直接连接符 38"/>
-          <p:cNvCxnSpPr>
-            <a:stCxn id="37" idx="3"/>
-            <a:endCxn id="38" idx="1"/>
-          </p:cNvCxnSpPr>
-          <p:nvPr/>
-        </p:nvCxnSpPr>
-        <p:spPr>
-          <a:xfrm flipV="1">
-            <a:off x="1944820" y="796492"/>
-            <a:ext cx="834427" cy="1"/>
-          </a:xfrm>
-          <a:prstGeom prst="line">
-            <a:avLst/>
-          </a:prstGeom>
-        </p:spPr>
-        <p:style>
-          <a:lnRef idx="1">
-            <a:schemeClr val="accent1"/>
-          </a:lnRef>
-          <a:fillRef idx="0">
-            <a:schemeClr val="accent1"/>
-          </a:fillRef>
-          <a:effectRef idx="0">
-            <a:schemeClr val="accent1"/>
-          </a:effectRef>
-          <a:fontRef idx="minor">
-            <a:schemeClr val="tx1"/>
-          </a:fontRef>
-        </p:style>
-      </p:cxnSp>
       <p:cxnSp>
         <p:nvCxnSpPr>
           <p:cNvPr id="40" name="直接连接符 39"/>
           <p:cNvCxnSpPr>
-            <a:stCxn id="38" idx="3"/>
+            <a:stCxn id="5" idx="3"/>
             <a:endCxn id="36" idx="1"/>
           </p:cNvCxnSpPr>
           <p:nvPr/>
         </p:nvCxnSpPr>
         <p:spPr>
-          <a:xfrm>
-            <a:off x="3693647" y="796492"/>
-            <a:ext cx="834427" cy="1"/>
+          <a:xfrm flipV="1">
+            <a:off x="3763049" y="1149613"/>
+            <a:ext cx="701085" cy="815262"/>
           </a:xfrm>
           <a:prstGeom prst="line">
             <a:avLst/>
@@ -6701,14 +6305,14 @@
       </p:cxnSp>
       <p:sp>
         <p:nvSpPr>
-          <p:cNvPr id="30" name="椭圆 29"/>
+          <p:cNvPr id="43" name="椭圆 42"/>
           <p:cNvSpPr/>
           <p:nvPr/>
         </p:nvSpPr>
         <p:spPr>
           <a:xfrm>
-            <a:off x="178526" y="5246351"/>
-            <a:ext cx="1023457" cy="784371"/>
+            <a:off x="5463178" y="5185068"/>
+            <a:ext cx="1161853" cy="784371"/>
           </a:xfrm>
           <a:prstGeom prst="ellipse">
             <a:avLst/>
@@ -6741,112 +6345,21 @@
           <a:lstStyle/>
           <a:p>
             <a:pPr algn="ctr"/>
-            <a:r>
-              <a:rPr lang="zh-CN" altLang="en-US" b="1" u="sng" dirty="0">
-                <a:solidFill>
-                  <a:schemeClr val="tx1"/>
-                </a:solidFill>
-              </a:rPr>
-              <a:t>机</a:t>
-            </a:r>
             <a:r>
               <a:rPr lang="zh-CN" altLang="en-US" b="1" u="sng" dirty="0" smtClean="0">
                 <a:solidFill>
                   <a:schemeClr val="tx1"/>
                 </a:solidFill>
               </a:rPr>
-              <a:t>器编号</a:t>
-            </a:r>
-            <a:endParaRPr lang="zh-CN" altLang="en-US" b="1" u="sng" dirty="0">
-              <a:solidFill>
-                <a:schemeClr val="tx1"/>
-              </a:solidFill>
-            </a:endParaRPr>
-          </a:p>
-        </p:txBody>
-      </p:sp>
-      <p:cxnSp>
-        <p:nvCxnSpPr>
-          <p:cNvPr id="20" name="直接连接符 19"/>
-          <p:cNvCxnSpPr>
-            <a:stCxn id="2" idx="2"/>
-            <a:endCxn id="30" idx="0"/>
-          </p:cNvCxnSpPr>
-          <p:nvPr/>
-        </p:nvCxnSpPr>
-        <p:spPr>
-          <a:xfrm flipH="1">
-            <a:off x="690255" y="4460839"/>
-            <a:ext cx="1786517" cy="785512"/>
-          </a:xfrm>
-          <a:prstGeom prst="line">
-            <a:avLst/>
-          </a:prstGeom>
-        </p:spPr>
-        <p:style>
-          <a:lnRef idx="1">
-            <a:schemeClr val="accent1"/>
-          </a:lnRef>
-          <a:fillRef idx="0">
-            <a:schemeClr val="accent1"/>
-          </a:fillRef>
-          <a:effectRef idx="0">
-            <a:schemeClr val="accent1"/>
-          </a:effectRef>
-          <a:fontRef idx="minor">
-            <a:schemeClr val="tx1"/>
-          </a:fontRef>
-        </p:style>
-      </p:cxnSp>
-      <p:sp>
-        <p:nvSpPr>
-          <p:cNvPr id="43" name="椭圆 42"/>
-          <p:cNvSpPr/>
-          <p:nvPr/>
-        </p:nvSpPr>
-        <p:spPr>
-          <a:xfrm>
-            <a:off x="5911990" y="5243790"/>
-            <a:ext cx="1161853" cy="784371"/>
-          </a:xfrm>
-          <a:prstGeom prst="ellipse">
-            <a:avLst/>
-          </a:prstGeom>
-          <a:solidFill>
-            <a:schemeClr val="accent4">
-              <a:lumMod val="20000"/>
-              <a:lumOff val="80000"/>
-            </a:schemeClr>
-          </a:solidFill>
-        </p:spPr>
-        <p:style>
-          <a:lnRef idx="2">
-            <a:schemeClr val="accent1">
-              <a:shade val="50000"/>
-            </a:schemeClr>
-          </a:lnRef>
-          <a:fillRef idx="1">
-            <a:schemeClr val="accent1"/>
-          </a:fillRef>
-          <a:effectRef idx="0">
-            <a:schemeClr val="accent1"/>
-          </a:effectRef>
-          <a:fontRef idx="minor">
-            <a:schemeClr val="lt1"/>
-          </a:fontRef>
-        </p:style>
-        <p:txBody>
-          <a:bodyPr rtlCol="0" anchor="ctr"/>
-          <a:lstStyle/>
-          <a:p>
-            <a:pPr algn="ctr"/>
+              <a:t>机器编</a:t>
+            </a:r>
             <a:r>
               <a:rPr lang="zh-CN" altLang="en-US" b="1" u="sng" dirty="0" smtClean="0">
                 <a:solidFill>
                   <a:schemeClr val="tx1"/>
                 </a:solidFill>
               </a:rPr>
-              <a:t>门禁编号</a:t>
+              <a:t>号</a:t>
             </a:r>
             <a:endParaRPr lang="zh-CN" altLang="en-US" b="1" u="sng" dirty="0">
               <a:solidFill>
@@ -6867,7 +6380,7 @@
         </p:nvCxnSpPr>
         <p:spPr>
           <a:xfrm flipH="1">
-            <a:off x="6492917" y="4364499"/>
+            <a:off x="6044105" y="4305777"/>
             <a:ext cx="2178298" cy="879291"/>
           </a:xfrm>
           <a:prstGeom prst="line">
@@ -6926,8 +6439,8 @@
         </p:nvSpPr>
         <p:spPr>
           <a:xfrm>
-            <a:off x="3920031" y="1623024"/>
-            <a:ext cx="306494" cy="369332"/>
+            <a:off x="3968735" y="2039914"/>
+            <a:ext cx="369012" cy="369332"/>
           </a:xfrm>
           <a:prstGeom prst="rect">
             <a:avLst/>
@@ -6941,7 +6454,7 @@
           <a:p>
             <a:r>
               <a:rPr lang="en-US" altLang="zh-CN" dirty="0" smtClean="0"/>
-              <a:t>n</a:t>
+              <a:t>m</a:t>
             </a:r>
             <a:endParaRPr lang="zh-CN" altLang="en-US" dirty="0"/>
           </a:p>
@@ -6955,7 +6468,7 @@
         </p:nvSpPr>
         <p:spPr>
           <a:xfrm>
-            <a:off x="3917627" y="452082"/>
+            <a:off x="3960344" y="1122132"/>
             <a:ext cx="306494" cy="369332"/>
           </a:xfrm>
           <a:prstGeom prst="rect">
@@ -6971,35 +6484,6 @@
             <a:r>
               <a:rPr lang="en-US" altLang="zh-CN" dirty="0" smtClean="0"/>
               <a:t>n</a:t>
-            </a:r>
-            <a:endParaRPr lang="zh-CN" altLang="en-US" dirty="0"/>
-          </a:p>
-        </p:txBody>
-      </p:sp>
-      <p:sp>
-        <p:nvSpPr>
-          <p:cNvPr id="53" name="矩形 52"/>
-          <p:cNvSpPr/>
-          <p:nvPr/>
-        </p:nvSpPr>
-        <p:spPr>
-          <a:xfrm>
-            <a:off x="2239961" y="458989"/>
-            <a:ext cx="301686" cy="369332"/>
-          </a:xfrm>
-          <a:prstGeom prst="rect">
-            <a:avLst/>
-          </a:prstGeom>
-        </p:spPr>
-        <p:txBody>
-          <a:bodyPr wrap="none">
-            <a:spAutoFit/>
-          </a:bodyPr>
-          <a:lstStyle/>
-          <a:p>
-            <a:r>
-              <a:rPr lang="en-US" altLang="zh-CN" dirty="0"/>
-              <a:t>1</a:t>
             </a:r>
             <a:endParaRPr lang="zh-CN" altLang="en-US" dirty="0"/>
           </a:p>
@@ -7166,7 +6650,7 @@
         </p:nvSpPr>
         <p:spPr>
           <a:xfrm>
-            <a:off x="382246" y="4288811"/>
+            <a:off x="824712" y="4279672"/>
             <a:ext cx="1005382" cy="565150"/>
           </a:xfrm>
           <a:prstGeom prst="rect">
@@ -7282,7 +6766,7 @@
         </p:nvSpPr>
         <p:spPr>
           <a:xfrm>
-            <a:off x="2985428" y="4293668"/>
+            <a:off x="3427894" y="4284529"/>
             <a:ext cx="748570" cy="560293"/>
           </a:xfrm>
           <a:prstGeom prst="diamond">
@@ -7337,7 +6821,7 @@
         </p:nvCxnSpPr>
         <p:spPr>
           <a:xfrm>
-            <a:off x="1387628" y="4571386"/>
+            <a:off x="1830094" y="4562247"/>
             <a:ext cx="1597800" cy="2429"/>
           </a:xfrm>
           <a:prstGeom prst="line">
@@ -7369,9 +6853,9 @@
           <p:nvPr/>
         </p:nvCxnSpPr>
         <p:spPr>
-          <a:xfrm flipV="1">
-            <a:off x="3733998" y="4568957"/>
-            <a:ext cx="2224879" cy="4858"/>
+          <a:xfrm>
+            <a:off x="4176464" y="4564676"/>
+            <a:ext cx="1782413" cy="4281"/>
           </a:xfrm>
           <a:prstGeom prst="line">
             <a:avLst/>
@@ -7458,7 +6942,7 @@
         </p:nvSpPr>
         <p:spPr>
           <a:xfrm>
-            <a:off x="213207" y="5576429"/>
+            <a:off x="658858" y="5576429"/>
             <a:ext cx="1343459" cy="767655"/>
           </a:xfrm>
           <a:prstGeom prst="diamond">
@@ -7526,8 +7010,8 @@
         </p:nvCxnSpPr>
         <p:spPr>
           <a:xfrm>
-            <a:off x="884937" y="4853961"/>
-            <a:ext cx="0" cy="722468"/>
+            <a:off x="1327403" y="4844822"/>
+            <a:ext cx="3185" cy="731607"/>
           </a:xfrm>
           <a:prstGeom prst="line">
             <a:avLst/>
@@ -7559,8 +7043,8 @@
         </p:nvCxnSpPr>
         <p:spPr>
           <a:xfrm>
-            <a:off x="1556666" y="5960257"/>
-            <a:ext cx="802942" cy="1"/>
+            <a:off x="2002317" y="5960257"/>
+            <a:ext cx="357291" cy="1"/>
           </a:xfrm>
           <a:prstGeom prst="line">
             <a:avLst/>
@@ -8751,15 +8235,7 @@
                   <a:schemeClr val="tx1"/>
                 </a:solidFill>
               </a:rPr>
-              <a:t>教室预</a:t>
-            </a:r>
-            <a:r>
-              <a:rPr lang="zh-CN" altLang="en-US" dirty="0" smtClean="0">
-                <a:solidFill>
-                  <a:schemeClr val="tx1"/>
-                </a:solidFill>
-              </a:rPr>
-              <a:t>约</a:t>
+              <a:t>教室预约</a:t>
             </a:r>
             <a:endParaRPr lang="zh-CN" altLang="en-US" dirty="0">
               <a:solidFill>
@@ -8876,7 +8352,7 @@
         </p:nvSpPr>
         <p:spPr>
           <a:xfrm>
-            <a:off x="7376033" y="3519353"/>
+            <a:off x="7825415" y="3686881"/>
             <a:ext cx="1111542" cy="503640"/>
           </a:xfrm>
           <a:prstGeom prst="rect">
@@ -8916,7 +8392,7 @@
                   <a:schemeClr val="tx1"/>
                 </a:solidFill>
               </a:rPr>
-              <a:t>门禁</a:t>
+              <a:t>进出</a:t>
             </a:r>
             <a:r>
               <a:rPr lang="zh-CN" altLang="en-US" dirty="0" smtClean="0">
@@ -8924,7 +8400,15 @@
                   <a:schemeClr val="tx1"/>
                 </a:solidFill>
               </a:rPr>
-              <a:t>控制系统</a:t>
+              <a:t>控</a:t>
+            </a:r>
+            <a:r>
+              <a:rPr lang="zh-CN" altLang="en-US" dirty="0" smtClean="0">
+                <a:solidFill>
+                  <a:schemeClr val="tx1"/>
+                </a:solidFill>
+              </a:rPr>
+              <a:t>制系统</a:t>
             </a:r>
             <a:endParaRPr lang="zh-CN" altLang="en-US" dirty="0">
               <a:solidFill>
@@ -8942,7 +8426,7 @@
         </p:nvSpPr>
         <p:spPr>
           <a:xfrm>
-            <a:off x="7538781" y="2270511"/>
+            <a:off x="7703562" y="2300142"/>
             <a:ext cx="768659" cy="685807"/>
           </a:xfrm>
           <a:prstGeom prst="diamond">
@@ -9001,9 +8485,9 @@
           <p:nvPr/>
         </p:nvCxnSpPr>
         <p:spPr>
-          <a:xfrm flipH="1">
-            <a:off x="7923111" y="1423227"/>
-            <a:ext cx="1" cy="847284"/>
+          <a:xfrm>
+            <a:off x="7923112" y="1423227"/>
+            <a:ext cx="164780" cy="876915"/>
           </a:xfrm>
           <a:prstGeom prst="line">
             <a:avLst/>
@@ -9035,8 +8519,8 @@
         </p:nvCxnSpPr>
         <p:spPr>
           <a:xfrm flipH="1" flipV="1">
-            <a:off x="7923111" y="2956318"/>
-            <a:ext cx="8693" cy="563035"/>
+            <a:off x="8087892" y="2985949"/>
+            <a:ext cx="293294" cy="700932"/>
           </a:xfrm>
           <a:prstGeom prst="line">
             <a:avLst/>
@@ -9065,7 +8549,7 @@
         </p:nvSpPr>
         <p:spPr>
           <a:xfrm>
-            <a:off x="8990986" y="2612630"/>
+            <a:off x="9416227" y="2830723"/>
             <a:ext cx="794653" cy="649974"/>
           </a:xfrm>
           <a:prstGeom prst="diamond">
@@ -9125,8 +8609,8 @@
         </p:nvCxnSpPr>
         <p:spPr>
           <a:xfrm flipH="1">
-            <a:off x="8487575" y="2937617"/>
-            <a:ext cx="503411" cy="833556"/>
+            <a:off x="8936957" y="3155710"/>
+            <a:ext cx="479270" cy="782991"/>
           </a:xfrm>
           <a:prstGeom prst="line">
             <a:avLst/>
@@ -9158,8 +8642,8 @@
         </p:nvCxnSpPr>
         <p:spPr>
           <a:xfrm flipV="1">
-            <a:off x="9785639" y="2393286"/>
-            <a:ext cx="708077" cy="544331"/>
+            <a:off x="10210880" y="2393286"/>
+            <a:ext cx="282836" cy="762424"/>
           </a:xfrm>
           <a:prstGeom prst="line">
             <a:avLst/>
@@ -9180,80 +8664,6 @@
           </a:fontRef>
         </p:style>
       </p:cxnSp>
-      <p:sp>
-        <p:nvSpPr>
-          <p:cNvPr id="246" name="矩形 245"/>
-          <p:cNvSpPr/>
-          <p:nvPr/>
-        </p:nvSpPr>
-        <p:spPr>
-          <a:xfrm>
-            <a:off x="4311152" y="3462078"/>
-            <a:ext cx="1111542" cy="503640"/>
-          </a:xfrm>
-          <a:prstGeom prst="rect">
-            <a:avLst/>
-          </a:prstGeom>
-          <a:solidFill>
-            <a:schemeClr val="accent6">
-              <a:lumMod val="20000"/>
-              <a:lumOff val="80000"/>
-            </a:schemeClr>
-          </a:solidFill>
-        </p:spPr>
-        <p:style>
-          <a:lnRef idx="2">
-            <a:schemeClr val="accent1">
-              <a:shade val="50000"/>
-            </a:schemeClr>
-          </a:lnRef>
-          <a:fillRef idx="1">
-            <a:schemeClr val="accent1"/>
-          </a:fillRef>
-          <a:effectRef idx="0">
-            <a:schemeClr val="accent1"/>
-          </a:effectRef>
-          <a:fontRef idx="minor">
-            <a:schemeClr val="lt1"/>
-          </a:fontRef>
-        </p:style>
-        <p:txBody>
-          <a:bodyPr rtlCol="0" anchor="ctr"/>
-          <a:lstStyle/>
-          <a:p>
-            <a:pPr algn="ctr"/>
-            <a:r>
-              <a:rPr lang="zh-CN" altLang="en-US" dirty="0">
-                <a:solidFill>
-                  <a:schemeClr val="tx1"/>
-                </a:solidFill>
-              </a:rPr>
-              <a:t>进出</a:t>
-            </a:r>
-            <a:r>
-              <a:rPr lang="zh-CN" altLang="en-US" dirty="0" smtClean="0">
-                <a:solidFill>
-                  <a:schemeClr val="tx1"/>
-                </a:solidFill>
-              </a:rPr>
-              <a:t>控</a:t>
-            </a:r>
-            <a:r>
-              <a:rPr lang="zh-CN" altLang="en-US" dirty="0" smtClean="0">
-                <a:solidFill>
-                  <a:schemeClr val="tx1"/>
-                </a:solidFill>
-              </a:rPr>
-              <a:t>制系统</a:t>
-            </a:r>
-            <a:endParaRPr lang="zh-CN" altLang="en-US" dirty="0">
-              <a:solidFill>
-                <a:schemeClr val="tx1"/>
-              </a:solidFill>
-            </a:endParaRPr>
-          </a:p>
-        </p:txBody>
-      </p:sp>
       <p:sp>
         <p:nvSpPr>
           <p:cNvPr id="247" name="菱形 246"/>
@@ -9262,7 +8672,7 @@
         </p:nvSpPr>
         <p:spPr>
           <a:xfrm>
-            <a:off x="4475500" y="2360720"/>
+            <a:off x="5113113" y="2578883"/>
             <a:ext cx="768659" cy="685807"/>
           </a:xfrm>
           <a:prstGeom prst="diamond">
@@ -9315,15 +8725,15 @@
         <p:nvCxnSpPr>
           <p:cNvPr id="248" name="直接连接符 247"/>
           <p:cNvCxnSpPr>
-            <a:stCxn id="246" idx="0"/>
+            <a:stCxn id="219" idx="1"/>
             <a:endCxn id="247" idx="2"/>
           </p:cNvCxnSpPr>
           <p:nvPr/>
         </p:nvCxnSpPr>
         <p:spPr>
           <a:xfrm flipH="1" flipV="1">
-            <a:off x="4859830" y="3046527"/>
-            <a:ext cx="7093" cy="415551"/>
+            <a:off x="5497443" y="3264690"/>
+            <a:ext cx="2327972" cy="674011"/>
           </a:xfrm>
           <a:prstGeom prst="line">
             <a:avLst/>
@@ -9356,7 +8766,7 @@
         <p:spPr>
           <a:xfrm>
             <a:off x="4857524" y="1452589"/>
-            <a:ext cx="2306" cy="908131"/>
+            <a:ext cx="639919" cy="1126294"/>
           </a:xfrm>
           <a:prstGeom prst="line">
             <a:avLst/>
@@ -9385,7 +8795,7 @@
         </p:nvSpPr>
         <p:spPr>
           <a:xfrm>
-            <a:off x="3221182" y="2712954"/>
+            <a:off x="4281651" y="3264690"/>
             <a:ext cx="794653" cy="649974"/>
           </a:xfrm>
           <a:prstGeom prst="diamond">
@@ -9439,14 +8849,14 @@
           <p:cNvPr id="263" name="直接连接符 262"/>
           <p:cNvCxnSpPr>
             <a:stCxn id="261" idx="2"/>
-            <a:endCxn id="246" idx="1"/>
+            <a:endCxn id="219" idx="1"/>
           </p:cNvCxnSpPr>
           <p:nvPr/>
         </p:nvCxnSpPr>
         <p:spPr>
           <a:xfrm>
-            <a:off x="3618509" y="3362928"/>
-            <a:ext cx="692643" cy="350970"/>
+            <a:off x="4678978" y="3914664"/>
+            <a:ext cx="3146437" cy="24037"/>
           </a:xfrm>
           <a:prstGeom prst="line">
             <a:avLst/>
@@ -9479,40 +8889,7 @@
         <p:spPr>
           <a:xfrm flipH="1" flipV="1">
             <a:off x="2913219" y="2393286"/>
-            <a:ext cx="705290" cy="319668"/>
-          </a:xfrm>
-          <a:prstGeom prst="line">
-            <a:avLst/>
-          </a:prstGeom>
-        </p:spPr>
-        <p:style>
-          <a:lnRef idx="1">
-            <a:schemeClr val="accent1"/>
-          </a:lnRef>
-          <a:fillRef idx="0">
-            <a:schemeClr val="accent1"/>
-          </a:fillRef>
-          <a:effectRef idx="0">
-            <a:schemeClr val="accent1"/>
-          </a:effectRef>
-          <a:fontRef idx="minor">
-            <a:schemeClr val="tx1"/>
-          </a:fontRef>
-        </p:style>
-      </p:cxnSp>
-      <p:cxnSp>
-        <p:nvCxnSpPr>
-          <p:cNvPr id="281" name="直接连接符 280"/>
-          <p:cNvCxnSpPr>
-            <a:stCxn id="246" idx="2"/>
-            <a:endCxn id="14" idx="1"/>
-          </p:cNvCxnSpPr>
-          <p:nvPr/>
-        </p:nvCxnSpPr>
-        <p:spPr>
-          <a:xfrm>
-            <a:off x="4866923" y="3965718"/>
-            <a:ext cx="1170532" cy="1994539"/>
+            <a:ext cx="1765759" cy="871404"/>
           </a:xfrm>
           <a:prstGeom prst="line">
             <a:avLst/>
@@ -9544,8 +8921,8 @@
         </p:nvCxnSpPr>
         <p:spPr>
           <a:xfrm flipH="1">
-            <a:off x="6987606" y="4022993"/>
-            <a:ext cx="944198" cy="1937264"/>
+            <a:off x="6987606" y="4190521"/>
+            <a:ext cx="1393580" cy="1769736"/>
           </a:xfrm>
           <a:prstGeom prst="line">
             <a:avLst/>
@@ -9574,7 +8951,7 @@
         </p:nvSpPr>
         <p:spPr>
           <a:xfrm>
-            <a:off x="1629039" y="4242230"/>
+            <a:off x="3034325" y="4237747"/>
             <a:ext cx="306494" cy="369332"/>
           </a:xfrm>
           <a:prstGeom prst="rect">
@@ -9664,7 +9041,7 @@
         </p:nvSpPr>
         <p:spPr>
           <a:xfrm>
-            <a:off x="1775229" y="5646628"/>
+            <a:off x="2027188" y="5630687"/>
             <a:ext cx="306494" cy="369332"/>
           </a:xfrm>
           <a:prstGeom prst="rect">
@@ -9814,7 +9191,7 @@
         </p:nvSpPr>
         <p:spPr>
           <a:xfrm>
-            <a:off x="6180029" y="3331837"/>
+            <a:off x="6280800" y="2570042"/>
             <a:ext cx="301686" cy="369332"/>
           </a:xfrm>
           <a:prstGeom prst="rect">
@@ -9904,7 +9281,7 @@
         </p:nvSpPr>
         <p:spPr>
           <a:xfrm>
-            <a:off x="4790135" y="1615597"/>
+            <a:off x="5110822" y="2236634"/>
             <a:ext cx="306494" cy="369332"/>
           </a:xfrm>
           <a:prstGeom prst="rect">
@@ -9958,13 +9335,13 @@
       </p:sp>
       <p:sp>
         <p:nvSpPr>
-          <p:cNvPr id="318" name="文本框 317"/>
+          <p:cNvPr id="319" name="文本框 318"/>
           <p:cNvSpPr txBox="1"/>
           <p:nvPr/>
         </p:nvSpPr>
         <p:spPr>
           <a:xfrm>
-            <a:off x="3586951" y="866228"/>
+            <a:off x="2598779" y="1501374"/>
             <a:ext cx="306494" cy="369332"/>
           </a:xfrm>
           <a:prstGeom prst="rect">
@@ -9988,13 +9365,13 @@
       </p:sp>
       <p:sp>
         <p:nvSpPr>
-          <p:cNvPr id="319" name="文本框 318"/>
+          <p:cNvPr id="320" name="文本框 319"/>
           <p:cNvSpPr txBox="1"/>
           <p:nvPr/>
         </p:nvSpPr>
         <p:spPr>
           <a:xfrm>
-            <a:off x="2598779" y="1501374"/>
+            <a:off x="10026954" y="2611872"/>
             <a:ext cx="306494" cy="369332"/>
           </a:xfrm>
           <a:prstGeom prst="rect">
@@ -10010,7 +9387,7 @@
           <a:p>
             <a:r>
               <a:rPr lang="en-US" altLang="zh-CN" dirty="0" smtClean="0"/>
-              <a:t>1</a:t>
+              <a:t>n</a:t>
             </a:r>
             <a:endParaRPr lang="zh-CN" altLang="en-US" dirty="0"/>
           </a:p>
@@ -10018,13 +9395,13 @@
       </p:sp>
       <p:sp>
         <p:nvSpPr>
-          <p:cNvPr id="320" name="文本框 319"/>
+          <p:cNvPr id="321" name="文本框 320"/>
           <p:cNvSpPr txBox="1"/>
           <p:nvPr/>
         </p:nvSpPr>
         <p:spPr>
           <a:xfrm>
-            <a:off x="9855643" y="2434577"/>
+            <a:off x="7903267" y="1538557"/>
             <a:ext cx="306494" cy="369332"/>
           </a:xfrm>
           <a:prstGeom prst="rect">
@@ -10040,7 +9417,7 @@
           <a:p>
             <a:r>
               <a:rPr lang="en-US" altLang="zh-CN" dirty="0" smtClean="0"/>
-              <a:t>n</a:t>
+              <a:t>1</a:t>
             </a:r>
             <a:endParaRPr lang="zh-CN" altLang="en-US" dirty="0"/>
           </a:p>
@@ -10048,13 +9425,13 @@
       </p:sp>
       <p:sp>
         <p:nvSpPr>
-          <p:cNvPr id="321" name="文本框 320"/>
+          <p:cNvPr id="322" name="文本框 321"/>
           <p:cNvSpPr txBox="1"/>
           <p:nvPr/>
         </p:nvSpPr>
         <p:spPr>
           <a:xfrm>
-            <a:off x="7906876" y="1585247"/>
+            <a:off x="9182039" y="832380"/>
             <a:ext cx="306494" cy="369332"/>
           </a:xfrm>
           <a:prstGeom prst="rect">
@@ -10070,7 +9447,7 @@
           <a:p>
             <a:r>
               <a:rPr lang="en-US" altLang="zh-CN" dirty="0" smtClean="0"/>
-              <a:t>1</a:t>
+              <a:t>n</a:t>
             </a:r>
             <a:endParaRPr lang="zh-CN" altLang="en-US" dirty="0"/>
           </a:p>
@@ -10078,13 +9455,13 @@
       </p:sp>
       <p:sp>
         <p:nvSpPr>
-          <p:cNvPr id="322" name="文本框 321"/>
+          <p:cNvPr id="328" name="文本框 327"/>
           <p:cNvSpPr txBox="1"/>
           <p:nvPr/>
         </p:nvSpPr>
         <p:spPr>
           <a:xfrm>
-            <a:off x="9182039" y="832380"/>
+            <a:off x="5835695" y="3077437"/>
             <a:ext cx="306494" cy="369332"/>
           </a:xfrm>
           <a:prstGeom prst="rect">
@@ -10108,14 +9485,14 @@
       </p:sp>
       <p:sp>
         <p:nvSpPr>
-          <p:cNvPr id="328" name="文本框 327"/>
+          <p:cNvPr id="329" name="文本框 328"/>
           <p:cNvSpPr txBox="1"/>
           <p:nvPr/>
         </p:nvSpPr>
         <p:spPr>
           <a:xfrm>
-            <a:off x="4821063" y="3077938"/>
-            <a:ext cx="306494" cy="369332"/>
+            <a:off x="2648342" y="2974570"/>
+            <a:ext cx="301686" cy="369332"/>
           </a:xfrm>
           <a:prstGeom prst="rect">
             <a:avLst/>
@@ -10129,8 +9506,8 @@
           <a:lstStyle/>
           <a:p>
             <a:r>
-              <a:rPr lang="en-US" altLang="zh-CN" dirty="0" smtClean="0"/>
-              <a:t>n</a:t>
+              <a:rPr lang="en-US" altLang="zh-CN" dirty="0"/>
+              <a:t>1</a:t>
             </a:r>
             <a:endParaRPr lang="zh-CN" altLang="en-US" dirty="0"/>
           </a:p>
@@ -10138,13 +9515,13 @@
       </p:sp>
       <p:sp>
         <p:nvSpPr>
-          <p:cNvPr id="329" name="文本框 328"/>
+          <p:cNvPr id="330" name="文本框 329"/>
           <p:cNvSpPr txBox="1"/>
           <p:nvPr/>
         </p:nvSpPr>
         <p:spPr>
           <a:xfrm>
-            <a:off x="2648342" y="2974570"/>
+            <a:off x="1104994" y="5176291"/>
             <a:ext cx="301686" cy="369332"/>
           </a:xfrm>
           <a:prstGeom prst="rect">
@@ -10168,13 +9545,13 @@
       </p:sp>
       <p:sp>
         <p:nvSpPr>
-          <p:cNvPr id="330" name="文本框 329"/>
+          <p:cNvPr id="331" name="文本框 330"/>
           <p:cNvSpPr txBox="1"/>
           <p:nvPr/>
         </p:nvSpPr>
         <p:spPr>
           <a:xfrm>
-            <a:off x="1016325" y="5249498"/>
+            <a:off x="10476711" y="2884970"/>
             <a:ext cx="301686" cy="369332"/>
           </a:xfrm>
           <a:prstGeom prst="rect">
@@ -10198,13 +9575,13 @@
       </p:sp>
       <p:sp>
         <p:nvSpPr>
-          <p:cNvPr id="331" name="文本框 330"/>
+          <p:cNvPr id="332" name="文本框 331"/>
           <p:cNvSpPr txBox="1"/>
           <p:nvPr/>
         </p:nvSpPr>
         <p:spPr>
           <a:xfrm>
-            <a:off x="10476711" y="2884970"/>
+            <a:off x="10476711" y="4991625"/>
             <a:ext cx="301686" cy="369332"/>
           </a:xfrm>
           <a:prstGeom prst="rect">
@@ -10228,14 +9605,14 @@
       </p:sp>
       <p:sp>
         <p:nvSpPr>
-          <p:cNvPr id="332" name="文本框 331"/>
+          <p:cNvPr id="335" name="文本框 334"/>
           <p:cNvSpPr txBox="1"/>
           <p:nvPr/>
         </p:nvSpPr>
         <p:spPr>
           <a:xfrm>
-            <a:off x="10476711" y="4991625"/>
-            <a:ext cx="301686" cy="369332"/>
+            <a:off x="9260080" y="3243766"/>
+            <a:ext cx="306494" cy="369332"/>
           </a:xfrm>
           <a:prstGeom prst="rect">
             <a:avLst/>
@@ -10249,7 +9626,7 @@
           <a:lstStyle/>
           <a:p>
             <a:r>
-              <a:rPr lang="en-US" altLang="zh-CN" dirty="0"/>
+              <a:rPr lang="en-US" altLang="zh-CN" dirty="0" smtClean="0"/>
               <a:t>1</a:t>
             </a:r>
             <a:endParaRPr lang="zh-CN" altLang="en-US" dirty="0"/>
@@ -10258,13 +9635,13 @@
       </p:sp>
       <p:sp>
         <p:nvSpPr>
-          <p:cNvPr id="335" name="文本框 334"/>
+          <p:cNvPr id="336" name="文本框 335"/>
           <p:cNvSpPr txBox="1"/>
           <p:nvPr/>
         </p:nvSpPr>
         <p:spPr>
           <a:xfrm>
-            <a:off x="8495966" y="3046527"/>
+            <a:off x="4152019" y="3063560"/>
             <a:ext cx="306494" cy="369332"/>
           </a:xfrm>
           <a:prstGeom prst="rect">
@@ -10280,7 +9657,7 @@
           <a:p>
             <a:r>
               <a:rPr lang="en-US" altLang="zh-CN" dirty="0" smtClean="0"/>
-              <a:t>1</a:t>
+              <a:t>n</a:t>
             </a:r>
             <a:endParaRPr lang="zh-CN" altLang="en-US" dirty="0"/>
           </a:p>
@@ -10288,13 +9665,13 @@
       </p:sp>
       <p:sp>
         <p:nvSpPr>
-          <p:cNvPr id="336" name="文本框 335"/>
+          <p:cNvPr id="337" name="文本框 336"/>
           <p:cNvSpPr txBox="1"/>
           <p:nvPr/>
         </p:nvSpPr>
         <p:spPr>
           <a:xfrm>
-            <a:off x="3091550" y="2511824"/>
+            <a:off x="5024236" y="3609141"/>
             <a:ext cx="306494" cy="369332"/>
           </a:xfrm>
           <a:prstGeom prst="rect">
@@ -10310,7 +9687,7 @@
           <a:p>
             <a:r>
               <a:rPr lang="en-US" altLang="zh-CN" dirty="0" smtClean="0"/>
-              <a:t>n</a:t>
+              <a:t>1</a:t>
             </a:r>
             <a:endParaRPr lang="zh-CN" altLang="en-US" dirty="0"/>
           </a:p>
@@ -10318,13 +9695,13 @@
       </p:sp>
       <p:sp>
         <p:nvSpPr>
-          <p:cNvPr id="337" name="文本框 336"/>
+          <p:cNvPr id="338" name="文本框 337"/>
           <p:cNvSpPr txBox="1"/>
           <p:nvPr/>
         </p:nvSpPr>
         <p:spPr>
           <a:xfrm>
-            <a:off x="3892131" y="3154569"/>
+            <a:off x="8158460" y="3061001"/>
             <a:ext cx="306494" cy="369332"/>
           </a:xfrm>
           <a:prstGeom prst="rect">
@@ -10348,13 +9725,13 @@
       </p:sp>
       <p:sp>
         <p:nvSpPr>
-          <p:cNvPr id="338" name="文本框 337"/>
+          <p:cNvPr id="87" name="文本框 86"/>
           <p:cNvSpPr txBox="1"/>
           <p:nvPr/>
         </p:nvSpPr>
         <p:spPr>
           <a:xfrm>
-            <a:off x="7927782" y="2999507"/>
+            <a:off x="3635102" y="854707"/>
             <a:ext cx="306494" cy="369332"/>
           </a:xfrm>
           <a:prstGeom prst="rect">
@@ -10371,36 +9748,6 @@
             <a:r>
               <a:rPr lang="en-US" altLang="zh-CN" dirty="0" smtClean="0"/>
               <a:t>n</a:t>
-            </a:r>
-            <a:endParaRPr lang="zh-CN" altLang="en-US" dirty="0"/>
-          </a:p>
-        </p:txBody>
-      </p:sp>
-      <p:sp>
-        <p:nvSpPr>
-          <p:cNvPr id="339" name="文本框 338"/>
-          <p:cNvSpPr txBox="1"/>
-          <p:nvPr/>
-        </p:nvSpPr>
-        <p:spPr>
-          <a:xfrm>
-            <a:off x="5265827" y="4991976"/>
-            <a:ext cx="274434" cy="369332"/>
-          </a:xfrm>
-          <a:prstGeom prst="rect">
-            <a:avLst/>
-          </a:prstGeom>
-          <a:noFill/>
-        </p:spPr>
-        <p:txBody>
-          <a:bodyPr wrap="none" rtlCol="0">
-            <a:spAutoFit/>
-          </a:bodyPr>
-          <a:lstStyle/>
-          <a:p>
-            <a:r>
-              <a:rPr lang="en-US" altLang="zh-CN" dirty="0" smtClean="0"/>
-              <a:t>s</a:t>
             </a:r>
             <a:endParaRPr lang="zh-CN" altLang="en-US" dirty="0"/>
           </a:p>
@@ -12857,7 +12204,7 @@
         </p:nvSpPr>
         <p:spPr>
           <a:xfrm>
-            <a:off x="2924538" y="2154980"/>
+            <a:off x="2506331" y="3231011"/>
             <a:ext cx="1005382" cy="565150"/>
           </a:xfrm>
           <a:prstGeom prst="rect">
@@ -12973,7 +12320,7 @@
         </p:nvSpPr>
         <p:spPr>
           <a:xfrm>
-            <a:off x="4661648" y="2159936"/>
+            <a:off x="3978720" y="3235338"/>
             <a:ext cx="748570" cy="560293"/>
           </a:xfrm>
           <a:prstGeom prst="diamond">
@@ -13028,8 +12375,8 @@
         </p:nvCxnSpPr>
         <p:spPr>
           <a:xfrm>
-            <a:off x="3929920" y="2437555"/>
-            <a:ext cx="731728" cy="2528"/>
+            <a:off x="3511713" y="3513586"/>
+            <a:ext cx="467007" cy="1899"/>
           </a:xfrm>
           <a:prstGeom prst="line">
             <a:avLst/>
@@ -13055,14 +12402,14 @@
           <p:cNvPr id="6" name="直接连接符 5"/>
           <p:cNvCxnSpPr>
             <a:stCxn id="4" idx="3"/>
-            <a:endCxn id="3" idx="0"/>
+            <a:endCxn id="3" idx="1"/>
           </p:cNvCxnSpPr>
           <p:nvPr/>
         </p:nvCxnSpPr>
         <p:spPr>
-          <a:xfrm>
-            <a:off x="5410218" y="2440083"/>
-            <a:ext cx="298403" cy="836041"/>
+          <a:xfrm flipV="1">
+            <a:off x="4727290" y="3513587"/>
+            <a:ext cx="427677" cy="1898"/>
           </a:xfrm>
           <a:prstGeom prst="line">
             <a:avLst/>
@@ -13091,7 +12438,7 @@
         </p:nvSpPr>
         <p:spPr>
           <a:xfrm>
-            <a:off x="3055906" y="3915268"/>
+            <a:off x="3026544" y="4417382"/>
             <a:ext cx="1103952" cy="417533"/>
           </a:xfrm>
           <a:prstGeom prst="rect">
@@ -13241,9 +12588,9 @@
           <p:nvPr/>
         </p:nvCxnSpPr>
         <p:spPr>
-          <a:xfrm flipH="1" flipV="1">
-            <a:off x="4159858" y="4124035"/>
-            <a:ext cx="1073687" cy="487185"/>
+          <a:xfrm flipH="1">
+            <a:off x="4130496" y="4611220"/>
+            <a:ext cx="1103049" cy="14929"/>
           </a:xfrm>
           <a:prstGeom prst="line">
             <a:avLst/>
@@ -13272,7 +12619,7 @@
         </p:nvSpPr>
         <p:spPr>
           <a:xfrm>
-            <a:off x="7600458" y="3909420"/>
+            <a:off x="7482260" y="4400754"/>
             <a:ext cx="896256" cy="417533"/>
           </a:xfrm>
           <a:prstGeom prst="rect">
@@ -13341,8 +12688,8 @@
         </p:nvCxnSpPr>
         <p:spPr>
           <a:xfrm flipV="1">
-            <a:off x="6183696" y="4118187"/>
-            <a:ext cx="1416762" cy="493033"/>
+            <a:off x="6183696" y="4609521"/>
+            <a:ext cx="1298564" cy="1699"/>
           </a:xfrm>
           <a:prstGeom prst="line">
             <a:avLst/>
@@ -13365,13 +12712,13 @@
       </p:cxnSp>
       <p:sp>
         <p:nvSpPr>
-          <p:cNvPr id="13" name="矩形 12"/>
+          <p:cNvPr id="14" name="矩形 13"/>
           <p:cNvSpPr/>
           <p:nvPr/>
         </p:nvSpPr>
         <p:spPr>
           <a:xfrm>
-            <a:off x="7492815" y="5105062"/>
+            <a:off x="5154967" y="5500173"/>
             <a:ext cx="1111542" cy="503640"/>
           </a:xfrm>
           <a:prstGeom prst="rect">
@@ -13411,7 +12758,7 @@
                   <a:schemeClr val="tx1"/>
                 </a:solidFill>
               </a:rPr>
-              <a:t>门禁</a:t>
+              <a:t>进出</a:t>
             </a:r>
             <a:r>
               <a:rPr lang="zh-CN" altLang="en-US" dirty="0" smtClean="0">
@@ -13429,126 +12776,19 @@
           </a:p>
         </p:txBody>
       </p:sp>
-      <p:sp>
-        <p:nvSpPr>
-          <p:cNvPr id="14" name="矩形 13"/>
-          <p:cNvSpPr/>
-          <p:nvPr/>
-        </p:nvSpPr>
-        <p:spPr>
-          <a:xfrm>
-            <a:off x="3052111" y="5042295"/>
-            <a:ext cx="1111542" cy="503640"/>
-          </a:xfrm>
-          <a:prstGeom prst="rect">
-            <a:avLst/>
-          </a:prstGeom>
-          <a:solidFill>
-            <a:schemeClr val="accent6">
-              <a:lumMod val="20000"/>
-              <a:lumOff val="80000"/>
-            </a:schemeClr>
-          </a:solidFill>
-        </p:spPr>
-        <p:style>
-          <a:lnRef idx="2">
-            <a:schemeClr val="accent1">
-              <a:shade val="50000"/>
-            </a:schemeClr>
-          </a:lnRef>
-          <a:fillRef idx="1">
-            <a:schemeClr val="accent1"/>
-          </a:fillRef>
-          <a:effectRef idx="0">
-            <a:schemeClr val="accent1"/>
-          </a:effectRef>
-          <a:fontRef idx="minor">
-            <a:schemeClr val="lt1"/>
-          </a:fontRef>
-        </p:style>
-        <p:txBody>
-          <a:bodyPr rtlCol="0" anchor="ctr"/>
-          <a:lstStyle/>
-          <a:p>
-            <a:pPr algn="ctr"/>
-            <a:r>
-              <a:rPr lang="zh-CN" altLang="en-US" dirty="0">
-                <a:solidFill>
-                  <a:schemeClr val="tx1"/>
-                </a:solidFill>
-              </a:rPr>
-              <a:t>进出</a:t>
-            </a:r>
-            <a:r>
-              <a:rPr lang="zh-CN" altLang="en-US" dirty="0" smtClean="0">
-                <a:solidFill>
-                  <a:schemeClr val="tx1"/>
-                </a:solidFill>
-              </a:rPr>
-              <a:t>控</a:t>
-            </a:r>
-            <a:r>
-              <a:rPr lang="zh-CN" altLang="en-US" dirty="0" smtClean="0">
-                <a:solidFill>
-                  <a:schemeClr val="tx1"/>
-                </a:solidFill>
-              </a:rPr>
-              <a:t>制系统</a:t>
-            </a:r>
-            <a:endParaRPr lang="zh-CN" altLang="en-US" dirty="0">
-              <a:solidFill>
-                <a:schemeClr val="tx1"/>
-              </a:solidFill>
-            </a:endParaRPr>
-          </a:p>
-        </p:txBody>
-      </p:sp>
       <p:cxnSp>
         <p:nvCxnSpPr>
           <p:cNvPr id="15" name="直接连接符 14"/>
           <p:cNvCxnSpPr>
             <a:stCxn id="14" idx="0"/>
-            <a:endCxn id="9" idx="1"/>
+            <a:endCxn id="9" idx="2"/>
           </p:cNvCxnSpPr>
           <p:nvPr/>
         </p:nvCxnSpPr>
         <p:spPr>
-          <a:xfrm flipV="1">
-            <a:off x="3607882" y="4611220"/>
-            <a:ext cx="1625663" cy="431075"/>
-          </a:xfrm>
-          <a:prstGeom prst="line">
-            <a:avLst/>
-          </a:prstGeom>
-        </p:spPr>
-        <p:style>
-          <a:lnRef idx="1">
-            <a:schemeClr val="accent1"/>
-          </a:lnRef>
-          <a:fillRef idx="0">
-            <a:schemeClr val="accent1"/>
-          </a:fillRef>
-          <a:effectRef idx="0">
-            <a:schemeClr val="accent1"/>
-          </a:effectRef>
-          <a:fontRef idx="minor">
-            <a:schemeClr val="tx1"/>
-          </a:fontRef>
-        </p:style>
-      </p:cxnSp>
-      <p:cxnSp>
-        <p:nvCxnSpPr>
-          <p:cNvPr id="16" name="直接连接符 15"/>
-          <p:cNvCxnSpPr>
-            <a:stCxn id="13" idx="0"/>
-            <a:endCxn id="9" idx="3"/>
-          </p:cNvCxnSpPr>
-          <p:nvPr/>
-        </p:nvCxnSpPr>
-        <p:spPr>
           <a:xfrm flipH="1" flipV="1">
-            <a:off x="6183696" y="4611220"/>
-            <a:ext cx="1864890" cy="493842"/>
+            <a:off x="5708621" y="4924849"/>
+            <a:ext cx="2117" cy="575324"/>
           </a:xfrm>
           <a:prstGeom prst="line">
             <a:avLst/>
@@ -13577,7 +12817,7 @@
         </p:nvSpPr>
         <p:spPr>
           <a:xfrm>
-            <a:off x="8641286" y="2675856"/>
+            <a:off x="4815565" y="1682546"/>
             <a:ext cx="1101797" cy="469785"/>
           </a:xfrm>
           <a:prstGeom prst="rect">
@@ -13635,7 +12875,7 @@
         </p:nvSpPr>
         <p:spPr>
           <a:xfrm>
-            <a:off x="8604357" y="1460533"/>
+            <a:off x="8149647" y="1682545"/>
             <a:ext cx="1138726" cy="469785"/>
           </a:xfrm>
           <a:prstGeom prst="rect">
@@ -13693,7 +12933,7 @@
         </p:nvSpPr>
         <p:spPr>
           <a:xfrm>
-            <a:off x="6937055" y="1926680"/>
+            <a:off x="6656878" y="2523238"/>
             <a:ext cx="792755" cy="639335"/>
           </a:xfrm>
           <a:prstGeom prst="diamond">
@@ -13749,15 +12989,15 @@
         <p:nvCxnSpPr>
           <p:cNvPr id="20" name="直接连接符 19"/>
           <p:cNvCxnSpPr>
-            <a:stCxn id="19" idx="3"/>
+            <a:stCxn id="19" idx="0"/>
             <a:endCxn id="18" idx="1"/>
           </p:cNvCxnSpPr>
           <p:nvPr/>
         </p:nvCxnSpPr>
         <p:spPr>
           <a:xfrm flipV="1">
-            <a:off x="7729810" y="1695426"/>
-            <a:ext cx="874547" cy="550922"/>
+            <a:off x="7053256" y="1917438"/>
+            <a:ext cx="1096391" cy="605800"/>
           </a:xfrm>
           <a:prstGeom prst="line">
             <a:avLst/>
@@ -13789,8 +13029,8 @@
         </p:nvCxnSpPr>
         <p:spPr>
           <a:xfrm flipH="1">
-            <a:off x="5708621" y="2246348"/>
-            <a:ext cx="1228434" cy="1029776"/>
+            <a:off x="5708621" y="2842906"/>
+            <a:ext cx="948257" cy="433218"/>
           </a:xfrm>
           <a:prstGeom prst="line">
             <a:avLst/>
@@ -13815,15 +13055,15 @@
         <p:nvCxnSpPr>
           <p:cNvPr id="22" name="直接连接符 21"/>
           <p:cNvCxnSpPr>
-            <a:stCxn id="19" idx="3"/>
-            <a:endCxn id="17" idx="1"/>
+            <a:stCxn id="19" idx="0"/>
+            <a:endCxn id="17" idx="3"/>
           </p:cNvCxnSpPr>
           <p:nvPr/>
         </p:nvCxnSpPr>
         <p:spPr>
-          <a:xfrm>
-            <a:off x="7729810" y="2246348"/>
-            <a:ext cx="911476" cy="664401"/>
+          <a:xfrm flipH="1" flipV="1">
+            <a:off x="5917362" y="1917439"/>
+            <a:ext cx="1135894" cy="605799"/>
           </a:xfrm>
           <a:prstGeom prst="line">
             <a:avLst/>
@@ -13852,7 +13092,7 @@
         </p:nvSpPr>
         <p:spPr>
           <a:xfrm>
-            <a:off x="7402145" y="2867358"/>
+            <a:off x="7915703" y="2387223"/>
             <a:ext cx="964373" cy="500104"/>
           </a:xfrm>
           <a:prstGeom prst="ellipse">
@@ -13906,15 +13146,15 @@
         <p:nvCxnSpPr>
           <p:cNvPr id="24" name="直接连接符 23"/>
           <p:cNvCxnSpPr>
-            <a:stCxn id="19" idx="2"/>
-            <a:endCxn id="23" idx="0"/>
+            <a:stCxn id="19" idx="3"/>
+            <a:endCxn id="23" idx="2"/>
           </p:cNvCxnSpPr>
           <p:nvPr/>
         </p:nvCxnSpPr>
         <p:spPr>
-          <a:xfrm>
-            <a:off x="7333433" y="2566015"/>
-            <a:ext cx="550899" cy="301343"/>
+          <a:xfrm flipV="1">
+            <a:off x="7449633" y="2637275"/>
+            <a:ext cx="466070" cy="205631"/>
           </a:xfrm>
           <a:prstGeom prst="line">
             <a:avLst/>
@@ -13943,7 +13183,7 @@
         </p:nvSpPr>
         <p:spPr>
           <a:xfrm>
-            <a:off x="6369060" y="2879644"/>
+            <a:off x="7896329" y="3107060"/>
             <a:ext cx="964373" cy="500104"/>
           </a:xfrm>
           <a:prstGeom prst="ellipse">
@@ -13997,15 +13237,15 @@
         <p:nvCxnSpPr>
           <p:cNvPr id="26" name="直接连接符 25"/>
           <p:cNvCxnSpPr>
-            <a:stCxn id="19" idx="2"/>
-            <a:endCxn id="25" idx="0"/>
+            <a:stCxn id="19" idx="3"/>
+            <a:endCxn id="25" idx="2"/>
           </p:cNvCxnSpPr>
           <p:nvPr/>
         </p:nvCxnSpPr>
         <p:spPr>
-          <a:xfrm flipH="1">
-            <a:off x="6851247" y="2566015"/>
-            <a:ext cx="482186" cy="313629"/>
+          <a:xfrm>
+            <a:off x="7449633" y="2842906"/>
+            <a:ext cx="446696" cy="514206"/>
           </a:xfrm>
           <a:prstGeom prst="line">
             <a:avLst/>
@@ -14034,7 +13274,7 @@
         </p:nvSpPr>
         <p:spPr>
           <a:xfrm>
-            <a:off x="4283394" y="4519051"/>
+            <a:off x="5412679" y="5033102"/>
             <a:ext cx="306494" cy="369332"/>
           </a:xfrm>
           <a:prstGeom prst="rect">
@@ -14094,7 +13334,7 @@
         </p:nvSpPr>
         <p:spPr>
           <a:xfrm>
-            <a:off x="6718305" y="3995372"/>
+            <a:off x="6567284" y="4240188"/>
             <a:ext cx="306494" cy="369332"/>
           </a:xfrm>
           <a:prstGeom prst="rect">
@@ -14118,14 +13358,14 @@
       </p:sp>
       <p:sp>
         <p:nvSpPr>
-          <p:cNvPr id="86" name="文本框 85"/>
+          <p:cNvPr id="87" name="文本框 86"/>
           <p:cNvSpPr txBox="1"/>
           <p:nvPr/>
         </p:nvSpPr>
         <p:spPr>
           <a:xfrm>
-            <a:off x="7024650" y="4526155"/>
-            <a:ext cx="306494" cy="369332"/>
+            <a:off x="4606774" y="4227816"/>
+            <a:ext cx="274434" cy="369332"/>
           </a:xfrm>
           <a:prstGeom prst="rect">
             <a:avLst/>
@@ -14140,7 +13380,7 @@
           <a:p>
             <a:r>
               <a:rPr lang="en-US" altLang="zh-CN" dirty="0" smtClean="0"/>
-              <a:t>p</a:t>
+              <a:t>s</a:t>
             </a:r>
             <a:endParaRPr lang="zh-CN" altLang="en-US" dirty="0"/>
           </a:p>
@@ -14148,14 +13388,14 @@
       </p:sp>
       <p:sp>
         <p:nvSpPr>
-          <p:cNvPr id="87" name="文本框 86"/>
+          <p:cNvPr id="93" name="文本框 92"/>
           <p:cNvSpPr txBox="1"/>
           <p:nvPr/>
         </p:nvSpPr>
         <p:spPr>
           <a:xfrm>
-            <a:off x="4570931" y="4064678"/>
-            <a:ext cx="274434" cy="369332"/>
+            <a:off x="3603514" y="3182796"/>
+            <a:ext cx="306494" cy="369332"/>
           </a:xfrm>
           <a:prstGeom prst="rect">
             <a:avLst/>
@@ -14170,7 +13410,7 @@
           <a:p>
             <a:r>
               <a:rPr lang="en-US" altLang="zh-CN" dirty="0" smtClean="0"/>
-              <a:t>s</a:t>
+              <a:t>n</a:t>
             </a:r>
             <a:endParaRPr lang="zh-CN" altLang="en-US" dirty="0"/>
           </a:p>
@@ -14178,14 +13418,14 @@
       </p:sp>
       <p:sp>
         <p:nvSpPr>
-          <p:cNvPr id="93" name="文本框 92"/>
+          <p:cNvPr id="94" name="文本框 93"/>
           <p:cNvSpPr txBox="1"/>
           <p:nvPr/>
         </p:nvSpPr>
         <p:spPr>
           <a:xfrm>
-            <a:off x="4223579" y="2154980"/>
-            <a:ext cx="306494" cy="369332"/>
+            <a:off x="6013630" y="2755062"/>
+            <a:ext cx="301686" cy="369332"/>
           </a:xfrm>
           <a:prstGeom prst="rect">
             <a:avLst/>
@@ -14200,7 +13440,7 @@
           <a:p>
             <a:r>
               <a:rPr lang="en-US" altLang="zh-CN" dirty="0" smtClean="0"/>
-              <a:t>n</a:t>
+              <a:t>1</a:t>
             </a:r>
             <a:endParaRPr lang="zh-CN" altLang="en-US" dirty="0"/>
           </a:p>
@@ -14208,13 +13448,13 @@
       </p:sp>
       <p:sp>
         <p:nvSpPr>
-          <p:cNvPr id="94" name="文本框 93"/>
+          <p:cNvPr id="95" name="文本框 94"/>
           <p:cNvSpPr txBox="1"/>
           <p:nvPr/>
         </p:nvSpPr>
         <p:spPr>
           <a:xfrm>
-            <a:off x="6132364" y="2405929"/>
+            <a:off x="4736715" y="3182796"/>
             <a:ext cx="301686" cy="369332"/>
           </a:xfrm>
           <a:prstGeom prst="rect">
@@ -14238,14 +13478,14 @@
       </p:sp>
       <p:sp>
         <p:nvSpPr>
-          <p:cNvPr id="95" name="文本框 94"/>
+          <p:cNvPr id="96" name="文本框 95"/>
           <p:cNvSpPr txBox="1"/>
           <p:nvPr/>
         </p:nvSpPr>
         <p:spPr>
           <a:xfrm>
-            <a:off x="5389720" y="2878482"/>
-            <a:ext cx="301686" cy="369332"/>
+            <a:off x="6178815" y="2048320"/>
+            <a:ext cx="306494" cy="369332"/>
           </a:xfrm>
           <a:prstGeom prst="rect">
             <a:avLst/>
@@ -14260,36 +13500,6 @@
           <a:p>
             <a:r>
               <a:rPr lang="en-US" altLang="zh-CN" dirty="0" smtClean="0"/>
-              <a:t>1</a:t>
-            </a:r>
-            <a:endParaRPr lang="zh-CN" altLang="en-US" dirty="0"/>
-          </a:p>
-        </p:txBody>
-      </p:sp>
-      <p:sp>
-        <p:nvSpPr>
-          <p:cNvPr id="96" name="文本框 95"/>
-          <p:cNvSpPr txBox="1"/>
-          <p:nvPr/>
-        </p:nvSpPr>
-        <p:spPr>
-          <a:xfrm>
-            <a:off x="8197408" y="2363025"/>
-            <a:ext cx="306494" cy="369332"/>
-          </a:xfrm>
-          <a:prstGeom prst="rect">
-            <a:avLst/>
-          </a:prstGeom>
-          <a:noFill/>
-        </p:spPr>
-        <p:txBody>
-          <a:bodyPr wrap="none" rtlCol="0">
-            <a:spAutoFit/>
-          </a:bodyPr>
-          <a:lstStyle/>
-          <a:p>
-            <a:r>
-              <a:rPr lang="en-US" altLang="zh-CN" dirty="0" smtClean="0"/>
               <a:t>q</a:t>
             </a:r>
             <a:endParaRPr lang="zh-CN" altLang="en-US" dirty="0"/>
@@ -14304,7 +13514,7 @@
         </p:nvSpPr>
         <p:spPr>
           <a:xfrm>
-            <a:off x="7926321" y="1682775"/>
+            <a:off x="7716175" y="1993693"/>
             <a:ext cx="306494" cy="369332"/>
           </a:xfrm>
           <a:prstGeom prst="rect">
@@ -15818,7 +15028,7 @@
         <p:spPr>
           <a:xfrm>
             <a:off x="2378116" y="2177754"/>
-            <a:ext cx="301686" cy="369332"/>
+            <a:ext cx="369012" cy="369332"/>
           </a:xfrm>
           <a:prstGeom prst="rect">
             <a:avLst/>
@@ -15833,7 +15043,7 @@
           <a:p>
             <a:r>
               <a:rPr lang="en-US" altLang="zh-CN" dirty="0" smtClean="0"/>
-              <a:t>1</a:t>
+              <a:t>m</a:t>
             </a:r>
             <a:endParaRPr lang="zh-CN" altLang="en-US" dirty="0"/>
           </a:p>
@@ -15878,7 +15088,7 @@
         <p:spPr>
           <a:xfrm>
             <a:off x="2457269" y="3395478"/>
-            <a:ext cx="301686" cy="369332"/>
+            <a:ext cx="306494" cy="369332"/>
           </a:xfrm>
           <a:prstGeom prst="rect">
             <a:avLst/>
@@ -15893,7 +15103,7 @@
           <a:p>
             <a:r>
               <a:rPr lang="en-US" altLang="zh-CN" dirty="0" smtClean="0"/>
-              <a:t>1</a:t>
+              <a:t>n</a:t>
             </a:r>
             <a:endParaRPr lang="zh-CN" altLang="en-US" dirty="0"/>
           </a:p>
@@ -16251,15 +15461,7 @@
                   <a:schemeClr val="tx1"/>
                 </a:solidFill>
               </a:rPr>
-              <a:t>状</a:t>
-            </a:r>
-            <a:r>
-              <a:rPr lang="zh-CN" altLang="en-US" dirty="0" smtClean="0">
-                <a:solidFill>
-                  <a:schemeClr val="tx1"/>
-                </a:solidFill>
-              </a:rPr>
-              <a:t>态</a:t>
+              <a:t>状态</a:t>
             </a:r>
             <a:endParaRPr lang="zh-CN" altLang="en-US" dirty="0">
               <a:solidFill>
@@ -16622,15 +15824,7 @@
                   <a:schemeClr val="tx1"/>
                 </a:solidFill>
               </a:rPr>
-              <a:t>到位时</a:t>
-            </a:r>
-            <a:r>
-              <a:rPr lang="zh-CN" altLang="en-US" dirty="0" smtClean="0">
-                <a:solidFill>
-                  <a:schemeClr val="tx1"/>
-                </a:solidFill>
-              </a:rPr>
-              <a:t>间</a:t>
+              <a:t>到位时间</a:t>
             </a:r>
             <a:endParaRPr lang="zh-CN" altLang="en-US" dirty="0">
               <a:solidFill>

--- a/ours/E-R图初稿.pptx
+++ b/ours/E-R图初稿.pptx
@@ -254,7 +254,7 @@
           <a:p>
             <a:fld id="{07BB1640-576C-4106-8BBF-5EE4E1757382}" type="datetimeFigureOut">
               <a:rPr lang="zh-CN" altLang="en-US" smtClean="0"/>
-              <a:t>2016/10/20</a:t>
+              <a:t>2016/10/23</a:t>
             </a:fld>
             <a:endParaRPr lang="zh-CN" altLang="en-US"/>
           </a:p>
@@ -424,7 +424,7 @@
           <a:p>
             <a:fld id="{07BB1640-576C-4106-8BBF-5EE4E1757382}" type="datetimeFigureOut">
               <a:rPr lang="zh-CN" altLang="en-US" smtClean="0"/>
-              <a:t>2016/10/20</a:t>
+              <a:t>2016/10/23</a:t>
             </a:fld>
             <a:endParaRPr lang="zh-CN" altLang="en-US"/>
           </a:p>
@@ -604,7 +604,7 @@
           <a:p>
             <a:fld id="{07BB1640-576C-4106-8BBF-5EE4E1757382}" type="datetimeFigureOut">
               <a:rPr lang="zh-CN" altLang="en-US" smtClean="0"/>
-              <a:t>2016/10/20</a:t>
+              <a:t>2016/10/23</a:t>
             </a:fld>
             <a:endParaRPr lang="zh-CN" altLang="en-US"/>
           </a:p>
@@ -774,7 +774,7 @@
           <a:p>
             <a:fld id="{07BB1640-576C-4106-8BBF-5EE4E1757382}" type="datetimeFigureOut">
               <a:rPr lang="zh-CN" altLang="en-US" smtClean="0"/>
-              <a:t>2016/10/20</a:t>
+              <a:t>2016/10/23</a:t>
             </a:fld>
             <a:endParaRPr lang="zh-CN" altLang="en-US"/>
           </a:p>
@@ -1020,7 +1020,7 @@
           <a:p>
             <a:fld id="{07BB1640-576C-4106-8BBF-5EE4E1757382}" type="datetimeFigureOut">
               <a:rPr lang="zh-CN" altLang="en-US" smtClean="0"/>
-              <a:t>2016/10/20</a:t>
+              <a:t>2016/10/23</a:t>
             </a:fld>
             <a:endParaRPr lang="zh-CN" altLang="en-US"/>
           </a:p>
@@ -1252,7 +1252,7 @@
           <a:p>
             <a:fld id="{07BB1640-576C-4106-8BBF-5EE4E1757382}" type="datetimeFigureOut">
               <a:rPr lang="zh-CN" altLang="en-US" smtClean="0"/>
-              <a:t>2016/10/20</a:t>
+              <a:t>2016/10/23</a:t>
             </a:fld>
             <a:endParaRPr lang="zh-CN" altLang="en-US"/>
           </a:p>
@@ -1619,7 +1619,7 @@
           <a:p>
             <a:fld id="{07BB1640-576C-4106-8BBF-5EE4E1757382}" type="datetimeFigureOut">
               <a:rPr lang="zh-CN" altLang="en-US" smtClean="0"/>
-              <a:t>2016/10/20</a:t>
+              <a:t>2016/10/23</a:t>
             </a:fld>
             <a:endParaRPr lang="zh-CN" altLang="en-US"/>
           </a:p>
@@ -1737,7 +1737,7 @@
           <a:p>
             <a:fld id="{07BB1640-576C-4106-8BBF-5EE4E1757382}" type="datetimeFigureOut">
               <a:rPr lang="zh-CN" altLang="en-US" smtClean="0"/>
-              <a:t>2016/10/20</a:t>
+              <a:t>2016/10/23</a:t>
             </a:fld>
             <a:endParaRPr lang="zh-CN" altLang="en-US"/>
           </a:p>
@@ -1832,7 +1832,7 @@
           <a:p>
             <a:fld id="{07BB1640-576C-4106-8BBF-5EE4E1757382}" type="datetimeFigureOut">
               <a:rPr lang="zh-CN" altLang="en-US" smtClean="0"/>
-              <a:t>2016/10/20</a:t>
+              <a:t>2016/10/23</a:t>
             </a:fld>
             <a:endParaRPr lang="zh-CN" altLang="en-US"/>
           </a:p>
@@ -2109,7 +2109,7 @@
           <a:p>
             <a:fld id="{07BB1640-576C-4106-8BBF-5EE4E1757382}" type="datetimeFigureOut">
               <a:rPr lang="zh-CN" altLang="en-US" smtClean="0"/>
-              <a:t>2016/10/20</a:t>
+              <a:t>2016/10/23</a:t>
             </a:fld>
             <a:endParaRPr lang="zh-CN" altLang="en-US"/>
           </a:p>
@@ -2362,7 +2362,7 @@
           <a:p>
             <a:fld id="{07BB1640-576C-4106-8BBF-5EE4E1757382}" type="datetimeFigureOut">
               <a:rPr lang="zh-CN" altLang="en-US" smtClean="0"/>
-              <a:t>2016/10/20</a:t>
+              <a:t>2016/10/23</a:t>
             </a:fld>
             <a:endParaRPr lang="zh-CN" altLang="en-US"/>
           </a:p>
@@ -2575,7 +2575,7 @@
           <a:p>
             <a:fld id="{07BB1640-576C-4106-8BBF-5EE4E1757382}" type="datetimeFigureOut">
               <a:rPr lang="zh-CN" altLang="en-US" smtClean="0"/>
-              <a:t>2016/10/20</a:t>
+              <a:t>2016/10/23</a:t>
             </a:fld>
             <a:endParaRPr lang="zh-CN" altLang="en-US"/>
           </a:p>
@@ -5402,7 +5402,15 @@
                   <a:schemeClr val="tx1"/>
                 </a:solidFill>
               </a:rPr>
-              <a:t>开始时间</a:t>
+              <a:t>到位时</a:t>
+            </a:r>
+            <a:r>
+              <a:rPr lang="zh-CN" altLang="en-US" dirty="0" smtClean="0">
+                <a:solidFill>
+                  <a:schemeClr val="tx1"/>
+                </a:solidFill>
+              </a:rPr>
+              <a:t>间</a:t>
             </a:r>
             <a:endParaRPr lang="zh-CN" altLang="en-US" dirty="0">
               <a:solidFill>
@@ -5679,15 +5687,7 @@
                   <a:schemeClr val="tx1"/>
                 </a:solidFill>
               </a:rPr>
-              <a:t>进出控</a:t>
-            </a:r>
-            <a:r>
-              <a:rPr lang="zh-CN" altLang="en-US" dirty="0" smtClean="0">
-                <a:solidFill>
-                  <a:schemeClr val="tx1"/>
-                </a:solidFill>
-              </a:rPr>
-              <a:t>制系统</a:t>
+              <a:t>进出控制系统</a:t>
             </a:r>
             <a:endParaRPr lang="zh-CN" altLang="en-US" dirty="0">
               <a:solidFill>
@@ -6351,15 +6351,7 @@
                   <a:schemeClr val="tx1"/>
                 </a:solidFill>
               </a:rPr>
-              <a:t>机器编</a:t>
-            </a:r>
-            <a:r>
-              <a:rPr lang="zh-CN" altLang="en-US" b="1" u="sng" dirty="0" smtClean="0">
-                <a:solidFill>
-                  <a:schemeClr val="tx1"/>
-                </a:solidFill>
-              </a:rPr>
-              <a:t>号</a:t>
+              <a:t>机器编号</a:t>
             </a:r>
             <a:endParaRPr lang="zh-CN" altLang="en-US" b="1" u="sng" dirty="0">
               <a:solidFill>
@@ -6534,8 +6526,8 @@
         </p:nvSpPr>
         <p:spPr>
           <a:xfrm>
-            <a:off x="2362320" y="1923501"/>
-            <a:ext cx="1101797" cy="469785"/>
+            <a:off x="1934481" y="2039252"/>
+            <a:ext cx="1052193" cy="406240"/>
           </a:xfrm>
           <a:prstGeom prst="rect">
             <a:avLst/>
@@ -6569,14 +6561,14 @@
           <a:p>
             <a:pPr algn="ctr"/>
             <a:r>
-              <a:rPr lang="zh-CN" altLang="en-US" dirty="0" smtClean="0">
+              <a:rPr lang="zh-CN" altLang="en-US" sz="1600" dirty="0" smtClean="0">
                 <a:solidFill>
                   <a:schemeClr val="tx1"/>
                 </a:solidFill>
               </a:rPr>
               <a:t>本校学生</a:t>
             </a:r>
-            <a:endParaRPr lang="zh-CN" altLang="en-US" dirty="0">
+            <a:endParaRPr lang="zh-CN" altLang="en-US" sz="1600" dirty="0">
               <a:solidFill>
                 <a:schemeClr val="tx1"/>
               </a:solidFill>
@@ -6592,8 +6584,8 @@
         </p:nvSpPr>
         <p:spPr>
           <a:xfrm>
-            <a:off x="9924353" y="1923501"/>
-            <a:ext cx="1138726" cy="469785"/>
+            <a:off x="9496514" y="2039252"/>
+            <a:ext cx="1087460" cy="406240"/>
           </a:xfrm>
           <a:prstGeom prst="rect">
             <a:avLst/>
@@ -6627,14 +6619,14 @@
           <a:p>
             <a:pPr algn="ctr"/>
             <a:r>
-              <a:rPr lang="zh-CN" altLang="en-US" dirty="0" smtClean="0">
+              <a:rPr lang="zh-CN" altLang="en-US" sz="1600" dirty="0" smtClean="0">
                 <a:solidFill>
                   <a:schemeClr val="tx1"/>
                 </a:solidFill>
               </a:rPr>
               <a:t>本校团体</a:t>
             </a:r>
-            <a:endParaRPr lang="zh-CN" altLang="en-US" dirty="0">
+            <a:endParaRPr lang="zh-CN" altLang="en-US" sz="1600" dirty="0">
               <a:solidFill>
                 <a:schemeClr val="tx1"/>
               </a:solidFill>
@@ -6650,8 +6642,8 @@
         </p:nvSpPr>
         <p:spPr>
           <a:xfrm>
-            <a:off x="824712" y="4279672"/>
-            <a:ext cx="1005382" cy="565150"/>
+            <a:off x="396873" y="4395422"/>
+            <a:ext cx="960119" cy="488706"/>
           </a:xfrm>
           <a:prstGeom prst="rect">
             <a:avLst/>
@@ -6685,14 +6677,14 @@
           <a:p>
             <a:pPr algn="ctr"/>
             <a:r>
-              <a:rPr lang="zh-CN" altLang="en-US" dirty="0" smtClean="0">
+              <a:rPr lang="zh-CN" altLang="en-US" sz="1600" dirty="0" smtClean="0">
                 <a:solidFill>
                   <a:schemeClr val="tx1"/>
                 </a:solidFill>
               </a:rPr>
               <a:t>非本校人员</a:t>
             </a:r>
-            <a:endParaRPr lang="zh-CN" altLang="en-US" dirty="0">
+            <a:endParaRPr lang="zh-CN" altLang="en-US" sz="1600" dirty="0">
               <a:solidFill>
                 <a:schemeClr val="tx1"/>
               </a:solidFill>
@@ -6708,8 +6700,8 @@
         </p:nvSpPr>
         <p:spPr>
           <a:xfrm>
-            <a:off x="5958877" y="4331494"/>
-            <a:ext cx="1107308" cy="474925"/>
+            <a:off x="5531038" y="4447244"/>
+            <a:ext cx="1057456" cy="410685"/>
           </a:xfrm>
           <a:prstGeom prst="rect">
             <a:avLst/>
@@ -6743,14 +6735,14 @@
           <a:p>
             <a:pPr algn="ctr"/>
             <a:r>
-              <a:rPr lang="zh-CN" altLang="en-US" dirty="0" smtClean="0">
+              <a:rPr lang="zh-CN" altLang="en-US" sz="1600" dirty="0" smtClean="0">
                 <a:solidFill>
                   <a:schemeClr val="tx1"/>
                 </a:solidFill>
               </a:rPr>
               <a:t>管理员</a:t>
             </a:r>
-            <a:endParaRPr lang="zh-CN" altLang="en-US" dirty="0">
+            <a:endParaRPr lang="zh-CN" altLang="en-US" sz="1600" dirty="0">
               <a:solidFill>
                 <a:schemeClr val="tx1"/>
               </a:solidFill>
@@ -6766,8 +6758,8 @@
         </p:nvSpPr>
         <p:spPr>
           <a:xfrm>
-            <a:off x="3427894" y="4284529"/>
-            <a:ext cx="748570" cy="560293"/>
+            <a:off x="3000055" y="4400280"/>
+            <a:ext cx="714869" cy="484506"/>
           </a:xfrm>
           <a:prstGeom prst="diamond">
             <a:avLst/>
@@ -6800,7 +6792,7 @@
           <a:p>
             <a:pPr algn="ctr"/>
             <a:r>
-              <a:rPr lang="zh-CN" altLang="en-US" dirty="0">
+              <a:rPr lang="zh-CN" altLang="en-US" sz="1600" dirty="0">
                 <a:solidFill>
                   <a:schemeClr val="tx1"/>
                 </a:solidFill>
@@ -6821,8 +6813,8 @@
         </p:nvCxnSpPr>
         <p:spPr>
           <a:xfrm>
-            <a:off x="1830094" y="4562247"/>
-            <a:ext cx="1597800" cy="2429"/>
+            <a:off x="1356992" y="4639775"/>
+            <a:ext cx="1643063" cy="2758"/>
           </a:xfrm>
           <a:prstGeom prst="line">
             <a:avLst/>
@@ -6854,8 +6846,8 @@
         </p:nvCxnSpPr>
         <p:spPr>
           <a:xfrm>
-            <a:off x="4176464" y="4564676"/>
-            <a:ext cx="1782413" cy="4281"/>
+            <a:off x="3714924" y="4642533"/>
+            <a:ext cx="1816114" cy="10054"/>
           </a:xfrm>
           <a:prstGeom prst="line">
             <a:avLst/>
@@ -6884,8 +6876,8 @@
         </p:nvSpPr>
         <p:spPr>
           <a:xfrm>
-            <a:off x="2359608" y="5751491"/>
-            <a:ext cx="1103952" cy="417533"/>
+            <a:off x="1931769" y="5498655"/>
+            <a:ext cx="1054251" cy="361056"/>
           </a:xfrm>
           <a:prstGeom prst="rect">
             <a:avLst/>
@@ -6919,14 +6911,14 @@
           <a:p>
             <a:pPr algn="ctr"/>
             <a:r>
-              <a:rPr lang="zh-CN" altLang="en-US" dirty="0" smtClean="0">
+              <a:rPr lang="zh-CN" altLang="en-US" sz="1600" dirty="0" smtClean="0">
                 <a:solidFill>
                   <a:schemeClr val="tx1"/>
                 </a:solidFill>
               </a:rPr>
               <a:t>单人座位</a:t>
             </a:r>
-            <a:endParaRPr lang="zh-CN" altLang="en-US" dirty="0">
+            <a:endParaRPr lang="zh-CN" altLang="en-US" sz="1600" dirty="0">
               <a:solidFill>
                 <a:schemeClr val="tx1"/>
               </a:solidFill>
@@ -6942,8 +6934,8 @@
         </p:nvSpPr>
         <p:spPr>
           <a:xfrm>
-            <a:off x="658858" y="5576429"/>
-            <a:ext cx="1343459" cy="767655"/>
+            <a:off x="231020" y="5323592"/>
+            <a:ext cx="1282976" cy="663819"/>
           </a:xfrm>
           <a:prstGeom prst="diamond">
             <a:avLst/>
@@ -6976,7 +6968,7 @@
           <a:p>
             <a:pPr algn="ctr"/>
             <a:r>
-              <a:rPr lang="zh-CN" altLang="en-US" dirty="0">
+              <a:rPr lang="zh-CN" altLang="en-US" sz="1600" dirty="0">
                 <a:solidFill>
                   <a:schemeClr val="tx1"/>
                 </a:solidFill>
@@ -6984,14 +6976,14 @@
               <a:t>临</a:t>
             </a:r>
             <a:r>
-              <a:rPr lang="zh-CN" altLang="en-US" dirty="0" smtClean="0">
+              <a:rPr lang="zh-CN" altLang="en-US" sz="1600" dirty="0" smtClean="0">
                 <a:solidFill>
                   <a:schemeClr val="tx1"/>
                 </a:solidFill>
               </a:rPr>
               <a:t>时预约</a:t>
             </a:r>
-            <a:endParaRPr lang="zh-CN" altLang="en-US" dirty="0">
+            <a:endParaRPr lang="zh-CN" altLang="en-US" sz="1600" dirty="0">
               <a:solidFill>
                 <a:schemeClr val="tx1"/>
               </a:solidFill>
@@ -7009,9 +7001,9 @@
           <p:nvPr/>
         </p:nvCxnSpPr>
         <p:spPr>
-          <a:xfrm>
-            <a:off x="1327403" y="4844822"/>
-            <a:ext cx="3185" cy="731607"/>
+          <a:xfrm flipH="1">
+            <a:off x="872508" y="4884128"/>
+            <a:ext cx="4425" cy="439464"/>
           </a:xfrm>
           <a:prstGeom prst="line">
             <a:avLst/>
@@ -7043,8 +7035,8 @@
         </p:nvCxnSpPr>
         <p:spPr>
           <a:xfrm>
-            <a:off x="2002317" y="5960257"/>
-            <a:ext cx="357291" cy="1"/>
+            <a:off x="1513996" y="5655502"/>
+            <a:ext cx="417773" cy="23681"/>
           </a:xfrm>
           <a:prstGeom prst="line">
             <a:avLst/>
@@ -7076,8 +7068,8 @@
         </p:nvCxnSpPr>
         <p:spPr>
           <a:xfrm>
-            <a:off x="6512531" y="4806419"/>
-            <a:ext cx="0" cy="840209"/>
+            <a:off x="6059766" y="4857929"/>
+            <a:ext cx="3538" cy="535862"/>
           </a:xfrm>
           <a:prstGeom prst="line">
             <a:avLst/>
@@ -7106,8 +7098,8 @@
         </p:nvSpPr>
         <p:spPr>
           <a:xfrm>
-            <a:off x="6037455" y="5646628"/>
-            <a:ext cx="950151" cy="627258"/>
+            <a:off x="5609616" y="5393791"/>
+            <a:ext cx="907375" cy="542413"/>
           </a:xfrm>
           <a:prstGeom prst="diamond">
             <a:avLst/>
@@ -7140,14 +7132,14 @@
           <a:p>
             <a:pPr algn="ctr"/>
             <a:r>
-              <a:rPr lang="zh-CN" altLang="en-US" dirty="0" smtClean="0">
+              <a:rPr lang="zh-CN" altLang="en-US" sz="1600" dirty="0" smtClean="0">
                 <a:solidFill>
                   <a:schemeClr val="tx1"/>
                 </a:solidFill>
               </a:rPr>
               <a:t>管理</a:t>
             </a:r>
-            <a:endParaRPr lang="zh-CN" altLang="en-US" dirty="0">
+            <a:endParaRPr lang="zh-CN" altLang="en-US" sz="1600" dirty="0">
               <a:solidFill>
                 <a:schemeClr val="tx1"/>
               </a:solidFill>
@@ -7166,8 +7158,8 @@
         </p:nvCxnSpPr>
         <p:spPr>
           <a:xfrm flipH="1">
-            <a:off x="3463560" y="5960257"/>
-            <a:ext cx="2573895" cy="1"/>
+            <a:off x="2986020" y="5664998"/>
+            <a:ext cx="2623596" cy="14185"/>
           </a:xfrm>
           <a:prstGeom prst="line">
             <a:avLst/>
@@ -7196,8 +7188,8 @@
         </p:nvSpPr>
         <p:spPr>
           <a:xfrm>
-            <a:off x="5790431" y="114947"/>
-            <a:ext cx="1175538" cy="359029"/>
+            <a:off x="5362592" y="230697"/>
+            <a:ext cx="1122615" cy="310465"/>
           </a:xfrm>
           <a:prstGeom prst="rect">
             <a:avLst/>
@@ -7231,14 +7223,14 @@
           <a:p>
             <a:pPr algn="ctr"/>
             <a:r>
-              <a:rPr lang="zh-CN" altLang="en-US" dirty="0" smtClean="0">
+              <a:rPr lang="zh-CN" altLang="en-US" sz="1600" dirty="0" smtClean="0">
                 <a:solidFill>
                   <a:schemeClr val="tx1"/>
                 </a:solidFill>
               </a:rPr>
               <a:t>违约记录</a:t>
             </a:r>
-            <a:endParaRPr lang="zh-CN" altLang="en-US" dirty="0">
+            <a:endParaRPr lang="zh-CN" altLang="en-US" sz="1600" dirty="0">
               <a:solidFill>
                 <a:schemeClr val="tx1"/>
               </a:solidFill>
@@ -7254,8 +7246,8 @@
         </p:nvSpPr>
         <p:spPr>
           <a:xfrm>
-            <a:off x="4305034" y="896018"/>
-            <a:ext cx="1104979" cy="556571"/>
+            <a:off x="3877196" y="1011768"/>
+            <a:ext cx="1055232" cy="481287"/>
           </a:xfrm>
           <a:prstGeom prst="rect">
             <a:avLst/>
@@ -7289,14 +7281,14 @@
           <a:p>
             <a:pPr algn="ctr"/>
             <a:r>
-              <a:rPr lang="zh-CN" altLang="en-US" dirty="0" smtClean="0">
+              <a:rPr lang="zh-CN" altLang="en-US" sz="1600" dirty="0" smtClean="0">
                 <a:solidFill>
                   <a:schemeClr val="tx1"/>
                 </a:solidFill>
               </a:rPr>
               <a:t>个人</a:t>
             </a:r>
-            <a:endParaRPr lang="en-US" altLang="zh-CN" dirty="0" smtClean="0">
+            <a:endParaRPr lang="en-US" altLang="zh-CN" sz="1600" dirty="0" smtClean="0">
               <a:solidFill>
                 <a:schemeClr val="tx1"/>
               </a:solidFill>
@@ -7305,14 +7297,14 @@
           <a:p>
             <a:pPr algn="ctr"/>
             <a:r>
-              <a:rPr lang="zh-CN" altLang="en-US" dirty="0" smtClean="0">
+              <a:rPr lang="zh-CN" altLang="en-US" sz="1600" dirty="0" smtClean="0">
                 <a:solidFill>
                   <a:schemeClr val="tx1"/>
                 </a:solidFill>
               </a:rPr>
               <a:t>违约记录</a:t>
             </a:r>
-            <a:endParaRPr lang="zh-CN" altLang="en-US" dirty="0">
+            <a:endParaRPr lang="zh-CN" altLang="en-US" sz="1600" dirty="0">
               <a:solidFill>
                 <a:schemeClr val="tx1"/>
               </a:solidFill>
@@ -7328,8 +7320,8 @@
         </p:nvSpPr>
         <p:spPr>
           <a:xfrm>
-            <a:off x="7346387" y="896018"/>
-            <a:ext cx="1153449" cy="527209"/>
+            <a:off x="6918549" y="1011768"/>
+            <a:ext cx="1101520" cy="455897"/>
           </a:xfrm>
           <a:prstGeom prst="rect">
             <a:avLst/>
@@ -7363,14 +7355,14 @@
           <a:p>
             <a:pPr algn="ctr"/>
             <a:r>
-              <a:rPr lang="zh-CN" altLang="en-US" dirty="0" smtClean="0">
+              <a:rPr lang="zh-CN" altLang="en-US" sz="1600" dirty="0" smtClean="0">
                 <a:solidFill>
                   <a:schemeClr val="tx1"/>
                 </a:solidFill>
               </a:rPr>
               <a:t>团体</a:t>
             </a:r>
-            <a:endParaRPr lang="en-US" altLang="zh-CN" dirty="0" smtClean="0">
+            <a:endParaRPr lang="en-US" altLang="zh-CN" sz="1600" dirty="0" smtClean="0">
               <a:solidFill>
                 <a:schemeClr val="tx1"/>
               </a:solidFill>
@@ -7379,14 +7371,14 @@
           <a:p>
             <a:pPr algn="ctr"/>
             <a:r>
-              <a:rPr lang="zh-CN" altLang="en-US" dirty="0" smtClean="0">
+              <a:rPr lang="zh-CN" altLang="en-US" sz="1600" dirty="0" smtClean="0">
                 <a:solidFill>
                   <a:schemeClr val="tx1"/>
                 </a:solidFill>
               </a:rPr>
               <a:t>违约记录</a:t>
             </a:r>
-            <a:endParaRPr lang="zh-CN" altLang="en-US" dirty="0">
+            <a:endParaRPr lang="zh-CN" altLang="en-US" sz="1600" dirty="0">
               <a:solidFill>
                 <a:schemeClr val="tx1"/>
               </a:solidFill>
@@ -7405,8 +7397,8 @@
         </p:nvCxnSpPr>
         <p:spPr>
           <a:xfrm flipV="1">
-            <a:off x="5410013" y="1050894"/>
-            <a:ext cx="968187" cy="123410"/>
+            <a:off x="4932428" y="1107529"/>
+            <a:ext cx="997606" cy="144883"/>
           </a:xfrm>
           <a:prstGeom prst="line">
             <a:avLst/>
@@ -7438,8 +7430,8 @@
         </p:nvCxnSpPr>
         <p:spPr>
           <a:xfrm>
-            <a:off x="6378200" y="1050894"/>
-            <a:ext cx="968187" cy="108729"/>
+            <a:off x="5930034" y="1107529"/>
+            <a:ext cx="988515" cy="132188"/>
           </a:xfrm>
           <a:prstGeom prst="line">
             <a:avLst/>
@@ -7468,8 +7460,8 @@
         </p:nvSpPr>
         <p:spPr>
           <a:xfrm flipV="1">
-            <a:off x="5926698" y="613867"/>
-            <a:ext cx="903004" cy="437027"/>
+            <a:off x="5498859" y="729616"/>
+            <a:ext cx="862350" cy="377913"/>
           </a:xfrm>
           <a:prstGeom prst="flowChartMerge">
             <a:avLst/>
@@ -7497,7 +7489,7 @@
           <a:lstStyle/>
           <a:p>
             <a:pPr algn="ctr"/>
-            <a:endParaRPr lang="zh-CN" altLang="en-US"/>
+            <a:endParaRPr lang="zh-CN" altLang="en-US" sz="1600"/>
           </a:p>
         </p:txBody>
       </p:sp>
@@ -7512,8 +7504,8 @@
         </p:nvCxnSpPr>
         <p:spPr>
           <a:xfrm>
-            <a:off x="6378200" y="473976"/>
-            <a:ext cx="0" cy="139891"/>
+            <a:off x="5923900" y="541162"/>
+            <a:ext cx="6134" cy="188454"/>
           </a:xfrm>
           <a:prstGeom prst="line">
             <a:avLst/>
@@ -7542,8 +7534,8 @@
         </p:nvCxnSpPr>
         <p:spPr>
           <a:xfrm>
-            <a:off x="6224737" y="798438"/>
-            <a:ext cx="273006" cy="225129"/>
+            <a:off x="5796898" y="914188"/>
+            <a:ext cx="281448" cy="117531"/>
           </a:xfrm>
           <a:prstGeom prst="line">
             <a:avLst/>
@@ -7577,8 +7569,8 @@
         </p:nvCxnSpPr>
         <p:spPr>
           <a:xfrm flipV="1">
-            <a:off x="6258657" y="798438"/>
-            <a:ext cx="239086" cy="225129"/>
+            <a:off x="5796898" y="901495"/>
+            <a:ext cx="227996" cy="125861"/>
           </a:xfrm>
           <a:prstGeom prst="line">
             <a:avLst/>
@@ -7612,8 +7604,8 @@
         </p:nvSpPr>
         <p:spPr>
           <a:xfrm>
-            <a:off x="2509229" y="832381"/>
-            <a:ext cx="805824" cy="686412"/>
+            <a:off x="2081390" y="948131"/>
+            <a:ext cx="769545" cy="593565"/>
           </a:xfrm>
           <a:prstGeom prst="diamond">
             <a:avLst/>
@@ -7646,7 +7638,7 @@
           <a:p>
             <a:pPr algn="ctr"/>
             <a:r>
-              <a:rPr lang="zh-CN" altLang="en-US" dirty="0">
+              <a:rPr lang="zh-CN" altLang="en-US" sz="1600" dirty="0">
                 <a:solidFill>
                   <a:schemeClr val="tx1"/>
                 </a:solidFill>
@@ -7666,9 +7658,9 @@
           <p:nvPr/>
         </p:nvCxnSpPr>
         <p:spPr>
-          <a:xfrm flipV="1">
-            <a:off x="3315053" y="1174304"/>
-            <a:ext cx="989981" cy="1283"/>
+          <a:xfrm>
+            <a:off x="2850935" y="1244914"/>
+            <a:ext cx="1026261" cy="7498"/>
           </a:xfrm>
           <a:prstGeom prst="line">
             <a:avLst/>
@@ -7699,9 +7691,9 @@
           <p:nvPr/>
         </p:nvCxnSpPr>
         <p:spPr>
-          <a:xfrm>
-            <a:off x="2912141" y="1518793"/>
-            <a:ext cx="1078" cy="404708"/>
+          <a:xfrm flipH="1">
+            <a:off x="2460578" y="1541696"/>
+            <a:ext cx="5585" cy="497556"/>
           </a:xfrm>
           <a:prstGeom prst="line">
             <a:avLst/>
@@ -7730,8 +7722,8 @@
         </p:nvSpPr>
         <p:spPr>
           <a:xfrm>
-            <a:off x="10090804" y="819556"/>
-            <a:ext cx="805824" cy="686412"/>
+            <a:off x="9662965" y="935306"/>
+            <a:ext cx="769545" cy="593565"/>
           </a:xfrm>
           <a:prstGeom prst="diamond">
             <a:avLst/>
@@ -7764,7 +7756,7 @@
           <a:p>
             <a:pPr algn="ctr"/>
             <a:r>
-              <a:rPr lang="zh-CN" altLang="en-US" dirty="0">
+              <a:rPr lang="zh-CN" altLang="en-US" sz="1600" dirty="0">
                 <a:solidFill>
                   <a:schemeClr val="tx1"/>
                 </a:solidFill>
@@ -7784,9 +7776,9 @@
           <p:nvPr/>
         </p:nvCxnSpPr>
         <p:spPr>
-          <a:xfrm>
-            <a:off x="8499836" y="1159623"/>
-            <a:ext cx="1590968" cy="3139"/>
+          <a:xfrm flipV="1">
+            <a:off x="8020069" y="1232089"/>
+            <a:ext cx="1642896" cy="7628"/>
           </a:xfrm>
           <a:prstGeom prst="line">
             <a:avLst/>
@@ -7817,9 +7809,9 @@
           <p:nvPr/>
         </p:nvCxnSpPr>
         <p:spPr>
-          <a:xfrm>
-            <a:off x="10493716" y="1505968"/>
-            <a:ext cx="0" cy="417533"/>
+          <a:xfrm flipH="1">
+            <a:off x="10040244" y="1528871"/>
+            <a:ext cx="7494" cy="510381"/>
           </a:xfrm>
           <a:prstGeom prst="line">
             <a:avLst/>
@@ -7848,8 +7840,8 @@
         </p:nvSpPr>
         <p:spPr>
           <a:xfrm>
-            <a:off x="6116154" y="1838723"/>
-            <a:ext cx="792755" cy="639335"/>
+            <a:off x="5688315" y="1954474"/>
+            <a:ext cx="757065" cy="552856"/>
           </a:xfrm>
           <a:prstGeom prst="diamond">
             <a:avLst/>
@@ -7882,7 +7874,7 @@
           <a:p>
             <a:pPr algn="ctr"/>
             <a:r>
-              <a:rPr lang="zh-CN" altLang="en-US" dirty="0" smtClean="0">
+              <a:rPr lang="zh-CN" altLang="en-US" sz="1600" dirty="0" smtClean="0">
                 <a:solidFill>
                   <a:schemeClr val="tx1"/>
                 </a:solidFill>
@@ -7890,7 +7882,7 @@
               <a:t>申</a:t>
             </a:r>
             <a:r>
-              <a:rPr lang="zh-CN" altLang="en-US" dirty="0">
+              <a:rPr lang="zh-CN" altLang="en-US" sz="1600" dirty="0">
                 <a:solidFill>
                   <a:schemeClr val="tx1"/>
                 </a:solidFill>
@@ -7911,8 +7903,8 @@
         </p:nvCxnSpPr>
         <p:spPr>
           <a:xfrm>
-            <a:off x="6908909" y="2158391"/>
-            <a:ext cx="3015444" cy="3"/>
+            <a:off x="6445380" y="2230902"/>
+            <a:ext cx="3051134" cy="11470"/>
           </a:xfrm>
           <a:prstGeom prst="line">
             <a:avLst/>
@@ -7944,8 +7936,8 @@
         </p:nvCxnSpPr>
         <p:spPr>
           <a:xfrm flipH="1">
-            <a:off x="6512531" y="2478058"/>
-            <a:ext cx="1" cy="1853436"/>
+            <a:off x="6059766" y="2507330"/>
+            <a:ext cx="7082" cy="1939914"/>
           </a:xfrm>
           <a:prstGeom prst="line">
             <a:avLst/>
@@ -7977,8 +7969,8 @@
         </p:nvCxnSpPr>
         <p:spPr>
           <a:xfrm flipH="1">
-            <a:off x="3464117" y="2158391"/>
-            <a:ext cx="2652037" cy="3"/>
+            <a:off x="2986674" y="2230902"/>
+            <a:ext cx="2701641" cy="11470"/>
           </a:xfrm>
           <a:prstGeom prst="line">
             <a:avLst/>
@@ -8007,8 +7999,8 @@
         </p:nvSpPr>
         <p:spPr>
           <a:xfrm>
-            <a:off x="2262615" y="3538493"/>
-            <a:ext cx="1297937" cy="672056"/>
+            <a:off x="1823550" y="3415473"/>
+            <a:ext cx="1239503" cy="581151"/>
           </a:xfrm>
           <a:prstGeom prst="diamond">
             <a:avLst/>
@@ -8041,14 +8033,14 @@
           <a:p>
             <a:pPr algn="ctr"/>
             <a:r>
-              <a:rPr lang="zh-CN" altLang="en-US" dirty="0" smtClean="0">
+              <a:rPr lang="zh-CN" altLang="en-US" sz="1600" dirty="0" smtClean="0">
                 <a:solidFill>
                   <a:schemeClr val="tx1"/>
                 </a:solidFill>
               </a:rPr>
               <a:t>座位预约</a:t>
             </a:r>
-            <a:endParaRPr lang="zh-CN" altLang="en-US" dirty="0">
+            <a:endParaRPr lang="zh-CN" altLang="en-US" sz="1600" dirty="0">
               <a:solidFill>
                 <a:schemeClr val="tx1"/>
               </a:solidFill>
@@ -8067,8 +8059,8 @@
         </p:nvCxnSpPr>
         <p:spPr>
           <a:xfrm flipH="1">
-            <a:off x="2911584" y="2393286"/>
-            <a:ext cx="1635" cy="1145207"/>
+            <a:off x="2443302" y="2445492"/>
+            <a:ext cx="17276" cy="969981"/>
           </a:xfrm>
           <a:prstGeom prst="line">
             <a:avLst/>
@@ -8100,8 +8092,8 @@
         </p:nvCxnSpPr>
         <p:spPr>
           <a:xfrm>
-            <a:off x="2911584" y="4210549"/>
-            <a:ext cx="0" cy="1540942"/>
+            <a:off x="2443302" y="3996624"/>
+            <a:ext cx="15593" cy="1502031"/>
           </a:xfrm>
           <a:prstGeom prst="line">
             <a:avLst/>
@@ -8130,8 +8122,8 @@
         </p:nvSpPr>
         <p:spPr>
           <a:xfrm>
-            <a:off x="10045588" y="5751491"/>
-            <a:ext cx="896256" cy="417533"/>
+            <a:off x="9617749" y="5498655"/>
+            <a:ext cx="855906" cy="361056"/>
           </a:xfrm>
           <a:prstGeom prst="rect">
             <a:avLst/>
@@ -8165,7 +8157,7 @@
           <a:p>
             <a:pPr algn="ctr"/>
             <a:r>
-              <a:rPr lang="zh-CN" altLang="en-US" dirty="0">
+              <a:rPr lang="zh-CN" altLang="en-US" sz="1600" dirty="0">
                 <a:solidFill>
                   <a:schemeClr val="tx1"/>
                 </a:solidFill>
@@ -8173,14 +8165,14 @@
               <a:t>讨</a:t>
             </a:r>
             <a:r>
-              <a:rPr lang="zh-CN" altLang="en-US" dirty="0" smtClean="0">
+              <a:rPr lang="zh-CN" altLang="en-US" sz="1600" dirty="0" smtClean="0">
                 <a:solidFill>
                   <a:schemeClr val="tx1"/>
                 </a:solidFill>
               </a:rPr>
               <a:t>论室</a:t>
             </a:r>
-            <a:endParaRPr lang="zh-CN" altLang="en-US" dirty="0">
+            <a:endParaRPr lang="zh-CN" altLang="en-US" sz="1600" dirty="0">
               <a:solidFill>
                 <a:schemeClr val="tx1"/>
               </a:solidFill>
@@ -8196,8 +8188,8 @@
         </p:nvSpPr>
         <p:spPr>
           <a:xfrm>
-            <a:off x="9830558" y="3580383"/>
-            <a:ext cx="1326316" cy="742100"/>
+            <a:off x="9402719" y="3696133"/>
+            <a:ext cx="1266604" cy="641721"/>
           </a:xfrm>
           <a:prstGeom prst="diamond">
             <a:avLst/>
@@ -8230,14 +8222,14 @@
           <a:p>
             <a:pPr algn="ctr"/>
             <a:r>
-              <a:rPr lang="zh-CN" altLang="en-US" dirty="0" smtClean="0">
+              <a:rPr lang="zh-CN" altLang="en-US" sz="1600" dirty="0" smtClean="0">
                 <a:solidFill>
                   <a:schemeClr val="tx1"/>
                 </a:solidFill>
               </a:rPr>
               <a:t>教室预约</a:t>
             </a:r>
-            <a:endParaRPr lang="zh-CN" altLang="en-US" dirty="0">
+            <a:endParaRPr lang="zh-CN" altLang="en-US" sz="1600" dirty="0">
               <a:solidFill>
                 <a:schemeClr val="tx1"/>
               </a:solidFill>
@@ -8255,9 +8247,9 @@
           <p:nvPr/>
         </p:nvCxnSpPr>
         <p:spPr>
-          <a:xfrm>
-            <a:off x="10493716" y="2393286"/>
-            <a:ext cx="0" cy="1187097"/>
+          <a:xfrm flipH="1">
+            <a:off x="10036021" y="2445492"/>
+            <a:ext cx="4223" cy="1250641"/>
           </a:xfrm>
           <a:prstGeom prst="line">
             <a:avLst/>
@@ -8289,8 +8281,8 @@
         </p:nvCxnSpPr>
         <p:spPr>
           <a:xfrm>
-            <a:off x="10493716" y="4322483"/>
-            <a:ext cx="0" cy="1429008"/>
+            <a:off x="10036021" y="4337854"/>
+            <a:ext cx="9681" cy="1160801"/>
           </a:xfrm>
           <a:prstGeom prst="line">
             <a:avLst/>
@@ -8322,8 +8314,8 @@
         </p:nvCxnSpPr>
         <p:spPr>
           <a:xfrm>
-            <a:off x="6987606" y="5960257"/>
-            <a:ext cx="3057982" cy="1"/>
+            <a:off x="6516991" y="5664998"/>
+            <a:ext cx="3100758" cy="14185"/>
           </a:xfrm>
           <a:prstGeom prst="line">
             <a:avLst/>
@@ -8352,8 +8344,8 @@
         </p:nvSpPr>
         <p:spPr>
           <a:xfrm>
-            <a:off x="7825415" y="3686881"/>
-            <a:ext cx="1111542" cy="503640"/>
+            <a:off x="7397576" y="3802631"/>
+            <a:ext cx="1061500" cy="435516"/>
           </a:xfrm>
           <a:prstGeom prst="rect">
             <a:avLst/>
@@ -8387,7 +8379,7 @@
           <a:p>
             <a:pPr algn="ctr"/>
             <a:r>
-              <a:rPr lang="zh-CN" altLang="en-US" dirty="0">
+              <a:rPr lang="zh-CN" altLang="en-US" sz="1600" dirty="0">
                 <a:solidFill>
                   <a:schemeClr val="tx1"/>
                 </a:solidFill>
@@ -8395,22 +8387,14 @@
               <a:t>进出</a:t>
             </a:r>
             <a:r>
-              <a:rPr lang="zh-CN" altLang="en-US" dirty="0" smtClean="0">
+              <a:rPr lang="zh-CN" altLang="en-US" sz="1600" dirty="0" smtClean="0">
                 <a:solidFill>
                   <a:schemeClr val="tx1"/>
                 </a:solidFill>
               </a:rPr>
-              <a:t>控</a:t>
-            </a:r>
-            <a:r>
-              <a:rPr lang="zh-CN" altLang="en-US" dirty="0" smtClean="0">
-                <a:solidFill>
-                  <a:schemeClr val="tx1"/>
-                </a:solidFill>
-              </a:rPr>
-              <a:t>制系统</a:t>
-            </a:r>
-            <a:endParaRPr lang="zh-CN" altLang="en-US" dirty="0">
+              <a:t>控制系统</a:t>
+            </a:r>
+            <a:endParaRPr lang="zh-CN" altLang="en-US" sz="1600" dirty="0">
               <a:solidFill>
                 <a:schemeClr val="tx1"/>
               </a:solidFill>
@@ -8426,8 +8410,8 @@
         </p:nvSpPr>
         <p:spPr>
           <a:xfrm>
-            <a:off x="7703562" y="2300142"/>
-            <a:ext cx="768659" cy="685807"/>
+            <a:off x="7275723" y="2415893"/>
+            <a:ext cx="734053" cy="593042"/>
           </a:xfrm>
           <a:prstGeom prst="diamond">
             <a:avLst/>
@@ -8460,14 +8444,14 @@
           <a:p>
             <a:pPr algn="ctr"/>
             <a:r>
-              <a:rPr lang="zh-CN" altLang="en-US" dirty="0" smtClean="0">
+              <a:rPr lang="zh-CN" altLang="en-US" sz="1600" dirty="0" smtClean="0">
                 <a:solidFill>
                   <a:schemeClr val="tx1"/>
                 </a:solidFill>
               </a:rPr>
               <a:t>反馈</a:t>
             </a:r>
-            <a:endParaRPr lang="zh-CN" altLang="en-US" dirty="0">
+            <a:endParaRPr lang="zh-CN" altLang="en-US" sz="1600" dirty="0">
               <a:solidFill>
                 <a:schemeClr val="tx1"/>
               </a:solidFill>
@@ -8486,8 +8470,8 @@
         </p:nvCxnSpPr>
         <p:spPr>
           <a:xfrm>
-            <a:off x="7923112" y="1423227"/>
-            <a:ext cx="164780" cy="876915"/>
+            <a:off x="7469309" y="1467665"/>
+            <a:ext cx="173441" cy="948228"/>
           </a:xfrm>
           <a:prstGeom prst="line">
             <a:avLst/>
@@ -8519,8 +8503,8 @@
         </p:nvCxnSpPr>
         <p:spPr>
           <a:xfrm flipH="1" flipV="1">
-            <a:off x="8087892" y="2985949"/>
-            <a:ext cx="293294" cy="700932"/>
+            <a:off x="7642750" y="3008935"/>
+            <a:ext cx="285576" cy="793696"/>
           </a:xfrm>
           <a:prstGeom prst="line">
             <a:avLst/>
@@ -8549,8 +8533,8 @@
         </p:nvSpPr>
         <p:spPr>
           <a:xfrm>
-            <a:off x="9416227" y="2830723"/>
-            <a:ext cx="794653" cy="649974"/>
+            <a:off x="8904088" y="2991155"/>
+            <a:ext cx="758877" cy="562056"/>
           </a:xfrm>
           <a:prstGeom prst="diamond">
             <a:avLst/>
@@ -8583,14 +8567,14 @@
           <a:p>
             <a:pPr algn="ctr"/>
             <a:r>
-              <a:rPr lang="zh-CN" altLang="en-US" dirty="0" smtClean="0">
+              <a:rPr lang="zh-CN" altLang="en-US" sz="1600" dirty="0" smtClean="0">
                 <a:solidFill>
                   <a:schemeClr val="tx1"/>
                 </a:solidFill>
               </a:rPr>
               <a:t>验证</a:t>
             </a:r>
-            <a:endParaRPr lang="zh-CN" altLang="en-US" dirty="0">
+            <a:endParaRPr lang="zh-CN" altLang="en-US" sz="1600" dirty="0">
               <a:solidFill>
                 <a:schemeClr val="tx1"/>
               </a:solidFill>
@@ -8609,8 +8593,8 @@
         </p:nvCxnSpPr>
         <p:spPr>
           <a:xfrm flipH="1">
-            <a:off x="8936957" y="3155710"/>
-            <a:ext cx="479270" cy="782991"/>
+            <a:off x="8459076" y="3272183"/>
+            <a:ext cx="445012" cy="748206"/>
           </a:xfrm>
           <a:prstGeom prst="line">
             <a:avLst/>
@@ -8642,8 +8626,8 @@
         </p:nvCxnSpPr>
         <p:spPr>
           <a:xfrm flipV="1">
-            <a:off x="10210880" y="2393286"/>
-            <a:ext cx="282836" cy="762424"/>
+            <a:off x="9662965" y="2445492"/>
+            <a:ext cx="377279" cy="826691"/>
           </a:xfrm>
           <a:prstGeom prst="line">
             <a:avLst/>
@@ -8672,8 +8656,8 @@
         </p:nvSpPr>
         <p:spPr>
           <a:xfrm>
-            <a:off x="5113113" y="2578883"/>
-            <a:ext cx="768659" cy="685807"/>
+            <a:off x="4685274" y="2694634"/>
+            <a:ext cx="734053" cy="593042"/>
           </a:xfrm>
           <a:prstGeom prst="diamond">
             <a:avLst/>
@@ -8706,14 +8690,14 @@
           <a:p>
             <a:pPr algn="ctr"/>
             <a:r>
-              <a:rPr lang="zh-CN" altLang="en-US" dirty="0" smtClean="0">
+              <a:rPr lang="zh-CN" altLang="en-US" sz="1600" dirty="0" smtClean="0">
                 <a:solidFill>
                   <a:schemeClr val="tx1"/>
                 </a:solidFill>
               </a:rPr>
               <a:t>反馈</a:t>
             </a:r>
-            <a:endParaRPr lang="zh-CN" altLang="en-US" dirty="0">
+            <a:endParaRPr lang="zh-CN" altLang="en-US" sz="1600" dirty="0">
               <a:solidFill>
                 <a:schemeClr val="tx1"/>
               </a:solidFill>
@@ -8732,8 +8716,8 @@
         </p:nvCxnSpPr>
         <p:spPr>
           <a:xfrm flipH="1" flipV="1">
-            <a:off x="5497443" y="3264690"/>
-            <a:ext cx="2327972" cy="674011"/>
+            <a:off x="5052301" y="3287676"/>
+            <a:ext cx="2345275" cy="732713"/>
           </a:xfrm>
           <a:prstGeom prst="line">
             <a:avLst/>
@@ -8765,8 +8749,8 @@
         </p:nvCxnSpPr>
         <p:spPr>
           <a:xfrm>
-            <a:off x="4857524" y="1452589"/>
-            <a:ext cx="639919" cy="1126294"/>
+            <a:off x="4404812" y="1493055"/>
+            <a:ext cx="647489" cy="1201579"/>
           </a:xfrm>
           <a:prstGeom prst="line">
             <a:avLst/>
@@ -8795,8 +8779,8 @@
         </p:nvSpPr>
         <p:spPr>
           <a:xfrm>
-            <a:off x="4281651" y="3264690"/>
-            <a:ext cx="794653" cy="649974"/>
+            <a:off x="3853812" y="3380440"/>
+            <a:ext cx="758877" cy="562056"/>
           </a:xfrm>
           <a:prstGeom prst="diamond">
             <a:avLst/>
@@ -8829,14 +8813,14 @@
           <a:p>
             <a:pPr algn="ctr"/>
             <a:r>
-              <a:rPr lang="zh-CN" altLang="en-US" dirty="0" smtClean="0">
+              <a:rPr lang="zh-CN" altLang="en-US" sz="1600" dirty="0" smtClean="0">
                 <a:solidFill>
                   <a:schemeClr val="tx1"/>
                 </a:solidFill>
               </a:rPr>
               <a:t>验证</a:t>
             </a:r>
-            <a:endParaRPr lang="zh-CN" altLang="en-US" dirty="0">
+            <a:endParaRPr lang="zh-CN" altLang="en-US" sz="1600" dirty="0">
               <a:solidFill>
                 <a:schemeClr val="tx1"/>
               </a:solidFill>
@@ -8855,8 +8839,8 @@
         </p:nvCxnSpPr>
         <p:spPr>
           <a:xfrm>
-            <a:off x="4678978" y="3914664"/>
-            <a:ext cx="3146437" cy="24037"/>
+            <a:off x="4233251" y="3942496"/>
+            <a:ext cx="3164325" cy="77893"/>
           </a:xfrm>
           <a:prstGeom prst="line">
             <a:avLst/>
@@ -8888,8 +8872,8 @@
         </p:nvCxnSpPr>
         <p:spPr>
           <a:xfrm flipH="1" flipV="1">
-            <a:off x="2913219" y="2393286"/>
-            <a:ext cx="1765759" cy="871404"/>
+            <a:off x="2460578" y="2445492"/>
+            <a:ext cx="1772673" cy="934948"/>
           </a:xfrm>
           <a:prstGeom prst="line">
             <a:avLst/>
@@ -8921,8 +8905,8 @@
         </p:nvCxnSpPr>
         <p:spPr>
           <a:xfrm flipH="1">
-            <a:off x="6987606" y="4190521"/>
-            <a:ext cx="1393580" cy="1769736"/>
+            <a:off x="6516991" y="4238147"/>
+            <a:ext cx="1411335" cy="1426851"/>
           </a:xfrm>
           <a:prstGeom prst="line">
             <a:avLst/>
@@ -8951,8 +8935,8 @@
         </p:nvSpPr>
         <p:spPr>
           <a:xfrm>
-            <a:off x="3034325" y="4237747"/>
-            <a:ext cx="306494" cy="369332"/>
+            <a:off x="2606486" y="4353497"/>
+            <a:ext cx="278919" cy="338554"/>
           </a:xfrm>
           <a:prstGeom prst="rect">
             <a:avLst/>
@@ -8960,16 +8944,16 @@
           <a:noFill/>
         </p:spPr>
         <p:txBody>
-          <a:bodyPr wrap="none" rtlCol="0">
+          <a:bodyPr wrap="square" rtlCol="0">
             <a:spAutoFit/>
           </a:bodyPr>
           <a:lstStyle/>
           <a:p>
             <a:r>
-              <a:rPr lang="en-US" altLang="zh-CN" dirty="0" smtClean="0"/>
+              <a:rPr lang="en-US" altLang="zh-CN" sz="1600" dirty="0" smtClean="0"/>
               <a:t>n</a:t>
             </a:r>
-            <a:endParaRPr lang="zh-CN" altLang="en-US" dirty="0"/>
+            <a:endParaRPr lang="zh-CN" altLang="en-US" sz="1600" dirty="0"/>
           </a:p>
         </p:txBody>
       </p:sp>
@@ -8981,8 +8965,8 @@
         </p:nvSpPr>
         <p:spPr>
           <a:xfrm>
-            <a:off x="4216896" y="4237747"/>
-            <a:ext cx="301686" cy="369332"/>
+            <a:off x="3789057" y="4353497"/>
+            <a:ext cx="275857" cy="338554"/>
           </a:xfrm>
           <a:prstGeom prst="rect">
             <a:avLst/>
@@ -8990,16 +8974,16 @@
           <a:noFill/>
         </p:spPr>
         <p:txBody>
-          <a:bodyPr wrap="none" rtlCol="0">
+          <a:bodyPr wrap="square" rtlCol="0">
             <a:spAutoFit/>
           </a:bodyPr>
           <a:lstStyle/>
           <a:p>
             <a:r>
-              <a:rPr lang="en-US" altLang="zh-CN" dirty="0" smtClean="0"/>
+              <a:rPr lang="en-US" altLang="zh-CN" sz="1600" dirty="0" smtClean="0"/>
               <a:t>1</a:t>
             </a:r>
-            <a:endParaRPr lang="zh-CN" altLang="en-US" dirty="0"/>
+            <a:endParaRPr lang="zh-CN" altLang="en-US" sz="1600" dirty="0"/>
           </a:p>
         </p:txBody>
       </p:sp>
@@ -9011,8 +8995,8 @@
         </p:nvSpPr>
         <p:spPr>
           <a:xfrm>
-            <a:off x="2645602" y="5023750"/>
-            <a:ext cx="301686" cy="369332"/>
+            <a:off x="2217763" y="4770913"/>
+            <a:ext cx="275857" cy="338554"/>
           </a:xfrm>
           <a:prstGeom prst="rect">
             <a:avLst/>
@@ -9020,16 +9004,16 @@
           <a:noFill/>
         </p:spPr>
         <p:txBody>
-          <a:bodyPr wrap="none" rtlCol="0">
+          <a:bodyPr wrap="square" rtlCol="0">
             <a:spAutoFit/>
           </a:bodyPr>
           <a:lstStyle/>
           <a:p>
             <a:r>
-              <a:rPr lang="en-US" altLang="zh-CN" dirty="0"/>
+              <a:rPr lang="en-US" altLang="zh-CN" sz="1600" dirty="0"/>
               <a:t>1</a:t>
             </a:r>
-            <a:endParaRPr lang="zh-CN" altLang="en-US" dirty="0"/>
+            <a:endParaRPr lang="zh-CN" altLang="en-US" sz="1600" dirty="0"/>
           </a:p>
         </p:txBody>
       </p:sp>
@@ -9041,8 +9025,8 @@
         </p:nvSpPr>
         <p:spPr>
           <a:xfrm>
-            <a:off x="2027188" y="5630687"/>
-            <a:ext cx="306494" cy="369332"/>
+            <a:off x="1599349" y="5377850"/>
+            <a:ext cx="275857" cy="338554"/>
           </a:xfrm>
           <a:prstGeom prst="rect">
             <a:avLst/>
@@ -9050,16 +9034,16 @@
           <a:noFill/>
         </p:spPr>
         <p:txBody>
-          <a:bodyPr wrap="none" rtlCol="0">
+          <a:bodyPr wrap="square" rtlCol="0">
             <a:spAutoFit/>
           </a:bodyPr>
           <a:lstStyle/>
           <a:p>
             <a:r>
-              <a:rPr lang="en-US" altLang="zh-CN" dirty="0" smtClean="0"/>
+              <a:rPr lang="en-US" altLang="zh-CN" sz="1600" dirty="0" smtClean="0"/>
               <a:t>1</a:t>
             </a:r>
-            <a:endParaRPr lang="zh-CN" altLang="en-US" dirty="0"/>
+            <a:endParaRPr lang="zh-CN" altLang="en-US" sz="1600" dirty="0"/>
           </a:p>
         </p:txBody>
       </p:sp>
@@ -9071,8 +9055,8 @@
         </p:nvSpPr>
         <p:spPr>
           <a:xfrm>
-            <a:off x="4290766" y="5648261"/>
-            <a:ext cx="306494" cy="369332"/>
+            <a:off x="3862927" y="5395424"/>
+            <a:ext cx="278919" cy="338554"/>
           </a:xfrm>
           <a:prstGeom prst="rect">
             <a:avLst/>
@@ -9080,16 +9064,16 @@
           <a:noFill/>
         </p:spPr>
         <p:txBody>
-          <a:bodyPr wrap="none" rtlCol="0">
+          <a:bodyPr wrap="square" rtlCol="0">
             <a:spAutoFit/>
           </a:bodyPr>
           <a:lstStyle/>
           <a:p>
             <a:r>
-              <a:rPr lang="en-US" altLang="zh-CN" dirty="0" smtClean="0"/>
+              <a:rPr lang="en-US" altLang="zh-CN" sz="1600" dirty="0" smtClean="0"/>
               <a:t>n</a:t>
             </a:r>
-            <a:endParaRPr lang="zh-CN" altLang="en-US" dirty="0"/>
+            <a:endParaRPr lang="zh-CN" altLang="en-US" sz="1600" dirty="0"/>
           </a:p>
         </p:txBody>
       </p:sp>
@@ -9101,8 +9085,8 @@
         </p:nvSpPr>
         <p:spPr>
           <a:xfrm>
-            <a:off x="6203418" y="4995995"/>
-            <a:ext cx="369012" cy="369332"/>
+            <a:off x="5833492" y="4955579"/>
+            <a:ext cx="332497" cy="338554"/>
           </a:xfrm>
           <a:prstGeom prst="rect">
             <a:avLst/>
@@ -9110,16 +9094,16 @@
           <a:noFill/>
         </p:spPr>
         <p:txBody>
-          <a:bodyPr wrap="none" rtlCol="0">
+          <a:bodyPr wrap="square" rtlCol="0">
             <a:spAutoFit/>
           </a:bodyPr>
           <a:lstStyle/>
           <a:p>
             <a:r>
-              <a:rPr lang="en-US" altLang="zh-CN" dirty="0" smtClean="0"/>
+              <a:rPr lang="en-US" altLang="zh-CN" sz="1600" dirty="0" smtClean="0"/>
               <a:t>m</a:t>
             </a:r>
-            <a:endParaRPr lang="zh-CN" altLang="en-US" dirty="0"/>
+            <a:endParaRPr lang="zh-CN" altLang="en-US" sz="1600" dirty="0"/>
           </a:p>
         </p:txBody>
       </p:sp>
@@ -9131,8 +9115,8 @@
         </p:nvSpPr>
         <p:spPr>
           <a:xfrm>
-            <a:off x="7416177" y="4924413"/>
-            <a:ext cx="306494" cy="369332"/>
+            <a:off x="6805446" y="4770913"/>
+            <a:ext cx="278919" cy="338554"/>
           </a:xfrm>
           <a:prstGeom prst="rect">
             <a:avLst/>
@@ -9140,16 +9124,16 @@
           <a:noFill/>
         </p:spPr>
         <p:txBody>
-          <a:bodyPr wrap="none" rtlCol="0">
+          <a:bodyPr wrap="square" rtlCol="0">
             <a:spAutoFit/>
           </a:bodyPr>
           <a:lstStyle/>
           <a:p>
             <a:r>
-              <a:rPr lang="en-US" altLang="zh-CN" dirty="0" smtClean="0"/>
+              <a:rPr lang="en-US" altLang="zh-CN" sz="1600" dirty="0" smtClean="0"/>
               <a:t>q</a:t>
             </a:r>
-            <a:endParaRPr lang="zh-CN" altLang="en-US" dirty="0"/>
+            <a:endParaRPr lang="zh-CN" altLang="en-US" sz="1600" dirty="0"/>
           </a:p>
         </p:txBody>
       </p:sp>
@@ -9161,8 +9145,8 @@
         </p:nvSpPr>
         <p:spPr>
           <a:xfrm>
-            <a:off x="8381186" y="5646628"/>
-            <a:ext cx="306494" cy="369332"/>
+            <a:off x="7953347" y="5393791"/>
+            <a:ext cx="278919" cy="338554"/>
           </a:xfrm>
           <a:prstGeom prst="rect">
             <a:avLst/>
@@ -9170,16 +9154,16 @@
           <a:noFill/>
         </p:spPr>
         <p:txBody>
-          <a:bodyPr wrap="none" rtlCol="0">
+          <a:bodyPr wrap="square" rtlCol="0">
             <a:spAutoFit/>
           </a:bodyPr>
           <a:lstStyle/>
           <a:p>
             <a:r>
-              <a:rPr lang="en-US" altLang="zh-CN" dirty="0" smtClean="0"/>
+              <a:rPr lang="en-US" altLang="zh-CN" sz="1600" dirty="0" smtClean="0"/>
               <a:t>p</a:t>
             </a:r>
-            <a:endParaRPr lang="zh-CN" altLang="en-US" dirty="0"/>
+            <a:endParaRPr lang="zh-CN" altLang="en-US" sz="1600" dirty="0"/>
           </a:p>
         </p:txBody>
       </p:sp>
@@ -9191,8 +9175,8 @@
         </p:nvSpPr>
         <p:spPr>
           <a:xfrm>
-            <a:off x="6280800" y="2570042"/>
-            <a:ext cx="301686" cy="369332"/>
+            <a:off x="5852961" y="2685792"/>
+            <a:ext cx="275857" cy="338554"/>
           </a:xfrm>
           <a:prstGeom prst="rect">
             <a:avLst/>
@@ -9200,16 +9184,16 @@
           <a:noFill/>
         </p:spPr>
         <p:txBody>
-          <a:bodyPr wrap="none" rtlCol="0">
+          <a:bodyPr wrap="square" rtlCol="0">
             <a:spAutoFit/>
           </a:bodyPr>
           <a:lstStyle/>
           <a:p>
             <a:r>
-              <a:rPr lang="en-US" altLang="zh-CN" dirty="0"/>
+              <a:rPr lang="en-US" altLang="zh-CN" sz="1600" dirty="0"/>
               <a:t>1</a:t>
             </a:r>
-            <a:endParaRPr lang="zh-CN" altLang="en-US" dirty="0"/>
+            <a:endParaRPr lang="zh-CN" altLang="en-US" sz="1600" dirty="0"/>
           </a:p>
         </p:txBody>
       </p:sp>
@@ -9221,8 +9205,8 @@
         </p:nvSpPr>
         <p:spPr>
           <a:xfrm>
-            <a:off x="5458780" y="1846869"/>
-            <a:ext cx="306494" cy="369332"/>
+            <a:off x="5030941" y="1962619"/>
+            <a:ext cx="278919" cy="338554"/>
           </a:xfrm>
           <a:prstGeom prst="rect">
             <a:avLst/>
@@ -9230,16 +9214,16 @@
           <a:noFill/>
         </p:spPr>
         <p:txBody>
-          <a:bodyPr wrap="none" rtlCol="0">
+          <a:bodyPr wrap="square" rtlCol="0">
             <a:spAutoFit/>
           </a:bodyPr>
           <a:lstStyle/>
           <a:p>
             <a:r>
-              <a:rPr lang="en-US" altLang="zh-CN" dirty="0" smtClean="0"/>
+              <a:rPr lang="en-US" altLang="zh-CN" sz="1600" dirty="0" smtClean="0"/>
               <a:t>q</a:t>
             </a:r>
-            <a:endParaRPr lang="zh-CN" altLang="en-US" dirty="0"/>
+            <a:endParaRPr lang="zh-CN" altLang="en-US" sz="1600" dirty="0"/>
           </a:p>
         </p:txBody>
       </p:sp>
@@ -9251,8 +9235,8 @@
         </p:nvSpPr>
         <p:spPr>
           <a:xfrm>
-            <a:off x="7261914" y="1843948"/>
-            <a:ext cx="306494" cy="369332"/>
+            <a:off x="6834075" y="1959698"/>
+            <a:ext cx="278919" cy="338554"/>
           </a:xfrm>
           <a:prstGeom prst="rect">
             <a:avLst/>
@@ -9260,16 +9244,16 @@
           <a:noFill/>
         </p:spPr>
         <p:txBody>
-          <a:bodyPr wrap="none" rtlCol="0">
+          <a:bodyPr wrap="square" rtlCol="0">
             <a:spAutoFit/>
           </a:bodyPr>
           <a:lstStyle/>
           <a:p>
             <a:r>
-              <a:rPr lang="en-US" altLang="zh-CN" dirty="0" smtClean="0"/>
+              <a:rPr lang="en-US" altLang="zh-CN" sz="1600" dirty="0" smtClean="0"/>
               <a:t>p</a:t>
             </a:r>
-            <a:endParaRPr lang="zh-CN" altLang="en-US" dirty="0"/>
+            <a:endParaRPr lang="zh-CN" altLang="en-US" sz="1600" dirty="0"/>
           </a:p>
         </p:txBody>
       </p:sp>
@@ -9281,8 +9265,8 @@
         </p:nvSpPr>
         <p:spPr>
           <a:xfrm>
-            <a:off x="5110822" y="2236634"/>
-            <a:ext cx="306494" cy="369332"/>
+            <a:off x="4682983" y="2352384"/>
+            <a:ext cx="275857" cy="338554"/>
           </a:xfrm>
           <a:prstGeom prst="rect">
             <a:avLst/>
@@ -9290,16 +9274,16 @@
           <a:noFill/>
         </p:spPr>
         <p:txBody>
-          <a:bodyPr wrap="none" rtlCol="0">
+          <a:bodyPr wrap="square" rtlCol="0">
             <a:spAutoFit/>
           </a:bodyPr>
           <a:lstStyle/>
           <a:p>
             <a:r>
-              <a:rPr lang="en-US" altLang="zh-CN" dirty="0" smtClean="0"/>
+              <a:rPr lang="en-US" altLang="zh-CN" sz="1600" dirty="0" smtClean="0"/>
               <a:t>1</a:t>
             </a:r>
-            <a:endParaRPr lang="zh-CN" altLang="en-US" dirty="0"/>
+            <a:endParaRPr lang="zh-CN" altLang="en-US" sz="1600" dirty="0"/>
           </a:p>
         </p:txBody>
       </p:sp>
@@ -9311,8 +9295,8 @@
         </p:nvSpPr>
         <p:spPr>
           <a:xfrm>
-            <a:off x="10541925" y="1505968"/>
-            <a:ext cx="306494" cy="369332"/>
+            <a:off x="10114086" y="1621718"/>
+            <a:ext cx="275857" cy="338554"/>
           </a:xfrm>
           <a:prstGeom prst="rect">
             <a:avLst/>
@@ -9320,16 +9304,16 @@
           <a:noFill/>
         </p:spPr>
         <p:txBody>
-          <a:bodyPr wrap="none" rtlCol="0">
+          <a:bodyPr wrap="square" rtlCol="0">
             <a:spAutoFit/>
           </a:bodyPr>
           <a:lstStyle/>
           <a:p>
             <a:r>
-              <a:rPr lang="en-US" altLang="zh-CN" dirty="0" smtClean="0"/>
+              <a:rPr lang="en-US" altLang="zh-CN" sz="1600" dirty="0" smtClean="0"/>
               <a:t>1</a:t>
             </a:r>
-            <a:endParaRPr lang="zh-CN" altLang="en-US" dirty="0"/>
+            <a:endParaRPr lang="zh-CN" altLang="en-US" sz="1600" dirty="0"/>
           </a:p>
         </p:txBody>
       </p:sp>
@@ -9341,8 +9325,8 @@
         </p:nvSpPr>
         <p:spPr>
           <a:xfrm>
-            <a:off x="2598779" y="1501374"/>
-            <a:ext cx="306494" cy="369332"/>
+            <a:off x="2170940" y="1617124"/>
+            <a:ext cx="275857" cy="338554"/>
           </a:xfrm>
           <a:prstGeom prst="rect">
             <a:avLst/>
@@ -9350,16 +9334,16 @@
           <a:noFill/>
         </p:spPr>
         <p:txBody>
-          <a:bodyPr wrap="none" rtlCol="0">
+          <a:bodyPr wrap="square" rtlCol="0">
             <a:spAutoFit/>
           </a:bodyPr>
           <a:lstStyle/>
           <a:p>
             <a:r>
-              <a:rPr lang="en-US" altLang="zh-CN" dirty="0" smtClean="0"/>
+              <a:rPr lang="en-US" altLang="zh-CN" sz="1600" dirty="0" smtClean="0"/>
               <a:t>1</a:t>
             </a:r>
-            <a:endParaRPr lang="zh-CN" altLang="en-US" dirty="0"/>
+            <a:endParaRPr lang="zh-CN" altLang="en-US" sz="1600" dirty="0"/>
           </a:p>
         </p:txBody>
       </p:sp>
@@ -9371,8 +9355,8 @@
         </p:nvSpPr>
         <p:spPr>
           <a:xfrm>
-            <a:off x="10026954" y="2611872"/>
-            <a:ext cx="306494" cy="369332"/>
+            <a:off x="9599115" y="2727622"/>
+            <a:ext cx="278919" cy="338554"/>
           </a:xfrm>
           <a:prstGeom prst="rect">
             <a:avLst/>
@@ -9380,16 +9364,16 @@
           <a:noFill/>
         </p:spPr>
         <p:txBody>
-          <a:bodyPr wrap="none" rtlCol="0">
+          <a:bodyPr wrap="square" rtlCol="0">
             <a:spAutoFit/>
           </a:bodyPr>
           <a:lstStyle/>
           <a:p>
             <a:r>
-              <a:rPr lang="en-US" altLang="zh-CN" dirty="0" smtClean="0"/>
+              <a:rPr lang="en-US" altLang="zh-CN" sz="1600" dirty="0" smtClean="0"/>
               <a:t>n</a:t>
             </a:r>
-            <a:endParaRPr lang="zh-CN" altLang="en-US" dirty="0"/>
+            <a:endParaRPr lang="zh-CN" altLang="en-US" sz="1600" dirty="0"/>
           </a:p>
         </p:txBody>
       </p:sp>
@@ -9401,8 +9385,8 @@
         </p:nvSpPr>
         <p:spPr>
           <a:xfrm>
-            <a:off x="7903267" y="1538557"/>
-            <a:ext cx="306494" cy="369332"/>
+            <a:off x="7475428" y="1654307"/>
+            <a:ext cx="275857" cy="338554"/>
           </a:xfrm>
           <a:prstGeom prst="rect">
             <a:avLst/>
@@ -9410,16 +9394,16 @@
           <a:noFill/>
         </p:spPr>
         <p:txBody>
-          <a:bodyPr wrap="none" rtlCol="0">
+          <a:bodyPr wrap="square" rtlCol="0">
             <a:spAutoFit/>
           </a:bodyPr>
           <a:lstStyle/>
           <a:p>
             <a:r>
-              <a:rPr lang="en-US" altLang="zh-CN" dirty="0" smtClean="0"/>
+              <a:rPr lang="en-US" altLang="zh-CN" sz="1600" dirty="0" smtClean="0"/>
               <a:t>1</a:t>
             </a:r>
-            <a:endParaRPr lang="zh-CN" altLang="en-US" dirty="0"/>
+            <a:endParaRPr lang="zh-CN" altLang="en-US" sz="1600" dirty="0"/>
           </a:p>
         </p:txBody>
       </p:sp>
@@ -9431,8 +9415,8 @@
         </p:nvSpPr>
         <p:spPr>
           <a:xfrm>
-            <a:off x="9182039" y="832380"/>
-            <a:ext cx="306494" cy="369332"/>
+            <a:off x="8754200" y="948130"/>
+            <a:ext cx="278919" cy="338554"/>
           </a:xfrm>
           <a:prstGeom prst="rect">
             <a:avLst/>
@@ -9440,16 +9424,16 @@
           <a:noFill/>
         </p:spPr>
         <p:txBody>
-          <a:bodyPr wrap="none" rtlCol="0">
+          <a:bodyPr wrap="square" rtlCol="0">
             <a:spAutoFit/>
           </a:bodyPr>
           <a:lstStyle/>
           <a:p>
             <a:r>
-              <a:rPr lang="en-US" altLang="zh-CN" dirty="0" smtClean="0"/>
+              <a:rPr lang="en-US" altLang="zh-CN" sz="1600" dirty="0" smtClean="0"/>
               <a:t>n</a:t>
             </a:r>
-            <a:endParaRPr lang="zh-CN" altLang="en-US" dirty="0"/>
+            <a:endParaRPr lang="zh-CN" altLang="en-US" sz="1600" dirty="0"/>
           </a:p>
         </p:txBody>
       </p:sp>
@@ -9461,8 +9445,8 @@
         </p:nvSpPr>
         <p:spPr>
           <a:xfrm>
-            <a:off x="5835695" y="3077437"/>
-            <a:ext cx="306494" cy="369332"/>
+            <a:off x="5407856" y="3193187"/>
+            <a:ext cx="275857" cy="338554"/>
           </a:xfrm>
           <a:prstGeom prst="rect">
             <a:avLst/>
@@ -9470,16 +9454,16 @@
           <a:noFill/>
         </p:spPr>
         <p:txBody>
-          <a:bodyPr wrap="none" rtlCol="0">
+          <a:bodyPr wrap="square" rtlCol="0">
             <a:spAutoFit/>
           </a:bodyPr>
           <a:lstStyle/>
           <a:p>
             <a:r>
-              <a:rPr lang="en-US" altLang="zh-CN" dirty="0" smtClean="0"/>
+              <a:rPr lang="en-US" altLang="zh-CN" sz="1600" dirty="0" smtClean="0"/>
               <a:t>1</a:t>
             </a:r>
-            <a:endParaRPr lang="zh-CN" altLang="en-US" dirty="0"/>
+            <a:endParaRPr lang="zh-CN" altLang="en-US" sz="1600" dirty="0"/>
           </a:p>
         </p:txBody>
       </p:sp>
@@ -9491,8 +9475,8 @@
         </p:nvSpPr>
         <p:spPr>
           <a:xfrm>
-            <a:off x="2648342" y="2974570"/>
-            <a:ext cx="301686" cy="369332"/>
+            <a:off x="2241282" y="2967932"/>
+            <a:ext cx="275857" cy="338554"/>
           </a:xfrm>
           <a:prstGeom prst="rect">
             <a:avLst/>
@@ -9500,16 +9484,16 @@
           <a:noFill/>
         </p:spPr>
         <p:txBody>
-          <a:bodyPr wrap="none" rtlCol="0">
+          <a:bodyPr wrap="square" rtlCol="0">
             <a:spAutoFit/>
           </a:bodyPr>
           <a:lstStyle/>
           <a:p>
             <a:r>
-              <a:rPr lang="en-US" altLang="zh-CN" dirty="0"/>
+              <a:rPr lang="en-US" altLang="zh-CN" sz="1600" dirty="0"/>
               <a:t>1</a:t>
             </a:r>
-            <a:endParaRPr lang="zh-CN" altLang="en-US" dirty="0"/>
+            <a:endParaRPr lang="zh-CN" altLang="en-US" sz="1600" dirty="0"/>
           </a:p>
         </p:txBody>
       </p:sp>
@@ -9521,8 +9505,8 @@
         </p:nvSpPr>
         <p:spPr>
           <a:xfrm>
-            <a:off x="1104994" y="5176291"/>
-            <a:ext cx="301686" cy="369332"/>
+            <a:off x="677155" y="4923454"/>
+            <a:ext cx="275857" cy="338554"/>
           </a:xfrm>
           <a:prstGeom prst="rect">
             <a:avLst/>
@@ -9530,16 +9514,16 @@
           <a:noFill/>
         </p:spPr>
         <p:txBody>
-          <a:bodyPr wrap="none" rtlCol="0">
+          <a:bodyPr wrap="square" rtlCol="0">
             <a:spAutoFit/>
           </a:bodyPr>
           <a:lstStyle/>
           <a:p>
             <a:r>
-              <a:rPr lang="en-US" altLang="zh-CN" dirty="0"/>
+              <a:rPr lang="en-US" altLang="zh-CN" sz="1600" dirty="0"/>
               <a:t>1</a:t>
             </a:r>
-            <a:endParaRPr lang="zh-CN" altLang="en-US" dirty="0"/>
+            <a:endParaRPr lang="zh-CN" altLang="en-US" sz="1600" dirty="0"/>
           </a:p>
         </p:txBody>
       </p:sp>
@@ -9551,8 +9535,8 @@
         </p:nvSpPr>
         <p:spPr>
           <a:xfrm>
-            <a:off x="10476711" y="2884970"/>
-            <a:ext cx="301686" cy="369332"/>
+            <a:off x="10048872" y="3000720"/>
+            <a:ext cx="275857" cy="338554"/>
           </a:xfrm>
           <a:prstGeom prst="rect">
             <a:avLst/>
@@ -9560,16 +9544,16 @@
           <a:noFill/>
         </p:spPr>
         <p:txBody>
-          <a:bodyPr wrap="none" rtlCol="0">
+          <a:bodyPr wrap="square" rtlCol="0">
             <a:spAutoFit/>
           </a:bodyPr>
           <a:lstStyle/>
           <a:p>
             <a:r>
-              <a:rPr lang="en-US" altLang="zh-CN" dirty="0"/>
+              <a:rPr lang="en-US" altLang="zh-CN" sz="1600" dirty="0"/>
               <a:t>1</a:t>
             </a:r>
-            <a:endParaRPr lang="zh-CN" altLang="en-US" dirty="0"/>
+            <a:endParaRPr lang="zh-CN" altLang="en-US" sz="1600" dirty="0"/>
           </a:p>
         </p:txBody>
       </p:sp>
@@ -9581,8 +9565,8 @@
         </p:nvSpPr>
         <p:spPr>
           <a:xfrm>
-            <a:off x="10476711" y="4991625"/>
-            <a:ext cx="301686" cy="369332"/>
+            <a:off x="10048872" y="4738788"/>
+            <a:ext cx="275857" cy="338554"/>
           </a:xfrm>
           <a:prstGeom prst="rect">
             <a:avLst/>
@@ -9590,16 +9574,16 @@
           <a:noFill/>
         </p:spPr>
         <p:txBody>
-          <a:bodyPr wrap="none" rtlCol="0">
+          <a:bodyPr wrap="square" rtlCol="0">
             <a:spAutoFit/>
           </a:bodyPr>
           <a:lstStyle/>
           <a:p>
             <a:r>
-              <a:rPr lang="en-US" altLang="zh-CN" dirty="0"/>
+              <a:rPr lang="en-US" altLang="zh-CN" sz="1600" dirty="0"/>
               <a:t>1</a:t>
             </a:r>
-            <a:endParaRPr lang="zh-CN" altLang="en-US" dirty="0"/>
+            <a:endParaRPr lang="zh-CN" altLang="en-US" sz="1600" dirty="0"/>
           </a:p>
         </p:txBody>
       </p:sp>
@@ -9611,8 +9595,8 @@
         </p:nvSpPr>
         <p:spPr>
           <a:xfrm>
-            <a:off x="9260080" y="3243766"/>
-            <a:ext cx="306494" cy="369332"/>
+            <a:off x="8832241" y="3359516"/>
+            <a:ext cx="275857" cy="338554"/>
           </a:xfrm>
           <a:prstGeom prst="rect">
             <a:avLst/>
@@ -9620,16 +9604,16 @@
           <a:noFill/>
         </p:spPr>
         <p:txBody>
-          <a:bodyPr wrap="none" rtlCol="0">
+          <a:bodyPr wrap="square" rtlCol="0">
             <a:spAutoFit/>
           </a:bodyPr>
           <a:lstStyle/>
           <a:p>
             <a:r>
-              <a:rPr lang="en-US" altLang="zh-CN" dirty="0" smtClean="0"/>
+              <a:rPr lang="en-US" altLang="zh-CN" sz="1600" dirty="0" smtClean="0"/>
               <a:t>1</a:t>
             </a:r>
-            <a:endParaRPr lang="zh-CN" altLang="en-US" dirty="0"/>
+            <a:endParaRPr lang="zh-CN" altLang="en-US" sz="1600" dirty="0"/>
           </a:p>
         </p:txBody>
       </p:sp>
@@ -9641,8 +9625,8 @@
         </p:nvSpPr>
         <p:spPr>
           <a:xfrm>
-            <a:off x="4152019" y="3063560"/>
-            <a:ext cx="306494" cy="369332"/>
+            <a:off x="3724180" y="3179310"/>
+            <a:ext cx="278919" cy="338554"/>
           </a:xfrm>
           <a:prstGeom prst="rect">
             <a:avLst/>
@@ -9650,16 +9634,16 @@
           <a:noFill/>
         </p:spPr>
         <p:txBody>
-          <a:bodyPr wrap="none" rtlCol="0">
+          <a:bodyPr wrap="square" rtlCol="0">
             <a:spAutoFit/>
           </a:bodyPr>
           <a:lstStyle/>
           <a:p>
             <a:r>
-              <a:rPr lang="en-US" altLang="zh-CN" dirty="0" smtClean="0"/>
+              <a:rPr lang="en-US" altLang="zh-CN" sz="1600" dirty="0" smtClean="0"/>
               <a:t>n</a:t>
             </a:r>
-            <a:endParaRPr lang="zh-CN" altLang="en-US" dirty="0"/>
+            <a:endParaRPr lang="zh-CN" altLang="en-US" sz="1600" dirty="0"/>
           </a:p>
         </p:txBody>
       </p:sp>
@@ -9671,8 +9655,8 @@
         </p:nvSpPr>
         <p:spPr>
           <a:xfrm>
-            <a:off x="5024236" y="3609141"/>
-            <a:ext cx="306494" cy="369332"/>
+            <a:off x="4596397" y="3724891"/>
+            <a:ext cx="275857" cy="338554"/>
           </a:xfrm>
           <a:prstGeom prst="rect">
             <a:avLst/>
@@ -9680,16 +9664,16 @@
           <a:noFill/>
         </p:spPr>
         <p:txBody>
-          <a:bodyPr wrap="none" rtlCol="0">
+          <a:bodyPr wrap="square" rtlCol="0">
             <a:spAutoFit/>
           </a:bodyPr>
           <a:lstStyle/>
           <a:p>
             <a:r>
-              <a:rPr lang="en-US" altLang="zh-CN" dirty="0" smtClean="0"/>
+              <a:rPr lang="en-US" altLang="zh-CN" sz="1600" dirty="0" smtClean="0"/>
               <a:t>1</a:t>
             </a:r>
-            <a:endParaRPr lang="zh-CN" altLang="en-US" dirty="0"/>
+            <a:endParaRPr lang="zh-CN" altLang="en-US" sz="1600" dirty="0"/>
           </a:p>
         </p:txBody>
       </p:sp>
@@ -9701,8 +9685,8 @@
         </p:nvSpPr>
         <p:spPr>
           <a:xfrm>
-            <a:off x="8158460" y="3061001"/>
-            <a:ext cx="306494" cy="369332"/>
+            <a:off x="7730621" y="3176751"/>
+            <a:ext cx="275857" cy="338554"/>
           </a:xfrm>
           <a:prstGeom prst="rect">
             <a:avLst/>
@@ -9710,16 +9694,16 @@
           <a:noFill/>
         </p:spPr>
         <p:txBody>
-          <a:bodyPr wrap="none" rtlCol="0">
+          <a:bodyPr wrap="square" rtlCol="0">
             <a:spAutoFit/>
           </a:bodyPr>
           <a:lstStyle/>
           <a:p>
             <a:r>
-              <a:rPr lang="en-US" altLang="zh-CN" dirty="0" smtClean="0"/>
+              <a:rPr lang="en-US" altLang="zh-CN" sz="1600" dirty="0" smtClean="0"/>
               <a:t>1</a:t>
             </a:r>
-            <a:endParaRPr lang="zh-CN" altLang="en-US" dirty="0"/>
+            <a:endParaRPr lang="zh-CN" altLang="en-US" sz="1600" dirty="0"/>
           </a:p>
         </p:txBody>
       </p:sp>
@@ -9731,8 +9715,8 @@
         </p:nvSpPr>
         <p:spPr>
           <a:xfrm>
-            <a:off x="3635102" y="854707"/>
-            <a:ext cx="306494" cy="369332"/>
+            <a:off x="3207263" y="970457"/>
+            <a:ext cx="278919" cy="338554"/>
           </a:xfrm>
           <a:prstGeom prst="rect">
             <a:avLst/>
@@ -9740,19 +9724,846 @@
           <a:noFill/>
         </p:spPr>
         <p:txBody>
-          <a:bodyPr wrap="none" rtlCol="0">
+          <a:bodyPr wrap="square" rtlCol="0">
             <a:spAutoFit/>
           </a:bodyPr>
           <a:lstStyle/>
           <a:p>
             <a:r>
-              <a:rPr lang="en-US" altLang="zh-CN" dirty="0" smtClean="0"/>
+              <a:rPr lang="en-US" altLang="zh-CN" sz="1600" dirty="0" smtClean="0"/>
               <a:t>n</a:t>
             </a:r>
-            <a:endParaRPr lang="zh-CN" altLang="en-US" dirty="0"/>
-          </a:p>
-        </p:txBody>
-      </p:sp>
+            <a:endParaRPr lang="zh-CN" altLang="en-US" sz="1600" dirty="0"/>
+          </a:p>
+        </p:txBody>
+      </p:sp>
+      <p:sp>
+        <p:nvSpPr>
+          <p:cNvPr id="104" name="椭圆 103"/>
+          <p:cNvSpPr/>
+          <p:nvPr/>
+        </p:nvSpPr>
+        <p:spPr>
+          <a:xfrm>
+            <a:off x="10910281" y="3365888"/>
+            <a:ext cx="1186645" cy="337172"/>
+          </a:xfrm>
+          <a:prstGeom prst="ellipse">
+            <a:avLst/>
+          </a:prstGeom>
+          <a:solidFill>
+            <a:schemeClr val="accent4">
+              <a:lumMod val="20000"/>
+              <a:lumOff val="80000"/>
+            </a:schemeClr>
+          </a:solidFill>
+        </p:spPr>
+        <p:style>
+          <a:lnRef idx="2">
+            <a:schemeClr val="accent1">
+              <a:shade val="50000"/>
+            </a:schemeClr>
+          </a:lnRef>
+          <a:fillRef idx="1">
+            <a:schemeClr val="accent1"/>
+          </a:fillRef>
+          <a:effectRef idx="0">
+            <a:schemeClr val="accent1"/>
+          </a:effectRef>
+          <a:fontRef idx="minor">
+            <a:schemeClr val="lt1"/>
+          </a:fontRef>
+        </p:style>
+        <p:txBody>
+          <a:bodyPr rtlCol="0" anchor="ctr"/>
+          <a:lstStyle/>
+          <a:p>
+            <a:pPr algn="ctr"/>
+            <a:r>
+              <a:rPr lang="zh-CN" altLang="en-US" sz="1200" dirty="0" smtClean="0">
+                <a:solidFill>
+                  <a:schemeClr val="tx1"/>
+                </a:solidFill>
+              </a:rPr>
+              <a:t>到位时</a:t>
+            </a:r>
+            <a:r>
+              <a:rPr lang="zh-CN" altLang="en-US" sz="1200" dirty="0" smtClean="0">
+                <a:solidFill>
+                  <a:schemeClr val="tx1"/>
+                </a:solidFill>
+              </a:rPr>
+              <a:t>间</a:t>
+            </a:r>
+            <a:endParaRPr lang="zh-CN" altLang="en-US" sz="1200" dirty="0">
+              <a:solidFill>
+                <a:schemeClr val="tx1"/>
+              </a:solidFill>
+            </a:endParaRPr>
+          </a:p>
+        </p:txBody>
+      </p:sp>
+      <p:cxnSp>
+        <p:nvCxnSpPr>
+          <p:cNvPr id="105" name="直接连接符 104"/>
+          <p:cNvCxnSpPr>
+            <a:stCxn id="195" idx="3"/>
+            <a:endCxn id="104" idx="2"/>
+          </p:cNvCxnSpPr>
+          <p:nvPr/>
+        </p:nvCxnSpPr>
+        <p:spPr>
+          <a:xfrm flipV="1">
+            <a:off x="10669323" y="3534474"/>
+            <a:ext cx="240958" cy="482520"/>
+          </a:xfrm>
+          <a:prstGeom prst="line">
+            <a:avLst/>
+          </a:prstGeom>
+        </p:spPr>
+        <p:style>
+          <a:lnRef idx="1">
+            <a:schemeClr val="accent1"/>
+          </a:lnRef>
+          <a:fillRef idx="0">
+            <a:schemeClr val="accent1"/>
+          </a:fillRef>
+          <a:effectRef idx="0">
+            <a:schemeClr val="accent1"/>
+          </a:effectRef>
+          <a:fontRef idx="minor">
+            <a:schemeClr val="tx1"/>
+          </a:fontRef>
+        </p:style>
+      </p:cxnSp>
+      <p:sp>
+        <p:nvSpPr>
+          <p:cNvPr id="106" name="椭圆 105"/>
+          <p:cNvSpPr/>
+          <p:nvPr/>
+        </p:nvSpPr>
+        <p:spPr>
+          <a:xfrm>
+            <a:off x="10910280" y="4306271"/>
+            <a:ext cx="1186645" cy="337172"/>
+          </a:xfrm>
+          <a:prstGeom prst="ellipse">
+            <a:avLst/>
+          </a:prstGeom>
+          <a:solidFill>
+            <a:schemeClr val="accent4">
+              <a:lumMod val="20000"/>
+              <a:lumOff val="80000"/>
+            </a:schemeClr>
+          </a:solidFill>
+        </p:spPr>
+        <p:style>
+          <a:lnRef idx="2">
+            <a:schemeClr val="accent1">
+              <a:shade val="50000"/>
+            </a:schemeClr>
+          </a:lnRef>
+          <a:fillRef idx="1">
+            <a:schemeClr val="accent1"/>
+          </a:fillRef>
+          <a:effectRef idx="0">
+            <a:schemeClr val="accent1"/>
+          </a:effectRef>
+          <a:fontRef idx="minor">
+            <a:schemeClr val="lt1"/>
+          </a:fontRef>
+        </p:style>
+        <p:txBody>
+          <a:bodyPr rtlCol="0" anchor="ctr"/>
+          <a:lstStyle/>
+          <a:p>
+            <a:pPr algn="ctr"/>
+            <a:r>
+              <a:rPr lang="zh-CN" altLang="en-US" sz="1200" dirty="0" smtClean="0">
+                <a:solidFill>
+                  <a:schemeClr val="tx1"/>
+                </a:solidFill>
+              </a:rPr>
+              <a:t>预约时长</a:t>
+            </a:r>
+            <a:endParaRPr lang="zh-CN" altLang="en-US" sz="1200" dirty="0">
+              <a:solidFill>
+                <a:schemeClr val="tx1"/>
+              </a:solidFill>
+            </a:endParaRPr>
+          </a:p>
+        </p:txBody>
+      </p:sp>
+      <p:cxnSp>
+        <p:nvCxnSpPr>
+          <p:cNvPr id="107" name="直接连接符 106"/>
+          <p:cNvCxnSpPr>
+            <a:stCxn id="195" idx="3"/>
+            <a:endCxn id="106" idx="2"/>
+          </p:cNvCxnSpPr>
+          <p:nvPr/>
+        </p:nvCxnSpPr>
+        <p:spPr>
+          <a:xfrm>
+            <a:off x="10669323" y="4016994"/>
+            <a:ext cx="240957" cy="457863"/>
+          </a:xfrm>
+          <a:prstGeom prst="line">
+            <a:avLst/>
+          </a:prstGeom>
+        </p:spPr>
+        <p:style>
+          <a:lnRef idx="1">
+            <a:schemeClr val="accent1"/>
+          </a:lnRef>
+          <a:fillRef idx="0">
+            <a:schemeClr val="accent1"/>
+          </a:fillRef>
+          <a:effectRef idx="0">
+            <a:schemeClr val="accent1"/>
+          </a:effectRef>
+          <a:fontRef idx="minor">
+            <a:schemeClr val="tx1"/>
+          </a:fontRef>
+        </p:style>
+      </p:cxnSp>
+      <p:sp>
+        <p:nvSpPr>
+          <p:cNvPr id="112" name="椭圆 111"/>
+          <p:cNvSpPr/>
+          <p:nvPr/>
+        </p:nvSpPr>
+        <p:spPr>
+          <a:xfrm>
+            <a:off x="738208" y="3452795"/>
+            <a:ext cx="796586" cy="496396"/>
+          </a:xfrm>
+          <a:prstGeom prst="ellipse">
+            <a:avLst/>
+          </a:prstGeom>
+          <a:solidFill>
+            <a:schemeClr val="accent4">
+              <a:lumMod val="20000"/>
+              <a:lumOff val="80000"/>
+            </a:schemeClr>
+          </a:solidFill>
+        </p:spPr>
+        <p:style>
+          <a:lnRef idx="2">
+            <a:schemeClr val="accent1">
+              <a:shade val="50000"/>
+            </a:schemeClr>
+          </a:lnRef>
+          <a:fillRef idx="1">
+            <a:schemeClr val="accent1"/>
+          </a:fillRef>
+          <a:effectRef idx="0">
+            <a:schemeClr val="accent1"/>
+          </a:effectRef>
+          <a:fontRef idx="minor">
+            <a:schemeClr val="lt1"/>
+          </a:fontRef>
+        </p:style>
+        <p:txBody>
+          <a:bodyPr rtlCol="0" anchor="ctr"/>
+          <a:lstStyle/>
+          <a:p>
+            <a:pPr algn="ctr"/>
+            <a:r>
+              <a:rPr lang="zh-CN" altLang="en-US" sz="1400" dirty="0" smtClean="0">
+                <a:solidFill>
+                  <a:schemeClr val="tx1"/>
+                </a:solidFill>
+              </a:rPr>
+              <a:t>到位时间</a:t>
+            </a:r>
+            <a:endParaRPr lang="zh-CN" altLang="en-US" sz="1400" dirty="0">
+              <a:solidFill>
+                <a:schemeClr val="tx1"/>
+              </a:solidFill>
+            </a:endParaRPr>
+          </a:p>
+        </p:txBody>
+      </p:sp>
+      <p:cxnSp>
+        <p:nvCxnSpPr>
+          <p:cNvPr id="113" name="直接连接符 112"/>
+          <p:cNvCxnSpPr>
+            <a:stCxn id="182" idx="1"/>
+            <a:endCxn id="112" idx="6"/>
+          </p:cNvCxnSpPr>
+          <p:nvPr/>
+        </p:nvCxnSpPr>
+        <p:spPr>
+          <a:xfrm flipH="1" flipV="1">
+            <a:off x="1534794" y="3700993"/>
+            <a:ext cx="288756" cy="5056"/>
+          </a:xfrm>
+          <a:prstGeom prst="line">
+            <a:avLst/>
+          </a:prstGeom>
+        </p:spPr>
+        <p:style>
+          <a:lnRef idx="1">
+            <a:schemeClr val="accent1"/>
+          </a:lnRef>
+          <a:fillRef idx="0">
+            <a:schemeClr val="accent1"/>
+          </a:fillRef>
+          <a:effectRef idx="0">
+            <a:schemeClr val="accent1"/>
+          </a:effectRef>
+          <a:fontRef idx="minor">
+            <a:schemeClr val="tx1"/>
+          </a:fontRef>
+        </p:style>
+      </p:cxnSp>
+      <p:sp>
+        <p:nvSpPr>
+          <p:cNvPr id="126" name="椭圆 125"/>
+          <p:cNvSpPr/>
+          <p:nvPr/>
+        </p:nvSpPr>
+        <p:spPr>
+          <a:xfrm>
+            <a:off x="974927" y="6105558"/>
+            <a:ext cx="764130" cy="492971"/>
+          </a:xfrm>
+          <a:prstGeom prst="ellipse">
+            <a:avLst/>
+          </a:prstGeom>
+          <a:solidFill>
+            <a:schemeClr val="accent4">
+              <a:lumMod val="20000"/>
+              <a:lumOff val="80000"/>
+            </a:schemeClr>
+          </a:solidFill>
+        </p:spPr>
+        <p:style>
+          <a:lnRef idx="2">
+            <a:schemeClr val="accent1">
+              <a:shade val="50000"/>
+            </a:schemeClr>
+          </a:lnRef>
+          <a:fillRef idx="1">
+            <a:schemeClr val="accent1"/>
+          </a:fillRef>
+          <a:effectRef idx="0">
+            <a:schemeClr val="accent1"/>
+          </a:effectRef>
+          <a:fontRef idx="minor">
+            <a:schemeClr val="lt1"/>
+          </a:fontRef>
+        </p:style>
+        <p:txBody>
+          <a:bodyPr rtlCol="0" anchor="ctr"/>
+          <a:lstStyle/>
+          <a:p>
+            <a:pPr algn="ctr"/>
+            <a:r>
+              <a:rPr lang="zh-CN" altLang="en-US" sz="1200" dirty="0" smtClean="0">
+                <a:solidFill>
+                  <a:schemeClr val="tx1"/>
+                </a:solidFill>
+              </a:rPr>
+              <a:t>临时密码</a:t>
+            </a:r>
+            <a:endParaRPr lang="zh-CN" altLang="en-US" sz="1200" dirty="0">
+              <a:solidFill>
+                <a:schemeClr val="tx1"/>
+              </a:solidFill>
+            </a:endParaRPr>
+          </a:p>
+        </p:txBody>
+      </p:sp>
+      <p:sp>
+        <p:nvSpPr>
+          <p:cNvPr id="127" name="椭圆 126"/>
+          <p:cNvSpPr/>
+          <p:nvPr/>
+        </p:nvSpPr>
+        <p:spPr>
+          <a:xfrm>
+            <a:off x="108378" y="6105557"/>
+            <a:ext cx="764130" cy="492971"/>
+          </a:xfrm>
+          <a:prstGeom prst="ellipse">
+            <a:avLst/>
+          </a:prstGeom>
+          <a:solidFill>
+            <a:schemeClr val="accent4">
+              <a:lumMod val="20000"/>
+              <a:lumOff val="80000"/>
+            </a:schemeClr>
+          </a:solidFill>
+        </p:spPr>
+        <p:style>
+          <a:lnRef idx="2">
+            <a:schemeClr val="accent1">
+              <a:shade val="50000"/>
+            </a:schemeClr>
+          </a:lnRef>
+          <a:fillRef idx="1">
+            <a:schemeClr val="accent1"/>
+          </a:fillRef>
+          <a:effectRef idx="0">
+            <a:schemeClr val="accent1"/>
+          </a:effectRef>
+          <a:fontRef idx="minor">
+            <a:schemeClr val="lt1"/>
+          </a:fontRef>
+        </p:style>
+        <p:txBody>
+          <a:bodyPr rtlCol="0" anchor="ctr"/>
+          <a:lstStyle/>
+          <a:p>
+            <a:pPr algn="ctr"/>
+            <a:r>
+              <a:rPr lang="zh-CN" altLang="en-US" sz="1200" dirty="0" smtClean="0">
+                <a:solidFill>
+                  <a:schemeClr val="tx1"/>
+                </a:solidFill>
+              </a:rPr>
+              <a:t>到位时间</a:t>
+            </a:r>
+            <a:endParaRPr lang="en-US" altLang="zh-CN" sz="1200" dirty="0" smtClean="0">
+              <a:solidFill>
+                <a:schemeClr val="tx1"/>
+              </a:solidFill>
+            </a:endParaRPr>
+          </a:p>
+        </p:txBody>
+      </p:sp>
+      <p:cxnSp>
+        <p:nvCxnSpPr>
+          <p:cNvPr id="249" name="直接连接符 248"/>
+          <p:cNvCxnSpPr>
+            <a:stCxn id="10" idx="2"/>
+            <a:endCxn id="127" idx="0"/>
+          </p:cNvCxnSpPr>
+          <p:nvPr/>
+        </p:nvCxnSpPr>
+        <p:spPr>
+          <a:xfrm flipH="1">
+            <a:off x="490443" y="5987411"/>
+            <a:ext cx="382065" cy="118146"/>
+          </a:xfrm>
+          <a:prstGeom prst="line">
+            <a:avLst/>
+          </a:prstGeom>
+        </p:spPr>
+        <p:style>
+          <a:lnRef idx="1">
+            <a:schemeClr val="accent1"/>
+          </a:lnRef>
+          <a:fillRef idx="0">
+            <a:schemeClr val="accent1"/>
+          </a:fillRef>
+          <a:effectRef idx="0">
+            <a:schemeClr val="accent1"/>
+          </a:effectRef>
+          <a:fontRef idx="minor">
+            <a:schemeClr val="tx1"/>
+          </a:fontRef>
+        </p:style>
+      </p:cxnSp>
+      <p:cxnSp>
+        <p:nvCxnSpPr>
+          <p:cNvPr id="251" name="直接连接符 250"/>
+          <p:cNvCxnSpPr>
+            <a:stCxn id="10" idx="2"/>
+            <a:endCxn id="126" idx="0"/>
+          </p:cNvCxnSpPr>
+          <p:nvPr/>
+        </p:nvCxnSpPr>
+        <p:spPr>
+          <a:xfrm>
+            <a:off x="872508" y="5987411"/>
+            <a:ext cx="484484" cy="118147"/>
+          </a:xfrm>
+          <a:prstGeom prst="line">
+            <a:avLst/>
+          </a:prstGeom>
+        </p:spPr>
+        <p:style>
+          <a:lnRef idx="1">
+            <a:schemeClr val="accent1"/>
+          </a:lnRef>
+          <a:fillRef idx="0">
+            <a:schemeClr val="accent1"/>
+          </a:fillRef>
+          <a:effectRef idx="0">
+            <a:schemeClr val="accent1"/>
+          </a:effectRef>
+          <a:fontRef idx="minor">
+            <a:schemeClr val="tx1"/>
+          </a:fontRef>
+        </p:style>
+      </p:cxnSp>
+      <p:sp>
+        <p:nvSpPr>
+          <p:cNvPr id="133" name="椭圆 132"/>
+          <p:cNvSpPr/>
+          <p:nvPr/>
+        </p:nvSpPr>
+        <p:spPr>
+          <a:xfrm>
+            <a:off x="2097325" y="295922"/>
+            <a:ext cx="737673" cy="464001"/>
+          </a:xfrm>
+          <a:prstGeom prst="ellipse">
+            <a:avLst/>
+          </a:prstGeom>
+          <a:solidFill>
+            <a:schemeClr val="accent4">
+              <a:lumMod val="20000"/>
+              <a:lumOff val="80000"/>
+            </a:schemeClr>
+          </a:solidFill>
+        </p:spPr>
+        <p:style>
+          <a:lnRef idx="2">
+            <a:schemeClr val="accent1">
+              <a:shade val="50000"/>
+            </a:schemeClr>
+          </a:lnRef>
+          <a:fillRef idx="1">
+            <a:schemeClr val="accent1"/>
+          </a:fillRef>
+          <a:effectRef idx="0">
+            <a:schemeClr val="accent1"/>
+          </a:effectRef>
+          <a:fontRef idx="minor">
+            <a:schemeClr val="lt1"/>
+          </a:fontRef>
+        </p:style>
+        <p:txBody>
+          <a:bodyPr rtlCol="0" anchor="ctr"/>
+          <a:lstStyle/>
+          <a:p>
+            <a:pPr algn="ctr"/>
+            <a:r>
+              <a:rPr lang="zh-CN" altLang="en-US" sz="1200" dirty="0" smtClean="0">
+                <a:solidFill>
+                  <a:schemeClr val="tx1"/>
+                </a:solidFill>
+              </a:rPr>
+              <a:t>违约次数</a:t>
+            </a:r>
+            <a:endParaRPr lang="zh-CN" altLang="en-US" sz="1200" dirty="0">
+              <a:solidFill>
+                <a:schemeClr val="tx1"/>
+              </a:solidFill>
+            </a:endParaRPr>
+          </a:p>
+        </p:txBody>
+      </p:sp>
+      <p:sp>
+        <p:nvSpPr>
+          <p:cNvPr id="135" name="椭圆 134"/>
+          <p:cNvSpPr/>
+          <p:nvPr/>
+        </p:nvSpPr>
+        <p:spPr>
+          <a:xfrm>
+            <a:off x="9673457" y="200879"/>
+            <a:ext cx="737673" cy="464001"/>
+          </a:xfrm>
+          <a:prstGeom prst="ellipse">
+            <a:avLst/>
+          </a:prstGeom>
+          <a:solidFill>
+            <a:schemeClr val="accent4">
+              <a:lumMod val="20000"/>
+              <a:lumOff val="80000"/>
+            </a:schemeClr>
+          </a:solidFill>
+        </p:spPr>
+        <p:style>
+          <a:lnRef idx="2">
+            <a:schemeClr val="accent1">
+              <a:shade val="50000"/>
+            </a:schemeClr>
+          </a:lnRef>
+          <a:fillRef idx="1">
+            <a:schemeClr val="accent1"/>
+          </a:fillRef>
+          <a:effectRef idx="0">
+            <a:schemeClr val="accent1"/>
+          </a:effectRef>
+          <a:fontRef idx="minor">
+            <a:schemeClr val="lt1"/>
+          </a:fontRef>
+        </p:style>
+        <p:txBody>
+          <a:bodyPr rtlCol="0" anchor="ctr"/>
+          <a:lstStyle/>
+          <a:p>
+            <a:pPr algn="ctr"/>
+            <a:r>
+              <a:rPr lang="zh-CN" altLang="en-US" sz="1200" dirty="0" smtClean="0">
+                <a:solidFill>
+                  <a:schemeClr val="tx1"/>
+                </a:solidFill>
+              </a:rPr>
+              <a:t>违约次数</a:t>
+            </a:r>
+            <a:endParaRPr lang="zh-CN" altLang="en-US" sz="1200" dirty="0">
+              <a:solidFill>
+                <a:schemeClr val="tx1"/>
+              </a:solidFill>
+            </a:endParaRPr>
+          </a:p>
+        </p:txBody>
+      </p:sp>
+      <p:cxnSp>
+        <p:nvCxnSpPr>
+          <p:cNvPr id="254" name="直接连接符 253"/>
+          <p:cNvCxnSpPr>
+            <a:stCxn id="135" idx="4"/>
+            <a:endCxn id="161" idx="0"/>
+          </p:cNvCxnSpPr>
+          <p:nvPr/>
+        </p:nvCxnSpPr>
+        <p:spPr>
+          <a:xfrm>
+            <a:off x="10042294" y="664880"/>
+            <a:ext cx="5444" cy="270426"/>
+          </a:xfrm>
+          <a:prstGeom prst="line">
+            <a:avLst/>
+          </a:prstGeom>
+        </p:spPr>
+        <p:style>
+          <a:lnRef idx="1">
+            <a:schemeClr val="accent1"/>
+          </a:lnRef>
+          <a:fillRef idx="0">
+            <a:schemeClr val="accent1"/>
+          </a:fillRef>
+          <a:effectRef idx="0">
+            <a:schemeClr val="accent1"/>
+          </a:effectRef>
+          <a:fontRef idx="minor">
+            <a:schemeClr val="tx1"/>
+          </a:fontRef>
+        </p:style>
+      </p:cxnSp>
+      <p:cxnSp>
+        <p:nvCxnSpPr>
+          <p:cNvPr id="256" name="直接连接符 255"/>
+          <p:cNvCxnSpPr>
+            <a:stCxn id="133" idx="4"/>
+            <a:endCxn id="151" idx="0"/>
+          </p:cNvCxnSpPr>
+          <p:nvPr/>
+        </p:nvCxnSpPr>
+        <p:spPr>
+          <a:xfrm>
+            <a:off x="2466162" y="759923"/>
+            <a:ext cx="1" cy="188208"/>
+          </a:xfrm>
+          <a:prstGeom prst="line">
+            <a:avLst/>
+          </a:prstGeom>
+        </p:spPr>
+        <p:style>
+          <a:lnRef idx="1">
+            <a:schemeClr val="accent1"/>
+          </a:lnRef>
+          <a:fillRef idx="0">
+            <a:schemeClr val="accent1"/>
+          </a:fillRef>
+          <a:effectRef idx="0">
+            <a:schemeClr val="accent1"/>
+          </a:effectRef>
+          <a:fontRef idx="minor">
+            <a:schemeClr val="tx1"/>
+          </a:fontRef>
+        </p:style>
+      </p:cxnSp>
+      <p:sp>
+        <p:nvSpPr>
+          <p:cNvPr id="140" name="椭圆 139"/>
+          <p:cNvSpPr/>
+          <p:nvPr/>
+        </p:nvSpPr>
+        <p:spPr>
+          <a:xfrm>
+            <a:off x="5139017" y="1439426"/>
+            <a:ext cx="701502" cy="382569"/>
+          </a:xfrm>
+          <a:prstGeom prst="ellipse">
+            <a:avLst/>
+          </a:prstGeom>
+          <a:solidFill>
+            <a:schemeClr val="accent4">
+              <a:lumMod val="20000"/>
+              <a:lumOff val="80000"/>
+            </a:schemeClr>
+          </a:solidFill>
+        </p:spPr>
+        <p:style>
+          <a:lnRef idx="2">
+            <a:schemeClr val="accent1">
+              <a:shade val="50000"/>
+            </a:schemeClr>
+          </a:lnRef>
+          <a:fillRef idx="1">
+            <a:schemeClr val="accent1"/>
+          </a:fillRef>
+          <a:effectRef idx="0">
+            <a:schemeClr val="accent1"/>
+          </a:effectRef>
+          <a:fontRef idx="minor">
+            <a:schemeClr val="lt1"/>
+          </a:fontRef>
+        </p:style>
+        <p:txBody>
+          <a:bodyPr rtlCol="0" anchor="ctr"/>
+          <a:lstStyle/>
+          <a:p>
+            <a:pPr algn="ctr"/>
+            <a:r>
+              <a:rPr lang="zh-CN" altLang="en-US" sz="1200" dirty="0" smtClean="0">
+                <a:solidFill>
+                  <a:schemeClr val="tx1"/>
+                </a:solidFill>
+              </a:rPr>
+              <a:t>申诉理由</a:t>
+            </a:r>
+            <a:endParaRPr lang="zh-CN" altLang="en-US" sz="1200" dirty="0">
+              <a:solidFill>
+                <a:schemeClr val="tx1"/>
+              </a:solidFill>
+            </a:endParaRPr>
+          </a:p>
+        </p:txBody>
+      </p:sp>
+      <p:sp>
+        <p:nvSpPr>
+          <p:cNvPr id="141" name="椭圆 140"/>
+          <p:cNvSpPr/>
+          <p:nvPr/>
+        </p:nvSpPr>
+        <p:spPr>
+          <a:xfrm>
+            <a:off x="6200772" y="1438605"/>
+            <a:ext cx="701502" cy="382569"/>
+          </a:xfrm>
+          <a:prstGeom prst="ellipse">
+            <a:avLst/>
+          </a:prstGeom>
+          <a:solidFill>
+            <a:schemeClr val="accent4">
+              <a:lumMod val="20000"/>
+              <a:lumOff val="80000"/>
+            </a:schemeClr>
+          </a:solidFill>
+        </p:spPr>
+        <p:style>
+          <a:lnRef idx="2">
+            <a:schemeClr val="accent1">
+              <a:shade val="50000"/>
+            </a:schemeClr>
+          </a:lnRef>
+          <a:fillRef idx="1">
+            <a:schemeClr val="accent1"/>
+          </a:fillRef>
+          <a:effectRef idx="0">
+            <a:schemeClr val="accent1"/>
+          </a:effectRef>
+          <a:fontRef idx="minor">
+            <a:schemeClr val="lt1"/>
+          </a:fontRef>
+        </p:style>
+        <p:txBody>
+          <a:bodyPr rtlCol="0" anchor="ctr"/>
+          <a:lstStyle/>
+          <a:p>
+            <a:pPr algn="ctr"/>
+            <a:r>
+              <a:rPr lang="zh-CN" altLang="en-US" sz="1200" dirty="0" smtClean="0">
+                <a:solidFill>
+                  <a:schemeClr val="tx1"/>
+                </a:solidFill>
+              </a:rPr>
+              <a:t>记录编号</a:t>
+            </a:r>
+            <a:endParaRPr lang="zh-CN" altLang="en-US" sz="1200" dirty="0">
+              <a:solidFill>
+                <a:schemeClr val="tx1"/>
+              </a:solidFill>
+            </a:endParaRPr>
+          </a:p>
+        </p:txBody>
+      </p:sp>
+      <p:cxnSp>
+        <p:nvCxnSpPr>
+          <p:cNvPr id="258" name="直接连接符 257"/>
+          <p:cNvCxnSpPr>
+            <a:stCxn id="140" idx="5"/>
+            <a:endCxn id="168" idx="0"/>
+          </p:cNvCxnSpPr>
+          <p:nvPr/>
+        </p:nvCxnSpPr>
+        <p:spPr>
+          <a:xfrm>
+            <a:off x="5737786" y="1765969"/>
+            <a:ext cx="329062" cy="188505"/>
+          </a:xfrm>
+          <a:prstGeom prst="line">
+            <a:avLst/>
+          </a:prstGeom>
+        </p:spPr>
+        <p:style>
+          <a:lnRef idx="1">
+            <a:schemeClr val="accent1"/>
+          </a:lnRef>
+          <a:fillRef idx="0">
+            <a:schemeClr val="accent1"/>
+          </a:fillRef>
+          <a:effectRef idx="0">
+            <a:schemeClr val="accent1"/>
+          </a:effectRef>
+          <a:fontRef idx="minor">
+            <a:schemeClr val="tx1"/>
+          </a:fontRef>
+        </p:style>
+      </p:cxnSp>
+      <p:cxnSp>
+        <p:nvCxnSpPr>
+          <p:cNvPr id="262" name="直接连接符 261"/>
+          <p:cNvCxnSpPr>
+            <a:stCxn id="141" idx="3"/>
+            <a:endCxn id="168" idx="0"/>
+          </p:cNvCxnSpPr>
+          <p:nvPr/>
+        </p:nvCxnSpPr>
+        <p:spPr>
+          <a:xfrm flipH="1">
+            <a:off x="6066848" y="1765148"/>
+            <a:ext cx="236657" cy="189326"/>
+          </a:xfrm>
+          <a:prstGeom prst="line">
+            <a:avLst/>
+          </a:prstGeom>
+        </p:spPr>
+        <p:style>
+          <a:lnRef idx="1">
+            <a:schemeClr val="accent1"/>
+          </a:lnRef>
+          <a:fillRef idx="0">
+            <a:schemeClr val="accent1"/>
+          </a:fillRef>
+          <a:effectRef idx="0">
+            <a:schemeClr val="accent1"/>
+          </a:effectRef>
+          <a:fontRef idx="minor">
+            <a:schemeClr val="tx1"/>
+          </a:fontRef>
+        </p:style>
+      </p:cxnSp>
     </p:spTree>
     <p:extLst>
       <p:ext uri="{BB962C8B-B14F-4D97-AF65-F5344CB8AC3E}">
@@ -11088,7 +11899,7 @@
         </p:nvSpPr>
         <p:spPr>
           <a:xfrm>
-            <a:off x="2160827" y="586645"/>
+            <a:off x="5143114" y="1568157"/>
             <a:ext cx="1518408" cy="683703"/>
           </a:xfrm>
           <a:prstGeom prst="rect">
@@ -11146,7 +11957,7 @@
         </p:nvSpPr>
         <p:spPr>
           <a:xfrm>
-            <a:off x="522155" y="2567317"/>
+            <a:off x="3504442" y="3548829"/>
             <a:ext cx="1427507" cy="784371"/>
           </a:xfrm>
           <a:prstGeom prst="ellipse">
@@ -11204,7 +12015,7 @@
         </p:nvSpPr>
         <p:spPr>
           <a:xfrm>
-            <a:off x="2005581" y="2567316"/>
+            <a:off x="4987868" y="3548828"/>
             <a:ext cx="1023457" cy="784371"/>
           </a:xfrm>
           <a:prstGeom prst="ellipse">
@@ -11262,7 +12073,7 @@
         </p:nvSpPr>
         <p:spPr>
           <a:xfrm>
-            <a:off x="3084957" y="2567316"/>
+            <a:off x="6067244" y="3548828"/>
             <a:ext cx="1023457" cy="784371"/>
           </a:xfrm>
           <a:prstGeom prst="ellipse">
@@ -11323,7 +12134,7 @@
         </p:nvCxnSpPr>
         <p:spPr>
           <a:xfrm flipV="1">
-            <a:off x="1235909" y="1270348"/>
+            <a:off x="4218196" y="2251860"/>
             <a:ext cx="1684122" cy="1296969"/>
           </a:xfrm>
           <a:prstGeom prst="line">
@@ -11356,7 +12167,7 @@
         </p:nvCxnSpPr>
         <p:spPr>
           <a:xfrm flipV="1">
-            <a:off x="2517310" y="1270348"/>
+            <a:off x="5499597" y="2251860"/>
             <a:ext cx="402721" cy="1296968"/>
           </a:xfrm>
           <a:prstGeom prst="line">
@@ -11389,7 +12200,7 @@
         </p:nvCxnSpPr>
         <p:spPr>
           <a:xfrm flipH="1" flipV="1">
-            <a:off x="2920031" y="1270348"/>
+            <a:off x="5902318" y="2251860"/>
             <a:ext cx="676655" cy="1296968"/>
           </a:xfrm>
           <a:prstGeom prst="line">
@@ -11419,7 +12230,7 @@
         </p:nvSpPr>
         <p:spPr>
           <a:xfrm>
-            <a:off x="4164333" y="2561028"/>
+            <a:off x="7146620" y="3542540"/>
             <a:ext cx="1023457" cy="784371"/>
           </a:xfrm>
           <a:prstGeom prst="ellipse">
@@ -11480,7 +12291,7 @@
         </p:nvCxnSpPr>
         <p:spPr>
           <a:xfrm flipH="1" flipV="1">
-            <a:off x="2920031" y="1270348"/>
+            <a:off x="5902318" y="2251860"/>
             <a:ext cx="1756031" cy="1290680"/>
           </a:xfrm>
           <a:prstGeom prst="line">
@@ -13183,7 +13994,7 @@
         </p:nvSpPr>
         <p:spPr>
           <a:xfrm>
-            <a:off x="7896329" y="3107060"/>
+            <a:off x="7915703" y="3052024"/>
             <a:ext cx="964373" cy="500104"/>
           </a:xfrm>
           <a:prstGeom prst="ellipse">
@@ -13223,7 +14034,7 @@
                   <a:schemeClr val="tx1"/>
                 </a:solidFill>
               </a:rPr>
-              <a:t>申诉记录</a:t>
+              <a:t>记录编号</a:t>
             </a:r>
             <a:endParaRPr lang="zh-CN" altLang="en-US" sz="1600" dirty="0">
               <a:solidFill>
@@ -13245,7 +14056,7 @@
         <p:spPr>
           <a:xfrm>
             <a:off x="7449633" y="2842906"/>
-            <a:ext cx="446696" cy="514206"/>
+            <a:ext cx="466070" cy="459170"/>
           </a:xfrm>
           <a:prstGeom prst="line">
             <a:avLst/>
@@ -16108,72 +16919,6 @@
       </p:cxnSp>
       <p:sp>
         <p:nvSpPr>
-          <p:cNvPr id="30" name="椭圆 29"/>
-          <p:cNvSpPr/>
-          <p:nvPr/>
-        </p:nvSpPr>
-        <p:spPr>
-          <a:xfrm>
-            <a:off x="6444427" y="3156167"/>
-            <a:ext cx="1023457" cy="784371"/>
-          </a:xfrm>
-          <a:prstGeom prst="ellipse">
-            <a:avLst/>
-          </a:prstGeom>
-          <a:solidFill>
-            <a:schemeClr val="accent4">
-              <a:lumMod val="20000"/>
-              <a:lumOff val="80000"/>
-            </a:schemeClr>
-          </a:solidFill>
-        </p:spPr>
-        <p:style>
-          <a:lnRef idx="2">
-            <a:schemeClr val="accent1">
-              <a:shade val="50000"/>
-            </a:schemeClr>
-          </a:lnRef>
-          <a:fillRef idx="1">
-            <a:schemeClr val="accent1"/>
-          </a:fillRef>
-          <a:effectRef idx="0">
-            <a:schemeClr val="accent1"/>
-          </a:effectRef>
-          <a:fontRef idx="minor">
-            <a:schemeClr val="lt1"/>
-          </a:fontRef>
-        </p:style>
-        <p:txBody>
-          <a:bodyPr rtlCol="0" anchor="ctr"/>
-          <a:lstStyle/>
-          <a:p>
-            <a:pPr algn="ctr"/>
-            <a:r>
-              <a:rPr lang="zh-CN" altLang="en-US" dirty="0">
-                <a:solidFill>
-                  <a:schemeClr val="tx1"/>
-                </a:solidFill>
-              </a:rPr>
-              <a:t>临</a:t>
-            </a:r>
-            <a:r>
-              <a:rPr lang="zh-CN" altLang="en-US" dirty="0" smtClean="0">
-                <a:solidFill>
-                  <a:schemeClr val="tx1"/>
-                </a:solidFill>
-              </a:rPr>
-              <a:t>时账号</a:t>
-            </a:r>
-            <a:endParaRPr lang="zh-CN" altLang="en-US" dirty="0">
-              <a:solidFill>
-                <a:schemeClr val="tx1"/>
-              </a:solidFill>
-            </a:endParaRPr>
-          </a:p>
-        </p:txBody>
-      </p:sp>
-      <p:sp>
-        <p:nvSpPr>
           <p:cNvPr id="31" name="椭圆 30"/>
           <p:cNvSpPr/>
           <p:nvPr/>
@@ -16230,39 +16975,6 @@
           </a:p>
         </p:txBody>
       </p:sp>
-      <p:cxnSp>
-        <p:nvCxnSpPr>
-          <p:cNvPr id="32" name="直接连接符 31"/>
-          <p:cNvCxnSpPr>
-            <a:stCxn id="27" idx="3"/>
-            <a:endCxn id="30" idx="2"/>
-          </p:cNvCxnSpPr>
-          <p:nvPr/>
-        </p:nvCxnSpPr>
-        <p:spPr>
-          <a:xfrm>
-            <a:off x="5853130" y="3011443"/>
-            <a:ext cx="591297" cy="536910"/>
-          </a:xfrm>
-          <a:prstGeom prst="line">
-            <a:avLst/>
-          </a:prstGeom>
-        </p:spPr>
-        <p:style>
-          <a:lnRef idx="1">
-            <a:schemeClr val="accent1"/>
-          </a:lnRef>
-          <a:fillRef idx="0">
-            <a:schemeClr val="accent1"/>
-          </a:fillRef>
-          <a:effectRef idx="0">
-            <a:schemeClr val="accent1"/>
-          </a:effectRef>
-          <a:fontRef idx="minor">
-            <a:schemeClr val="tx1"/>
-          </a:fontRef>
-        </p:style>
-      </p:cxnSp>
       <p:cxnSp>
         <p:nvCxnSpPr>
           <p:cNvPr id="33" name="直接连接符 32"/>
@@ -16354,6 +17066,97 @@
           </a:p>
         </p:txBody>
       </p:sp>
+      <p:sp>
+        <p:nvSpPr>
+          <p:cNvPr id="36" name="椭圆 35"/>
+          <p:cNvSpPr/>
+          <p:nvPr/>
+        </p:nvSpPr>
+        <p:spPr>
+          <a:xfrm>
+            <a:off x="6435788" y="3069116"/>
+            <a:ext cx="1023457" cy="784371"/>
+          </a:xfrm>
+          <a:prstGeom prst="ellipse">
+            <a:avLst/>
+          </a:prstGeom>
+          <a:solidFill>
+            <a:schemeClr val="accent4">
+              <a:lumMod val="20000"/>
+              <a:lumOff val="80000"/>
+            </a:schemeClr>
+          </a:solidFill>
+        </p:spPr>
+        <p:style>
+          <a:lnRef idx="2">
+            <a:schemeClr val="accent1">
+              <a:shade val="50000"/>
+            </a:schemeClr>
+          </a:lnRef>
+          <a:fillRef idx="1">
+            <a:schemeClr val="accent1"/>
+          </a:fillRef>
+          <a:effectRef idx="0">
+            <a:schemeClr val="accent1"/>
+          </a:effectRef>
+          <a:fontRef idx="minor">
+            <a:schemeClr val="lt1"/>
+          </a:fontRef>
+        </p:style>
+        <p:txBody>
+          <a:bodyPr rtlCol="0" anchor="ctr"/>
+          <a:lstStyle/>
+          <a:p>
+            <a:pPr algn="ctr"/>
+            <a:r>
+              <a:rPr lang="zh-CN" altLang="en-US" dirty="0" smtClean="0">
+                <a:solidFill>
+                  <a:schemeClr val="tx1"/>
+                </a:solidFill>
+              </a:rPr>
+              <a:t>到位时间</a:t>
+            </a:r>
+            <a:endParaRPr lang="en-US" altLang="zh-CN" dirty="0" smtClean="0">
+              <a:solidFill>
+                <a:schemeClr val="tx1"/>
+              </a:solidFill>
+            </a:endParaRPr>
+          </a:p>
+        </p:txBody>
+      </p:sp>
+      <p:cxnSp>
+        <p:nvCxnSpPr>
+          <p:cNvPr id="37" name="直接连接符 36"/>
+          <p:cNvCxnSpPr>
+            <a:stCxn id="27" idx="3"/>
+            <a:endCxn id="36" idx="2"/>
+          </p:cNvCxnSpPr>
+          <p:nvPr/>
+        </p:nvCxnSpPr>
+        <p:spPr>
+          <a:xfrm>
+            <a:off x="5853130" y="3011443"/>
+            <a:ext cx="582658" cy="449859"/>
+          </a:xfrm>
+          <a:prstGeom prst="line">
+            <a:avLst/>
+          </a:prstGeom>
+        </p:spPr>
+        <p:style>
+          <a:lnRef idx="1">
+            <a:schemeClr val="accent1"/>
+          </a:lnRef>
+          <a:fillRef idx="0">
+            <a:schemeClr val="accent1"/>
+          </a:fillRef>
+          <a:effectRef idx="0">
+            <a:schemeClr val="accent1"/>
+          </a:effectRef>
+          <a:fontRef idx="minor">
+            <a:schemeClr val="tx1"/>
+          </a:fontRef>
+        </p:style>
+      </p:cxnSp>
     </p:spTree>
     <p:extLst>
       <p:ext uri="{BB962C8B-B14F-4D97-AF65-F5344CB8AC3E}">

--- a/ours/E-R图初稿.pptx
+++ b/ours/E-R图初稿.pptx
@@ -261,7 +261,7 @@
           <a:p>
             <a:fld id="{07BB1640-576C-4106-8BBF-5EE4E1757382}" type="datetimeFigureOut">
               <a:rPr lang="zh-CN" altLang="en-US" smtClean="0"/>
-              <a:t>2016/10/24</a:t>
+              <a:t>2016/10/25</a:t>
             </a:fld>
             <a:endParaRPr lang="zh-CN" altLang="en-US"/>
           </a:p>
@@ -431,7 +431,7 @@
           <a:p>
             <a:fld id="{07BB1640-576C-4106-8BBF-5EE4E1757382}" type="datetimeFigureOut">
               <a:rPr lang="zh-CN" altLang="en-US" smtClean="0"/>
-              <a:t>2016/10/24</a:t>
+              <a:t>2016/10/25</a:t>
             </a:fld>
             <a:endParaRPr lang="zh-CN" altLang="en-US"/>
           </a:p>
@@ -611,7 +611,7 @@
           <a:p>
             <a:fld id="{07BB1640-576C-4106-8BBF-5EE4E1757382}" type="datetimeFigureOut">
               <a:rPr lang="zh-CN" altLang="en-US" smtClean="0"/>
-              <a:t>2016/10/24</a:t>
+              <a:t>2016/10/25</a:t>
             </a:fld>
             <a:endParaRPr lang="zh-CN" altLang="en-US"/>
           </a:p>
@@ -781,7 +781,7 @@
           <a:p>
             <a:fld id="{07BB1640-576C-4106-8BBF-5EE4E1757382}" type="datetimeFigureOut">
               <a:rPr lang="zh-CN" altLang="en-US" smtClean="0"/>
-              <a:t>2016/10/24</a:t>
+              <a:t>2016/10/25</a:t>
             </a:fld>
             <a:endParaRPr lang="zh-CN" altLang="en-US"/>
           </a:p>
@@ -1027,7 +1027,7 @@
           <a:p>
             <a:fld id="{07BB1640-576C-4106-8BBF-5EE4E1757382}" type="datetimeFigureOut">
               <a:rPr lang="zh-CN" altLang="en-US" smtClean="0"/>
-              <a:t>2016/10/24</a:t>
+              <a:t>2016/10/25</a:t>
             </a:fld>
             <a:endParaRPr lang="zh-CN" altLang="en-US"/>
           </a:p>
@@ -1259,7 +1259,7 @@
           <a:p>
             <a:fld id="{07BB1640-576C-4106-8BBF-5EE4E1757382}" type="datetimeFigureOut">
               <a:rPr lang="zh-CN" altLang="en-US" smtClean="0"/>
-              <a:t>2016/10/24</a:t>
+              <a:t>2016/10/25</a:t>
             </a:fld>
             <a:endParaRPr lang="zh-CN" altLang="en-US"/>
           </a:p>
@@ -1626,7 +1626,7 @@
           <a:p>
             <a:fld id="{07BB1640-576C-4106-8BBF-5EE4E1757382}" type="datetimeFigureOut">
               <a:rPr lang="zh-CN" altLang="en-US" smtClean="0"/>
-              <a:t>2016/10/24</a:t>
+              <a:t>2016/10/25</a:t>
             </a:fld>
             <a:endParaRPr lang="zh-CN" altLang="en-US"/>
           </a:p>
@@ -1744,7 +1744,7 @@
           <a:p>
             <a:fld id="{07BB1640-576C-4106-8BBF-5EE4E1757382}" type="datetimeFigureOut">
               <a:rPr lang="zh-CN" altLang="en-US" smtClean="0"/>
-              <a:t>2016/10/24</a:t>
+              <a:t>2016/10/25</a:t>
             </a:fld>
             <a:endParaRPr lang="zh-CN" altLang="en-US"/>
           </a:p>
@@ -1839,7 +1839,7 @@
           <a:p>
             <a:fld id="{07BB1640-576C-4106-8BBF-5EE4E1757382}" type="datetimeFigureOut">
               <a:rPr lang="zh-CN" altLang="en-US" smtClean="0"/>
-              <a:t>2016/10/24</a:t>
+              <a:t>2016/10/25</a:t>
             </a:fld>
             <a:endParaRPr lang="zh-CN" altLang="en-US"/>
           </a:p>
@@ -2116,7 +2116,7 @@
           <a:p>
             <a:fld id="{07BB1640-576C-4106-8BBF-5EE4E1757382}" type="datetimeFigureOut">
               <a:rPr lang="zh-CN" altLang="en-US" smtClean="0"/>
-              <a:t>2016/10/24</a:t>
+              <a:t>2016/10/25</a:t>
             </a:fld>
             <a:endParaRPr lang="zh-CN" altLang="en-US"/>
           </a:p>
@@ -2369,7 +2369,7 @@
           <a:p>
             <a:fld id="{07BB1640-576C-4106-8BBF-5EE4E1757382}" type="datetimeFigureOut">
               <a:rPr lang="zh-CN" altLang="en-US" smtClean="0"/>
-              <a:t>2016/10/24</a:t>
+              <a:t>2016/10/25</a:t>
             </a:fld>
             <a:endParaRPr lang="zh-CN" altLang="en-US"/>
           </a:p>
@@ -2582,7 +2582,7 @@
           <a:p>
             <a:fld id="{07BB1640-576C-4106-8BBF-5EE4E1757382}" type="datetimeFigureOut">
               <a:rPr lang="zh-CN" altLang="en-US" smtClean="0"/>
-              <a:t>2016/10/24</a:t>
+              <a:t>2016/10/25</a:t>
             </a:fld>
             <a:endParaRPr lang="zh-CN" altLang="en-US"/>
           </a:p>
@@ -9238,11 +9238,6 @@
               </a:rPr>
               <a:t>个人</a:t>
             </a:r>
-            <a:endParaRPr lang="zh-CN" altLang="en-US" dirty="0">
-              <a:solidFill>
-                <a:schemeClr val="tx1"/>
-              </a:solidFill>
-            </a:endParaRPr>
           </a:p>
         </p:txBody>
       </p:sp>
@@ -9354,11 +9349,6 @@
               </a:rPr>
               <a:t>团体</a:t>
             </a:r>
-            <a:endParaRPr lang="zh-CN" altLang="en-US" dirty="0">
-              <a:solidFill>
-                <a:schemeClr val="tx1"/>
-              </a:solidFill>
-            </a:endParaRPr>
           </a:p>
         </p:txBody>
       </p:sp>
@@ -9470,11 +9460,6 @@
               </a:rPr>
               <a:t>管理员</a:t>
             </a:r>
-            <a:endParaRPr lang="zh-CN" altLang="en-US" dirty="0">
-              <a:solidFill>
-                <a:schemeClr val="tx1"/>
-              </a:solidFill>
-            </a:endParaRPr>
           </a:p>
         </p:txBody>
       </p:sp>
@@ -10074,41 +10059,6 @@
           </a:p>
         </p:txBody>
       </p:sp>
-      <p:cxnSp>
-        <p:nvCxnSpPr>
-          <p:cNvPr id="70" name="曲线连接符 69"/>
-          <p:cNvCxnSpPr>
-            <a:stCxn id="7" idx="7"/>
-          </p:cNvCxnSpPr>
-          <p:nvPr/>
-        </p:nvCxnSpPr>
-        <p:spPr>
-          <a:xfrm rot="5400000" flipH="1" flipV="1">
-            <a:off x="3796859" y="920067"/>
-            <a:ext cx="942792" cy="1089038"/>
-          </a:xfrm>
-          <a:prstGeom prst="curvedConnector2">
-            <a:avLst/>
-          </a:prstGeom>
-          <a:ln>
-            <a:tailEnd type="triangle"/>
-          </a:ln>
-        </p:spPr>
-        <p:style>
-          <a:lnRef idx="1">
-            <a:schemeClr val="accent1"/>
-          </a:lnRef>
-          <a:fillRef idx="0">
-            <a:schemeClr val="accent1"/>
-          </a:fillRef>
-          <a:effectRef idx="0">
-            <a:schemeClr val="accent1"/>
-          </a:effectRef>
-          <a:fontRef idx="minor">
-            <a:schemeClr val="tx1"/>
-          </a:fontRef>
-        </p:style>
-      </p:cxnSp>
       <p:sp>
         <p:nvSpPr>
           <p:cNvPr id="71" name="文本框 70"/>
@@ -10313,161 +10263,6 @@
       </p:sp>
       <p:cxnSp>
         <p:nvCxnSpPr>
-          <p:cNvPr id="27" name="直接连接符 26"/>
-          <p:cNvCxnSpPr/>
-          <p:nvPr/>
-        </p:nvCxnSpPr>
-        <p:spPr>
-          <a:xfrm>
-            <a:off x="4481794" y="760110"/>
-            <a:ext cx="1433349" cy="0"/>
-          </a:xfrm>
-          <a:prstGeom prst="line">
-            <a:avLst/>
-          </a:prstGeom>
-        </p:spPr>
-        <p:style>
-          <a:lnRef idx="1">
-            <a:schemeClr val="accent1"/>
-          </a:lnRef>
-          <a:fillRef idx="0">
-            <a:schemeClr val="accent1"/>
-          </a:fillRef>
-          <a:effectRef idx="0">
-            <a:schemeClr val="accent1"/>
-          </a:effectRef>
-          <a:fontRef idx="minor">
-            <a:schemeClr val="tx1"/>
-          </a:fontRef>
-        </p:style>
-      </p:cxnSp>
-      <p:cxnSp>
-        <p:nvCxnSpPr>
-          <p:cNvPr id="40" name="直接连接符 39"/>
-          <p:cNvCxnSpPr/>
-          <p:nvPr/>
-        </p:nvCxnSpPr>
-        <p:spPr>
-          <a:xfrm>
-            <a:off x="4481794" y="926157"/>
-            <a:ext cx="1433349" cy="0"/>
-          </a:xfrm>
-          <a:prstGeom prst="line">
-            <a:avLst/>
-          </a:prstGeom>
-        </p:spPr>
-        <p:style>
-          <a:lnRef idx="1">
-            <a:schemeClr val="accent1"/>
-          </a:lnRef>
-          <a:fillRef idx="0">
-            <a:schemeClr val="accent1"/>
-          </a:fillRef>
-          <a:effectRef idx="0">
-            <a:schemeClr val="accent1"/>
-          </a:effectRef>
-          <a:fontRef idx="minor">
-            <a:schemeClr val="tx1"/>
-          </a:fontRef>
-        </p:style>
-      </p:cxnSp>
-      <p:sp>
-        <p:nvSpPr>
-          <p:cNvPr id="41" name="文本框 40"/>
-          <p:cNvSpPr txBox="1"/>
-          <p:nvPr/>
-        </p:nvSpPr>
-        <p:spPr>
-          <a:xfrm>
-            <a:off x="4674577" y="968650"/>
-            <a:ext cx="2668660" cy="369332"/>
-          </a:xfrm>
-          <a:prstGeom prst="rect">
-            <a:avLst/>
-          </a:prstGeom>
-          <a:noFill/>
-        </p:spPr>
-        <p:txBody>
-          <a:bodyPr wrap="square" rtlCol="0">
-            <a:spAutoFit/>
-          </a:bodyPr>
-          <a:lstStyle/>
-          <a:p>
-            <a:r>
-              <a:rPr lang="zh-CN" altLang="en-US" dirty="0" smtClean="0"/>
-              <a:t>缺座位、讨论室记录</a:t>
-            </a:r>
-            <a:endParaRPr lang="zh-CN" altLang="en-US" dirty="0"/>
-          </a:p>
-        </p:txBody>
-      </p:sp>
-      <p:cxnSp>
-        <p:nvCxnSpPr>
-          <p:cNvPr id="47" name="曲线连接符 46"/>
-          <p:cNvCxnSpPr/>
-          <p:nvPr/>
-        </p:nvCxnSpPr>
-        <p:spPr>
-          <a:xfrm flipV="1">
-            <a:off x="5230304" y="133538"/>
-            <a:ext cx="973272" cy="609050"/>
-          </a:xfrm>
-          <a:prstGeom prst="curvedConnector3">
-            <a:avLst>
-              <a:gd name="adj1" fmla="val 7630"/>
-            </a:avLst>
-          </a:prstGeom>
-          <a:ln>
-            <a:tailEnd type="triangle"/>
-          </a:ln>
-        </p:spPr>
-        <p:style>
-          <a:lnRef idx="1">
-            <a:schemeClr val="accent1"/>
-          </a:lnRef>
-          <a:fillRef idx="0">
-            <a:schemeClr val="accent1"/>
-          </a:fillRef>
-          <a:effectRef idx="0">
-            <a:schemeClr val="accent1"/>
-          </a:effectRef>
-          <a:fontRef idx="minor">
-            <a:schemeClr val="tx1"/>
-          </a:fontRef>
-        </p:style>
-      </p:cxnSp>
-      <p:sp>
-        <p:nvSpPr>
-          <p:cNvPr id="50" name="文本框 49"/>
-          <p:cNvSpPr txBox="1"/>
-          <p:nvPr/>
-        </p:nvSpPr>
-        <p:spPr>
-          <a:xfrm>
-            <a:off x="5450081" y="157602"/>
-            <a:ext cx="3318504" cy="369332"/>
-          </a:xfrm>
-          <a:prstGeom prst="rect">
-            <a:avLst/>
-          </a:prstGeom>
-          <a:noFill/>
-        </p:spPr>
-        <p:txBody>
-          <a:bodyPr wrap="square" rtlCol="0">
-            <a:spAutoFit/>
-          </a:bodyPr>
-          <a:lstStyle/>
-          <a:p>
-            <a:r>
-              <a:rPr lang="zh-CN" altLang="en-US" dirty="0" smtClean="0"/>
-              <a:t>预约情况反馈（预约失败）</a:t>
-            </a:r>
-            <a:endParaRPr lang="zh-CN" altLang="en-US" dirty="0"/>
-          </a:p>
-        </p:txBody>
-      </p:sp>
-      <p:cxnSp>
-        <p:nvCxnSpPr>
           <p:cNvPr id="53" name="直接连接符 52"/>
           <p:cNvCxnSpPr/>
           <p:nvPr/>
@@ -11113,7 +10908,7 @@
         </p:nvSpPr>
         <p:spPr>
           <a:xfrm>
-            <a:off x="10111969" y="1961965"/>
+            <a:off x="6634901" y="3628527"/>
             <a:ext cx="1203755" cy="369332"/>
           </a:xfrm>
           <a:prstGeom prst="rect">
@@ -11138,15 +10933,13 @@
       <p:cxnSp>
         <p:nvCxnSpPr>
           <p:cNvPr id="95" name="直接箭头连接符 94"/>
-          <p:cNvCxnSpPr>
-            <a:stCxn id="30" idx="6"/>
-          </p:cNvCxnSpPr>
+          <p:cNvCxnSpPr/>
           <p:nvPr/>
         </p:nvCxnSpPr>
         <p:spPr>
           <a:xfrm>
-            <a:off x="9538448" y="2278325"/>
-            <a:ext cx="1550262" cy="32159"/>
+            <a:off x="5632631" y="3476472"/>
+            <a:ext cx="2004541" cy="673442"/>
           </a:xfrm>
           <a:prstGeom prst="straightConnector1">
             <a:avLst/>
@@ -11308,7 +11101,7 @@
         </p:nvSpPr>
         <p:spPr>
           <a:xfrm>
-            <a:off x="1549576" y="357429"/>
+            <a:off x="1958698" y="429288"/>
             <a:ext cx="2885335" cy="369332"/>
           </a:xfrm>
           <a:prstGeom prst="rect">
@@ -12068,8 +11861,8 @@
         </p:nvSpPr>
         <p:spPr>
           <a:xfrm>
-            <a:off x="7966562" y="1362524"/>
-            <a:ext cx="1563654" cy="808472"/>
+            <a:off x="7966562" y="993192"/>
+            <a:ext cx="1966332" cy="1177804"/>
           </a:xfrm>
           <a:prstGeom prst="ellipse">
             <a:avLst/>
@@ -12108,8 +11901,24 @@
                   <a:schemeClr val="tx1"/>
                 </a:solidFill>
               </a:rPr>
-              <a:t>确定预约是否成功</a:t>
-            </a:r>
+              <a:t>确定</a:t>
+            </a:r>
+            <a:r>
+              <a:rPr lang="zh-CN" altLang="en-US" dirty="0" smtClean="0">
+                <a:solidFill>
+                  <a:schemeClr val="tx1"/>
+                </a:solidFill>
+              </a:rPr>
+              <a:t>能否提供座位、讨论室</a:t>
+            </a:r>
+            <a:endParaRPr lang="en-US" altLang="zh-CN" dirty="0" smtClean="0">
+              <a:solidFill>
+                <a:schemeClr val="tx1"/>
+              </a:solidFill>
+            </a:endParaRPr>
+          </a:p>
+          <a:p>
+            <a:pPr algn="ctr"/>
             <a:r>
               <a:rPr lang="en-US" altLang="zh-CN" dirty="0" smtClean="0">
                 <a:solidFill>
@@ -12118,6 +11927,11 @@
               </a:rPr>
               <a:t>1.3</a:t>
             </a:r>
+            <a:endParaRPr lang="en-US" altLang="zh-CN" dirty="0" smtClean="0">
+              <a:solidFill>
+                <a:schemeClr val="tx1"/>
+              </a:solidFill>
+            </a:endParaRPr>
           </a:p>
         </p:txBody>
       </p:sp>
@@ -12132,8 +11946,8 @@
         </p:nvCxnSpPr>
         <p:spPr>
           <a:xfrm rot="5400000" flipH="1" flipV="1">
-            <a:off x="7195810" y="1182135"/>
-            <a:ext cx="186126" cy="1355377"/>
+            <a:off x="7103477" y="1089802"/>
+            <a:ext cx="370792" cy="1355377"/>
           </a:xfrm>
           <a:prstGeom prst="curvedConnector2">
             <a:avLst/>
@@ -12168,8 +11982,8 @@
         </p:nvCxnSpPr>
         <p:spPr>
           <a:xfrm flipV="1">
-            <a:off x="6840177" y="2052598"/>
-            <a:ext cx="1355377" cy="186126"/>
+            <a:off x="6840177" y="1998511"/>
+            <a:ext cx="1414348" cy="240213"/>
           </a:xfrm>
           <a:prstGeom prst="curvedConnector2">
             <a:avLst/>
@@ -12231,7 +12045,7 @@
         </p:nvSpPr>
         <p:spPr>
           <a:xfrm>
-            <a:off x="9471903" y="1449270"/>
+            <a:off x="9932894" y="1161129"/>
             <a:ext cx="2210720" cy="369332"/>
           </a:xfrm>
           <a:prstGeom prst="rect">
@@ -12252,96 +12066,6 @@
             <a:r>
               <a:rPr lang="zh-CN" altLang="en-US" dirty="0" smtClean="0"/>
               <a:t>供座位、讨论室</a:t>
-            </a:r>
-            <a:endParaRPr lang="zh-CN" altLang="en-US" dirty="0"/>
-          </a:p>
-        </p:txBody>
-      </p:sp>
-      <p:cxnSp>
-        <p:nvCxnSpPr>
-          <p:cNvPr id="74" name="直接连接符 73"/>
-          <p:cNvCxnSpPr/>
-          <p:nvPr/>
-        </p:nvCxnSpPr>
-        <p:spPr>
-          <a:xfrm>
-            <a:off x="8308903" y="2805043"/>
-            <a:ext cx="1433349" cy="0"/>
-          </a:xfrm>
-          <a:prstGeom prst="line">
-            <a:avLst/>
-          </a:prstGeom>
-        </p:spPr>
-        <p:style>
-          <a:lnRef idx="1">
-            <a:schemeClr val="accent1"/>
-          </a:lnRef>
-          <a:fillRef idx="0">
-            <a:schemeClr val="accent1"/>
-          </a:fillRef>
-          <a:effectRef idx="0">
-            <a:schemeClr val="accent1"/>
-          </a:effectRef>
-          <a:fontRef idx="minor">
-            <a:schemeClr val="tx1"/>
-          </a:fontRef>
-        </p:style>
-      </p:cxnSp>
-      <p:cxnSp>
-        <p:nvCxnSpPr>
-          <p:cNvPr id="75" name="直接连接符 74"/>
-          <p:cNvCxnSpPr/>
-          <p:nvPr/>
-        </p:nvCxnSpPr>
-        <p:spPr>
-          <a:xfrm>
-            <a:off x="8308903" y="2971090"/>
-            <a:ext cx="1433349" cy="0"/>
-          </a:xfrm>
-          <a:prstGeom prst="line">
-            <a:avLst/>
-          </a:prstGeom>
-        </p:spPr>
-        <p:style>
-          <a:lnRef idx="1">
-            <a:schemeClr val="accent1"/>
-          </a:lnRef>
-          <a:fillRef idx="0">
-            <a:schemeClr val="accent1"/>
-          </a:fillRef>
-          <a:effectRef idx="0">
-            <a:schemeClr val="accent1"/>
-          </a:effectRef>
-          <a:fontRef idx="minor">
-            <a:schemeClr val="tx1"/>
-          </a:fontRef>
-        </p:style>
-      </p:cxnSp>
-      <p:sp>
-        <p:nvSpPr>
-          <p:cNvPr id="76" name="文本框 75"/>
-          <p:cNvSpPr txBox="1"/>
-          <p:nvPr/>
-        </p:nvSpPr>
-        <p:spPr>
-          <a:xfrm>
-            <a:off x="8137573" y="3047196"/>
-            <a:ext cx="2668660" cy="369332"/>
-          </a:xfrm>
-          <a:prstGeom prst="rect">
-            <a:avLst/>
-          </a:prstGeom>
-          <a:noFill/>
-        </p:spPr>
-        <p:txBody>
-          <a:bodyPr wrap="square" rtlCol="0">
-            <a:spAutoFit/>
-          </a:bodyPr>
-          <a:lstStyle/>
-          <a:p>
-            <a:r>
-              <a:rPr lang="zh-CN" altLang="en-US" dirty="0" smtClean="0"/>
-              <a:t>缺座位、讨论室记录</a:t>
             </a:r>
             <a:endParaRPr lang="zh-CN" altLang="en-US" dirty="0"/>
           </a:p>
@@ -12357,43 +12081,8 @@
         </p:nvCxnSpPr>
         <p:spPr>
           <a:xfrm>
-            <a:off x="9530216" y="1766760"/>
-            <a:ext cx="1708138" cy="0"/>
-          </a:xfrm>
-          <a:prstGeom prst="straightConnector1">
-            <a:avLst/>
-          </a:prstGeom>
-          <a:ln>
-            <a:tailEnd type="triangle"/>
-          </a:ln>
-        </p:spPr>
-        <p:style>
-          <a:lnRef idx="1">
-            <a:schemeClr val="accent1"/>
-          </a:lnRef>
-          <a:fillRef idx="0">
-            <a:schemeClr val="accent1"/>
-          </a:fillRef>
-          <a:effectRef idx="0">
-            <a:schemeClr val="accent1"/>
-          </a:effectRef>
-          <a:fontRef idx="minor">
-            <a:schemeClr val="tx1"/>
-          </a:fontRef>
-        </p:style>
-      </p:cxnSp>
-      <p:cxnSp>
-        <p:nvCxnSpPr>
-          <p:cNvPr id="26" name="直接箭头连接符 25"/>
-          <p:cNvCxnSpPr>
-            <a:stCxn id="55" idx="4"/>
-          </p:cNvCxnSpPr>
-          <p:nvPr/>
-        </p:nvCxnSpPr>
-        <p:spPr>
-          <a:xfrm>
-            <a:off x="8748389" y="2170996"/>
-            <a:ext cx="335169" cy="612521"/>
+            <a:off x="9932894" y="1582094"/>
+            <a:ext cx="2028709" cy="24472"/>
           </a:xfrm>
           <a:prstGeom prst="straightConnector1">
             <a:avLst/>
@@ -12588,6 +12277,71 @@
         <p:spPr>
           <a:xfrm>
             <a:off x="3464848" y="387299"/>
+            <a:ext cx="2885335" cy="369332"/>
+          </a:xfrm>
+          <a:prstGeom prst="rect">
+            <a:avLst/>
+          </a:prstGeom>
+          <a:noFill/>
+        </p:spPr>
+        <p:txBody>
+          <a:bodyPr wrap="square" rtlCol="0">
+            <a:spAutoFit/>
+          </a:bodyPr>
+          <a:lstStyle/>
+          <a:p>
+            <a:r>
+              <a:rPr lang="zh-CN" altLang="en-US" dirty="0" smtClean="0"/>
+              <a:t>预约情况反馈（预约失败）</a:t>
+            </a:r>
+            <a:endParaRPr lang="zh-CN" altLang="en-US" dirty="0"/>
+          </a:p>
+        </p:txBody>
+      </p:sp>
+      <p:cxnSp>
+        <p:nvCxnSpPr>
+          <p:cNvPr id="36" name="直接箭头连接符 35"/>
+          <p:cNvCxnSpPr>
+            <a:stCxn id="55" idx="4"/>
+          </p:cNvCxnSpPr>
+          <p:nvPr/>
+        </p:nvCxnSpPr>
+        <p:spPr>
+          <a:xfrm>
+            <a:off x="8949728" y="2170996"/>
+            <a:ext cx="616055" cy="1196976"/>
+          </a:xfrm>
+          <a:prstGeom prst="straightConnector1">
+            <a:avLst/>
+          </a:prstGeom>
+          <a:ln>
+            <a:tailEnd type="triangle"/>
+          </a:ln>
+        </p:spPr>
+        <p:style>
+          <a:lnRef idx="1">
+            <a:schemeClr val="accent1"/>
+          </a:lnRef>
+          <a:fillRef idx="0">
+            <a:schemeClr val="accent1"/>
+          </a:fillRef>
+          <a:effectRef idx="0">
+            <a:schemeClr val="accent1"/>
+          </a:effectRef>
+          <a:fontRef idx="minor">
+            <a:schemeClr val="tx1"/>
+          </a:fontRef>
+        </p:style>
+      </p:cxnSp>
+      <p:sp>
+        <p:nvSpPr>
+          <p:cNvPr id="39" name="文本框 38"/>
+          <p:cNvSpPr txBox="1"/>
+          <p:nvPr/>
+        </p:nvSpPr>
+        <p:spPr>
+          <a:xfrm>
+            <a:off x="8490226" y="2802196"/>
             <a:ext cx="2885335" cy="369332"/>
           </a:xfrm>
           <a:prstGeom prst="rect">
@@ -12803,15 +12557,7 @@
                   <a:schemeClr val="tx1"/>
                 </a:solidFill>
               </a:rPr>
-              <a:t>2</a:t>
-            </a:r>
-            <a:r>
-              <a:rPr lang="en-US" altLang="zh-CN" dirty="0" smtClean="0">
-                <a:solidFill>
-                  <a:schemeClr val="tx1"/>
-                </a:solidFill>
-              </a:rPr>
-              <a:t>.1</a:t>
+              <a:t>2.1</a:t>
             </a:r>
           </a:p>
         </p:txBody>
@@ -12997,11 +12743,6 @@
               </a:rPr>
               <a:t>2.2</a:t>
             </a:r>
-            <a:endParaRPr lang="en-US" altLang="zh-CN" dirty="0" smtClean="0">
-              <a:solidFill>
-                <a:schemeClr val="tx1"/>
-              </a:solidFill>
-            </a:endParaRPr>
           </a:p>
         </p:txBody>
       </p:sp>
@@ -13070,36 +12811,6 @@
           </a:p>
         </p:txBody>
       </p:sp>
-      <p:sp>
-        <p:nvSpPr>
-          <p:cNvPr id="65" name="文本框 64"/>
-          <p:cNvSpPr txBox="1"/>
-          <p:nvPr/>
-        </p:nvSpPr>
-        <p:spPr>
-          <a:xfrm>
-            <a:off x="8288042" y="1974309"/>
-            <a:ext cx="2210720" cy="369332"/>
-          </a:xfrm>
-          <a:prstGeom prst="rect">
-            <a:avLst/>
-          </a:prstGeom>
-          <a:noFill/>
-        </p:spPr>
-        <p:txBody>
-          <a:bodyPr wrap="square" rtlCol="0">
-            <a:spAutoFit/>
-          </a:bodyPr>
-          <a:lstStyle/>
-          <a:p>
-            <a:r>
-              <a:rPr lang="zh-CN" altLang="en-US" dirty="0" smtClean="0"/>
-              <a:t>使用清单</a:t>
-            </a:r>
-            <a:endParaRPr lang="zh-CN" altLang="en-US" dirty="0"/>
-          </a:p>
-        </p:txBody>
-      </p:sp>
       <p:cxnSp>
         <p:nvCxnSpPr>
           <p:cNvPr id="74" name="直接连接符 73"/>
@@ -13192,42 +12903,6 @@
       </p:sp>
       <p:cxnSp>
         <p:nvCxnSpPr>
-          <p:cNvPr id="24" name="直接箭头连接符 23"/>
-          <p:cNvCxnSpPr>
-            <a:stCxn id="55" idx="6"/>
-            <a:endCxn id="65" idx="0"/>
-          </p:cNvCxnSpPr>
-          <p:nvPr/>
-        </p:nvCxnSpPr>
-        <p:spPr>
-          <a:xfrm>
-            <a:off x="7547008" y="1944344"/>
-            <a:ext cx="1846394" cy="29965"/>
-          </a:xfrm>
-          <a:prstGeom prst="straightConnector1">
-            <a:avLst/>
-          </a:prstGeom>
-          <a:ln>
-            <a:tailEnd type="triangle"/>
-          </a:ln>
-        </p:spPr>
-        <p:style>
-          <a:lnRef idx="1">
-            <a:schemeClr val="accent1"/>
-          </a:lnRef>
-          <a:fillRef idx="0">
-            <a:schemeClr val="accent1"/>
-          </a:fillRef>
-          <a:effectRef idx="0">
-            <a:schemeClr val="accent1"/>
-          </a:effectRef>
-          <a:fontRef idx="minor">
-            <a:schemeClr val="tx1"/>
-          </a:fontRef>
-        </p:style>
-      </p:cxnSp>
-      <p:cxnSp>
-        <p:nvCxnSpPr>
           <p:cNvPr id="26" name="直接箭头连接符 25"/>
           <p:cNvCxnSpPr/>
           <p:nvPr/>
@@ -13300,7 +12975,7 @@
         </p:nvSpPr>
         <p:spPr>
           <a:xfrm>
-            <a:off x="7059739" y="654025"/>
+            <a:off x="7780962" y="1187531"/>
             <a:ext cx="3318504" cy="369332"/>
           </a:xfrm>
           <a:prstGeom prst="rect">
@@ -13627,11 +13302,6 @@
               </a:rPr>
               <a:t>.2</a:t>
             </a:r>
-            <a:endParaRPr lang="en-US" altLang="zh-CN" dirty="0" smtClean="0">
-              <a:solidFill>
-                <a:schemeClr val="tx1"/>
-              </a:solidFill>
-            </a:endParaRPr>
           </a:p>
         </p:txBody>
       </p:sp>
@@ -13950,11 +13620,6 @@
               </a:rPr>
               <a:t>5.3</a:t>
             </a:r>
-            <a:endParaRPr lang="en-US" altLang="zh-CN" dirty="0" smtClean="0">
-              <a:solidFill>
-                <a:schemeClr val="tx1"/>
-              </a:solidFill>
-            </a:endParaRPr>
           </a:p>
         </p:txBody>
       </p:sp>
@@ -14024,11 +13689,6 @@
               </a:rPr>
               <a:t>5.4</a:t>
             </a:r>
-            <a:endParaRPr lang="en-US" altLang="zh-CN" dirty="0" smtClean="0">
-              <a:solidFill>
-                <a:schemeClr val="tx1"/>
-              </a:solidFill>
-            </a:endParaRPr>
           </a:p>
         </p:txBody>
       </p:sp>
@@ -22243,428 +21903,6 @@
           <a:chExt cx="0" cy="0"/>
         </a:xfrm>
       </p:grpSpPr>
-      <p:sp>
-        <p:nvSpPr>
-          <p:cNvPr id="2" name="矩形 1"/>
-          <p:cNvSpPr/>
-          <p:nvPr/>
-        </p:nvSpPr>
-        <p:spPr>
-          <a:xfrm>
-            <a:off x="2160827" y="586645"/>
-            <a:ext cx="1518408" cy="683703"/>
-          </a:xfrm>
-          <a:prstGeom prst="rect">
-            <a:avLst/>
-          </a:prstGeom>
-          <a:solidFill>
-            <a:schemeClr val="accent6">
-              <a:lumMod val="20000"/>
-              <a:lumOff val="80000"/>
-            </a:schemeClr>
-          </a:solidFill>
-        </p:spPr>
-        <p:style>
-          <a:lnRef idx="2">
-            <a:schemeClr val="accent1">
-              <a:shade val="50000"/>
-            </a:schemeClr>
-          </a:lnRef>
-          <a:fillRef idx="1">
-            <a:schemeClr val="accent1"/>
-          </a:fillRef>
-          <a:effectRef idx="0">
-            <a:schemeClr val="accent1"/>
-          </a:effectRef>
-          <a:fontRef idx="minor">
-            <a:schemeClr val="lt1"/>
-          </a:fontRef>
-        </p:style>
-        <p:txBody>
-          <a:bodyPr rtlCol="0" anchor="ctr"/>
-          <a:lstStyle/>
-          <a:p>
-            <a:pPr algn="ctr"/>
-            <a:r>
-              <a:rPr lang="zh-CN" altLang="en-US" dirty="0" smtClean="0">
-                <a:solidFill>
-                  <a:schemeClr val="tx1"/>
-                </a:solidFill>
-              </a:rPr>
-              <a:t>非本校人员</a:t>
-            </a:r>
-            <a:endParaRPr lang="zh-CN" altLang="en-US" dirty="0">
-              <a:solidFill>
-                <a:schemeClr val="tx1"/>
-              </a:solidFill>
-            </a:endParaRPr>
-          </a:p>
-        </p:txBody>
-      </p:sp>
-      <p:sp>
-        <p:nvSpPr>
-          <p:cNvPr id="3" name="椭圆 2"/>
-          <p:cNvSpPr/>
-          <p:nvPr/>
-        </p:nvSpPr>
-        <p:spPr>
-          <a:xfrm>
-            <a:off x="522155" y="2567317"/>
-            <a:ext cx="1427507" cy="784371"/>
-          </a:xfrm>
-          <a:prstGeom prst="ellipse">
-            <a:avLst/>
-          </a:prstGeom>
-          <a:solidFill>
-            <a:schemeClr val="accent4">
-              <a:lumMod val="20000"/>
-              <a:lumOff val="80000"/>
-            </a:schemeClr>
-          </a:solidFill>
-        </p:spPr>
-        <p:style>
-          <a:lnRef idx="2">
-            <a:schemeClr val="accent1">
-              <a:shade val="50000"/>
-            </a:schemeClr>
-          </a:lnRef>
-          <a:fillRef idx="1">
-            <a:schemeClr val="accent1"/>
-          </a:fillRef>
-          <a:effectRef idx="0">
-            <a:schemeClr val="accent1"/>
-          </a:effectRef>
-          <a:fontRef idx="minor">
-            <a:schemeClr val="lt1"/>
-          </a:fontRef>
-        </p:style>
-        <p:txBody>
-          <a:bodyPr rtlCol="0" anchor="ctr"/>
-          <a:lstStyle/>
-          <a:p>
-            <a:pPr algn="ctr"/>
-            <a:r>
-              <a:rPr lang="zh-CN" altLang="en-US" sz="1600" b="1" u="sng" dirty="0" smtClean="0">
-                <a:solidFill>
-                  <a:schemeClr val="tx1"/>
-                </a:solidFill>
-              </a:rPr>
-              <a:t>身份证号</a:t>
-            </a:r>
-            <a:endParaRPr lang="zh-CN" altLang="en-US" sz="1600" b="1" u="sng" dirty="0">
-              <a:solidFill>
-                <a:schemeClr val="tx1"/>
-              </a:solidFill>
-            </a:endParaRPr>
-          </a:p>
-        </p:txBody>
-      </p:sp>
-      <p:sp>
-        <p:nvSpPr>
-          <p:cNvPr id="4" name="椭圆 3"/>
-          <p:cNvSpPr/>
-          <p:nvPr/>
-        </p:nvSpPr>
-        <p:spPr>
-          <a:xfrm>
-            <a:off x="2005581" y="2567316"/>
-            <a:ext cx="1023457" cy="784371"/>
-          </a:xfrm>
-          <a:prstGeom prst="ellipse">
-            <a:avLst/>
-          </a:prstGeom>
-          <a:solidFill>
-            <a:schemeClr val="accent4">
-              <a:lumMod val="20000"/>
-              <a:lumOff val="80000"/>
-            </a:schemeClr>
-          </a:solidFill>
-        </p:spPr>
-        <p:style>
-          <a:lnRef idx="2">
-            <a:schemeClr val="accent1">
-              <a:shade val="50000"/>
-            </a:schemeClr>
-          </a:lnRef>
-          <a:fillRef idx="1">
-            <a:schemeClr val="accent1"/>
-          </a:fillRef>
-          <a:effectRef idx="0">
-            <a:schemeClr val="accent1"/>
-          </a:effectRef>
-          <a:fontRef idx="minor">
-            <a:schemeClr val="lt1"/>
-          </a:fontRef>
-        </p:style>
-        <p:txBody>
-          <a:bodyPr rtlCol="0" anchor="ctr"/>
-          <a:lstStyle/>
-          <a:p>
-            <a:pPr algn="ctr"/>
-            <a:r>
-              <a:rPr lang="zh-CN" altLang="en-US" dirty="0" smtClean="0">
-                <a:solidFill>
-                  <a:schemeClr val="tx1"/>
-                </a:solidFill>
-              </a:rPr>
-              <a:t>姓名</a:t>
-            </a:r>
-            <a:endParaRPr lang="zh-CN" altLang="en-US" dirty="0">
-              <a:solidFill>
-                <a:schemeClr val="tx1"/>
-              </a:solidFill>
-            </a:endParaRPr>
-          </a:p>
-        </p:txBody>
-      </p:sp>
-      <p:sp>
-        <p:nvSpPr>
-          <p:cNvPr id="5" name="椭圆 4"/>
-          <p:cNvSpPr/>
-          <p:nvPr/>
-        </p:nvSpPr>
-        <p:spPr>
-          <a:xfrm>
-            <a:off x="3084957" y="2567316"/>
-            <a:ext cx="1023457" cy="784371"/>
-          </a:xfrm>
-          <a:prstGeom prst="ellipse">
-            <a:avLst/>
-          </a:prstGeom>
-          <a:solidFill>
-            <a:schemeClr val="accent4">
-              <a:lumMod val="20000"/>
-              <a:lumOff val="80000"/>
-            </a:schemeClr>
-          </a:solidFill>
-        </p:spPr>
-        <p:style>
-          <a:lnRef idx="2">
-            <a:schemeClr val="accent1">
-              <a:shade val="50000"/>
-            </a:schemeClr>
-          </a:lnRef>
-          <a:fillRef idx="1">
-            <a:schemeClr val="accent1"/>
-          </a:fillRef>
-          <a:effectRef idx="0">
-            <a:schemeClr val="accent1"/>
-          </a:effectRef>
-          <a:fontRef idx="minor">
-            <a:schemeClr val="lt1"/>
-          </a:fontRef>
-        </p:style>
-        <p:txBody>
-          <a:bodyPr rtlCol="0" anchor="ctr"/>
-          <a:lstStyle/>
-          <a:p>
-            <a:pPr algn="ctr"/>
-            <a:r>
-              <a:rPr lang="zh-CN" altLang="en-US" dirty="0" smtClean="0">
-                <a:solidFill>
-                  <a:schemeClr val="tx1"/>
-                </a:solidFill>
-              </a:rPr>
-              <a:t>性别</a:t>
-            </a:r>
-            <a:endParaRPr lang="zh-CN" altLang="en-US" dirty="0">
-              <a:solidFill>
-                <a:schemeClr val="tx1"/>
-              </a:solidFill>
-            </a:endParaRPr>
-          </a:p>
-        </p:txBody>
-      </p:sp>
-      <p:cxnSp>
-        <p:nvCxnSpPr>
-          <p:cNvPr id="9" name="直接连接符 8"/>
-          <p:cNvCxnSpPr>
-            <a:stCxn id="3" idx="0"/>
-            <a:endCxn id="2" idx="2"/>
-          </p:cNvCxnSpPr>
-          <p:nvPr/>
-        </p:nvCxnSpPr>
-        <p:spPr>
-          <a:xfrm flipV="1">
-            <a:off x="1235909" y="1270348"/>
-            <a:ext cx="1684122" cy="1296969"/>
-          </a:xfrm>
-          <a:prstGeom prst="line">
-            <a:avLst/>
-          </a:prstGeom>
-        </p:spPr>
-        <p:style>
-          <a:lnRef idx="1">
-            <a:schemeClr val="accent1"/>
-          </a:lnRef>
-          <a:fillRef idx="0">
-            <a:schemeClr val="accent1"/>
-          </a:fillRef>
-          <a:effectRef idx="0">
-            <a:schemeClr val="accent1"/>
-          </a:effectRef>
-          <a:fontRef idx="minor">
-            <a:schemeClr val="tx1"/>
-          </a:fontRef>
-        </p:style>
-      </p:cxnSp>
-      <p:cxnSp>
-        <p:nvCxnSpPr>
-          <p:cNvPr id="10" name="直接连接符 9"/>
-          <p:cNvCxnSpPr>
-            <a:stCxn id="4" idx="0"/>
-            <a:endCxn id="2" idx="2"/>
-          </p:cNvCxnSpPr>
-          <p:nvPr/>
-        </p:nvCxnSpPr>
-        <p:spPr>
-          <a:xfrm flipV="1">
-            <a:off x="2517310" y="1270348"/>
-            <a:ext cx="402721" cy="1296968"/>
-          </a:xfrm>
-          <a:prstGeom prst="line">
-            <a:avLst/>
-          </a:prstGeom>
-        </p:spPr>
-        <p:style>
-          <a:lnRef idx="1">
-            <a:schemeClr val="accent1"/>
-          </a:lnRef>
-          <a:fillRef idx="0">
-            <a:schemeClr val="accent1"/>
-          </a:fillRef>
-          <a:effectRef idx="0">
-            <a:schemeClr val="accent1"/>
-          </a:effectRef>
-          <a:fontRef idx="minor">
-            <a:schemeClr val="tx1"/>
-          </a:fontRef>
-        </p:style>
-      </p:cxnSp>
-      <p:cxnSp>
-        <p:nvCxnSpPr>
-          <p:cNvPr id="11" name="直接连接符 10"/>
-          <p:cNvCxnSpPr>
-            <a:stCxn id="5" idx="0"/>
-            <a:endCxn id="2" idx="2"/>
-          </p:cNvCxnSpPr>
-          <p:nvPr/>
-        </p:nvCxnSpPr>
-        <p:spPr>
-          <a:xfrm flipH="1" flipV="1">
-            <a:off x="2920031" y="1270348"/>
-            <a:ext cx="676655" cy="1296968"/>
-          </a:xfrm>
-          <a:prstGeom prst="line">
-            <a:avLst/>
-          </a:prstGeom>
-        </p:spPr>
-        <p:style>
-          <a:lnRef idx="1">
-            <a:schemeClr val="accent1"/>
-          </a:lnRef>
-          <a:fillRef idx="0">
-            <a:schemeClr val="accent1"/>
-          </a:fillRef>
-          <a:effectRef idx="0">
-            <a:schemeClr val="accent1"/>
-          </a:effectRef>
-          <a:fontRef idx="minor">
-            <a:schemeClr val="tx1"/>
-          </a:fontRef>
-        </p:style>
-      </p:cxnSp>
-      <p:sp>
-        <p:nvSpPr>
-          <p:cNvPr id="15" name="椭圆 14"/>
-          <p:cNvSpPr/>
-          <p:nvPr/>
-        </p:nvSpPr>
-        <p:spPr>
-          <a:xfrm>
-            <a:off x="4164333" y="2561028"/>
-            <a:ext cx="1023457" cy="784371"/>
-          </a:xfrm>
-          <a:prstGeom prst="ellipse">
-            <a:avLst/>
-          </a:prstGeom>
-          <a:solidFill>
-            <a:schemeClr val="accent4">
-              <a:lumMod val="20000"/>
-              <a:lumOff val="80000"/>
-            </a:schemeClr>
-          </a:solidFill>
-        </p:spPr>
-        <p:style>
-          <a:lnRef idx="2">
-            <a:schemeClr val="accent1">
-              <a:shade val="50000"/>
-            </a:schemeClr>
-          </a:lnRef>
-          <a:fillRef idx="1">
-            <a:schemeClr val="accent1"/>
-          </a:fillRef>
-          <a:effectRef idx="0">
-            <a:schemeClr val="accent1"/>
-          </a:effectRef>
-          <a:fontRef idx="minor">
-            <a:schemeClr val="lt1"/>
-          </a:fontRef>
-        </p:style>
-        <p:txBody>
-          <a:bodyPr rtlCol="0" anchor="ctr"/>
-          <a:lstStyle/>
-          <a:p>
-            <a:pPr algn="ctr"/>
-            <a:r>
-              <a:rPr lang="zh-CN" altLang="en-US" dirty="0" smtClean="0">
-                <a:solidFill>
-                  <a:schemeClr val="tx1"/>
-                </a:solidFill>
-              </a:rPr>
-              <a:t>联系电话</a:t>
-            </a:r>
-            <a:endParaRPr lang="zh-CN" altLang="en-US" dirty="0">
-              <a:solidFill>
-                <a:schemeClr val="tx1"/>
-              </a:solidFill>
-            </a:endParaRPr>
-          </a:p>
-        </p:txBody>
-      </p:sp>
-      <p:cxnSp>
-        <p:nvCxnSpPr>
-          <p:cNvPr id="17" name="直接连接符 16"/>
-          <p:cNvCxnSpPr>
-            <a:stCxn id="15" idx="0"/>
-            <a:endCxn id="2" idx="2"/>
-          </p:cNvCxnSpPr>
-          <p:nvPr/>
-        </p:nvCxnSpPr>
-        <p:spPr>
-          <a:xfrm flipH="1" flipV="1">
-            <a:off x="2920031" y="1270348"/>
-            <a:ext cx="1756031" cy="1290680"/>
-          </a:xfrm>
-          <a:prstGeom prst="line">
-            <a:avLst/>
-          </a:prstGeom>
-        </p:spPr>
-        <p:style>
-          <a:lnRef idx="1">
-            <a:schemeClr val="accent1"/>
-          </a:lnRef>
-          <a:fillRef idx="0">
-            <a:schemeClr val="accent1"/>
-          </a:fillRef>
-          <a:effectRef idx="0">
-            <a:schemeClr val="accent1"/>
-          </a:effectRef>
-          <a:fontRef idx="minor">
-            <a:schemeClr val="tx1"/>
-          </a:fontRef>
-        </p:style>
-      </p:cxnSp>
     </p:spTree>
     <p:extLst>
       <p:ext uri="{BB962C8B-B14F-4D97-AF65-F5344CB8AC3E}">

--- a/ours/E-R图初稿.pptx
+++ b/ours/E-R图初稿.pptx
@@ -261,7 +261,7 @@
           <a:p>
             <a:fld id="{07BB1640-576C-4106-8BBF-5EE4E1757382}" type="datetimeFigureOut">
               <a:rPr lang="zh-CN" altLang="en-US" smtClean="0"/>
-              <a:t>2016/10/25</a:t>
+              <a:t>2016/10/26</a:t>
             </a:fld>
             <a:endParaRPr lang="zh-CN" altLang="en-US"/>
           </a:p>
@@ -431,7 +431,7 @@
           <a:p>
             <a:fld id="{07BB1640-576C-4106-8BBF-5EE4E1757382}" type="datetimeFigureOut">
               <a:rPr lang="zh-CN" altLang="en-US" smtClean="0"/>
-              <a:t>2016/10/25</a:t>
+              <a:t>2016/10/26</a:t>
             </a:fld>
             <a:endParaRPr lang="zh-CN" altLang="en-US"/>
           </a:p>
@@ -611,7 +611,7 @@
           <a:p>
             <a:fld id="{07BB1640-576C-4106-8BBF-5EE4E1757382}" type="datetimeFigureOut">
               <a:rPr lang="zh-CN" altLang="en-US" smtClean="0"/>
-              <a:t>2016/10/25</a:t>
+              <a:t>2016/10/26</a:t>
             </a:fld>
             <a:endParaRPr lang="zh-CN" altLang="en-US"/>
           </a:p>
@@ -781,7 +781,7 @@
           <a:p>
             <a:fld id="{07BB1640-576C-4106-8BBF-5EE4E1757382}" type="datetimeFigureOut">
               <a:rPr lang="zh-CN" altLang="en-US" smtClean="0"/>
-              <a:t>2016/10/25</a:t>
+              <a:t>2016/10/26</a:t>
             </a:fld>
             <a:endParaRPr lang="zh-CN" altLang="en-US"/>
           </a:p>
@@ -1027,7 +1027,7 @@
           <a:p>
             <a:fld id="{07BB1640-576C-4106-8BBF-5EE4E1757382}" type="datetimeFigureOut">
               <a:rPr lang="zh-CN" altLang="en-US" smtClean="0"/>
-              <a:t>2016/10/25</a:t>
+              <a:t>2016/10/26</a:t>
             </a:fld>
             <a:endParaRPr lang="zh-CN" altLang="en-US"/>
           </a:p>
@@ -1259,7 +1259,7 @@
           <a:p>
             <a:fld id="{07BB1640-576C-4106-8BBF-5EE4E1757382}" type="datetimeFigureOut">
               <a:rPr lang="zh-CN" altLang="en-US" smtClean="0"/>
-              <a:t>2016/10/25</a:t>
+              <a:t>2016/10/26</a:t>
             </a:fld>
             <a:endParaRPr lang="zh-CN" altLang="en-US"/>
           </a:p>
@@ -1626,7 +1626,7 @@
           <a:p>
             <a:fld id="{07BB1640-576C-4106-8BBF-5EE4E1757382}" type="datetimeFigureOut">
               <a:rPr lang="zh-CN" altLang="en-US" smtClean="0"/>
-              <a:t>2016/10/25</a:t>
+              <a:t>2016/10/26</a:t>
             </a:fld>
             <a:endParaRPr lang="zh-CN" altLang="en-US"/>
           </a:p>
@@ -1744,7 +1744,7 @@
           <a:p>
             <a:fld id="{07BB1640-576C-4106-8BBF-5EE4E1757382}" type="datetimeFigureOut">
               <a:rPr lang="zh-CN" altLang="en-US" smtClean="0"/>
-              <a:t>2016/10/25</a:t>
+              <a:t>2016/10/26</a:t>
             </a:fld>
             <a:endParaRPr lang="zh-CN" altLang="en-US"/>
           </a:p>
@@ -1839,7 +1839,7 @@
           <a:p>
             <a:fld id="{07BB1640-576C-4106-8BBF-5EE4E1757382}" type="datetimeFigureOut">
               <a:rPr lang="zh-CN" altLang="en-US" smtClean="0"/>
-              <a:t>2016/10/25</a:t>
+              <a:t>2016/10/26</a:t>
             </a:fld>
             <a:endParaRPr lang="zh-CN" altLang="en-US"/>
           </a:p>
@@ -2116,7 +2116,7 @@
           <a:p>
             <a:fld id="{07BB1640-576C-4106-8BBF-5EE4E1757382}" type="datetimeFigureOut">
               <a:rPr lang="zh-CN" altLang="en-US" smtClean="0"/>
-              <a:t>2016/10/25</a:t>
+              <a:t>2016/10/26</a:t>
             </a:fld>
             <a:endParaRPr lang="zh-CN" altLang="en-US"/>
           </a:p>
@@ -2369,7 +2369,7 @@
           <a:p>
             <a:fld id="{07BB1640-576C-4106-8BBF-5EE4E1757382}" type="datetimeFigureOut">
               <a:rPr lang="zh-CN" altLang="en-US" smtClean="0"/>
-              <a:t>2016/10/25</a:t>
+              <a:t>2016/10/26</a:t>
             </a:fld>
             <a:endParaRPr lang="zh-CN" altLang="en-US"/>
           </a:p>
@@ -2582,7 +2582,7 @@
           <a:p>
             <a:fld id="{07BB1640-576C-4106-8BBF-5EE4E1757382}" type="datetimeFigureOut">
               <a:rPr lang="zh-CN" altLang="en-US" smtClean="0"/>
-              <a:t>2016/10/25</a:t>
+              <a:t>2016/10/26</a:t>
             </a:fld>
             <a:endParaRPr lang="zh-CN" altLang="en-US"/>
           </a:p>
@@ -5704,7 +5704,7 @@
         </p:nvSpPr>
         <p:spPr>
           <a:xfrm>
-            <a:off x="6411611" y="5185068"/>
+            <a:off x="6145531" y="5279982"/>
             <a:ext cx="929801" cy="784371"/>
           </a:xfrm>
           <a:prstGeom prst="ellipse">
@@ -5744,7 +5744,7 @@
                   <a:schemeClr val="tx1"/>
                 </a:solidFill>
               </a:rPr>
-              <a:t>学号</a:t>
+              <a:t>机器编号</a:t>
             </a:r>
             <a:endParaRPr lang="zh-CN" altLang="en-US" dirty="0">
               <a:solidFill>
@@ -5762,7 +5762,7 @@
         </p:nvSpPr>
         <p:spPr>
           <a:xfrm>
-            <a:off x="8962675" y="5185068"/>
+            <a:off x="9284070" y="5279985"/>
             <a:ext cx="1023457" cy="784371"/>
           </a:xfrm>
           <a:prstGeom prst="ellipse">
@@ -5823,8 +5823,8 @@
         </p:nvCxnSpPr>
         <p:spPr>
           <a:xfrm flipV="1">
-            <a:off x="6876512" y="4305777"/>
-            <a:ext cx="1345891" cy="879291"/>
+            <a:off x="6610432" y="4305777"/>
+            <a:ext cx="1611971" cy="974205"/>
           </a:xfrm>
           <a:prstGeom prst="line">
             <a:avLst/>
@@ -5857,7 +5857,7 @@
         <p:spPr>
           <a:xfrm flipH="1" flipV="1">
             <a:off x="8222403" y="4305777"/>
-            <a:ext cx="1252001" cy="879291"/>
+            <a:ext cx="1573396" cy="974208"/>
           </a:xfrm>
           <a:prstGeom prst="line">
             <a:avLst/>
@@ -5886,7 +5886,7 @@
         </p:nvSpPr>
         <p:spPr>
           <a:xfrm>
-            <a:off x="10116894" y="5185070"/>
+            <a:off x="10346289" y="5279986"/>
             <a:ext cx="1023457" cy="784371"/>
           </a:xfrm>
           <a:prstGeom prst="ellipse">
@@ -5948,7 +5948,7 @@
         <p:spPr>
           <a:xfrm flipH="1" flipV="1">
             <a:off x="8222403" y="4305777"/>
-            <a:ext cx="2406220" cy="879293"/>
+            <a:ext cx="2635615" cy="974209"/>
           </a:xfrm>
           <a:prstGeom prst="line">
             <a:avLst/>
@@ -6310,7 +6310,7 @@
         </p:nvSpPr>
         <p:spPr>
           <a:xfrm>
-            <a:off x="4804677" y="5185068"/>
+            <a:off x="4781008" y="5245329"/>
             <a:ext cx="1161853" cy="784371"/>
           </a:xfrm>
           <a:prstGeom prst="ellipse">
@@ -6350,7 +6350,15 @@
                   <a:schemeClr val="tx1"/>
                 </a:solidFill>
               </a:rPr>
-              <a:t>机器编号</a:t>
+              <a:t>进出记录</a:t>
+            </a:r>
+            <a:r>
+              <a:rPr lang="zh-CN" altLang="en-US" b="1" u="sng" dirty="0" smtClean="0">
+                <a:solidFill>
+                  <a:schemeClr val="tx1"/>
+                </a:solidFill>
+              </a:rPr>
+              <a:t>编号</a:t>
             </a:r>
             <a:endParaRPr lang="zh-CN" altLang="en-US" b="1" u="sng" dirty="0">
               <a:solidFill>
@@ -6371,8 +6379,8 @@
         </p:nvCxnSpPr>
         <p:spPr>
           <a:xfrm flipH="1">
-            <a:off x="5385604" y="4305777"/>
-            <a:ext cx="2836799" cy="879291"/>
+            <a:off x="5361935" y="4305777"/>
+            <a:ext cx="2860468" cy="939552"/>
           </a:xfrm>
           <a:prstGeom prst="line">
             <a:avLst/>
@@ -6488,7 +6496,7 @@
         </p:nvSpPr>
         <p:spPr>
           <a:xfrm>
-            <a:off x="7730812" y="5185068"/>
+            <a:off x="8221851" y="5279984"/>
             <a:ext cx="997015" cy="784371"/>
           </a:xfrm>
           <a:prstGeom prst="ellipse">
@@ -6550,7 +6558,7 @@
         <p:spPr>
           <a:xfrm>
             <a:off x="8222403" y="4305777"/>
-            <a:ext cx="6917" cy="879291"/>
+            <a:ext cx="497956" cy="974207"/>
           </a:xfrm>
           <a:prstGeom prst="line">
             <a:avLst/>
@@ -6571,6 +6579,64 @@
           </a:fontRef>
         </p:style>
       </p:cxnSp>
+      <p:sp>
+        <p:nvSpPr>
+          <p:cNvPr id="24" name="椭圆 23"/>
+          <p:cNvSpPr/>
+          <p:nvPr/>
+        </p:nvSpPr>
+        <p:spPr>
+          <a:xfrm>
+            <a:off x="7193239" y="5279983"/>
+            <a:ext cx="929801" cy="784371"/>
+          </a:xfrm>
+          <a:prstGeom prst="ellipse">
+            <a:avLst/>
+          </a:prstGeom>
+          <a:solidFill>
+            <a:schemeClr val="accent4">
+              <a:lumMod val="20000"/>
+              <a:lumOff val="80000"/>
+            </a:schemeClr>
+          </a:solidFill>
+        </p:spPr>
+        <p:style>
+          <a:lnRef idx="2">
+            <a:schemeClr val="accent1">
+              <a:shade val="50000"/>
+            </a:schemeClr>
+          </a:lnRef>
+          <a:fillRef idx="1">
+            <a:schemeClr val="accent1"/>
+          </a:fillRef>
+          <a:effectRef idx="0">
+            <a:schemeClr val="accent1"/>
+          </a:effectRef>
+          <a:fontRef idx="minor">
+            <a:schemeClr val="lt1"/>
+          </a:fontRef>
+        </p:style>
+        <p:txBody>
+          <a:bodyPr rtlCol="0" anchor="ctr"/>
+          <a:lstStyle/>
+          <a:p>
+            <a:pPr algn="ctr"/>
+            <a:r>
+              <a:rPr lang="zh-CN" altLang="en-US" dirty="0" smtClean="0">
+                <a:solidFill>
+                  <a:schemeClr val="tx1"/>
+                </a:solidFill>
+              </a:rPr>
+              <a:t>学号</a:t>
+            </a:r>
+            <a:endParaRPr lang="zh-CN" altLang="en-US" dirty="0">
+              <a:solidFill>
+                <a:schemeClr val="tx1"/>
+              </a:solidFill>
+            </a:endParaRPr>
+          </a:p>
+        </p:txBody>
+      </p:sp>
     </p:spTree>
     <p:extLst>
       <p:ext uri="{BB962C8B-B14F-4D97-AF65-F5344CB8AC3E}">
@@ -11901,15 +11967,7 @@
                   <a:schemeClr val="tx1"/>
                 </a:solidFill>
               </a:rPr>
-              <a:t>确定</a:t>
-            </a:r>
-            <a:r>
-              <a:rPr lang="zh-CN" altLang="en-US" dirty="0" smtClean="0">
-                <a:solidFill>
-                  <a:schemeClr val="tx1"/>
-                </a:solidFill>
-              </a:rPr>
-              <a:t>能否提供座位、讨论室</a:t>
+              <a:t>确定能否提供座位、讨论室</a:t>
             </a:r>
             <a:endParaRPr lang="en-US" altLang="zh-CN" dirty="0" smtClean="0">
               <a:solidFill>
@@ -11927,11 +11985,6 @@
               </a:rPr>
               <a:t>1.3</a:t>
             </a:r>
-            <a:endParaRPr lang="en-US" altLang="zh-CN" dirty="0" smtClean="0">
-              <a:solidFill>
-                <a:schemeClr val="tx1"/>
-              </a:solidFill>
-            </a:endParaRPr>
           </a:p>
         </p:txBody>
       </p:sp>
@@ -13230,90 +13283,13 @@
       </p:cxnSp>
       <p:sp>
         <p:nvSpPr>
-          <p:cNvPr id="55" name="椭圆 54"/>
-          <p:cNvSpPr/>
-          <p:nvPr/>
-        </p:nvSpPr>
-        <p:spPr>
-          <a:xfrm>
-            <a:off x="5526024" y="552179"/>
-            <a:ext cx="1995234" cy="808472"/>
-          </a:xfrm>
-          <a:prstGeom prst="ellipse">
-            <a:avLst/>
-          </a:prstGeom>
-          <a:solidFill>
-            <a:schemeClr val="accent4">
-              <a:lumMod val="20000"/>
-              <a:lumOff val="80000"/>
-            </a:schemeClr>
-          </a:solidFill>
-        </p:spPr>
-        <p:style>
-          <a:lnRef idx="2">
-            <a:schemeClr val="accent1">
-              <a:shade val="50000"/>
-            </a:schemeClr>
-          </a:lnRef>
-          <a:fillRef idx="1">
-            <a:schemeClr val="accent1"/>
-          </a:fillRef>
-          <a:effectRef idx="0">
-            <a:schemeClr val="accent1"/>
-          </a:effectRef>
-          <a:fontRef idx="minor">
-            <a:schemeClr val="lt1"/>
-          </a:fontRef>
-        </p:style>
-        <p:txBody>
-          <a:bodyPr rtlCol="0" anchor="ctr"/>
-          <a:lstStyle/>
-          <a:p>
-            <a:pPr algn="ctr"/>
-            <a:r>
-              <a:rPr lang="zh-CN" altLang="en-US" dirty="0" smtClean="0">
-                <a:solidFill>
-                  <a:schemeClr val="tx1"/>
-                </a:solidFill>
-              </a:rPr>
-              <a:t>按日期统计</a:t>
-            </a:r>
-            <a:endParaRPr lang="en-US" altLang="zh-CN" dirty="0" smtClean="0">
-              <a:solidFill>
-                <a:schemeClr val="tx1"/>
-              </a:solidFill>
-            </a:endParaRPr>
-          </a:p>
-          <a:p>
-            <a:pPr algn="ctr"/>
-            <a:r>
-              <a:rPr lang="en-US" altLang="zh-CN" dirty="0">
-                <a:solidFill>
-                  <a:schemeClr val="tx1"/>
-                </a:solidFill>
-              </a:rPr>
-              <a:t>5</a:t>
-            </a:r>
-            <a:r>
-              <a:rPr lang="en-US" altLang="zh-CN" dirty="0" smtClean="0">
-                <a:solidFill>
-                  <a:schemeClr val="tx1"/>
-                </a:solidFill>
-              </a:rPr>
-              <a:t>.2</a:t>
-            </a:r>
-          </a:p>
-        </p:txBody>
-      </p:sp>
-      <p:sp>
-        <p:nvSpPr>
           <p:cNvPr id="65" name="文本框 64"/>
           <p:cNvSpPr txBox="1"/>
           <p:nvPr/>
         </p:nvSpPr>
         <p:spPr>
           <a:xfrm>
-            <a:off x="9393402" y="1953013"/>
+            <a:off x="7160515" y="1953013"/>
             <a:ext cx="999849" cy="369332"/>
           </a:xfrm>
           <a:prstGeom prst="rect">
@@ -13425,41 +13401,6 @@
           </a:p>
         </p:txBody>
       </p:sp>
-      <p:cxnSp>
-        <p:nvCxnSpPr>
-          <p:cNvPr id="24" name="直接箭头连接符 23"/>
-          <p:cNvCxnSpPr>
-            <a:stCxn id="55" idx="6"/>
-          </p:cNvCxnSpPr>
-          <p:nvPr/>
-        </p:nvCxnSpPr>
-        <p:spPr>
-          <a:xfrm>
-            <a:off x="7521258" y="956415"/>
-            <a:ext cx="2073503" cy="851680"/>
-          </a:xfrm>
-          <a:prstGeom prst="straightConnector1">
-            <a:avLst/>
-          </a:prstGeom>
-          <a:ln>
-            <a:tailEnd type="triangle"/>
-          </a:ln>
-        </p:spPr>
-        <p:style>
-          <a:lnRef idx="1">
-            <a:schemeClr val="accent1"/>
-          </a:lnRef>
-          <a:fillRef idx="0">
-            <a:schemeClr val="accent1"/>
-          </a:fillRef>
-          <a:effectRef idx="0">
-            <a:schemeClr val="accent1"/>
-          </a:effectRef>
-          <a:fontRef idx="minor">
-            <a:schemeClr val="tx1"/>
-          </a:fontRef>
-        </p:style>
-      </p:cxnSp>
       <p:sp>
         <p:nvSpPr>
           <p:cNvPr id="22" name="文本框 21"/>
@@ -13562,7 +13503,7 @@
         </p:nvSpPr>
         <p:spPr>
           <a:xfrm>
-            <a:off x="5692507" y="1810954"/>
+            <a:off x="5124207" y="1826041"/>
             <a:ext cx="1995234" cy="808472"/>
           </a:xfrm>
           <a:prstGeom prst="ellipse">
@@ -13618,77 +13559,13 @@
                   <a:schemeClr val="tx1"/>
                 </a:solidFill>
               </a:rPr>
-              <a:t>5.3</a:t>
-            </a:r>
-          </a:p>
-        </p:txBody>
-      </p:sp>
-      <p:sp>
-        <p:nvSpPr>
-          <p:cNvPr id="29" name="椭圆 28"/>
-          <p:cNvSpPr/>
-          <p:nvPr/>
-        </p:nvSpPr>
-        <p:spPr>
-          <a:xfrm>
-            <a:off x="5526024" y="3101531"/>
-            <a:ext cx="2611539" cy="808472"/>
-          </a:xfrm>
-          <a:prstGeom prst="ellipse">
-            <a:avLst/>
-          </a:prstGeom>
-          <a:solidFill>
-            <a:schemeClr val="accent4">
-              <a:lumMod val="20000"/>
-              <a:lumOff val="80000"/>
-            </a:schemeClr>
-          </a:solidFill>
-        </p:spPr>
-        <p:style>
-          <a:lnRef idx="2">
-            <a:schemeClr val="accent1">
-              <a:shade val="50000"/>
-            </a:schemeClr>
-          </a:lnRef>
-          <a:fillRef idx="1">
-            <a:schemeClr val="accent1"/>
-          </a:fillRef>
-          <a:effectRef idx="0">
-            <a:schemeClr val="accent1"/>
-          </a:effectRef>
-          <a:fontRef idx="minor">
-            <a:schemeClr val="lt1"/>
-          </a:fontRef>
-        </p:style>
-        <p:txBody>
-          <a:bodyPr rtlCol="0" anchor="ctr"/>
-          <a:lstStyle/>
-          <a:p>
-            <a:pPr algn="ctr"/>
-            <a:r>
-              <a:rPr lang="zh-CN" altLang="en-US" dirty="0" smtClean="0">
-                <a:solidFill>
-                  <a:schemeClr val="tx1"/>
-                </a:solidFill>
-              </a:rPr>
-              <a:t>按违约情况统计</a:t>
+              <a:t>5.2</a:t>
             </a:r>
             <a:endParaRPr lang="en-US" altLang="zh-CN" dirty="0" smtClean="0">
               <a:solidFill>
                 <a:schemeClr val="tx1"/>
               </a:solidFill>
             </a:endParaRPr>
-          </a:p>
-          <a:p>
-            <a:pPr algn="ctr"/>
-            <a:r>
-              <a:rPr lang="en-US" altLang="zh-CN" dirty="0" smtClean="0">
-                <a:solidFill>
-                  <a:schemeClr val="tx1"/>
-                </a:solidFill>
-              </a:rPr>
-              <a:t>5.4</a:t>
-            </a:r>
           </a:p>
         </p:txBody>
       </p:sp>
@@ -13777,42 +13654,6 @@
             <a:avLst>
               <a:gd name="adj1" fmla="val -5672"/>
             </a:avLst>
-          </a:prstGeom>
-          <a:ln>
-            <a:tailEnd type="triangle"/>
-          </a:ln>
-        </p:spPr>
-        <p:style>
-          <a:lnRef idx="1">
-            <a:schemeClr val="accent1"/>
-          </a:lnRef>
-          <a:fillRef idx="0">
-            <a:schemeClr val="accent1"/>
-          </a:fillRef>
-          <a:effectRef idx="0">
-            <a:schemeClr val="accent1"/>
-          </a:effectRef>
-          <a:fontRef idx="minor">
-            <a:schemeClr val="tx1"/>
-          </a:fontRef>
-        </p:style>
-      </p:cxnSp>
-      <p:cxnSp>
-        <p:nvCxnSpPr>
-          <p:cNvPr id="18" name="直接箭头连接符 17"/>
-          <p:cNvCxnSpPr>
-            <a:stCxn id="30" idx="7"/>
-            <a:endCxn id="55" idx="2"/>
-          </p:cNvCxnSpPr>
-          <p:nvPr/>
-        </p:nvCxnSpPr>
-        <p:spPr>
-          <a:xfrm flipV="1">
-            <a:off x="3889023" y="956415"/>
-            <a:ext cx="1637001" cy="895163"/>
-          </a:xfrm>
-          <a:prstGeom prst="straightConnector1">
-            <a:avLst/>
           </a:prstGeom>
           <a:ln>
             <a:tailEnd type="triangle"/>
@@ -13845,7 +13686,7 @@
         <p:spPr>
           <a:xfrm>
             <a:off x="4217377" y="2215190"/>
-            <a:ext cx="1475130" cy="0"/>
+            <a:ext cx="906830" cy="15087"/>
           </a:xfrm>
           <a:prstGeom prst="straightConnector1">
             <a:avLst/>
@@ -13869,52 +13710,16 @@
           </a:fontRef>
         </p:style>
       </p:cxnSp>
-      <p:cxnSp>
-        <p:nvCxnSpPr>
-          <p:cNvPr id="32" name="直接箭头连接符 31"/>
-          <p:cNvCxnSpPr>
-            <a:stCxn id="30" idx="5"/>
-            <a:endCxn id="29" idx="2"/>
-          </p:cNvCxnSpPr>
-          <p:nvPr/>
-        </p:nvCxnSpPr>
-        <p:spPr>
-          <a:xfrm>
-            <a:off x="3889023" y="2578802"/>
-            <a:ext cx="1637001" cy="926965"/>
-          </a:xfrm>
-          <a:prstGeom prst="straightConnector1">
-            <a:avLst/>
-          </a:prstGeom>
-          <a:ln>
-            <a:tailEnd type="triangle"/>
-          </a:ln>
-        </p:spPr>
-        <p:style>
-          <a:lnRef idx="1">
-            <a:schemeClr val="accent1"/>
-          </a:lnRef>
-          <a:fillRef idx="0">
-            <a:schemeClr val="accent1"/>
-          </a:fillRef>
-          <a:effectRef idx="0">
-            <a:schemeClr val="accent1"/>
-          </a:effectRef>
-          <a:fontRef idx="minor">
-            <a:schemeClr val="tx1"/>
-          </a:fontRef>
-        </p:style>
-      </p:cxnSp>
-      <p:sp>
-        <p:nvSpPr>
-          <p:cNvPr id="48" name="文本框 47"/>
+      <p:sp>
+        <p:nvSpPr>
+          <p:cNvPr id="49" name="文本框 48"/>
           <p:cNvSpPr txBox="1"/>
           <p:nvPr/>
         </p:nvSpPr>
         <p:spPr>
           <a:xfrm>
-            <a:off x="4266771" y="1026743"/>
-            <a:ext cx="816289" cy="369332"/>
+            <a:off x="4425741" y="1905888"/>
+            <a:ext cx="657392" cy="369332"/>
           </a:xfrm>
           <a:prstGeom prst="rect">
             <a:avLst/>
@@ -13928,67 +13733,8 @@
           <a:lstStyle/>
           <a:p>
             <a:r>
-              <a:rPr lang="zh-CN" altLang="en-US" dirty="0"/>
-              <a:t>日期</a:t>
-            </a:r>
-          </a:p>
-        </p:txBody>
-      </p:sp>
-      <p:sp>
-        <p:nvSpPr>
-          <p:cNvPr id="49" name="文本框 48"/>
-          <p:cNvSpPr txBox="1"/>
-          <p:nvPr/>
-        </p:nvSpPr>
-        <p:spPr>
-          <a:xfrm>
-            <a:off x="4763510" y="1896388"/>
-            <a:ext cx="657392" cy="369332"/>
-          </a:xfrm>
-          <a:prstGeom prst="rect">
-            <a:avLst/>
-          </a:prstGeom>
-          <a:noFill/>
-        </p:spPr>
-        <p:txBody>
-          <a:bodyPr wrap="square" rtlCol="0">
-            <a:spAutoFit/>
-          </a:bodyPr>
-          <a:lstStyle/>
-          <a:p>
-            <a:r>
               <a:rPr lang="zh-CN" altLang="en-US" dirty="0" smtClean="0"/>
               <a:t>学号</a:t>
-            </a:r>
-            <a:endParaRPr lang="zh-CN" altLang="en-US" dirty="0"/>
-          </a:p>
-        </p:txBody>
-      </p:sp>
-      <p:sp>
-        <p:nvSpPr>
-          <p:cNvPr id="50" name="文本框 49"/>
-          <p:cNvSpPr txBox="1"/>
-          <p:nvPr/>
-        </p:nvSpPr>
-        <p:spPr>
-          <a:xfrm>
-            <a:off x="4574306" y="2758906"/>
-            <a:ext cx="1130530" cy="369332"/>
-          </a:xfrm>
-          <a:prstGeom prst="rect">
-            <a:avLst/>
-          </a:prstGeom>
-          <a:noFill/>
-        </p:spPr>
-        <p:txBody>
-          <a:bodyPr wrap="square" rtlCol="0">
-            <a:spAutoFit/>
-          </a:bodyPr>
-          <a:lstStyle/>
-          <a:p>
-            <a:r>
-              <a:rPr lang="zh-CN" altLang="en-US" dirty="0" smtClean="0"/>
-              <a:t>违约情况</a:t>
             </a:r>
             <a:endParaRPr lang="zh-CN" altLang="en-US" dirty="0"/>
           </a:p>
@@ -13997,50 +13743,13 @@
       <p:cxnSp>
         <p:nvCxnSpPr>
           <p:cNvPr id="39" name="直接箭头连接符 38"/>
-          <p:cNvCxnSpPr>
-            <a:stCxn id="28" idx="6"/>
-          </p:cNvCxnSpPr>
+          <p:cNvCxnSpPr/>
           <p:nvPr/>
         </p:nvCxnSpPr>
         <p:spPr>
           <a:xfrm flipV="1">
-            <a:off x="7687741" y="2212331"/>
-            <a:ext cx="1705661" cy="2859"/>
-          </a:xfrm>
-          <a:prstGeom prst="straightConnector1">
-            <a:avLst/>
-          </a:prstGeom>
-          <a:ln>
-            <a:tailEnd type="triangle"/>
-          </a:ln>
-        </p:spPr>
-        <p:style>
-          <a:lnRef idx="1">
-            <a:schemeClr val="accent1"/>
-          </a:lnRef>
-          <a:fillRef idx="0">
-            <a:schemeClr val="accent1"/>
-          </a:fillRef>
-          <a:effectRef idx="0">
-            <a:schemeClr val="accent1"/>
-          </a:effectRef>
-          <a:fontRef idx="minor">
-            <a:schemeClr val="tx1"/>
-          </a:fontRef>
-        </p:style>
-      </p:cxnSp>
-      <p:cxnSp>
-        <p:nvCxnSpPr>
-          <p:cNvPr id="44" name="直接箭头连接符 43"/>
-          <p:cNvCxnSpPr>
-            <a:stCxn id="29" idx="6"/>
-          </p:cNvCxnSpPr>
-          <p:nvPr/>
-        </p:nvCxnSpPr>
-        <p:spPr>
-          <a:xfrm flipV="1">
-            <a:off x="8137563" y="2554136"/>
-            <a:ext cx="1457198" cy="951631"/>
+            <a:off x="7119441" y="2275220"/>
+            <a:ext cx="1040923" cy="2"/>
           </a:xfrm>
           <a:prstGeom prst="straightConnector1">
             <a:avLst/>
@@ -22605,7 +22314,7 @@
         </p:nvSpPr>
         <p:spPr>
           <a:xfrm>
-            <a:off x="4832995" y="1421566"/>
+            <a:off x="3570865" y="597319"/>
             <a:ext cx="1107308" cy="474925"/>
           </a:xfrm>
           <a:prstGeom prst="rect">
@@ -22663,7 +22372,7 @@
         </p:nvSpPr>
         <p:spPr>
           <a:xfrm>
-            <a:off x="2704572" y="2562824"/>
+            <a:off x="1442442" y="1738577"/>
             <a:ext cx="1103952" cy="417533"/>
           </a:xfrm>
           <a:prstGeom prst="rect">
@@ -22724,7 +22433,7 @@
         </p:nvCxnSpPr>
         <p:spPr>
           <a:xfrm>
-            <a:off x="5386649" y="1896491"/>
+            <a:off x="4124519" y="1072244"/>
             <a:ext cx="0" cy="546542"/>
           </a:xfrm>
           <a:prstGeom prst="line">
@@ -22754,7 +22463,7 @@
         </p:nvSpPr>
         <p:spPr>
           <a:xfrm>
-            <a:off x="4911573" y="2443033"/>
+            <a:off x="3649443" y="1618786"/>
             <a:ext cx="950151" cy="627258"/>
           </a:xfrm>
           <a:prstGeom prst="diamond">
@@ -22814,7 +22523,7 @@
         </p:nvCxnSpPr>
         <p:spPr>
           <a:xfrm flipH="1">
-            <a:off x="3808524" y="2756662"/>
+            <a:off x="2546394" y="1932415"/>
             <a:ext cx="1103049" cy="14929"/>
           </a:xfrm>
           <a:prstGeom prst="line">
@@ -22844,7 +22553,7 @@
         </p:nvSpPr>
         <p:spPr>
           <a:xfrm>
-            <a:off x="7160288" y="2546196"/>
+            <a:off x="5898158" y="1721949"/>
             <a:ext cx="896256" cy="417533"/>
           </a:xfrm>
           <a:prstGeom prst="rect">
@@ -22913,7 +22622,7 @@
         </p:nvCxnSpPr>
         <p:spPr>
           <a:xfrm flipV="1">
-            <a:off x="5861724" y="2754963"/>
+            <a:off x="4599594" y="1930716"/>
             <a:ext cx="1298564" cy="1699"/>
           </a:xfrm>
           <a:prstGeom prst="line">
@@ -22943,7 +22652,7 @@
         </p:nvSpPr>
         <p:spPr>
           <a:xfrm>
-            <a:off x="4832995" y="3645615"/>
+            <a:off x="3570865" y="2821368"/>
             <a:ext cx="1111542" cy="503640"/>
           </a:xfrm>
           <a:prstGeom prst="rect">
@@ -23012,7 +22721,7 @@
         </p:nvCxnSpPr>
         <p:spPr>
           <a:xfrm flipH="1" flipV="1">
-            <a:off x="5386649" y="3070291"/>
+            <a:off x="4124519" y="2246044"/>
             <a:ext cx="2117" cy="575324"/>
           </a:xfrm>
           <a:prstGeom prst="line">
@@ -23042,7 +22751,7 @@
         </p:nvSpPr>
         <p:spPr>
           <a:xfrm>
-            <a:off x="5090707" y="3178544"/>
+            <a:off x="3828577" y="2354297"/>
             <a:ext cx="306494" cy="369332"/>
           </a:xfrm>
           <a:prstGeom prst="rect">
@@ -23072,7 +22781,7 @@
         </p:nvSpPr>
         <p:spPr>
           <a:xfrm>
-            <a:off x="5322646" y="2025454"/>
+            <a:off x="4060516" y="1201207"/>
             <a:ext cx="369012" cy="369332"/>
           </a:xfrm>
           <a:prstGeom prst="rect">
@@ -23102,7 +22811,7 @@
         </p:nvSpPr>
         <p:spPr>
           <a:xfrm>
-            <a:off x="6245312" y="2385630"/>
+            <a:off x="4983182" y="1561383"/>
             <a:ext cx="306494" cy="369332"/>
           </a:xfrm>
           <a:prstGeom prst="rect">
@@ -23132,7 +22841,7 @@
         </p:nvSpPr>
         <p:spPr>
           <a:xfrm>
-            <a:off x="4284802" y="2373258"/>
+            <a:off x="3022672" y="1549011"/>
             <a:ext cx="274434" cy="369332"/>
           </a:xfrm>
           <a:prstGeom prst="rect">
@@ -23154,6 +22863,518 @@
           </a:p>
         </p:txBody>
       </p:sp>
+      <p:sp>
+        <p:nvSpPr>
+          <p:cNvPr id="16" name="菱形 15"/>
+          <p:cNvSpPr/>
+          <p:nvPr/>
+        </p:nvSpPr>
+        <p:spPr>
+          <a:xfrm>
+            <a:off x="7837917" y="3988515"/>
+            <a:ext cx="950151" cy="627258"/>
+          </a:xfrm>
+          <a:prstGeom prst="diamond">
+            <a:avLst/>
+          </a:prstGeom>
+          <a:solidFill>
+            <a:schemeClr val="bg1">
+              <a:lumMod val="95000"/>
+            </a:schemeClr>
+          </a:solidFill>
+        </p:spPr>
+        <p:style>
+          <a:lnRef idx="2">
+            <a:schemeClr val="accent1">
+              <a:shade val="50000"/>
+            </a:schemeClr>
+          </a:lnRef>
+          <a:fillRef idx="1">
+            <a:schemeClr val="accent1"/>
+          </a:fillRef>
+          <a:effectRef idx="0">
+            <a:schemeClr val="accent1"/>
+          </a:effectRef>
+          <a:fontRef idx="minor">
+            <a:schemeClr val="lt1"/>
+          </a:fontRef>
+        </p:style>
+        <p:txBody>
+          <a:bodyPr rtlCol="0" anchor="ctr"/>
+          <a:lstStyle/>
+          <a:p>
+            <a:pPr algn="ctr"/>
+            <a:r>
+              <a:rPr lang="zh-CN" altLang="en-US" dirty="0" smtClean="0">
+                <a:solidFill>
+                  <a:schemeClr val="tx1"/>
+                </a:solidFill>
+              </a:rPr>
+              <a:t>管理</a:t>
+            </a:r>
+            <a:endParaRPr lang="zh-CN" altLang="en-US" dirty="0">
+              <a:solidFill>
+                <a:schemeClr val="tx1"/>
+              </a:solidFill>
+            </a:endParaRPr>
+          </a:p>
+        </p:txBody>
+      </p:sp>
+      <p:sp>
+        <p:nvSpPr>
+          <p:cNvPr id="17" name="椭圆 16"/>
+          <p:cNvSpPr/>
+          <p:nvPr/>
+        </p:nvSpPr>
+        <p:spPr>
+          <a:xfrm>
+            <a:off x="5515300" y="5054512"/>
+            <a:ext cx="1150669" cy="814699"/>
+          </a:xfrm>
+          <a:prstGeom prst="ellipse">
+            <a:avLst/>
+          </a:prstGeom>
+          <a:solidFill>
+            <a:schemeClr val="accent4">
+              <a:lumMod val="20000"/>
+              <a:lumOff val="80000"/>
+            </a:schemeClr>
+          </a:solidFill>
+        </p:spPr>
+        <p:style>
+          <a:lnRef idx="2">
+            <a:schemeClr val="accent1">
+              <a:shade val="50000"/>
+            </a:schemeClr>
+          </a:lnRef>
+          <a:fillRef idx="1">
+            <a:schemeClr val="accent1"/>
+          </a:fillRef>
+          <a:effectRef idx="0">
+            <a:schemeClr val="accent1"/>
+          </a:effectRef>
+          <a:fontRef idx="minor">
+            <a:schemeClr val="lt1"/>
+          </a:fontRef>
+        </p:style>
+        <p:txBody>
+          <a:bodyPr rtlCol="0" anchor="ctr"/>
+          <a:lstStyle/>
+          <a:p>
+            <a:pPr algn="ctr"/>
+            <a:r>
+              <a:rPr lang="zh-CN" altLang="en-US" sz="1600" b="1" u="sng" dirty="0" smtClean="0">
+                <a:solidFill>
+                  <a:schemeClr val="tx1"/>
+                </a:solidFill>
+              </a:rPr>
+              <a:t>预约记录编号</a:t>
+            </a:r>
+            <a:endParaRPr lang="zh-CN" altLang="en-US" sz="1600" b="1" u="sng" dirty="0">
+              <a:solidFill>
+                <a:schemeClr val="tx1"/>
+              </a:solidFill>
+            </a:endParaRPr>
+          </a:p>
+        </p:txBody>
+      </p:sp>
+      <p:sp>
+        <p:nvSpPr>
+          <p:cNvPr id="18" name="椭圆 17"/>
+          <p:cNvSpPr/>
+          <p:nvPr/>
+        </p:nvSpPr>
+        <p:spPr>
+          <a:xfrm>
+            <a:off x="6721889" y="5054511"/>
+            <a:ext cx="1023457" cy="814699"/>
+          </a:xfrm>
+          <a:prstGeom prst="ellipse">
+            <a:avLst/>
+          </a:prstGeom>
+          <a:solidFill>
+            <a:schemeClr val="accent4">
+              <a:lumMod val="20000"/>
+              <a:lumOff val="80000"/>
+            </a:schemeClr>
+          </a:solidFill>
+        </p:spPr>
+        <p:style>
+          <a:lnRef idx="2">
+            <a:schemeClr val="accent1">
+              <a:shade val="50000"/>
+            </a:schemeClr>
+          </a:lnRef>
+          <a:fillRef idx="1">
+            <a:schemeClr val="accent1"/>
+          </a:fillRef>
+          <a:effectRef idx="0">
+            <a:schemeClr val="accent1"/>
+          </a:effectRef>
+          <a:fontRef idx="minor">
+            <a:schemeClr val="lt1"/>
+          </a:fontRef>
+        </p:style>
+        <p:txBody>
+          <a:bodyPr rtlCol="0" anchor="ctr"/>
+          <a:lstStyle/>
+          <a:p>
+            <a:pPr algn="ctr"/>
+            <a:r>
+              <a:rPr lang="zh-CN" altLang="en-US" dirty="0" smtClean="0">
+                <a:solidFill>
+                  <a:schemeClr val="tx1"/>
+                </a:solidFill>
+              </a:rPr>
+              <a:t>违约记录编号</a:t>
+            </a:r>
+            <a:endParaRPr lang="zh-CN" altLang="en-US" dirty="0">
+              <a:solidFill>
+                <a:schemeClr val="tx1"/>
+              </a:solidFill>
+            </a:endParaRPr>
+          </a:p>
+        </p:txBody>
+      </p:sp>
+      <p:sp>
+        <p:nvSpPr>
+          <p:cNvPr id="19" name="椭圆 18"/>
+          <p:cNvSpPr/>
+          <p:nvPr/>
+        </p:nvSpPr>
+        <p:spPr>
+          <a:xfrm>
+            <a:off x="7801265" y="5054511"/>
+            <a:ext cx="1023457" cy="814699"/>
+          </a:xfrm>
+          <a:prstGeom prst="ellipse">
+            <a:avLst/>
+          </a:prstGeom>
+          <a:solidFill>
+            <a:schemeClr val="accent4">
+              <a:lumMod val="20000"/>
+              <a:lumOff val="80000"/>
+            </a:schemeClr>
+          </a:solidFill>
+        </p:spPr>
+        <p:style>
+          <a:lnRef idx="2">
+            <a:schemeClr val="accent1">
+              <a:shade val="50000"/>
+            </a:schemeClr>
+          </a:lnRef>
+          <a:fillRef idx="1">
+            <a:schemeClr val="accent1"/>
+          </a:fillRef>
+          <a:effectRef idx="0">
+            <a:schemeClr val="accent1"/>
+          </a:effectRef>
+          <a:fontRef idx="minor">
+            <a:schemeClr val="lt1"/>
+          </a:fontRef>
+        </p:style>
+        <p:txBody>
+          <a:bodyPr rtlCol="0" anchor="ctr"/>
+          <a:lstStyle/>
+          <a:p>
+            <a:pPr algn="ctr"/>
+            <a:r>
+              <a:rPr lang="zh-CN" altLang="en-US" dirty="0" smtClean="0">
+                <a:solidFill>
+                  <a:schemeClr val="tx1"/>
+                </a:solidFill>
+              </a:rPr>
+              <a:t>进出记录编号</a:t>
+            </a:r>
+            <a:endParaRPr lang="zh-CN" altLang="en-US" dirty="0">
+              <a:solidFill>
+                <a:schemeClr val="tx1"/>
+              </a:solidFill>
+            </a:endParaRPr>
+          </a:p>
+        </p:txBody>
+      </p:sp>
+      <p:sp>
+        <p:nvSpPr>
+          <p:cNvPr id="20" name="椭圆 19"/>
+          <p:cNvSpPr/>
+          <p:nvPr/>
+        </p:nvSpPr>
+        <p:spPr>
+          <a:xfrm>
+            <a:off x="8905438" y="5048220"/>
+            <a:ext cx="1023457" cy="814699"/>
+          </a:xfrm>
+          <a:prstGeom prst="ellipse">
+            <a:avLst/>
+          </a:prstGeom>
+          <a:solidFill>
+            <a:schemeClr val="accent4">
+              <a:lumMod val="20000"/>
+              <a:lumOff val="80000"/>
+            </a:schemeClr>
+          </a:solidFill>
+        </p:spPr>
+        <p:style>
+          <a:lnRef idx="2">
+            <a:schemeClr val="accent1">
+              <a:shade val="50000"/>
+            </a:schemeClr>
+          </a:lnRef>
+          <a:fillRef idx="1">
+            <a:schemeClr val="accent1"/>
+          </a:fillRef>
+          <a:effectRef idx="0">
+            <a:schemeClr val="accent1"/>
+          </a:effectRef>
+          <a:fontRef idx="minor">
+            <a:schemeClr val="lt1"/>
+          </a:fontRef>
+        </p:style>
+        <p:txBody>
+          <a:bodyPr rtlCol="0" anchor="ctr"/>
+          <a:lstStyle/>
+          <a:p>
+            <a:pPr algn="ctr"/>
+            <a:r>
+              <a:rPr lang="zh-CN" altLang="en-US" dirty="0">
+                <a:solidFill>
+                  <a:schemeClr val="tx1"/>
+                </a:solidFill>
+              </a:rPr>
+              <a:t>学号</a:t>
+            </a:r>
+            <a:endParaRPr lang="zh-CN" altLang="en-US" dirty="0">
+              <a:solidFill>
+                <a:schemeClr val="tx1"/>
+              </a:solidFill>
+            </a:endParaRPr>
+          </a:p>
+        </p:txBody>
+      </p:sp>
+      <p:sp>
+        <p:nvSpPr>
+          <p:cNvPr id="21" name="椭圆 20"/>
+          <p:cNvSpPr/>
+          <p:nvPr/>
+        </p:nvSpPr>
+        <p:spPr>
+          <a:xfrm>
+            <a:off x="10009611" y="5048219"/>
+            <a:ext cx="1023457" cy="814699"/>
+          </a:xfrm>
+          <a:prstGeom prst="ellipse">
+            <a:avLst/>
+          </a:prstGeom>
+          <a:solidFill>
+            <a:schemeClr val="accent4">
+              <a:lumMod val="20000"/>
+              <a:lumOff val="80000"/>
+            </a:schemeClr>
+          </a:solidFill>
+        </p:spPr>
+        <p:style>
+          <a:lnRef idx="2">
+            <a:schemeClr val="accent1">
+              <a:shade val="50000"/>
+            </a:schemeClr>
+          </a:lnRef>
+          <a:fillRef idx="1">
+            <a:schemeClr val="accent1"/>
+          </a:fillRef>
+          <a:effectRef idx="0">
+            <a:schemeClr val="accent1"/>
+          </a:effectRef>
+          <a:fontRef idx="minor">
+            <a:schemeClr val="lt1"/>
+          </a:fontRef>
+        </p:style>
+        <p:txBody>
+          <a:bodyPr rtlCol="0" anchor="ctr"/>
+          <a:lstStyle/>
+          <a:p>
+            <a:pPr algn="ctr"/>
+            <a:r>
+              <a:rPr lang="zh-CN" altLang="en-US" dirty="0" smtClean="0">
+                <a:solidFill>
+                  <a:schemeClr val="tx1"/>
+                </a:solidFill>
+              </a:rPr>
+              <a:t>团体编号</a:t>
+            </a:r>
+            <a:endParaRPr lang="zh-CN" altLang="en-US" dirty="0">
+              <a:solidFill>
+                <a:schemeClr val="tx1"/>
+              </a:solidFill>
+            </a:endParaRPr>
+          </a:p>
+        </p:txBody>
+      </p:sp>
+      <p:cxnSp>
+        <p:nvCxnSpPr>
+          <p:cNvPr id="4" name="直接连接符 3"/>
+          <p:cNvCxnSpPr>
+            <a:stCxn id="16" idx="2"/>
+            <a:endCxn id="17" idx="0"/>
+          </p:cNvCxnSpPr>
+          <p:nvPr/>
+        </p:nvCxnSpPr>
+        <p:spPr>
+          <a:xfrm flipH="1">
+            <a:off x="6090635" y="4615773"/>
+            <a:ext cx="2222358" cy="438739"/>
+          </a:xfrm>
+          <a:prstGeom prst="line">
+            <a:avLst/>
+          </a:prstGeom>
+        </p:spPr>
+        <p:style>
+          <a:lnRef idx="1">
+            <a:schemeClr val="accent1"/>
+          </a:lnRef>
+          <a:fillRef idx="0">
+            <a:schemeClr val="accent1"/>
+          </a:fillRef>
+          <a:effectRef idx="0">
+            <a:schemeClr val="accent1"/>
+          </a:effectRef>
+          <a:fontRef idx="minor">
+            <a:schemeClr val="tx1"/>
+          </a:fontRef>
+        </p:style>
+      </p:cxnSp>
+      <p:cxnSp>
+        <p:nvCxnSpPr>
+          <p:cNvPr id="6" name="直接连接符 5"/>
+          <p:cNvCxnSpPr>
+            <a:stCxn id="16" idx="2"/>
+            <a:endCxn id="18" idx="0"/>
+          </p:cNvCxnSpPr>
+          <p:nvPr/>
+        </p:nvCxnSpPr>
+        <p:spPr>
+          <a:xfrm flipH="1">
+            <a:off x="7233618" y="4615773"/>
+            <a:ext cx="1079375" cy="438738"/>
+          </a:xfrm>
+          <a:prstGeom prst="line">
+            <a:avLst/>
+          </a:prstGeom>
+        </p:spPr>
+        <p:style>
+          <a:lnRef idx="1">
+            <a:schemeClr val="accent1"/>
+          </a:lnRef>
+          <a:fillRef idx="0">
+            <a:schemeClr val="accent1"/>
+          </a:fillRef>
+          <a:effectRef idx="0">
+            <a:schemeClr val="accent1"/>
+          </a:effectRef>
+          <a:fontRef idx="minor">
+            <a:schemeClr val="tx1"/>
+          </a:fontRef>
+        </p:style>
+      </p:cxnSp>
+      <p:cxnSp>
+        <p:nvCxnSpPr>
+          <p:cNvPr id="22" name="直接连接符 21"/>
+          <p:cNvCxnSpPr>
+            <a:stCxn id="16" idx="2"/>
+            <a:endCxn id="19" idx="0"/>
+          </p:cNvCxnSpPr>
+          <p:nvPr/>
+        </p:nvCxnSpPr>
+        <p:spPr>
+          <a:xfrm>
+            <a:off x="8312993" y="4615773"/>
+            <a:ext cx="1" cy="438738"/>
+          </a:xfrm>
+          <a:prstGeom prst="line">
+            <a:avLst/>
+          </a:prstGeom>
+        </p:spPr>
+        <p:style>
+          <a:lnRef idx="1">
+            <a:schemeClr val="accent1"/>
+          </a:lnRef>
+          <a:fillRef idx="0">
+            <a:schemeClr val="accent1"/>
+          </a:fillRef>
+          <a:effectRef idx="0">
+            <a:schemeClr val="accent1"/>
+          </a:effectRef>
+          <a:fontRef idx="minor">
+            <a:schemeClr val="tx1"/>
+          </a:fontRef>
+        </p:style>
+      </p:cxnSp>
+      <p:cxnSp>
+        <p:nvCxnSpPr>
+          <p:cNvPr id="24" name="直接连接符 23"/>
+          <p:cNvCxnSpPr>
+            <a:stCxn id="16" idx="2"/>
+            <a:endCxn id="20" idx="0"/>
+          </p:cNvCxnSpPr>
+          <p:nvPr/>
+        </p:nvCxnSpPr>
+        <p:spPr>
+          <a:xfrm>
+            <a:off x="8312993" y="4615773"/>
+            <a:ext cx="1104174" cy="432447"/>
+          </a:xfrm>
+          <a:prstGeom prst="line">
+            <a:avLst/>
+          </a:prstGeom>
+        </p:spPr>
+        <p:style>
+          <a:lnRef idx="1">
+            <a:schemeClr val="accent1"/>
+          </a:lnRef>
+          <a:fillRef idx="0">
+            <a:schemeClr val="accent1"/>
+          </a:fillRef>
+          <a:effectRef idx="0">
+            <a:schemeClr val="accent1"/>
+          </a:effectRef>
+          <a:fontRef idx="minor">
+            <a:schemeClr val="tx1"/>
+          </a:fontRef>
+        </p:style>
+      </p:cxnSp>
+      <p:cxnSp>
+        <p:nvCxnSpPr>
+          <p:cNvPr id="26" name="直接连接符 25"/>
+          <p:cNvCxnSpPr>
+            <a:stCxn id="16" idx="2"/>
+            <a:endCxn id="21" idx="0"/>
+          </p:cNvCxnSpPr>
+          <p:nvPr/>
+        </p:nvCxnSpPr>
+        <p:spPr>
+          <a:xfrm>
+            <a:off x="8312993" y="4615773"/>
+            <a:ext cx="2208347" cy="432446"/>
+          </a:xfrm>
+          <a:prstGeom prst="line">
+            <a:avLst/>
+          </a:prstGeom>
+        </p:spPr>
+        <p:style>
+          <a:lnRef idx="1">
+            <a:schemeClr val="accent1"/>
+          </a:lnRef>
+          <a:fillRef idx="0">
+            <a:schemeClr val="accent1"/>
+          </a:fillRef>
+          <a:effectRef idx="0">
+            <a:schemeClr val="accent1"/>
+          </a:effectRef>
+          <a:fontRef idx="minor">
+            <a:schemeClr val="tx1"/>
+          </a:fontRef>
+        </p:style>
+      </p:cxnSp>
     </p:spTree>
     <p:extLst>
       <p:ext uri="{BB962C8B-B14F-4D97-AF65-F5344CB8AC3E}">
@@ -24727,149 +24948,6 @@
           </a:p>
         </p:txBody>
       </p:sp>
-      <p:sp>
-        <p:nvSpPr>
-          <p:cNvPr id="223" name="菱形 222"/>
-          <p:cNvSpPr/>
-          <p:nvPr/>
-        </p:nvSpPr>
-        <p:spPr>
-          <a:xfrm>
-            <a:off x="2022387" y="4526685"/>
-            <a:ext cx="805824" cy="686412"/>
-          </a:xfrm>
-          <a:prstGeom prst="diamond">
-            <a:avLst/>
-          </a:prstGeom>
-          <a:solidFill>
-            <a:schemeClr val="bg1">
-              <a:lumMod val="95000"/>
-            </a:schemeClr>
-          </a:solidFill>
-        </p:spPr>
-        <p:style>
-          <a:lnRef idx="2">
-            <a:schemeClr val="accent1">
-              <a:shade val="50000"/>
-            </a:schemeClr>
-          </a:lnRef>
-          <a:fillRef idx="1">
-            <a:schemeClr val="accent1"/>
-          </a:fillRef>
-          <a:effectRef idx="0">
-            <a:schemeClr val="accent1"/>
-          </a:effectRef>
-          <a:fontRef idx="minor">
-            <a:schemeClr val="lt1"/>
-          </a:fontRef>
-        </p:style>
-        <p:txBody>
-          <a:bodyPr rtlCol="0" anchor="ctr"/>
-          <a:lstStyle/>
-          <a:p>
-            <a:pPr algn="ctr"/>
-            <a:r>
-              <a:rPr lang="zh-CN" altLang="en-US" dirty="0">
-                <a:solidFill>
-                  <a:schemeClr val="tx1"/>
-                </a:solidFill>
-              </a:rPr>
-              <a:t>监督</a:t>
-            </a:r>
-          </a:p>
-        </p:txBody>
-      </p:sp>
-      <p:sp>
-        <p:nvSpPr>
-          <p:cNvPr id="224" name="椭圆 223"/>
-          <p:cNvSpPr/>
-          <p:nvPr/>
-        </p:nvSpPr>
-        <p:spPr>
-          <a:xfrm>
-            <a:off x="3549018" y="4477047"/>
-            <a:ext cx="1023457" cy="785027"/>
-          </a:xfrm>
-          <a:prstGeom prst="ellipse">
-            <a:avLst/>
-          </a:prstGeom>
-          <a:solidFill>
-            <a:schemeClr val="accent4">
-              <a:lumMod val="20000"/>
-              <a:lumOff val="80000"/>
-            </a:schemeClr>
-          </a:solidFill>
-        </p:spPr>
-        <p:style>
-          <a:lnRef idx="2">
-            <a:schemeClr val="accent1">
-              <a:shade val="50000"/>
-            </a:schemeClr>
-          </a:lnRef>
-          <a:fillRef idx="1">
-            <a:schemeClr val="accent1"/>
-          </a:fillRef>
-          <a:effectRef idx="0">
-            <a:schemeClr val="accent1"/>
-          </a:effectRef>
-          <a:fontRef idx="minor">
-            <a:schemeClr val="lt1"/>
-          </a:fontRef>
-        </p:style>
-        <p:txBody>
-          <a:bodyPr rtlCol="0" anchor="ctr"/>
-          <a:lstStyle/>
-          <a:p>
-            <a:pPr algn="ctr"/>
-            <a:r>
-              <a:rPr lang="zh-CN" altLang="en-US" dirty="0" smtClean="0">
-                <a:solidFill>
-                  <a:schemeClr val="tx1"/>
-                </a:solidFill>
-              </a:rPr>
-              <a:t>违约次数</a:t>
-            </a:r>
-            <a:endParaRPr lang="zh-CN" altLang="en-US" dirty="0">
-              <a:solidFill>
-                <a:schemeClr val="tx1"/>
-              </a:solidFill>
-            </a:endParaRPr>
-          </a:p>
-        </p:txBody>
-      </p:sp>
-      <p:cxnSp>
-        <p:nvCxnSpPr>
-          <p:cNvPr id="225" name="直接连接符 224"/>
-          <p:cNvCxnSpPr>
-            <a:stCxn id="223" idx="3"/>
-            <a:endCxn id="224" idx="2"/>
-          </p:cNvCxnSpPr>
-          <p:nvPr/>
-        </p:nvCxnSpPr>
-        <p:spPr>
-          <a:xfrm flipV="1">
-            <a:off x="2828211" y="4869561"/>
-            <a:ext cx="720807" cy="330"/>
-          </a:xfrm>
-          <a:prstGeom prst="line">
-            <a:avLst/>
-          </a:prstGeom>
-        </p:spPr>
-        <p:style>
-          <a:lnRef idx="1">
-            <a:schemeClr val="accent1"/>
-          </a:lnRef>
-          <a:fillRef idx="0">
-            <a:schemeClr val="accent1"/>
-          </a:fillRef>
-          <a:effectRef idx="0">
-            <a:schemeClr val="accent1"/>
-          </a:effectRef>
-          <a:fontRef idx="minor">
-            <a:schemeClr val="tx1"/>
-          </a:fontRef>
-        </p:style>
-      </p:cxnSp>
     </p:spTree>
     <p:extLst>
       <p:ext uri="{BB962C8B-B14F-4D97-AF65-F5344CB8AC3E}">

--- a/ours/E-R图初稿.pptx
+++ b/ours/E-R图初稿.pptx
@@ -260,7 +260,7 @@
           <a:p>
             <a:fld id="{07BB1640-576C-4106-8BBF-5EE4E1757382}" type="datetimeFigureOut">
               <a:rPr lang="zh-CN" altLang="en-US" smtClean="0"/>
-              <a:t>2016/10/26</a:t>
+              <a:t>2016/10/29</a:t>
             </a:fld>
             <a:endParaRPr lang="zh-CN" altLang="en-US"/>
           </a:p>
@@ -430,7 +430,7 @@
           <a:p>
             <a:fld id="{07BB1640-576C-4106-8BBF-5EE4E1757382}" type="datetimeFigureOut">
               <a:rPr lang="zh-CN" altLang="en-US" smtClean="0"/>
-              <a:t>2016/10/26</a:t>
+              <a:t>2016/10/29</a:t>
             </a:fld>
             <a:endParaRPr lang="zh-CN" altLang="en-US"/>
           </a:p>
@@ -610,7 +610,7 @@
           <a:p>
             <a:fld id="{07BB1640-576C-4106-8BBF-5EE4E1757382}" type="datetimeFigureOut">
               <a:rPr lang="zh-CN" altLang="en-US" smtClean="0"/>
-              <a:t>2016/10/26</a:t>
+              <a:t>2016/10/29</a:t>
             </a:fld>
             <a:endParaRPr lang="zh-CN" altLang="en-US"/>
           </a:p>
@@ -780,7 +780,7 @@
           <a:p>
             <a:fld id="{07BB1640-576C-4106-8BBF-5EE4E1757382}" type="datetimeFigureOut">
               <a:rPr lang="zh-CN" altLang="en-US" smtClean="0"/>
-              <a:t>2016/10/26</a:t>
+              <a:t>2016/10/29</a:t>
             </a:fld>
             <a:endParaRPr lang="zh-CN" altLang="en-US"/>
           </a:p>
@@ -1026,7 +1026,7 @@
           <a:p>
             <a:fld id="{07BB1640-576C-4106-8BBF-5EE4E1757382}" type="datetimeFigureOut">
               <a:rPr lang="zh-CN" altLang="en-US" smtClean="0"/>
-              <a:t>2016/10/26</a:t>
+              <a:t>2016/10/29</a:t>
             </a:fld>
             <a:endParaRPr lang="zh-CN" altLang="en-US"/>
           </a:p>
@@ -1258,7 +1258,7 @@
           <a:p>
             <a:fld id="{07BB1640-576C-4106-8BBF-5EE4E1757382}" type="datetimeFigureOut">
               <a:rPr lang="zh-CN" altLang="en-US" smtClean="0"/>
-              <a:t>2016/10/26</a:t>
+              <a:t>2016/10/29</a:t>
             </a:fld>
             <a:endParaRPr lang="zh-CN" altLang="en-US"/>
           </a:p>
@@ -1625,7 +1625,7 @@
           <a:p>
             <a:fld id="{07BB1640-576C-4106-8BBF-5EE4E1757382}" type="datetimeFigureOut">
               <a:rPr lang="zh-CN" altLang="en-US" smtClean="0"/>
-              <a:t>2016/10/26</a:t>
+              <a:t>2016/10/29</a:t>
             </a:fld>
             <a:endParaRPr lang="zh-CN" altLang="en-US"/>
           </a:p>
@@ -1743,7 +1743,7 @@
           <a:p>
             <a:fld id="{07BB1640-576C-4106-8BBF-5EE4E1757382}" type="datetimeFigureOut">
               <a:rPr lang="zh-CN" altLang="en-US" smtClean="0"/>
-              <a:t>2016/10/26</a:t>
+              <a:t>2016/10/29</a:t>
             </a:fld>
             <a:endParaRPr lang="zh-CN" altLang="en-US"/>
           </a:p>
@@ -1838,7 +1838,7 @@
           <a:p>
             <a:fld id="{07BB1640-576C-4106-8BBF-5EE4E1757382}" type="datetimeFigureOut">
               <a:rPr lang="zh-CN" altLang="en-US" smtClean="0"/>
-              <a:t>2016/10/26</a:t>
+              <a:t>2016/10/29</a:t>
             </a:fld>
             <a:endParaRPr lang="zh-CN" altLang="en-US"/>
           </a:p>
@@ -2115,7 +2115,7 @@
           <a:p>
             <a:fld id="{07BB1640-576C-4106-8BBF-5EE4E1757382}" type="datetimeFigureOut">
               <a:rPr lang="zh-CN" altLang="en-US" smtClean="0"/>
-              <a:t>2016/10/26</a:t>
+              <a:t>2016/10/29</a:t>
             </a:fld>
             <a:endParaRPr lang="zh-CN" altLang="en-US"/>
           </a:p>
@@ -2368,7 +2368,7 @@
           <a:p>
             <a:fld id="{07BB1640-576C-4106-8BBF-5EE4E1757382}" type="datetimeFigureOut">
               <a:rPr lang="zh-CN" altLang="en-US" smtClean="0"/>
-              <a:t>2016/10/26</a:t>
+              <a:t>2016/10/29</a:t>
             </a:fld>
             <a:endParaRPr lang="zh-CN" altLang="en-US"/>
           </a:p>
@@ -2581,7 +2581,7 @@
           <a:p>
             <a:fld id="{07BB1640-576C-4106-8BBF-5EE4E1757382}" type="datetimeFigureOut">
               <a:rPr lang="zh-CN" altLang="en-US" smtClean="0"/>
-              <a:t>2016/10/26</a:t>
+              <a:t>2016/10/29</a:t>
             </a:fld>
             <a:endParaRPr lang="zh-CN" altLang="en-US"/>
           </a:p>
@@ -19722,15 +19722,7 @@
                   <a:schemeClr val="tx1"/>
                 </a:solidFill>
               </a:rPr>
-              <a:t>所属系</a:t>
-            </a:r>
-            <a:r>
-              <a:rPr lang="zh-CN" altLang="en-US" dirty="0" smtClean="0">
-                <a:solidFill>
-                  <a:schemeClr val="tx1"/>
-                </a:solidFill>
-              </a:rPr>
-              <a:t>号</a:t>
+              <a:t>所属系号</a:t>
             </a:r>
             <a:endParaRPr lang="zh-CN" altLang="en-US" dirty="0">
               <a:solidFill>
@@ -21463,7 +21455,7 @@
         </p:nvSpPr>
         <p:spPr>
           <a:xfrm>
-            <a:off x="1442442" y="1738577"/>
+            <a:off x="2106126" y="2907475"/>
             <a:ext cx="1103952" cy="417533"/>
           </a:xfrm>
           <a:prstGeom prst="rect">
@@ -21607,15 +21599,15 @@
         <p:nvCxnSpPr>
           <p:cNvPr id="10" name="直接连接符 9"/>
           <p:cNvCxnSpPr>
-            <a:stCxn id="9" idx="1"/>
-            <a:endCxn id="7" idx="3"/>
+            <a:stCxn id="28" idx="2"/>
+            <a:endCxn id="7" idx="0"/>
           </p:cNvCxnSpPr>
           <p:nvPr/>
         </p:nvCxnSpPr>
         <p:spPr>
           <a:xfrm flipH="1">
-            <a:off x="2546394" y="1932415"/>
-            <a:ext cx="1103049" cy="14929"/>
+            <a:off x="2658102" y="2389433"/>
+            <a:ext cx="21272" cy="518042"/>
           </a:xfrm>
           <a:prstGeom prst="line">
             <a:avLst/>
@@ -21644,7 +21636,7 @@
         </p:nvSpPr>
         <p:spPr>
           <a:xfrm>
-            <a:off x="5898158" y="1721949"/>
+            <a:off x="5309825" y="2899033"/>
             <a:ext cx="896256" cy="417533"/>
           </a:xfrm>
           <a:prstGeom prst="rect">
@@ -21702,39 +21694,6 @@
           </a:p>
         </p:txBody>
       </p:sp>
-      <p:cxnSp>
-        <p:nvCxnSpPr>
-          <p:cNvPr id="12" name="直接连接符 11"/>
-          <p:cNvCxnSpPr>
-            <a:stCxn id="9" idx="3"/>
-            <a:endCxn id="11" idx="1"/>
-          </p:cNvCxnSpPr>
-          <p:nvPr/>
-        </p:nvCxnSpPr>
-        <p:spPr>
-          <a:xfrm flipV="1">
-            <a:off x="4599594" y="1930716"/>
-            <a:ext cx="1298564" cy="1699"/>
-          </a:xfrm>
-          <a:prstGeom prst="line">
-            <a:avLst/>
-          </a:prstGeom>
-        </p:spPr>
-        <p:style>
-          <a:lnRef idx="1">
-            <a:schemeClr val="accent1"/>
-          </a:lnRef>
-          <a:fillRef idx="0">
-            <a:schemeClr val="accent1"/>
-          </a:fillRef>
-          <a:effectRef idx="0">
-            <a:schemeClr val="accent1"/>
-          </a:effectRef>
-          <a:fontRef idx="minor">
-            <a:schemeClr val="tx1"/>
-          </a:fontRef>
-        </p:style>
-      </p:cxnSp>
       <p:sp>
         <p:nvSpPr>
           <p:cNvPr id="14" name="矩形 13"/>
@@ -21902,7 +21861,7 @@
         </p:nvSpPr>
         <p:spPr>
           <a:xfrm>
-            <a:off x="4983182" y="1561383"/>
+            <a:off x="5454601" y="2310332"/>
             <a:ext cx="306494" cy="369332"/>
           </a:xfrm>
           <a:prstGeom prst="rect">
@@ -21932,7 +21891,7 @@
         </p:nvSpPr>
         <p:spPr>
           <a:xfrm>
-            <a:off x="3022672" y="1549011"/>
+            <a:off x="2658102" y="2389433"/>
             <a:ext cx="274434" cy="369332"/>
           </a:xfrm>
           <a:prstGeom prst="rect">
@@ -22461,6 +22420,279 @@
           </a:fontRef>
         </p:style>
       </p:cxnSp>
+      <p:sp>
+        <p:nvSpPr>
+          <p:cNvPr id="27" name="菱形 26"/>
+          <p:cNvSpPr/>
+          <p:nvPr/>
+        </p:nvSpPr>
+        <p:spPr>
+          <a:xfrm>
+            <a:off x="5255930" y="1631264"/>
+            <a:ext cx="950151" cy="627258"/>
+          </a:xfrm>
+          <a:prstGeom prst="diamond">
+            <a:avLst/>
+          </a:prstGeom>
+          <a:solidFill>
+            <a:schemeClr val="bg1">
+              <a:lumMod val="95000"/>
+            </a:schemeClr>
+          </a:solidFill>
+        </p:spPr>
+        <p:style>
+          <a:lnRef idx="2">
+            <a:schemeClr val="accent1">
+              <a:shade val="50000"/>
+            </a:schemeClr>
+          </a:lnRef>
+          <a:fillRef idx="1">
+            <a:schemeClr val="accent1"/>
+          </a:fillRef>
+          <a:effectRef idx="0">
+            <a:schemeClr val="accent1"/>
+          </a:effectRef>
+          <a:fontRef idx="minor">
+            <a:schemeClr val="lt1"/>
+          </a:fontRef>
+        </p:style>
+        <p:txBody>
+          <a:bodyPr rtlCol="0" anchor="ctr"/>
+          <a:lstStyle/>
+          <a:p>
+            <a:pPr algn="ctr"/>
+            <a:r>
+              <a:rPr lang="zh-CN" altLang="en-US" dirty="0" smtClean="0">
+                <a:solidFill>
+                  <a:schemeClr val="tx1"/>
+                </a:solidFill>
+              </a:rPr>
+              <a:t>管理</a:t>
+            </a:r>
+            <a:endParaRPr lang="zh-CN" altLang="en-US" dirty="0">
+              <a:solidFill>
+                <a:schemeClr val="tx1"/>
+              </a:solidFill>
+            </a:endParaRPr>
+          </a:p>
+        </p:txBody>
+      </p:sp>
+      <p:sp>
+        <p:nvSpPr>
+          <p:cNvPr id="28" name="菱形 27"/>
+          <p:cNvSpPr/>
+          <p:nvPr/>
+        </p:nvSpPr>
+        <p:spPr>
+          <a:xfrm>
+            <a:off x="2204298" y="1762175"/>
+            <a:ext cx="950151" cy="627258"/>
+          </a:xfrm>
+          <a:prstGeom prst="diamond">
+            <a:avLst/>
+          </a:prstGeom>
+          <a:solidFill>
+            <a:schemeClr val="bg1">
+              <a:lumMod val="95000"/>
+            </a:schemeClr>
+          </a:solidFill>
+        </p:spPr>
+        <p:style>
+          <a:lnRef idx="2">
+            <a:schemeClr val="accent1">
+              <a:shade val="50000"/>
+            </a:schemeClr>
+          </a:lnRef>
+          <a:fillRef idx="1">
+            <a:schemeClr val="accent1"/>
+          </a:fillRef>
+          <a:effectRef idx="0">
+            <a:schemeClr val="accent1"/>
+          </a:effectRef>
+          <a:fontRef idx="minor">
+            <a:schemeClr val="lt1"/>
+          </a:fontRef>
+        </p:style>
+        <p:txBody>
+          <a:bodyPr rtlCol="0" anchor="ctr"/>
+          <a:lstStyle/>
+          <a:p>
+            <a:pPr algn="ctr"/>
+            <a:r>
+              <a:rPr lang="zh-CN" altLang="en-US" dirty="0" smtClean="0">
+                <a:solidFill>
+                  <a:schemeClr val="tx1"/>
+                </a:solidFill>
+              </a:rPr>
+              <a:t>管理</a:t>
+            </a:r>
+            <a:endParaRPr lang="zh-CN" altLang="en-US" dirty="0">
+              <a:solidFill>
+                <a:schemeClr val="tx1"/>
+              </a:solidFill>
+            </a:endParaRPr>
+          </a:p>
+        </p:txBody>
+      </p:sp>
+      <p:cxnSp>
+        <p:nvCxnSpPr>
+          <p:cNvPr id="23" name="直接连接符 22"/>
+          <p:cNvCxnSpPr>
+            <a:stCxn id="28" idx="0"/>
+            <a:endCxn id="3" idx="2"/>
+          </p:cNvCxnSpPr>
+          <p:nvPr/>
+        </p:nvCxnSpPr>
+        <p:spPr>
+          <a:xfrm flipV="1">
+            <a:off x="2679374" y="1072244"/>
+            <a:ext cx="1445145" cy="689931"/>
+          </a:xfrm>
+          <a:prstGeom prst="line">
+            <a:avLst/>
+          </a:prstGeom>
+        </p:spPr>
+        <p:style>
+          <a:lnRef idx="1">
+            <a:schemeClr val="accent1"/>
+          </a:lnRef>
+          <a:fillRef idx="0">
+            <a:schemeClr val="accent1"/>
+          </a:fillRef>
+          <a:effectRef idx="0">
+            <a:schemeClr val="accent1"/>
+          </a:effectRef>
+          <a:fontRef idx="minor">
+            <a:schemeClr val="tx1"/>
+          </a:fontRef>
+        </p:style>
+      </p:cxnSp>
+      <p:cxnSp>
+        <p:nvCxnSpPr>
+          <p:cNvPr id="29" name="直接连接符 28"/>
+          <p:cNvCxnSpPr>
+            <a:stCxn id="3" idx="2"/>
+            <a:endCxn id="27" idx="0"/>
+          </p:cNvCxnSpPr>
+          <p:nvPr/>
+        </p:nvCxnSpPr>
+        <p:spPr>
+          <a:xfrm>
+            <a:off x="4124519" y="1072244"/>
+            <a:ext cx="1606487" cy="559020"/>
+          </a:xfrm>
+          <a:prstGeom prst="line">
+            <a:avLst/>
+          </a:prstGeom>
+        </p:spPr>
+        <p:style>
+          <a:lnRef idx="1">
+            <a:schemeClr val="accent1"/>
+          </a:lnRef>
+          <a:fillRef idx="0">
+            <a:schemeClr val="accent1"/>
+          </a:fillRef>
+          <a:effectRef idx="0">
+            <a:schemeClr val="accent1"/>
+          </a:effectRef>
+          <a:fontRef idx="minor">
+            <a:schemeClr val="tx1"/>
+          </a:fontRef>
+        </p:style>
+      </p:cxnSp>
+      <p:cxnSp>
+        <p:nvCxnSpPr>
+          <p:cNvPr id="31" name="直接连接符 30"/>
+          <p:cNvCxnSpPr>
+            <a:stCxn id="27" idx="2"/>
+            <a:endCxn id="11" idx="0"/>
+          </p:cNvCxnSpPr>
+          <p:nvPr/>
+        </p:nvCxnSpPr>
+        <p:spPr>
+          <a:xfrm>
+            <a:off x="5731006" y="2258522"/>
+            <a:ext cx="26947" cy="640511"/>
+          </a:xfrm>
+          <a:prstGeom prst="line">
+            <a:avLst/>
+          </a:prstGeom>
+        </p:spPr>
+        <p:style>
+          <a:lnRef idx="1">
+            <a:schemeClr val="accent1"/>
+          </a:lnRef>
+          <a:fillRef idx="0">
+            <a:schemeClr val="accent1"/>
+          </a:fillRef>
+          <a:effectRef idx="0">
+            <a:schemeClr val="accent1"/>
+          </a:effectRef>
+          <a:fontRef idx="minor">
+            <a:schemeClr val="tx1"/>
+          </a:fontRef>
+        </p:style>
+      </p:cxnSp>
+      <p:sp>
+        <p:nvSpPr>
+          <p:cNvPr id="49" name="文本框 48"/>
+          <p:cNvSpPr txBox="1"/>
+          <p:nvPr/>
+        </p:nvSpPr>
+        <p:spPr>
+          <a:xfrm>
+            <a:off x="4983182" y="1043925"/>
+            <a:ext cx="369012" cy="369332"/>
+          </a:xfrm>
+          <a:prstGeom prst="rect">
+            <a:avLst/>
+          </a:prstGeom>
+          <a:noFill/>
+        </p:spPr>
+        <p:txBody>
+          <a:bodyPr wrap="none" rtlCol="0">
+            <a:spAutoFit/>
+          </a:bodyPr>
+          <a:lstStyle/>
+          <a:p>
+            <a:r>
+              <a:rPr lang="en-US" altLang="zh-CN" dirty="0" smtClean="0"/>
+              <a:t>m</a:t>
+            </a:r>
+            <a:endParaRPr lang="zh-CN" altLang="en-US" dirty="0"/>
+          </a:p>
+        </p:txBody>
+      </p:sp>
+      <p:sp>
+        <p:nvSpPr>
+          <p:cNvPr id="50" name="文本框 49"/>
+          <p:cNvSpPr txBox="1"/>
+          <p:nvPr/>
+        </p:nvSpPr>
+        <p:spPr>
+          <a:xfrm>
+            <a:off x="2968932" y="1134917"/>
+            <a:ext cx="369012" cy="369332"/>
+          </a:xfrm>
+          <a:prstGeom prst="rect">
+            <a:avLst/>
+          </a:prstGeom>
+          <a:noFill/>
+        </p:spPr>
+        <p:txBody>
+          <a:bodyPr wrap="none" rtlCol="0">
+            <a:spAutoFit/>
+          </a:bodyPr>
+          <a:lstStyle/>
+          <a:p>
+            <a:r>
+              <a:rPr lang="en-US" altLang="zh-CN" dirty="0" smtClean="0"/>
+              <a:t>m</a:t>
+            </a:r>
+            <a:endParaRPr lang="zh-CN" altLang="en-US" dirty="0"/>
+          </a:p>
+        </p:txBody>
+      </p:sp>
     </p:spTree>
     <p:extLst>
       <p:ext uri="{BB962C8B-B14F-4D97-AF65-F5344CB8AC3E}">

--- a/ours/E-R图初稿.pptx
+++ b/ours/E-R图初稿.pptx
@@ -5110,8 +5110,8 @@
         </p:nvSpPr>
         <p:spPr>
           <a:xfrm>
-            <a:off x="4464134" y="2423582"/>
-            <a:ext cx="1518408" cy="683703"/>
+            <a:off x="8632068" y="2034196"/>
+            <a:ext cx="1141101" cy="525083"/>
           </a:xfrm>
           <a:prstGeom prst="rect">
             <a:avLst/>
@@ -5168,8 +5168,8 @@
         </p:nvSpPr>
         <p:spPr>
           <a:xfrm>
-            <a:off x="262934" y="1623024"/>
-            <a:ext cx="1714193" cy="683703"/>
+            <a:off x="4704905" y="1318657"/>
+            <a:ext cx="1708113" cy="525083"/>
           </a:xfrm>
           <a:prstGeom prst="rect">
             <a:avLst/>
@@ -5226,8 +5226,8 @@
         </p:nvSpPr>
         <p:spPr>
           <a:xfrm>
-            <a:off x="2848649" y="1507675"/>
-            <a:ext cx="914400" cy="914400"/>
+            <a:off x="7106071" y="510327"/>
+            <a:ext cx="911156" cy="702258"/>
           </a:xfrm>
           <a:prstGeom prst="diamond">
             <a:avLst/>
@@ -5286,8 +5286,8 @@
         </p:nvCxnSpPr>
         <p:spPr>
           <a:xfrm flipV="1">
-            <a:off x="1977127" y="1964875"/>
-            <a:ext cx="871522" cy="1"/>
+            <a:off x="6413018" y="861456"/>
+            <a:ext cx="693053" cy="719743"/>
           </a:xfrm>
           <a:prstGeom prst="line">
             <a:avLst/>
@@ -5312,15 +5312,15 @@
         <p:nvCxnSpPr>
           <p:cNvPr id="9" name="直接连接符 8"/>
           <p:cNvCxnSpPr>
-            <a:stCxn id="5" idx="3"/>
+            <a:stCxn id="25" idx="3"/>
             <a:endCxn id="21" idx="1"/>
           </p:cNvCxnSpPr>
           <p:nvPr/>
         </p:nvCxnSpPr>
         <p:spPr>
           <a:xfrm>
-            <a:off x="3763049" y="1964875"/>
-            <a:ext cx="701085" cy="800559"/>
+            <a:off x="8017227" y="2296738"/>
+            <a:ext cx="614841" cy="0"/>
           </a:xfrm>
           <a:prstGeom prst="line">
             <a:avLst/>
@@ -5349,8 +5349,8 @@
         </p:nvSpPr>
         <p:spPr>
           <a:xfrm>
-            <a:off x="4464134" y="807761"/>
-            <a:ext cx="1518408" cy="683703"/>
+            <a:off x="8632069" y="591745"/>
+            <a:ext cx="1141101" cy="525083"/>
           </a:xfrm>
           <a:prstGeom prst="rect">
             <a:avLst/>
@@ -5413,8 +5413,8 @@
         </p:nvCxnSpPr>
         <p:spPr>
           <a:xfrm flipV="1">
-            <a:off x="3763049" y="1149613"/>
-            <a:ext cx="701085" cy="815262"/>
+            <a:off x="8017227" y="854287"/>
+            <a:ext cx="614842" cy="7169"/>
           </a:xfrm>
           <a:prstGeom prst="line">
             <a:avLst/>
@@ -5534,15 +5534,15 @@
         </p:nvSpPr>
         <p:spPr>
           <a:xfrm>
-            <a:off x="2262045" y="1595543"/>
-            <a:ext cx="301686" cy="369332"/>
+            <a:off x="6626843" y="796110"/>
+            <a:ext cx="300616" cy="369332"/>
           </a:xfrm>
           <a:prstGeom prst="rect">
             <a:avLst/>
           </a:prstGeom>
         </p:spPr>
         <p:txBody>
-          <a:bodyPr wrap="none">
+          <a:bodyPr wrap="square">
             <a:spAutoFit/>
           </a:bodyPr>
           <a:lstStyle/>
@@ -5563,15 +5563,15 @@
         </p:nvSpPr>
         <p:spPr>
           <a:xfrm>
-            <a:off x="3968735" y="2039914"/>
-            <a:ext cx="369012" cy="369332"/>
+            <a:off x="8201618" y="1980800"/>
+            <a:ext cx="367703" cy="369332"/>
           </a:xfrm>
           <a:prstGeom prst="rect">
             <a:avLst/>
           </a:prstGeom>
         </p:spPr>
         <p:txBody>
-          <a:bodyPr wrap="none">
+          <a:bodyPr wrap="square">
             <a:spAutoFit/>
           </a:bodyPr>
           <a:lstStyle/>
@@ -5592,15 +5592,15 @@
         </p:nvSpPr>
         <p:spPr>
           <a:xfrm>
-            <a:off x="3960344" y="1122132"/>
-            <a:ext cx="306494" cy="369332"/>
+            <a:off x="8195839" y="550091"/>
+            <a:ext cx="305407" cy="369332"/>
           </a:xfrm>
           <a:prstGeom prst="rect">
             <a:avLst/>
           </a:prstGeom>
         </p:spPr>
         <p:txBody>
-          <a:bodyPr wrap="none">
+          <a:bodyPr wrap="square">
             <a:spAutoFit/>
           </a:bodyPr>
           <a:lstStyle/>
@@ -5759,6 +5759,605 @@
                 <a:schemeClr val="tx1"/>
               </a:solidFill>
             </a:endParaRPr>
+          </a:p>
+        </p:txBody>
+      </p:sp>
+      <p:sp>
+        <p:nvSpPr>
+          <p:cNvPr id="25" name="菱形 24"/>
+          <p:cNvSpPr/>
+          <p:nvPr/>
+        </p:nvSpPr>
+        <p:spPr>
+          <a:xfrm>
+            <a:off x="7106071" y="1945609"/>
+            <a:ext cx="911156" cy="702258"/>
+          </a:xfrm>
+          <a:prstGeom prst="diamond">
+            <a:avLst/>
+          </a:prstGeom>
+          <a:solidFill>
+            <a:schemeClr val="bg1">
+              <a:lumMod val="95000"/>
+            </a:schemeClr>
+          </a:solidFill>
+        </p:spPr>
+        <p:style>
+          <a:lnRef idx="2">
+            <a:schemeClr val="accent1">
+              <a:shade val="50000"/>
+            </a:schemeClr>
+          </a:lnRef>
+          <a:fillRef idx="1">
+            <a:schemeClr val="accent1"/>
+          </a:fillRef>
+          <a:effectRef idx="0">
+            <a:schemeClr val="accent1"/>
+          </a:effectRef>
+          <a:fontRef idx="minor">
+            <a:schemeClr val="lt1"/>
+          </a:fontRef>
+        </p:style>
+        <p:txBody>
+          <a:bodyPr rtlCol="0" anchor="ctr"/>
+          <a:lstStyle/>
+          <a:p>
+            <a:pPr algn="ctr"/>
+            <a:r>
+              <a:rPr lang="zh-CN" altLang="en-US" dirty="0" smtClean="0">
+                <a:solidFill>
+                  <a:schemeClr val="tx1"/>
+                </a:solidFill>
+              </a:rPr>
+              <a:t>验证</a:t>
+            </a:r>
+            <a:endParaRPr lang="zh-CN" altLang="en-US" dirty="0">
+              <a:solidFill>
+                <a:schemeClr val="tx1"/>
+              </a:solidFill>
+            </a:endParaRPr>
+          </a:p>
+        </p:txBody>
+      </p:sp>
+      <p:cxnSp>
+        <p:nvCxnSpPr>
+          <p:cNvPr id="30" name="直接连接符 29"/>
+          <p:cNvCxnSpPr>
+            <a:stCxn id="22" idx="3"/>
+            <a:endCxn id="25" idx="1"/>
+          </p:cNvCxnSpPr>
+          <p:nvPr/>
+        </p:nvCxnSpPr>
+        <p:spPr>
+          <a:xfrm>
+            <a:off x="6413018" y="1581199"/>
+            <a:ext cx="693053" cy="715539"/>
+          </a:xfrm>
+          <a:prstGeom prst="line">
+            <a:avLst/>
+          </a:prstGeom>
+        </p:spPr>
+        <p:style>
+          <a:lnRef idx="1">
+            <a:schemeClr val="accent1"/>
+          </a:lnRef>
+          <a:fillRef idx="0">
+            <a:schemeClr val="accent1"/>
+          </a:fillRef>
+          <a:effectRef idx="0">
+            <a:schemeClr val="accent1"/>
+          </a:effectRef>
+          <a:fontRef idx="minor">
+            <a:schemeClr val="tx1"/>
+          </a:fontRef>
+        </p:style>
+      </p:cxnSp>
+      <p:sp>
+        <p:nvSpPr>
+          <p:cNvPr id="37" name="矩形 36"/>
+          <p:cNvSpPr/>
+          <p:nvPr/>
+        </p:nvSpPr>
+        <p:spPr>
+          <a:xfrm>
+            <a:off x="4044887" y="1746942"/>
+            <a:ext cx="300616" cy="369332"/>
+          </a:xfrm>
+          <a:prstGeom prst="rect">
+            <a:avLst/>
+          </a:prstGeom>
+        </p:spPr>
+        <p:txBody>
+          <a:bodyPr wrap="square">
+            <a:spAutoFit/>
+          </a:bodyPr>
+          <a:lstStyle/>
+          <a:p>
+            <a:r>
+              <a:rPr lang="en-US" altLang="zh-CN" dirty="0"/>
+              <a:t>1</a:t>
+            </a:r>
+            <a:endParaRPr lang="zh-CN" altLang="en-US" dirty="0"/>
+          </a:p>
+        </p:txBody>
+      </p:sp>
+      <p:sp>
+        <p:nvSpPr>
+          <p:cNvPr id="44" name="菱形 43"/>
+          <p:cNvSpPr/>
+          <p:nvPr/>
+        </p:nvSpPr>
+        <p:spPr>
+          <a:xfrm>
+            <a:off x="3048588" y="634349"/>
+            <a:ext cx="911156" cy="702258"/>
+          </a:xfrm>
+          <a:prstGeom prst="diamond">
+            <a:avLst/>
+          </a:prstGeom>
+          <a:solidFill>
+            <a:schemeClr val="bg1">
+              <a:lumMod val="95000"/>
+            </a:schemeClr>
+          </a:solidFill>
+        </p:spPr>
+        <p:style>
+          <a:lnRef idx="2">
+            <a:schemeClr val="accent1">
+              <a:shade val="50000"/>
+            </a:schemeClr>
+          </a:lnRef>
+          <a:fillRef idx="1">
+            <a:schemeClr val="accent1"/>
+          </a:fillRef>
+          <a:effectRef idx="0">
+            <a:schemeClr val="accent1"/>
+          </a:effectRef>
+          <a:fontRef idx="minor">
+            <a:schemeClr val="lt1"/>
+          </a:fontRef>
+        </p:style>
+        <p:txBody>
+          <a:bodyPr rtlCol="0" anchor="ctr"/>
+          <a:lstStyle/>
+          <a:p>
+            <a:pPr algn="ctr"/>
+            <a:r>
+              <a:rPr lang="zh-CN" altLang="en-US" dirty="0" smtClean="0">
+                <a:solidFill>
+                  <a:schemeClr val="tx1"/>
+                </a:solidFill>
+              </a:rPr>
+              <a:t>置闲</a:t>
+            </a:r>
+            <a:endParaRPr lang="zh-CN" altLang="en-US" dirty="0">
+              <a:solidFill>
+                <a:schemeClr val="tx1"/>
+              </a:solidFill>
+            </a:endParaRPr>
+          </a:p>
+        </p:txBody>
+      </p:sp>
+      <p:sp>
+        <p:nvSpPr>
+          <p:cNvPr id="45" name="菱形 44"/>
+          <p:cNvSpPr/>
+          <p:nvPr/>
+        </p:nvSpPr>
+        <p:spPr>
+          <a:xfrm>
+            <a:off x="3048588" y="1932328"/>
+            <a:ext cx="911156" cy="702258"/>
+          </a:xfrm>
+          <a:prstGeom prst="diamond">
+            <a:avLst/>
+          </a:prstGeom>
+          <a:solidFill>
+            <a:schemeClr val="bg1">
+              <a:lumMod val="95000"/>
+            </a:schemeClr>
+          </a:solidFill>
+        </p:spPr>
+        <p:style>
+          <a:lnRef idx="2">
+            <a:schemeClr val="accent1">
+              <a:shade val="50000"/>
+            </a:schemeClr>
+          </a:lnRef>
+          <a:fillRef idx="1">
+            <a:schemeClr val="accent1"/>
+          </a:fillRef>
+          <a:effectRef idx="0">
+            <a:schemeClr val="accent1"/>
+          </a:effectRef>
+          <a:fontRef idx="minor">
+            <a:schemeClr val="lt1"/>
+          </a:fontRef>
+        </p:style>
+        <p:txBody>
+          <a:bodyPr rtlCol="0" anchor="ctr"/>
+          <a:lstStyle/>
+          <a:p>
+            <a:pPr algn="ctr"/>
+            <a:r>
+              <a:rPr lang="zh-CN" altLang="en-US" dirty="0" smtClean="0">
+                <a:solidFill>
+                  <a:schemeClr val="tx1"/>
+                </a:solidFill>
+              </a:rPr>
+              <a:t>置闲</a:t>
+            </a:r>
+            <a:endParaRPr lang="en-US" altLang="zh-CN" dirty="0" smtClean="0">
+              <a:solidFill>
+                <a:schemeClr val="tx1"/>
+              </a:solidFill>
+            </a:endParaRPr>
+          </a:p>
+        </p:txBody>
+      </p:sp>
+      <p:cxnSp>
+        <p:nvCxnSpPr>
+          <p:cNvPr id="27" name="直接连接符 26"/>
+          <p:cNvCxnSpPr>
+            <a:stCxn id="44" idx="3"/>
+            <a:endCxn id="22" idx="1"/>
+          </p:cNvCxnSpPr>
+          <p:nvPr/>
+        </p:nvCxnSpPr>
+        <p:spPr>
+          <a:xfrm>
+            <a:off x="3959744" y="985478"/>
+            <a:ext cx="745161" cy="595721"/>
+          </a:xfrm>
+          <a:prstGeom prst="line">
+            <a:avLst/>
+          </a:prstGeom>
+        </p:spPr>
+        <p:style>
+          <a:lnRef idx="1">
+            <a:schemeClr val="accent1"/>
+          </a:lnRef>
+          <a:fillRef idx="0">
+            <a:schemeClr val="accent1"/>
+          </a:fillRef>
+          <a:effectRef idx="0">
+            <a:schemeClr val="accent1"/>
+          </a:effectRef>
+          <a:fontRef idx="minor">
+            <a:schemeClr val="tx1"/>
+          </a:fontRef>
+        </p:style>
+      </p:cxnSp>
+      <p:cxnSp>
+        <p:nvCxnSpPr>
+          <p:cNvPr id="38" name="直接连接符 37"/>
+          <p:cNvCxnSpPr>
+            <a:stCxn id="45" idx="3"/>
+            <a:endCxn id="22" idx="1"/>
+          </p:cNvCxnSpPr>
+          <p:nvPr/>
+        </p:nvCxnSpPr>
+        <p:spPr>
+          <a:xfrm flipV="1">
+            <a:off x="3959744" y="1581199"/>
+            <a:ext cx="745161" cy="702258"/>
+          </a:xfrm>
+          <a:prstGeom prst="line">
+            <a:avLst/>
+          </a:prstGeom>
+        </p:spPr>
+        <p:style>
+          <a:lnRef idx="1">
+            <a:schemeClr val="accent1"/>
+          </a:lnRef>
+          <a:fillRef idx="0">
+            <a:schemeClr val="accent1"/>
+          </a:fillRef>
+          <a:effectRef idx="0">
+            <a:schemeClr val="accent1"/>
+          </a:effectRef>
+          <a:fontRef idx="minor">
+            <a:schemeClr val="tx1"/>
+          </a:fontRef>
+        </p:style>
+      </p:cxnSp>
+      <p:sp>
+        <p:nvSpPr>
+          <p:cNvPr id="53" name="矩形 52"/>
+          <p:cNvSpPr/>
+          <p:nvPr/>
+        </p:nvSpPr>
+        <p:spPr>
+          <a:xfrm>
+            <a:off x="4049081" y="840671"/>
+            <a:ext cx="300616" cy="369332"/>
+          </a:xfrm>
+          <a:prstGeom prst="rect">
+            <a:avLst/>
+          </a:prstGeom>
+        </p:spPr>
+        <p:txBody>
+          <a:bodyPr wrap="square">
+            <a:spAutoFit/>
+          </a:bodyPr>
+          <a:lstStyle/>
+          <a:p>
+            <a:r>
+              <a:rPr lang="en-US" altLang="zh-CN" dirty="0"/>
+              <a:t>1</a:t>
+            </a:r>
+            <a:endParaRPr lang="zh-CN" altLang="en-US" dirty="0"/>
+          </a:p>
+        </p:txBody>
+      </p:sp>
+      <p:sp>
+        <p:nvSpPr>
+          <p:cNvPr id="54" name="矩形 53"/>
+          <p:cNvSpPr/>
+          <p:nvPr/>
+        </p:nvSpPr>
+        <p:spPr>
+          <a:xfrm>
+            <a:off x="6718288" y="1735662"/>
+            <a:ext cx="300616" cy="369332"/>
+          </a:xfrm>
+          <a:prstGeom prst="rect">
+            <a:avLst/>
+          </a:prstGeom>
+        </p:spPr>
+        <p:txBody>
+          <a:bodyPr wrap="square">
+            <a:spAutoFit/>
+          </a:bodyPr>
+          <a:lstStyle/>
+          <a:p>
+            <a:r>
+              <a:rPr lang="en-US" altLang="zh-CN" dirty="0"/>
+              <a:t>1</a:t>
+            </a:r>
+            <a:endParaRPr lang="zh-CN" altLang="en-US" dirty="0"/>
+          </a:p>
+        </p:txBody>
+      </p:sp>
+      <p:sp>
+        <p:nvSpPr>
+          <p:cNvPr id="55" name="矩形 54"/>
+          <p:cNvSpPr/>
+          <p:nvPr/>
+        </p:nvSpPr>
+        <p:spPr>
+          <a:xfrm>
+            <a:off x="1375794" y="718234"/>
+            <a:ext cx="1120247" cy="525083"/>
+          </a:xfrm>
+          <a:prstGeom prst="rect">
+            <a:avLst/>
+          </a:prstGeom>
+          <a:solidFill>
+            <a:schemeClr val="accent6">
+              <a:lumMod val="20000"/>
+              <a:lumOff val="80000"/>
+            </a:schemeClr>
+          </a:solidFill>
+        </p:spPr>
+        <p:style>
+          <a:lnRef idx="2">
+            <a:schemeClr val="accent1">
+              <a:shade val="50000"/>
+            </a:schemeClr>
+          </a:lnRef>
+          <a:fillRef idx="1">
+            <a:schemeClr val="accent1"/>
+          </a:fillRef>
+          <a:effectRef idx="0">
+            <a:schemeClr val="accent1"/>
+          </a:effectRef>
+          <a:fontRef idx="minor">
+            <a:schemeClr val="lt1"/>
+          </a:fontRef>
+        </p:style>
+        <p:txBody>
+          <a:bodyPr rtlCol="0" anchor="ctr"/>
+          <a:lstStyle/>
+          <a:p>
+            <a:pPr algn="ctr"/>
+            <a:r>
+              <a:rPr lang="zh-CN" altLang="en-US" dirty="0" smtClean="0">
+                <a:solidFill>
+                  <a:schemeClr val="tx1"/>
+                </a:solidFill>
+              </a:rPr>
+              <a:t>单人座位</a:t>
+            </a:r>
+            <a:endParaRPr lang="zh-CN" altLang="en-US" dirty="0">
+              <a:solidFill>
+                <a:schemeClr val="tx1"/>
+              </a:solidFill>
+            </a:endParaRPr>
+          </a:p>
+        </p:txBody>
+      </p:sp>
+      <p:sp>
+        <p:nvSpPr>
+          <p:cNvPr id="56" name="矩形 55"/>
+          <p:cNvSpPr/>
+          <p:nvPr/>
+        </p:nvSpPr>
+        <p:spPr>
+          <a:xfrm>
+            <a:off x="1375794" y="2020915"/>
+            <a:ext cx="1120248" cy="525083"/>
+          </a:xfrm>
+          <a:prstGeom prst="rect">
+            <a:avLst/>
+          </a:prstGeom>
+          <a:solidFill>
+            <a:schemeClr val="accent6">
+              <a:lumMod val="20000"/>
+              <a:lumOff val="80000"/>
+            </a:schemeClr>
+          </a:solidFill>
+        </p:spPr>
+        <p:style>
+          <a:lnRef idx="2">
+            <a:schemeClr val="accent1">
+              <a:shade val="50000"/>
+            </a:schemeClr>
+          </a:lnRef>
+          <a:fillRef idx="1">
+            <a:schemeClr val="accent1"/>
+          </a:fillRef>
+          <a:effectRef idx="0">
+            <a:schemeClr val="accent1"/>
+          </a:effectRef>
+          <a:fontRef idx="minor">
+            <a:schemeClr val="lt1"/>
+          </a:fontRef>
+        </p:style>
+        <p:txBody>
+          <a:bodyPr rtlCol="0" anchor="ctr"/>
+          <a:lstStyle/>
+          <a:p>
+            <a:pPr algn="ctr"/>
+            <a:r>
+              <a:rPr lang="zh-CN" altLang="en-US" dirty="0" smtClean="0">
+                <a:solidFill>
+                  <a:schemeClr val="tx1"/>
+                </a:solidFill>
+              </a:rPr>
+              <a:t>讨论室</a:t>
+            </a:r>
+            <a:endParaRPr lang="zh-CN" altLang="en-US" dirty="0">
+              <a:solidFill>
+                <a:schemeClr val="tx1"/>
+              </a:solidFill>
+            </a:endParaRPr>
+          </a:p>
+        </p:txBody>
+      </p:sp>
+      <p:cxnSp>
+        <p:nvCxnSpPr>
+          <p:cNvPr id="59" name="直接连接符 58"/>
+          <p:cNvCxnSpPr>
+            <a:stCxn id="44" idx="1"/>
+            <a:endCxn id="55" idx="3"/>
+          </p:cNvCxnSpPr>
+          <p:nvPr/>
+        </p:nvCxnSpPr>
+        <p:spPr>
+          <a:xfrm flipH="1" flipV="1">
+            <a:off x="2496041" y="980776"/>
+            <a:ext cx="552547" cy="4702"/>
+          </a:xfrm>
+          <a:prstGeom prst="line">
+            <a:avLst/>
+          </a:prstGeom>
+        </p:spPr>
+        <p:style>
+          <a:lnRef idx="1">
+            <a:schemeClr val="accent1"/>
+          </a:lnRef>
+          <a:fillRef idx="0">
+            <a:schemeClr val="accent1"/>
+          </a:fillRef>
+          <a:effectRef idx="0">
+            <a:schemeClr val="accent1"/>
+          </a:effectRef>
+          <a:fontRef idx="minor">
+            <a:schemeClr val="tx1"/>
+          </a:fontRef>
+        </p:style>
+      </p:cxnSp>
+      <p:cxnSp>
+        <p:nvCxnSpPr>
+          <p:cNvPr id="61" name="直接连接符 60"/>
+          <p:cNvCxnSpPr>
+            <a:stCxn id="45" idx="1"/>
+            <a:endCxn id="56" idx="3"/>
+          </p:cNvCxnSpPr>
+          <p:nvPr/>
+        </p:nvCxnSpPr>
+        <p:spPr>
+          <a:xfrm flipH="1">
+            <a:off x="2496042" y="2283457"/>
+            <a:ext cx="552546" cy="0"/>
+          </a:xfrm>
+          <a:prstGeom prst="line">
+            <a:avLst/>
+          </a:prstGeom>
+        </p:spPr>
+        <p:style>
+          <a:lnRef idx="1">
+            <a:schemeClr val="accent1"/>
+          </a:lnRef>
+          <a:fillRef idx="0">
+            <a:schemeClr val="accent1"/>
+          </a:fillRef>
+          <a:effectRef idx="0">
+            <a:schemeClr val="accent1"/>
+          </a:effectRef>
+          <a:fontRef idx="minor">
+            <a:schemeClr val="tx1"/>
+          </a:fontRef>
+        </p:style>
+      </p:cxnSp>
+      <p:sp>
+        <p:nvSpPr>
+          <p:cNvPr id="63" name="文本框 62"/>
+          <p:cNvSpPr txBox="1"/>
+          <p:nvPr/>
+        </p:nvSpPr>
+        <p:spPr>
+          <a:xfrm>
+            <a:off x="2674654" y="669620"/>
+            <a:ext cx="306494" cy="369332"/>
+          </a:xfrm>
+          <a:prstGeom prst="rect">
+            <a:avLst/>
+          </a:prstGeom>
+          <a:noFill/>
+        </p:spPr>
+        <p:txBody>
+          <a:bodyPr wrap="none" rtlCol="0">
+            <a:spAutoFit/>
+          </a:bodyPr>
+          <a:lstStyle/>
+          <a:p>
+            <a:r>
+              <a:rPr lang="en-US" altLang="zh-CN" dirty="0" smtClean="0"/>
+              <a:t>p</a:t>
+            </a:r>
+            <a:endParaRPr lang="zh-CN" altLang="en-US" dirty="0"/>
+          </a:p>
+        </p:txBody>
+      </p:sp>
+      <p:sp>
+        <p:nvSpPr>
+          <p:cNvPr id="65" name="文本框 64"/>
+          <p:cNvSpPr txBox="1"/>
+          <p:nvPr/>
+        </p:nvSpPr>
+        <p:spPr>
+          <a:xfrm>
+            <a:off x="2668573" y="1932098"/>
+            <a:ext cx="306494" cy="369332"/>
+          </a:xfrm>
+          <a:prstGeom prst="rect">
+            <a:avLst/>
+          </a:prstGeom>
+          <a:noFill/>
+        </p:spPr>
+        <p:txBody>
+          <a:bodyPr wrap="none" rtlCol="0">
+            <a:spAutoFit/>
+          </a:bodyPr>
+          <a:lstStyle/>
+          <a:p>
+            <a:r>
+              <a:rPr lang="en-US" altLang="zh-CN" dirty="0"/>
+              <a:t>q</a:t>
+            </a:r>
+            <a:endParaRPr lang="zh-CN" altLang="en-US" dirty="0"/>
           </a:p>
         </p:txBody>
       </p:sp>
@@ -5807,7 +6406,7 @@
         </p:nvSpPr>
         <p:spPr>
           <a:xfrm>
-            <a:off x="2362320" y="1923501"/>
+            <a:off x="1802293" y="1915515"/>
             <a:ext cx="1101797" cy="469785"/>
           </a:xfrm>
           <a:prstGeom prst="rect">
@@ -5923,7 +6522,7 @@
         </p:nvSpPr>
         <p:spPr>
           <a:xfrm>
-            <a:off x="5958877" y="4331494"/>
+            <a:off x="5958876" y="6227396"/>
             <a:ext cx="1107308" cy="474925"/>
           </a:xfrm>
           <a:prstGeom prst="rect">
@@ -5981,7 +6580,7 @@
         </p:nvSpPr>
         <p:spPr>
           <a:xfrm>
-            <a:off x="2359608" y="5751491"/>
+            <a:off x="1779662" y="5293745"/>
             <a:ext cx="1103952" cy="417533"/>
           </a:xfrm>
           <a:prstGeom prst="rect">
@@ -6035,15 +6634,15 @@
         <p:nvCxnSpPr>
           <p:cNvPr id="13" name="直接连接符 12"/>
           <p:cNvCxnSpPr>
-            <a:stCxn id="5" idx="2"/>
-            <a:endCxn id="14" idx="0"/>
+            <a:stCxn id="5" idx="0"/>
+            <a:endCxn id="14" idx="2"/>
           </p:cNvCxnSpPr>
           <p:nvPr/>
         </p:nvCxnSpPr>
         <p:spPr>
-          <a:xfrm>
-            <a:off x="6512531" y="4806419"/>
-            <a:ext cx="0" cy="840209"/>
+          <a:xfrm flipH="1" flipV="1">
+            <a:off x="6506554" y="5659276"/>
+            <a:ext cx="5976" cy="568120"/>
           </a:xfrm>
           <a:prstGeom prst="line">
             <a:avLst/>
@@ -6072,7 +6671,7 @@
         </p:nvSpPr>
         <p:spPr>
           <a:xfrm>
-            <a:off x="6037455" y="5646628"/>
+            <a:off x="6031478" y="5032018"/>
             <a:ext cx="950151" cy="627258"/>
           </a:xfrm>
           <a:prstGeom prst="diamond">
@@ -6125,15 +6724,15 @@
         <p:nvCxnSpPr>
           <p:cNvPr id="15" name="直接连接符 14"/>
           <p:cNvCxnSpPr>
-            <a:stCxn id="14" idx="1"/>
+            <a:stCxn id="66" idx="1"/>
             <a:endCxn id="9" idx="3"/>
           </p:cNvCxnSpPr>
           <p:nvPr/>
         </p:nvCxnSpPr>
         <p:spPr>
-          <a:xfrm flipH="1">
-            <a:off x="3463560" y="5960257"/>
-            <a:ext cx="2573895" cy="1"/>
+          <a:xfrm flipH="1" flipV="1">
+            <a:off x="2883614" y="5502512"/>
+            <a:ext cx="1291760" cy="313627"/>
           </a:xfrm>
           <a:prstGeom prst="line">
             <a:avLst/>
@@ -6578,7 +7177,7 @@
         </p:nvSpPr>
         <p:spPr>
           <a:xfrm>
-            <a:off x="2509229" y="832381"/>
+            <a:off x="1949202" y="824395"/>
             <a:ext cx="805824" cy="686412"/>
           </a:xfrm>
           <a:prstGeom prst="diamond">
@@ -6632,9 +7231,9 @@
           <p:nvPr/>
         </p:nvCxnSpPr>
         <p:spPr>
-          <a:xfrm flipV="1">
-            <a:off x="3315053" y="1174304"/>
-            <a:ext cx="989981" cy="1283"/>
+          <a:xfrm>
+            <a:off x="2755026" y="1167601"/>
+            <a:ext cx="1550008" cy="6703"/>
           </a:xfrm>
           <a:prstGeom prst="line">
             <a:avLst/>
@@ -6666,7 +7265,7 @@
         </p:nvCxnSpPr>
         <p:spPr>
           <a:xfrm>
-            <a:off x="2912141" y="1518793"/>
+            <a:off x="2352114" y="1510807"/>
             <a:ext cx="1078" cy="404708"/>
           </a:xfrm>
           <a:prstGeom prst="line">
@@ -6814,7 +7413,7 @@
         </p:nvSpPr>
         <p:spPr>
           <a:xfrm>
-            <a:off x="2262615" y="3538493"/>
+            <a:off x="1702588" y="3530507"/>
             <a:ext cx="1297937" cy="672056"/>
           </a:xfrm>
           <a:prstGeom prst="diamond">
@@ -6874,7 +7473,7 @@
         </p:nvCxnSpPr>
         <p:spPr>
           <a:xfrm flipH="1">
-            <a:off x="2911584" y="2393286"/>
+            <a:off x="2351557" y="2385300"/>
             <a:ext cx="1635" cy="1145207"/>
           </a:xfrm>
           <a:prstGeom prst="line">
@@ -6906,9 +7505,9 @@
           <p:nvPr/>
         </p:nvCxnSpPr>
         <p:spPr>
-          <a:xfrm>
-            <a:off x="2911584" y="4210549"/>
-            <a:ext cx="0" cy="1540942"/>
+          <a:xfrm flipH="1">
+            <a:off x="2331638" y="4202563"/>
+            <a:ext cx="19919" cy="1091182"/>
           </a:xfrm>
           <a:prstGeom prst="line">
             <a:avLst/>
@@ -6937,7 +7536,7 @@
         </p:nvSpPr>
         <p:spPr>
           <a:xfrm>
-            <a:off x="10045588" y="5751491"/>
+            <a:off x="10045588" y="5293744"/>
             <a:ext cx="896256" cy="417533"/>
           </a:xfrm>
           <a:prstGeom prst="rect">
@@ -7097,7 +7696,7 @@
         <p:spPr>
           <a:xfrm>
             <a:off x="10493716" y="4322483"/>
-            <a:ext cx="0" cy="1429008"/>
+            <a:ext cx="0" cy="971261"/>
           </a:xfrm>
           <a:prstGeom prst="line">
             <a:avLst/>
@@ -7122,15 +7721,15 @@
         <p:nvCxnSpPr>
           <p:cNvPr id="212" name="直接连接符 211"/>
           <p:cNvCxnSpPr>
-            <a:stCxn id="14" idx="3"/>
+            <a:stCxn id="67" idx="3"/>
             <a:endCxn id="194" idx="1"/>
           </p:cNvCxnSpPr>
           <p:nvPr/>
         </p:nvCxnSpPr>
         <p:spPr>
-          <a:xfrm>
-            <a:off x="6987606" y="5960257"/>
-            <a:ext cx="3057982" cy="1"/>
+          <a:xfrm flipV="1">
+            <a:off x="8830241" y="5502511"/>
+            <a:ext cx="1215347" cy="313628"/>
           </a:xfrm>
           <a:prstGeom prst="line">
             <a:avLst/>
@@ -7159,7 +7758,7 @@
         </p:nvSpPr>
         <p:spPr>
           <a:xfrm>
-            <a:off x="7825415" y="3686881"/>
+            <a:off x="5958876" y="3711924"/>
             <a:ext cx="1111542" cy="503640"/>
           </a:xfrm>
           <a:prstGeom prst="rect">
@@ -7225,7 +7824,7 @@
         </p:nvSpPr>
         <p:spPr>
           <a:xfrm>
-            <a:off x="7703562" y="2300142"/>
+            <a:off x="7543048" y="2246920"/>
             <a:ext cx="768659" cy="685807"/>
           </a:xfrm>
           <a:prstGeom prst="diamond">
@@ -7286,7 +7885,7 @@
         <p:spPr>
           <a:xfrm>
             <a:off x="7923112" y="1423227"/>
-            <a:ext cx="164780" cy="876915"/>
+            <a:ext cx="4266" cy="823693"/>
           </a:xfrm>
           <a:prstGeom prst="line">
             <a:avLst/>
@@ -7317,9 +7916,9 @@
           <p:nvPr/>
         </p:nvCxnSpPr>
         <p:spPr>
-          <a:xfrm flipH="1" flipV="1">
-            <a:off x="8087892" y="2985949"/>
-            <a:ext cx="293294" cy="700932"/>
+          <a:xfrm flipV="1">
+            <a:off x="6514647" y="2932727"/>
+            <a:ext cx="1412731" cy="779197"/>
           </a:xfrm>
           <a:prstGeom prst="line">
             <a:avLst/>
@@ -7348,7 +7947,7 @@
         </p:nvSpPr>
         <p:spPr>
           <a:xfrm>
-            <a:off x="9416227" y="2830723"/>
+            <a:off x="8238243" y="3638757"/>
             <a:ext cx="794653" cy="649974"/>
           </a:xfrm>
           <a:prstGeom prst="diamond">
@@ -7408,8 +8007,8 @@
         </p:nvCxnSpPr>
         <p:spPr>
           <a:xfrm flipH="1">
-            <a:off x="8936957" y="3155710"/>
-            <a:ext cx="479270" cy="782991"/>
+            <a:off x="7070418" y="3963744"/>
+            <a:ext cx="1167825" cy="0"/>
           </a:xfrm>
           <a:prstGeom prst="line">
             <a:avLst/>
@@ -7435,14 +8034,14 @@
           <p:cNvPr id="245" name="直接连接符 244"/>
           <p:cNvCxnSpPr>
             <a:stCxn id="237" idx="3"/>
-            <a:endCxn id="3" idx="2"/>
+            <a:endCxn id="3" idx="1"/>
           </p:cNvCxnSpPr>
           <p:nvPr/>
         </p:nvCxnSpPr>
         <p:spPr>
           <a:xfrm flipV="1">
-            <a:off x="10210880" y="2393286"/>
-            <a:ext cx="282836" cy="762424"/>
+            <a:off x="9032896" y="2158394"/>
+            <a:ext cx="891457" cy="1805350"/>
           </a:xfrm>
           <a:prstGeom prst="line">
             <a:avLst/>
@@ -7471,7 +8070,7 @@
         </p:nvSpPr>
         <p:spPr>
           <a:xfrm>
-            <a:off x="5113113" y="2578883"/>
+            <a:off x="4473193" y="2218314"/>
             <a:ext cx="768659" cy="685807"/>
           </a:xfrm>
           <a:prstGeom prst="diamond">
@@ -7524,15 +8123,15 @@
         <p:nvCxnSpPr>
           <p:cNvPr id="248" name="直接连接符 247"/>
           <p:cNvCxnSpPr>
-            <a:stCxn id="219" idx="1"/>
+            <a:stCxn id="219" idx="0"/>
             <a:endCxn id="247" idx="2"/>
           </p:cNvCxnSpPr>
           <p:nvPr/>
         </p:nvCxnSpPr>
         <p:spPr>
           <a:xfrm flipH="1" flipV="1">
-            <a:off x="5497443" y="3264690"/>
-            <a:ext cx="2327972" cy="674011"/>
+            <a:off x="4857523" y="2904121"/>
+            <a:ext cx="1657124" cy="807803"/>
           </a:xfrm>
           <a:prstGeom prst="line">
             <a:avLst/>
@@ -7563,9 +8162,9 @@
           <p:nvPr/>
         </p:nvCxnSpPr>
         <p:spPr>
-          <a:xfrm>
-            <a:off x="4857524" y="1452589"/>
-            <a:ext cx="639919" cy="1126294"/>
+          <a:xfrm flipH="1">
+            <a:off x="4857523" y="1452589"/>
+            <a:ext cx="1" cy="765725"/>
           </a:xfrm>
           <a:prstGeom prst="line">
             <a:avLst/>
@@ -7594,7 +8193,7 @@
         </p:nvSpPr>
         <p:spPr>
           <a:xfrm>
-            <a:off x="4281651" y="3264690"/>
+            <a:off x="3944782" y="3639183"/>
             <a:ext cx="794653" cy="649974"/>
           </a:xfrm>
           <a:prstGeom prst="diamond">
@@ -7647,15 +8246,15 @@
         <p:nvCxnSpPr>
           <p:cNvPr id="263" name="直接连接符 262"/>
           <p:cNvCxnSpPr>
-            <a:stCxn id="261" idx="2"/>
+            <a:stCxn id="261" idx="3"/>
             <a:endCxn id="219" idx="1"/>
           </p:cNvCxnSpPr>
           <p:nvPr/>
         </p:nvCxnSpPr>
         <p:spPr>
-          <a:xfrm>
-            <a:off x="4678978" y="3914664"/>
-            <a:ext cx="3146437" cy="24037"/>
+          <a:xfrm flipV="1">
+            <a:off x="4739435" y="3963744"/>
+            <a:ext cx="1219441" cy="426"/>
           </a:xfrm>
           <a:prstGeom prst="line">
             <a:avLst/>
@@ -7681,14 +8280,14 @@
           <p:cNvPr id="265" name="直接连接符 264"/>
           <p:cNvCxnSpPr>
             <a:stCxn id="261" idx="0"/>
-            <a:endCxn id="2" idx="2"/>
+            <a:endCxn id="2" idx="3"/>
           </p:cNvCxnSpPr>
           <p:nvPr/>
         </p:nvCxnSpPr>
         <p:spPr>
           <a:xfrm flipH="1" flipV="1">
-            <a:off x="2913219" y="2393286"/>
-            <a:ext cx="1765759" cy="871404"/>
+            <a:off x="2904090" y="2150408"/>
+            <a:ext cx="1438019" cy="1488775"/>
           </a:xfrm>
           <a:prstGeom prst="line">
             <a:avLst/>
@@ -7714,14 +8313,14 @@
           <p:cNvPr id="283" name="直接连接符 282"/>
           <p:cNvCxnSpPr>
             <a:stCxn id="219" idx="2"/>
-            <a:endCxn id="14" idx="3"/>
+            <a:endCxn id="14" idx="0"/>
           </p:cNvCxnSpPr>
           <p:nvPr/>
         </p:nvCxnSpPr>
         <p:spPr>
           <a:xfrm flipH="1">
-            <a:off x="6987606" y="4190521"/>
-            <a:ext cx="1393580" cy="1769736"/>
+            <a:off x="6506554" y="4215564"/>
+            <a:ext cx="8093" cy="816454"/>
           </a:xfrm>
           <a:prstGeom prst="line">
             <a:avLst/>
@@ -7750,7 +8349,7 @@
         </p:nvSpPr>
         <p:spPr>
           <a:xfrm>
-            <a:off x="2645602" y="5023750"/>
+            <a:off x="2029952" y="4622293"/>
             <a:ext cx="301686" cy="369332"/>
           </a:xfrm>
           <a:prstGeom prst="rect">
@@ -7780,7 +8379,7 @@
         </p:nvSpPr>
         <p:spPr>
           <a:xfrm>
-            <a:off x="4290766" y="5648261"/>
+            <a:off x="3431292" y="5317844"/>
             <a:ext cx="306494" cy="369332"/>
           </a:xfrm>
           <a:prstGeom prst="rect">
@@ -7810,7 +8409,7 @@
         </p:nvSpPr>
         <p:spPr>
           <a:xfrm>
-            <a:off x="6203418" y="4995995"/>
+            <a:off x="5319273" y="6124227"/>
             <a:ext cx="369012" cy="369332"/>
           </a:xfrm>
           <a:prstGeom prst="rect">
@@ -7840,7 +8439,7 @@
         </p:nvSpPr>
         <p:spPr>
           <a:xfrm>
-            <a:off x="7416177" y="4924413"/>
+            <a:off x="6491433" y="4491121"/>
             <a:ext cx="306494" cy="369332"/>
           </a:xfrm>
           <a:prstGeom prst="rect">
@@ -7870,7 +8469,7 @@
         </p:nvSpPr>
         <p:spPr>
           <a:xfrm>
-            <a:off x="8381186" y="5646628"/>
+            <a:off x="9393815" y="5303630"/>
             <a:ext cx="306494" cy="369332"/>
           </a:xfrm>
           <a:prstGeom prst="rect">
@@ -7900,7 +8499,7 @@
         </p:nvSpPr>
         <p:spPr>
           <a:xfrm>
-            <a:off x="5110822" y="2236634"/>
+            <a:off x="4817207" y="1712850"/>
             <a:ext cx="306494" cy="369332"/>
           </a:xfrm>
           <a:prstGeom prst="rect">
@@ -7960,7 +8559,7 @@
         </p:nvSpPr>
         <p:spPr>
           <a:xfrm>
-            <a:off x="2598779" y="1501374"/>
+            <a:off x="2038752" y="1493388"/>
             <a:ext cx="306494" cy="369332"/>
           </a:xfrm>
           <a:prstGeom prst="rect">
@@ -7990,7 +8589,7 @@
         </p:nvSpPr>
         <p:spPr>
           <a:xfrm>
-            <a:off x="10026954" y="2611872"/>
+            <a:off x="9110731" y="2843211"/>
             <a:ext cx="306494" cy="369332"/>
           </a:xfrm>
           <a:prstGeom prst="rect">
@@ -8020,7 +8619,7 @@
         </p:nvSpPr>
         <p:spPr>
           <a:xfrm>
-            <a:off x="7903267" y="1538557"/>
+            <a:off x="7923111" y="1697121"/>
             <a:ext cx="306494" cy="369332"/>
           </a:xfrm>
           <a:prstGeom prst="rect">
@@ -8080,7 +8679,7 @@
         </p:nvSpPr>
         <p:spPr>
           <a:xfrm>
-            <a:off x="5835695" y="3077437"/>
+            <a:off x="5470262" y="2981204"/>
             <a:ext cx="306494" cy="369332"/>
           </a:xfrm>
           <a:prstGeom prst="rect">
@@ -8110,7 +8709,7 @@
         </p:nvSpPr>
         <p:spPr>
           <a:xfrm>
-            <a:off x="2648342" y="2974570"/>
+            <a:off x="2088315" y="2966584"/>
             <a:ext cx="301686" cy="369332"/>
           </a:xfrm>
           <a:prstGeom prst="rect">
@@ -8170,7 +8769,7 @@
         </p:nvSpPr>
         <p:spPr>
           <a:xfrm>
-            <a:off x="10476711" y="4991625"/>
+            <a:off x="10594942" y="4652216"/>
             <a:ext cx="301686" cy="369332"/>
           </a:xfrm>
           <a:prstGeom prst="rect">
@@ -8200,7 +8799,7 @@
         </p:nvSpPr>
         <p:spPr>
           <a:xfrm>
-            <a:off x="9260080" y="3243766"/>
+            <a:off x="7615344" y="3650692"/>
             <a:ext cx="306494" cy="369332"/>
           </a:xfrm>
           <a:prstGeom prst="rect">
@@ -8230,8 +8829,8 @@
         </p:nvSpPr>
         <p:spPr>
           <a:xfrm>
-            <a:off x="4152019" y="3063560"/>
-            <a:ext cx="306494" cy="369332"/>
+            <a:off x="3722468" y="2842809"/>
+            <a:ext cx="369012" cy="369332"/>
           </a:xfrm>
           <a:prstGeom prst="rect">
             <a:avLst/>
@@ -8246,7 +8845,7 @@
           <a:p>
             <a:r>
               <a:rPr lang="en-US" altLang="zh-CN" dirty="0" smtClean="0"/>
-              <a:t>n</a:t>
+              <a:t>m</a:t>
             </a:r>
             <a:endParaRPr lang="zh-CN" altLang="en-US" dirty="0"/>
           </a:p>
@@ -8290,7 +8889,7 @@
         </p:nvSpPr>
         <p:spPr>
           <a:xfrm>
-            <a:off x="8158460" y="3061001"/>
+            <a:off x="7127386" y="2981204"/>
             <a:ext cx="306494" cy="369332"/>
           </a:xfrm>
           <a:prstGeom prst="rect">
@@ -8337,6 +8936,610 @@
             <a:r>
               <a:rPr lang="en-US" altLang="zh-CN" dirty="0" smtClean="0"/>
               <a:t>n</a:t>
+            </a:r>
+            <a:endParaRPr lang="zh-CN" altLang="en-US" dirty="0"/>
+          </a:p>
+        </p:txBody>
+      </p:sp>
+      <p:sp>
+        <p:nvSpPr>
+          <p:cNvPr id="66" name="菱形 65"/>
+          <p:cNvSpPr/>
+          <p:nvPr/>
+        </p:nvSpPr>
+        <p:spPr>
+          <a:xfrm>
+            <a:off x="4175374" y="5502510"/>
+            <a:ext cx="950151" cy="627258"/>
+          </a:xfrm>
+          <a:prstGeom prst="diamond">
+            <a:avLst/>
+          </a:prstGeom>
+          <a:solidFill>
+            <a:schemeClr val="bg1">
+              <a:lumMod val="95000"/>
+            </a:schemeClr>
+          </a:solidFill>
+        </p:spPr>
+        <p:style>
+          <a:lnRef idx="2">
+            <a:schemeClr val="accent1">
+              <a:shade val="50000"/>
+            </a:schemeClr>
+          </a:lnRef>
+          <a:fillRef idx="1">
+            <a:schemeClr val="accent1"/>
+          </a:fillRef>
+          <a:effectRef idx="0">
+            <a:schemeClr val="accent1"/>
+          </a:effectRef>
+          <a:fontRef idx="minor">
+            <a:schemeClr val="lt1"/>
+          </a:fontRef>
+        </p:style>
+        <p:txBody>
+          <a:bodyPr rtlCol="0" anchor="ctr"/>
+          <a:lstStyle/>
+          <a:p>
+            <a:pPr algn="ctr"/>
+            <a:r>
+              <a:rPr lang="zh-CN" altLang="en-US" dirty="0" smtClean="0">
+                <a:solidFill>
+                  <a:schemeClr val="tx1"/>
+                </a:solidFill>
+              </a:rPr>
+              <a:t>管理</a:t>
+            </a:r>
+            <a:endParaRPr lang="zh-CN" altLang="en-US" dirty="0">
+              <a:solidFill>
+                <a:schemeClr val="tx1"/>
+              </a:solidFill>
+            </a:endParaRPr>
+          </a:p>
+        </p:txBody>
+      </p:sp>
+      <p:sp>
+        <p:nvSpPr>
+          <p:cNvPr id="67" name="菱形 66"/>
+          <p:cNvSpPr/>
+          <p:nvPr/>
+        </p:nvSpPr>
+        <p:spPr>
+          <a:xfrm>
+            <a:off x="7880090" y="5502510"/>
+            <a:ext cx="950151" cy="627258"/>
+          </a:xfrm>
+          <a:prstGeom prst="diamond">
+            <a:avLst/>
+          </a:prstGeom>
+          <a:solidFill>
+            <a:schemeClr val="bg1">
+              <a:lumMod val="95000"/>
+            </a:schemeClr>
+          </a:solidFill>
+        </p:spPr>
+        <p:style>
+          <a:lnRef idx="2">
+            <a:schemeClr val="accent1">
+              <a:shade val="50000"/>
+            </a:schemeClr>
+          </a:lnRef>
+          <a:fillRef idx="1">
+            <a:schemeClr val="accent1"/>
+          </a:fillRef>
+          <a:effectRef idx="0">
+            <a:schemeClr val="accent1"/>
+          </a:effectRef>
+          <a:fontRef idx="minor">
+            <a:schemeClr val="lt1"/>
+          </a:fontRef>
+        </p:style>
+        <p:txBody>
+          <a:bodyPr rtlCol="0" anchor="ctr"/>
+          <a:lstStyle/>
+          <a:p>
+            <a:pPr algn="ctr"/>
+            <a:r>
+              <a:rPr lang="zh-CN" altLang="en-US" dirty="0" smtClean="0">
+                <a:solidFill>
+                  <a:schemeClr val="tx1"/>
+                </a:solidFill>
+              </a:rPr>
+              <a:t>管理</a:t>
+            </a:r>
+            <a:endParaRPr lang="zh-CN" altLang="en-US" dirty="0">
+              <a:solidFill>
+                <a:schemeClr val="tx1"/>
+              </a:solidFill>
+            </a:endParaRPr>
+          </a:p>
+        </p:txBody>
+      </p:sp>
+      <p:cxnSp>
+        <p:nvCxnSpPr>
+          <p:cNvPr id="277" name="直接连接符 276"/>
+          <p:cNvCxnSpPr>
+            <a:stCxn id="5" idx="1"/>
+            <a:endCxn id="66" idx="3"/>
+          </p:cNvCxnSpPr>
+          <p:nvPr/>
+        </p:nvCxnSpPr>
+        <p:spPr>
+          <a:xfrm flipH="1" flipV="1">
+            <a:off x="5125525" y="5816139"/>
+            <a:ext cx="833351" cy="648720"/>
+          </a:xfrm>
+          <a:prstGeom prst="line">
+            <a:avLst/>
+          </a:prstGeom>
+        </p:spPr>
+        <p:style>
+          <a:lnRef idx="1">
+            <a:schemeClr val="accent1"/>
+          </a:lnRef>
+          <a:fillRef idx="0">
+            <a:schemeClr val="accent1"/>
+          </a:fillRef>
+          <a:effectRef idx="0">
+            <a:schemeClr val="accent1"/>
+          </a:effectRef>
+          <a:fontRef idx="minor">
+            <a:schemeClr val="tx1"/>
+          </a:fontRef>
+        </p:style>
+      </p:cxnSp>
+      <p:cxnSp>
+        <p:nvCxnSpPr>
+          <p:cNvPr id="280" name="直接连接符 279"/>
+          <p:cNvCxnSpPr>
+            <a:stCxn id="5" idx="3"/>
+            <a:endCxn id="67" idx="1"/>
+          </p:cNvCxnSpPr>
+          <p:nvPr/>
+        </p:nvCxnSpPr>
+        <p:spPr>
+          <a:xfrm flipV="1">
+            <a:off x="7066184" y="5816139"/>
+            <a:ext cx="813906" cy="648720"/>
+          </a:xfrm>
+          <a:prstGeom prst="line">
+            <a:avLst/>
+          </a:prstGeom>
+        </p:spPr>
+        <p:style>
+          <a:lnRef idx="1">
+            <a:schemeClr val="accent1"/>
+          </a:lnRef>
+          <a:fillRef idx="0">
+            <a:schemeClr val="accent1"/>
+          </a:fillRef>
+          <a:effectRef idx="0">
+            <a:schemeClr val="accent1"/>
+          </a:effectRef>
+          <a:fontRef idx="minor">
+            <a:schemeClr val="tx1"/>
+          </a:fontRef>
+        </p:style>
+      </p:cxnSp>
+      <p:sp>
+        <p:nvSpPr>
+          <p:cNvPr id="136" name="文本框 135"/>
+          <p:cNvSpPr txBox="1"/>
+          <p:nvPr/>
+        </p:nvSpPr>
+        <p:spPr>
+          <a:xfrm>
+            <a:off x="6426581" y="5771167"/>
+            <a:ext cx="369012" cy="369332"/>
+          </a:xfrm>
+          <a:prstGeom prst="rect">
+            <a:avLst/>
+          </a:prstGeom>
+          <a:noFill/>
+        </p:spPr>
+        <p:txBody>
+          <a:bodyPr wrap="none" rtlCol="0">
+            <a:spAutoFit/>
+          </a:bodyPr>
+          <a:lstStyle/>
+          <a:p>
+            <a:r>
+              <a:rPr lang="en-US" altLang="zh-CN" dirty="0" smtClean="0"/>
+              <a:t>m</a:t>
+            </a:r>
+            <a:endParaRPr lang="zh-CN" altLang="en-US" dirty="0"/>
+          </a:p>
+        </p:txBody>
+      </p:sp>
+      <p:sp>
+        <p:nvSpPr>
+          <p:cNvPr id="137" name="文本框 136"/>
+          <p:cNvSpPr txBox="1"/>
+          <p:nvPr/>
+        </p:nvSpPr>
+        <p:spPr>
+          <a:xfrm>
+            <a:off x="7430194" y="6009609"/>
+            <a:ext cx="369012" cy="369332"/>
+          </a:xfrm>
+          <a:prstGeom prst="rect">
+            <a:avLst/>
+          </a:prstGeom>
+          <a:noFill/>
+        </p:spPr>
+        <p:txBody>
+          <a:bodyPr wrap="none" rtlCol="0">
+            <a:spAutoFit/>
+          </a:bodyPr>
+          <a:lstStyle/>
+          <a:p>
+            <a:r>
+              <a:rPr lang="en-US" altLang="zh-CN" dirty="0" smtClean="0"/>
+              <a:t>m</a:t>
+            </a:r>
+            <a:endParaRPr lang="zh-CN" altLang="en-US" dirty="0"/>
+          </a:p>
+        </p:txBody>
+      </p:sp>
+      <p:sp>
+        <p:nvSpPr>
+          <p:cNvPr id="138" name="矩形 137"/>
+          <p:cNvSpPr/>
+          <p:nvPr/>
+        </p:nvSpPr>
+        <p:spPr>
+          <a:xfrm>
+            <a:off x="5056156" y="4266126"/>
+            <a:ext cx="263172" cy="369332"/>
+          </a:xfrm>
+          <a:prstGeom prst="rect">
+            <a:avLst/>
+          </a:prstGeom>
+        </p:spPr>
+        <p:txBody>
+          <a:bodyPr wrap="square">
+            <a:spAutoFit/>
+          </a:bodyPr>
+          <a:lstStyle/>
+          <a:p>
+            <a:r>
+              <a:rPr lang="en-US" altLang="zh-CN" dirty="0"/>
+              <a:t>1</a:t>
+            </a:r>
+            <a:endParaRPr lang="zh-CN" altLang="en-US" dirty="0"/>
+          </a:p>
+        </p:txBody>
+      </p:sp>
+      <p:sp>
+        <p:nvSpPr>
+          <p:cNvPr id="139" name="菱形 138"/>
+          <p:cNvSpPr/>
+          <p:nvPr/>
+        </p:nvSpPr>
+        <p:spPr>
+          <a:xfrm>
+            <a:off x="4250930" y="4479763"/>
+            <a:ext cx="797666" cy="676446"/>
+          </a:xfrm>
+          <a:prstGeom prst="diamond">
+            <a:avLst/>
+          </a:prstGeom>
+          <a:solidFill>
+            <a:schemeClr val="bg1">
+              <a:lumMod val="95000"/>
+            </a:schemeClr>
+          </a:solidFill>
+        </p:spPr>
+        <p:style>
+          <a:lnRef idx="2">
+            <a:schemeClr val="accent1">
+              <a:shade val="50000"/>
+            </a:schemeClr>
+          </a:lnRef>
+          <a:fillRef idx="1">
+            <a:schemeClr val="accent1"/>
+          </a:fillRef>
+          <a:effectRef idx="0">
+            <a:schemeClr val="accent1"/>
+          </a:effectRef>
+          <a:fontRef idx="minor">
+            <a:schemeClr val="lt1"/>
+          </a:fontRef>
+        </p:style>
+        <p:txBody>
+          <a:bodyPr rtlCol="0" anchor="ctr"/>
+          <a:lstStyle/>
+          <a:p>
+            <a:pPr algn="ctr"/>
+            <a:r>
+              <a:rPr lang="zh-CN" altLang="en-US" dirty="0" smtClean="0">
+                <a:solidFill>
+                  <a:schemeClr val="tx1"/>
+                </a:solidFill>
+              </a:rPr>
+              <a:t>置闲</a:t>
+            </a:r>
+            <a:endParaRPr lang="en-US" altLang="zh-CN" dirty="0" smtClean="0">
+              <a:solidFill>
+                <a:schemeClr val="tx1"/>
+              </a:solidFill>
+            </a:endParaRPr>
+          </a:p>
+        </p:txBody>
+      </p:sp>
+      <p:cxnSp>
+        <p:nvCxnSpPr>
+          <p:cNvPr id="140" name="直接连接符 139"/>
+          <p:cNvCxnSpPr>
+            <a:stCxn id="139" idx="3"/>
+            <a:endCxn id="219" idx="1"/>
+          </p:cNvCxnSpPr>
+          <p:nvPr/>
+        </p:nvCxnSpPr>
+        <p:spPr>
+          <a:xfrm flipV="1">
+            <a:off x="5048596" y="3963744"/>
+            <a:ext cx="910280" cy="854242"/>
+          </a:xfrm>
+          <a:prstGeom prst="line">
+            <a:avLst/>
+          </a:prstGeom>
+        </p:spPr>
+        <p:style>
+          <a:lnRef idx="1">
+            <a:schemeClr val="accent1"/>
+          </a:lnRef>
+          <a:fillRef idx="0">
+            <a:schemeClr val="accent1"/>
+          </a:fillRef>
+          <a:effectRef idx="0">
+            <a:schemeClr val="accent1"/>
+          </a:effectRef>
+          <a:fontRef idx="minor">
+            <a:schemeClr val="tx1"/>
+          </a:fontRef>
+        </p:style>
+      </p:cxnSp>
+      <p:cxnSp>
+        <p:nvCxnSpPr>
+          <p:cNvPr id="141" name="直接连接符 140"/>
+          <p:cNvCxnSpPr>
+            <a:stCxn id="139" idx="1"/>
+            <a:endCxn id="9" idx="3"/>
+          </p:cNvCxnSpPr>
+          <p:nvPr/>
+        </p:nvCxnSpPr>
+        <p:spPr>
+          <a:xfrm flipH="1">
+            <a:off x="2883614" y="4817986"/>
+            <a:ext cx="1367316" cy="684526"/>
+          </a:xfrm>
+          <a:prstGeom prst="line">
+            <a:avLst/>
+          </a:prstGeom>
+        </p:spPr>
+        <p:style>
+          <a:lnRef idx="1">
+            <a:schemeClr val="accent1"/>
+          </a:lnRef>
+          <a:fillRef idx="0">
+            <a:schemeClr val="accent1"/>
+          </a:fillRef>
+          <a:effectRef idx="0">
+            <a:schemeClr val="accent1"/>
+          </a:effectRef>
+          <a:fontRef idx="minor">
+            <a:schemeClr val="tx1"/>
+          </a:fontRef>
+        </p:style>
+      </p:cxnSp>
+      <p:sp>
+        <p:nvSpPr>
+          <p:cNvPr id="142" name="文本框 141"/>
+          <p:cNvSpPr txBox="1"/>
+          <p:nvPr/>
+        </p:nvSpPr>
+        <p:spPr>
+          <a:xfrm>
+            <a:off x="3679842" y="4451282"/>
+            <a:ext cx="268318" cy="369332"/>
+          </a:xfrm>
+          <a:prstGeom prst="rect">
+            <a:avLst/>
+          </a:prstGeom>
+          <a:noFill/>
+        </p:spPr>
+        <p:txBody>
+          <a:bodyPr wrap="square" rtlCol="0">
+            <a:spAutoFit/>
+          </a:bodyPr>
+          <a:lstStyle/>
+          <a:p>
+            <a:r>
+              <a:rPr lang="en-US" altLang="zh-CN" dirty="0"/>
+              <a:t>q</a:t>
+            </a:r>
+            <a:endParaRPr lang="zh-CN" altLang="en-US" dirty="0"/>
+          </a:p>
+        </p:txBody>
+      </p:sp>
+      <p:sp>
+        <p:nvSpPr>
+          <p:cNvPr id="147" name="矩形 146"/>
+          <p:cNvSpPr/>
+          <p:nvPr/>
+        </p:nvSpPr>
+        <p:spPr>
+          <a:xfrm>
+            <a:off x="7533419" y="4265386"/>
+            <a:ext cx="300616" cy="369332"/>
+          </a:xfrm>
+          <a:prstGeom prst="rect">
+            <a:avLst/>
+          </a:prstGeom>
+        </p:spPr>
+        <p:txBody>
+          <a:bodyPr wrap="square">
+            <a:spAutoFit/>
+          </a:bodyPr>
+          <a:lstStyle/>
+          <a:p>
+            <a:r>
+              <a:rPr lang="en-US" altLang="zh-CN" dirty="0"/>
+              <a:t>1</a:t>
+            </a:r>
+            <a:endParaRPr lang="zh-CN" altLang="en-US" dirty="0"/>
+          </a:p>
+        </p:txBody>
+      </p:sp>
+      <p:sp>
+        <p:nvSpPr>
+          <p:cNvPr id="148" name="菱形 147"/>
+          <p:cNvSpPr/>
+          <p:nvPr/>
+        </p:nvSpPr>
+        <p:spPr>
+          <a:xfrm>
+            <a:off x="7894111" y="4504348"/>
+            <a:ext cx="778018" cy="643909"/>
+          </a:xfrm>
+          <a:prstGeom prst="diamond">
+            <a:avLst/>
+          </a:prstGeom>
+          <a:solidFill>
+            <a:schemeClr val="bg1">
+              <a:lumMod val="95000"/>
+            </a:schemeClr>
+          </a:solidFill>
+        </p:spPr>
+        <p:style>
+          <a:lnRef idx="2">
+            <a:schemeClr val="accent1">
+              <a:shade val="50000"/>
+            </a:schemeClr>
+          </a:lnRef>
+          <a:fillRef idx="1">
+            <a:schemeClr val="accent1"/>
+          </a:fillRef>
+          <a:effectRef idx="0">
+            <a:schemeClr val="accent1"/>
+          </a:effectRef>
+          <a:fontRef idx="minor">
+            <a:schemeClr val="lt1"/>
+          </a:fontRef>
+        </p:style>
+        <p:txBody>
+          <a:bodyPr rtlCol="0" anchor="ctr"/>
+          <a:lstStyle/>
+          <a:p>
+            <a:pPr algn="ctr"/>
+            <a:r>
+              <a:rPr lang="zh-CN" altLang="en-US" dirty="0" smtClean="0">
+                <a:solidFill>
+                  <a:schemeClr val="tx1"/>
+                </a:solidFill>
+              </a:rPr>
+              <a:t>置闲</a:t>
+            </a:r>
+            <a:endParaRPr lang="en-US" altLang="zh-CN" dirty="0" smtClean="0">
+              <a:solidFill>
+                <a:schemeClr val="tx1"/>
+              </a:solidFill>
+            </a:endParaRPr>
+          </a:p>
+        </p:txBody>
+      </p:sp>
+      <p:cxnSp>
+        <p:nvCxnSpPr>
+          <p:cNvPr id="149" name="直接连接符 148"/>
+          <p:cNvCxnSpPr>
+            <a:stCxn id="148" idx="3"/>
+            <a:endCxn id="194" idx="1"/>
+          </p:cNvCxnSpPr>
+          <p:nvPr/>
+        </p:nvCxnSpPr>
+        <p:spPr>
+          <a:xfrm>
+            <a:off x="8672129" y="4826303"/>
+            <a:ext cx="1373459" cy="676208"/>
+          </a:xfrm>
+          <a:prstGeom prst="line">
+            <a:avLst/>
+          </a:prstGeom>
+        </p:spPr>
+        <p:style>
+          <a:lnRef idx="1">
+            <a:schemeClr val="accent1"/>
+          </a:lnRef>
+          <a:fillRef idx="0">
+            <a:schemeClr val="accent1"/>
+          </a:fillRef>
+          <a:effectRef idx="0">
+            <a:schemeClr val="accent1"/>
+          </a:effectRef>
+          <a:fontRef idx="minor">
+            <a:schemeClr val="tx1"/>
+          </a:fontRef>
+        </p:style>
+      </p:cxnSp>
+      <p:cxnSp>
+        <p:nvCxnSpPr>
+          <p:cNvPr id="150" name="直接连接符 149"/>
+          <p:cNvCxnSpPr>
+            <a:stCxn id="148" idx="1"/>
+            <a:endCxn id="219" idx="3"/>
+          </p:cNvCxnSpPr>
+          <p:nvPr/>
+        </p:nvCxnSpPr>
+        <p:spPr>
+          <a:xfrm flipH="1" flipV="1">
+            <a:off x="7070418" y="3963744"/>
+            <a:ext cx="823693" cy="862559"/>
+          </a:xfrm>
+          <a:prstGeom prst="line">
+            <a:avLst/>
+          </a:prstGeom>
+        </p:spPr>
+        <p:style>
+          <a:lnRef idx="1">
+            <a:schemeClr val="accent1"/>
+          </a:lnRef>
+          <a:fillRef idx="0">
+            <a:schemeClr val="accent1"/>
+          </a:fillRef>
+          <a:effectRef idx="0">
+            <a:schemeClr val="accent1"/>
+          </a:effectRef>
+          <a:fontRef idx="minor">
+            <a:schemeClr val="tx1"/>
+          </a:fontRef>
+        </p:style>
+      </p:cxnSp>
+      <p:sp>
+        <p:nvSpPr>
+          <p:cNvPr id="152" name="文本框 151"/>
+          <p:cNvSpPr txBox="1"/>
+          <p:nvPr/>
+        </p:nvSpPr>
+        <p:spPr>
+          <a:xfrm>
+            <a:off x="9335286" y="4879994"/>
+            <a:ext cx="306494" cy="369332"/>
+          </a:xfrm>
+          <a:prstGeom prst="rect">
+            <a:avLst/>
+          </a:prstGeom>
+          <a:noFill/>
+        </p:spPr>
+        <p:txBody>
+          <a:bodyPr wrap="none" rtlCol="0">
+            <a:spAutoFit/>
+          </a:bodyPr>
+          <a:lstStyle/>
+          <a:p>
+            <a:r>
+              <a:rPr lang="en-US" altLang="zh-CN" dirty="0"/>
+              <a:t>q</a:t>
             </a:r>
             <a:endParaRPr lang="zh-CN" altLang="en-US" dirty="0"/>
           </a:p>

--- a/ours/E-R图初稿.pptx
+++ b/ours/E-R图初稿.pptx
@@ -5640,14 +5640,72 @@
       </p:grpSpPr>
       <p:sp>
         <p:nvSpPr>
-          <p:cNvPr id="29" name="矩形 28"/>
+          <p:cNvPr id="21" name="矩形 20"/>
           <p:cNvSpPr/>
           <p:nvPr/>
         </p:nvSpPr>
         <p:spPr>
           <a:xfrm>
-            <a:off x="7365306" y="3622074"/>
-            <a:ext cx="1714193" cy="683703"/>
+            <a:off x="9471868" y="1793916"/>
+            <a:ext cx="1141101" cy="525083"/>
+          </a:xfrm>
+          <a:prstGeom prst="rect">
+            <a:avLst/>
+          </a:prstGeom>
+          <a:solidFill>
+            <a:schemeClr val="accent6">
+              <a:lumMod val="20000"/>
+              <a:lumOff val="80000"/>
+            </a:schemeClr>
+          </a:solidFill>
+        </p:spPr>
+        <p:style>
+          <a:lnRef idx="2">
+            <a:schemeClr val="accent1">
+              <a:shade val="50000"/>
+            </a:schemeClr>
+          </a:lnRef>
+          <a:fillRef idx="1">
+            <a:schemeClr val="accent1"/>
+          </a:fillRef>
+          <a:effectRef idx="0">
+            <a:schemeClr val="accent1"/>
+          </a:effectRef>
+          <a:fontRef idx="minor">
+            <a:schemeClr val="lt1"/>
+          </a:fontRef>
+        </p:style>
+        <p:txBody>
+          <a:bodyPr rtlCol="0" anchor="ctr"/>
+          <a:lstStyle/>
+          <a:p>
+            <a:pPr algn="ctr"/>
+            <a:r>
+              <a:rPr lang="zh-CN" altLang="en-US" dirty="0" smtClean="0">
+                <a:solidFill>
+                  <a:schemeClr val="tx1"/>
+                </a:solidFill>
+              </a:rPr>
+              <a:t>本校学生</a:t>
+            </a:r>
+            <a:endParaRPr lang="zh-CN" altLang="en-US" dirty="0">
+              <a:solidFill>
+                <a:schemeClr val="tx1"/>
+              </a:solidFill>
+            </a:endParaRPr>
+          </a:p>
+        </p:txBody>
+      </p:sp>
+      <p:sp>
+        <p:nvSpPr>
+          <p:cNvPr id="22" name="矩形 21"/>
+          <p:cNvSpPr/>
+          <p:nvPr/>
+        </p:nvSpPr>
+        <p:spPr>
+          <a:xfrm>
+            <a:off x="4704905" y="1318657"/>
+            <a:ext cx="1708113" cy="525083"/>
           </a:xfrm>
           <a:prstGeom prst="rect">
             <a:avLst/>
@@ -5698,402 +5756,13 @@
       </p:sp>
       <p:sp>
         <p:nvSpPr>
-          <p:cNvPr id="31" name="椭圆 30"/>
-          <p:cNvSpPr/>
-          <p:nvPr/>
-        </p:nvSpPr>
-        <p:spPr>
-          <a:xfrm>
-            <a:off x="6145531" y="5279982"/>
-            <a:ext cx="929801" cy="784371"/>
-          </a:xfrm>
-          <a:prstGeom prst="ellipse">
-            <a:avLst/>
-          </a:prstGeom>
-          <a:solidFill>
-            <a:schemeClr val="accent4">
-              <a:lumMod val="20000"/>
-              <a:lumOff val="80000"/>
-            </a:schemeClr>
-          </a:solidFill>
-        </p:spPr>
-        <p:style>
-          <a:lnRef idx="2">
-            <a:schemeClr val="accent1">
-              <a:shade val="50000"/>
-            </a:schemeClr>
-          </a:lnRef>
-          <a:fillRef idx="1">
-            <a:schemeClr val="accent1"/>
-          </a:fillRef>
-          <a:effectRef idx="0">
-            <a:schemeClr val="accent1"/>
-          </a:effectRef>
-          <a:fontRef idx="minor">
-            <a:schemeClr val="lt1"/>
-          </a:fontRef>
-        </p:style>
-        <p:txBody>
-          <a:bodyPr rtlCol="0" anchor="ctr"/>
-          <a:lstStyle/>
-          <a:p>
-            <a:pPr algn="ctr"/>
-            <a:r>
-              <a:rPr lang="zh-CN" altLang="en-US" dirty="0" smtClean="0">
-                <a:solidFill>
-                  <a:schemeClr val="tx1"/>
-                </a:solidFill>
-              </a:rPr>
-              <a:t>机器编号</a:t>
-            </a:r>
-            <a:endParaRPr lang="zh-CN" altLang="en-US" dirty="0">
-              <a:solidFill>
-                <a:schemeClr val="tx1"/>
-              </a:solidFill>
-            </a:endParaRPr>
-          </a:p>
-        </p:txBody>
-      </p:sp>
-      <p:sp>
-        <p:nvSpPr>
-          <p:cNvPr id="32" name="椭圆 31"/>
-          <p:cNvSpPr/>
-          <p:nvPr/>
-        </p:nvSpPr>
-        <p:spPr>
-          <a:xfrm>
-            <a:off x="9284070" y="5279985"/>
-            <a:ext cx="1023457" cy="784371"/>
-          </a:xfrm>
-          <a:prstGeom prst="ellipse">
-            <a:avLst/>
-          </a:prstGeom>
-          <a:solidFill>
-            <a:schemeClr val="accent4">
-              <a:lumMod val="20000"/>
-              <a:lumOff val="80000"/>
-            </a:schemeClr>
-          </a:solidFill>
-        </p:spPr>
-        <p:style>
-          <a:lnRef idx="2">
-            <a:schemeClr val="accent1">
-              <a:shade val="50000"/>
-            </a:schemeClr>
-          </a:lnRef>
-          <a:fillRef idx="1">
-            <a:schemeClr val="accent1"/>
-          </a:fillRef>
-          <a:effectRef idx="0">
-            <a:schemeClr val="accent1"/>
-          </a:effectRef>
-          <a:fontRef idx="minor">
-            <a:schemeClr val="lt1"/>
-          </a:fontRef>
-        </p:style>
-        <p:txBody>
-          <a:bodyPr rtlCol="0" anchor="ctr"/>
-          <a:lstStyle/>
-          <a:p>
-            <a:pPr algn="ctr"/>
-            <a:r>
-              <a:rPr lang="zh-CN" altLang="en-US" dirty="0" smtClean="0">
-                <a:solidFill>
-                  <a:schemeClr val="tx1"/>
-                </a:solidFill>
-              </a:rPr>
-              <a:t>进入时间</a:t>
-            </a:r>
-            <a:endParaRPr lang="zh-CN" altLang="en-US" dirty="0">
-              <a:solidFill>
-                <a:schemeClr val="tx1"/>
-              </a:solidFill>
-            </a:endParaRPr>
-          </a:p>
-        </p:txBody>
-      </p:sp>
-      <p:cxnSp>
-        <p:nvCxnSpPr>
-          <p:cNvPr id="34" name="直接连接符 33"/>
-          <p:cNvCxnSpPr>
-            <a:stCxn id="31" idx="0"/>
-            <a:endCxn id="29" idx="2"/>
-          </p:cNvCxnSpPr>
-          <p:nvPr/>
-        </p:nvCxnSpPr>
-        <p:spPr>
-          <a:xfrm flipV="1">
-            <a:off x="6610432" y="4305777"/>
-            <a:ext cx="1611971" cy="974205"/>
-          </a:xfrm>
-          <a:prstGeom prst="line">
-            <a:avLst/>
-          </a:prstGeom>
-        </p:spPr>
-        <p:style>
-          <a:lnRef idx="1">
-            <a:schemeClr val="accent1"/>
-          </a:lnRef>
-          <a:fillRef idx="0">
-            <a:schemeClr val="accent1"/>
-          </a:fillRef>
-          <a:effectRef idx="0">
-            <a:schemeClr val="accent1"/>
-          </a:effectRef>
-          <a:fontRef idx="minor">
-            <a:schemeClr val="tx1"/>
-          </a:fontRef>
-        </p:style>
-      </p:cxnSp>
-      <p:cxnSp>
-        <p:nvCxnSpPr>
-          <p:cNvPr id="35" name="直接连接符 34"/>
-          <p:cNvCxnSpPr>
-            <a:stCxn id="32" idx="0"/>
-            <a:endCxn id="29" idx="2"/>
-          </p:cNvCxnSpPr>
-          <p:nvPr/>
-        </p:nvCxnSpPr>
-        <p:spPr>
-          <a:xfrm flipH="1" flipV="1">
-            <a:off x="8222403" y="4305777"/>
-            <a:ext cx="1573396" cy="974208"/>
-          </a:xfrm>
-          <a:prstGeom prst="line">
-            <a:avLst/>
-          </a:prstGeom>
-        </p:spPr>
-        <p:style>
-          <a:lnRef idx="1">
-            <a:schemeClr val="accent1"/>
-          </a:lnRef>
-          <a:fillRef idx="0">
-            <a:schemeClr val="accent1"/>
-          </a:fillRef>
-          <a:effectRef idx="0">
-            <a:schemeClr val="accent1"/>
-          </a:effectRef>
-          <a:fontRef idx="minor">
-            <a:schemeClr val="tx1"/>
-          </a:fontRef>
-        </p:style>
-      </p:cxnSp>
-      <p:sp>
-        <p:nvSpPr>
-          <p:cNvPr id="41" name="椭圆 40"/>
-          <p:cNvSpPr/>
-          <p:nvPr/>
-        </p:nvSpPr>
-        <p:spPr>
-          <a:xfrm>
-            <a:off x="10346289" y="5279986"/>
-            <a:ext cx="1023457" cy="784371"/>
-          </a:xfrm>
-          <a:prstGeom prst="ellipse">
-            <a:avLst/>
-          </a:prstGeom>
-          <a:solidFill>
-            <a:schemeClr val="accent4">
-              <a:lumMod val="20000"/>
-              <a:lumOff val="80000"/>
-            </a:schemeClr>
-          </a:solidFill>
-        </p:spPr>
-        <p:style>
-          <a:lnRef idx="2">
-            <a:schemeClr val="accent1">
-              <a:shade val="50000"/>
-            </a:schemeClr>
-          </a:lnRef>
-          <a:fillRef idx="1">
-            <a:schemeClr val="accent1"/>
-          </a:fillRef>
-          <a:effectRef idx="0">
-            <a:schemeClr val="accent1"/>
-          </a:effectRef>
-          <a:fontRef idx="minor">
-            <a:schemeClr val="lt1"/>
-          </a:fontRef>
-        </p:style>
-        <p:txBody>
-          <a:bodyPr rtlCol="0" anchor="ctr"/>
-          <a:lstStyle/>
-          <a:p>
-            <a:pPr algn="ctr"/>
-            <a:r>
-              <a:rPr lang="zh-CN" altLang="en-US" dirty="0" smtClean="0">
-                <a:solidFill>
-                  <a:schemeClr val="tx1"/>
-                </a:solidFill>
-              </a:rPr>
-              <a:t>离开时间</a:t>
-            </a:r>
-            <a:endParaRPr lang="zh-CN" altLang="en-US" dirty="0">
-              <a:solidFill>
-                <a:schemeClr val="tx1"/>
-              </a:solidFill>
-            </a:endParaRPr>
-          </a:p>
-        </p:txBody>
-      </p:sp>
-      <p:cxnSp>
-        <p:nvCxnSpPr>
-          <p:cNvPr id="42" name="直接连接符 41"/>
-          <p:cNvCxnSpPr>
-            <a:stCxn id="41" idx="0"/>
-            <a:endCxn id="29" idx="2"/>
-          </p:cNvCxnSpPr>
-          <p:nvPr/>
-        </p:nvCxnSpPr>
-        <p:spPr>
-          <a:xfrm flipH="1" flipV="1">
-            <a:off x="8222403" y="4305777"/>
-            <a:ext cx="2635615" cy="974209"/>
-          </a:xfrm>
-          <a:prstGeom prst="line">
-            <a:avLst/>
-          </a:prstGeom>
-        </p:spPr>
-        <p:style>
-          <a:lnRef idx="1">
-            <a:schemeClr val="accent1"/>
-          </a:lnRef>
-          <a:fillRef idx="0">
-            <a:schemeClr val="accent1"/>
-          </a:fillRef>
-          <a:effectRef idx="0">
-            <a:schemeClr val="accent1"/>
-          </a:effectRef>
-          <a:fontRef idx="minor">
-            <a:schemeClr val="tx1"/>
-          </a:fontRef>
-        </p:style>
-      </p:cxnSp>
-      <p:sp>
-        <p:nvSpPr>
-          <p:cNvPr id="21" name="矩形 20"/>
-          <p:cNvSpPr/>
-          <p:nvPr/>
-        </p:nvSpPr>
-        <p:spPr>
-          <a:xfrm>
-            <a:off x="8632068" y="2034196"/>
-            <a:ext cx="1141101" cy="525083"/>
-          </a:xfrm>
-          <a:prstGeom prst="rect">
-            <a:avLst/>
-          </a:prstGeom>
-          <a:solidFill>
-            <a:schemeClr val="accent6">
-              <a:lumMod val="20000"/>
-              <a:lumOff val="80000"/>
-            </a:schemeClr>
-          </a:solidFill>
-        </p:spPr>
-        <p:style>
-          <a:lnRef idx="2">
-            <a:schemeClr val="accent1">
-              <a:shade val="50000"/>
-            </a:schemeClr>
-          </a:lnRef>
-          <a:fillRef idx="1">
-            <a:schemeClr val="accent1"/>
-          </a:fillRef>
-          <a:effectRef idx="0">
-            <a:schemeClr val="accent1"/>
-          </a:effectRef>
-          <a:fontRef idx="minor">
-            <a:schemeClr val="lt1"/>
-          </a:fontRef>
-        </p:style>
-        <p:txBody>
-          <a:bodyPr rtlCol="0" anchor="ctr"/>
-          <a:lstStyle/>
-          <a:p>
-            <a:pPr algn="ctr"/>
-            <a:r>
-              <a:rPr lang="zh-CN" altLang="en-US" dirty="0" smtClean="0">
-                <a:solidFill>
-                  <a:schemeClr val="tx1"/>
-                </a:solidFill>
-              </a:rPr>
-              <a:t>本校学生</a:t>
-            </a:r>
-            <a:endParaRPr lang="zh-CN" altLang="en-US" dirty="0">
-              <a:solidFill>
-                <a:schemeClr val="tx1"/>
-              </a:solidFill>
-            </a:endParaRPr>
-          </a:p>
-        </p:txBody>
-      </p:sp>
-      <p:sp>
-        <p:nvSpPr>
-          <p:cNvPr id="22" name="矩形 21"/>
-          <p:cNvSpPr/>
-          <p:nvPr/>
-        </p:nvSpPr>
-        <p:spPr>
-          <a:xfrm>
-            <a:off x="4704905" y="1318657"/>
-            <a:ext cx="1708113" cy="525083"/>
-          </a:xfrm>
-          <a:prstGeom prst="rect">
-            <a:avLst/>
-          </a:prstGeom>
-          <a:solidFill>
-            <a:schemeClr val="accent6">
-              <a:lumMod val="20000"/>
-              <a:lumOff val="80000"/>
-            </a:schemeClr>
-          </a:solidFill>
-        </p:spPr>
-        <p:style>
-          <a:lnRef idx="2">
-            <a:schemeClr val="accent1">
-              <a:shade val="50000"/>
-            </a:schemeClr>
-          </a:lnRef>
-          <a:fillRef idx="1">
-            <a:schemeClr val="accent1"/>
-          </a:fillRef>
-          <a:effectRef idx="0">
-            <a:schemeClr val="accent1"/>
-          </a:effectRef>
-          <a:fontRef idx="minor">
-            <a:schemeClr val="lt1"/>
-          </a:fontRef>
-        </p:style>
-        <p:txBody>
-          <a:bodyPr rtlCol="0" anchor="ctr"/>
-          <a:lstStyle/>
-          <a:p>
-            <a:pPr algn="ctr"/>
-            <a:r>
-              <a:rPr lang="zh-CN" altLang="en-US" dirty="0" smtClean="0">
-                <a:solidFill>
-                  <a:schemeClr val="tx1"/>
-                </a:solidFill>
-              </a:rPr>
-              <a:t>进出控制系统</a:t>
-            </a:r>
-            <a:endParaRPr lang="zh-CN" altLang="en-US" dirty="0">
-              <a:solidFill>
-                <a:schemeClr val="tx1"/>
-              </a:solidFill>
-            </a:endParaRPr>
-          </a:p>
-        </p:txBody>
-      </p:sp>
-      <p:sp>
-        <p:nvSpPr>
           <p:cNvPr id="5" name="菱形 4"/>
           <p:cNvSpPr/>
           <p:nvPr/>
         </p:nvSpPr>
         <p:spPr>
           <a:xfrm>
-            <a:off x="7106071" y="510327"/>
+            <a:off x="7945870" y="747698"/>
             <a:ext cx="911156" cy="702258"/>
           </a:xfrm>
           <a:prstGeom prst="diamond">
@@ -6146,15 +5815,15 @@
         <p:nvCxnSpPr>
           <p:cNvPr id="7" name="直接连接符 6"/>
           <p:cNvCxnSpPr>
-            <a:stCxn id="22" idx="3"/>
+            <a:stCxn id="72" idx="0"/>
             <a:endCxn id="5" idx="1"/>
           </p:cNvCxnSpPr>
           <p:nvPr/>
         </p:nvCxnSpPr>
         <p:spPr>
           <a:xfrm flipV="1">
-            <a:off x="6413018" y="861456"/>
-            <a:ext cx="693053" cy="719743"/>
+            <a:off x="7133942" y="1098827"/>
+            <a:ext cx="811928" cy="390976"/>
           </a:xfrm>
           <a:prstGeom prst="line">
             <a:avLst/>
@@ -6186,7 +5855,7 @@
         </p:nvCxnSpPr>
         <p:spPr>
           <a:xfrm>
-            <a:off x="8017227" y="2296738"/>
+            <a:off x="8857027" y="2056458"/>
             <a:ext cx="614841" cy="0"/>
           </a:xfrm>
           <a:prstGeom prst="line">
@@ -6216,7 +5885,7 @@
         </p:nvSpPr>
         <p:spPr>
           <a:xfrm>
-            <a:off x="8632069" y="591745"/>
+            <a:off x="9471868" y="829116"/>
             <a:ext cx="1141101" cy="525083"/>
           </a:xfrm>
           <a:prstGeom prst="rect">
@@ -6280,99 +5949,8 @@
         </p:nvCxnSpPr>
         <p:spPr>
           <a:xfrm flipV="1">
-            <a:off x="8017227" y="854287"/>
+            <a:off x="8857026" y="1091658"/>
             <a:ext cx="614842" cy="7169"/>
-          </a:xfrm>
-          <a:prstGeom prst="line">
-            <a:avLst/>
-          </a:prstGeom>
-        </p:spPr>
-        <p:style>
-          <a:lnRef idx="1">
-            <a:schemeClr val="accent1"/>
-          </a:lnRef>
-          <a:fillRef idx="0">
-            <a:schemeClr val="accent1"/>
-          </a:fillRef>
-          <a:effectRef idx="0">
-            <a:schemeClr val="accent1"/>
-          </a:effectRef>
-          <a:fontRef idx="minor">
-            <a:schemeClr val="tx1"/>
-          </a:fontRef>
-        </p:style>
-      </p:cxnSp>
-      <p:sp>
-        <p:nvSpPr>
-          <p:cNvPr id="43" name="椭圆 42"/>
-          <p:cNvSpPr/>
-          <p:nvPr/>
-        </p:nvSpPr>
-        <p:spPr>
-          <a:xfrm>
-            <a:off x="4781008" y="5245329"/>
-            <a:ext cx="1161853" cy="784371"/>
-          </a:xfrm>
-          <a:prstGeom prst="ellipse">
-            <a:avLst/>
-          </a:prstGeom>
-          <a:solidFill>
-            <a:schemeClr val="accent4">
-              <a:lumMod val="20000"/>
-              <a:lumOff val="80000"/>
-            </a:schemeClr>
-          </a:solidFill>
-        </p:spPr>
-        <p:style>
-          <a:lnRef idx="2">
-            <a:schemeClr val="accent1">
-              <a:shade val="50000"/>
-            </a:schemeClr>
-          </a:lnRef>
-          <a:fillRef idx="1">
-            <a:schemeClr val="accent1"/>
-          </a:fillRef>
-          <a:effectRef idx="0">
-            <a:schemeClr val="accent1"/>
-          </a:effectRef>
-          <a:fontRef idx="minor">
-            <a:schemeClr val="lt1"/>
-          </a:fontRef>
-        </p:style>
-        <p:txBody>
-          <a:bodyPr rtlCol="0" anchor="ctr"/>
-          <a:lstStyle/>
-          <a:p>
-            <a:pPr algn="ctr"/>
-            <a:r>
-              <a:rPr lang="zh-CN" altLang="en-US" b="1" u="sng" dirty="0" smtClean="0">
-                <a:solidFill>
-                  <a:schemeClr val="tx1"/>
-                </a:solidFill>
-              </a:rPr>
-              <a:t>进出记录编号</a:t>
-            </a:r>
-            <a:endParaRPr lang="zh-CN" altLang="en-US" b="1" u="sng" dirty="0">
-              <a:solidFill>
-                <a:schemeClr val="tx1"/>
-              </a:solidFill>
-            </a:endParaRPr>
-          </a:p>
-        </p:txBody>
-      </p:sp>
-      <p:cxnSp>
-        <p:nvCxnSpPr>
-          <p:cNvPr id="33" name="直接连接符 32"/>
-          <p:cNvCxnSpPr>
-            <a:stCxn id="29" idx="2"/>
-            <a:endCxn id="43" idx="0"/>
-          </p:cNvCxnSpPr>
-          <p:nvPr/>
-        </p:nvCxnSpPr>
-        <p:spPr>
-          <a:xfrm flipH="1">
-            <a:off x="5361935" y="4305777"/>
-            <a:ext cx="2860468" cy="939552"/>
           </a:xfrm>
           <a:prstGeom prst="line">
             <a:avLst/>
@@ -6401,7 +5979,7 @@
         </p:nvSpPr>
         <p:spPr>
           <a:xfrm>
-            <a:off x="6626843" y="796110"/>
+            <a:off x="7466642" y="1033481"/>
             <a:ext cx="300616" cy="369332"/>
           </a:xfrm>
           <a:prstGeom prst="rect">
@@ -6430,7 +6008,7 @@
         </p:nvSpPr>
         <p:spPr>
           <a:xfrm>
-            <a:off x="8201618" y="1980800"/>
+            <a:off x="9041418" y="1740520"/>
             <a:ext cx="367703" cy="369332"/>
           </a:xfrm>
           <a:prstGeom prst="rect">
@@ -6459,7 +6037,7 @@
         </p:nvSpPr>
         <p:spPr>
           <a:xfrm>
-            <a:off x="8195839" y="550091"/>
+            <a:off x="9035638" y="787462"/>
             <a:ext cx="305407" cy="369332"/>
           </a:xfrm>
           <a:prstGeom prst="rect">
@@ -6482,162 +6060,13 @@
       </p:sp>
       <p:sp>
         <p:nvSpPr>
-          <p:cNvPr id="23" name="椭圆 22"/>
-          <p:cNvSpPr/>
-          <p:nvPr/>
-        </p:nvSpPr>
-        <p:spPr>
-          <a:xfrm>
-            <a:off x="8221851" y="5279984"/>
-            <a:ext cx="997015" cy="784371"/>
-          </a:xfrm>
-          <a:prstGeom prst="ellipse">
-            <a:avLst/>
-          </a:prstGeom>
-          <a:solidFill>
-            <a:schemeClr val="accent4">
-              <a:lumMod val="20000"/>
-              <a:lumOff val="80000"/>
-            </a:schemeClr>
-          </a:solidFill>
-        </p:spPr>
-        <p:style>
-          <a:lnRef idx="2">
-            <a:schemeClr val="accent1">
-              <a:shade val="50000"/>
-            </a:schemeClr>
-          </a:lnRef>
-          <a:fillRef idx="1">
-            <a:schemeClr val="accent1"/>
-          </a:fillRef>
-          <a:effectRef idx="0">
-            <a:schemeClr val="accent1"/>
-          </a:effectRef>
-          <a:fontRef idx="minor">
-            <a:schemeClr val="lt1"/>
-          </a:fontRef>
-        </p:style>
-        <p:txBody>
-          <a:bodyPr rtlCol="0" anchor="ctr"/>
-          <a:lstStyle/>
-          <a:p>
-            <a:pPr algn="ctr"/>
-            <a:r>
-              <a:rPr lang="zh-CN" altLang="en-US" dirty="0" smtClean="0">
-                <a:solidFill>
-                  <a:schemeClr val="tx1"/>
-                </a:solidFill>
-              </a:rPr>
-              <a:t>团体编号</a:t>
-            </a:r>
-            <a:endParaRPr lang="zh-CN" altLang="en-US" dirty="0">
-              <a:solidFill>
-                <a:schemeClr val="tx1"/>
-              </a:solidFill>
-            </a:endParaRPr>
-          </a:p>
-        </p:txBody>
-      </p:sp>
-      <p:cxnSp>
-        <p:nvCxnSpPr>
-          <p:cNvPr id="11" name="直接连接符 10"/>
-          <p:cNvCxnSpPr>
-            <a:stCxn id="29" idx="2"/>
-            <a:endCxn id="23" idx="0"/>
-          </p:cNvCxnSpPr>
-          <p:nvPr/>
-        </p:nvCxnSpPr>
-        <p:spPr>
-          <a:xfrm>
-            <a:off x="8222403" y="4305777"/>
-            <a:ext cx="497956" cy="974207"/>
-          </a:xfrm>
-          <a:prstGeom prst="line">
-            <a:avLst/>
-          </a:prstGeom>
-        </p:spPr>
-        <p:style>
-          <a:lnRef idx="1">
-            <a:schemeClr val="accent1"/>
-          </a:lnRef>
-          <a:fillRef idx="0">
-            <a:schemeClr val="accent1"/>
-          </a:fillRef>
-          <a:effectRef idx="0">
-            <a:schemeClr val="accent1"/>
-          </a:effectRef>
-          <a:fontRef idx="minor">
-            <a:schemeClr val="tx1"/>
-          </a:fontRef>
-        </p:style>
-      </p:cxnSp>
-      <p:sp>
-        <p:nvSpPr>
-          <p:cNvPr id="24" name="椭圆 23"/>
-          <p:cNvSpPr/>
-          <p:nvPr/>
-        </p:nvSpPr>
-        <p:spPr>
-          <a:xfrm>
-            <a:off x="7193239" y="5279983"/>
-            <a:ext cx="929801" cy="784371"/>
-          </a:xfrm>
-          <a:prstGeom prst="ellipse">
-            <a:avLst/>
-          </a:prstGeom>
-          <a:solidFill>
-            <a:schemeClr val="accent4">
-              <a:lumMod val="20000"/>
-              <a:lumOff val="80000"/>
-            </a:schemeClr>
-          </a:solidFill>
-        </p:spPr>
-        <p:style>
-          <a:lnRef idx="2">
-            <a:schemeClr val="accent1">
-              <a:shade val="50000"/>
-            </a:schemeClr>
-          </a:lnRef>
-          <a:fillRef idx="1">
-            <a:schemeClr val="accent1"/>
-          </a:fillRef>
-          <a:effectRef idx="0">
-            <a:schemeClr val="accent1"/>
-          </a:effectRef>
-          <a:fontRef idx="minor">
-            <a:schemeClr val="lt1"/>
-          </a:fontRef>
-        </p:style>
-        <p:txBody>
-          <a:bodyPr rtlCol="0" anchor="ctr"/>
-          <a:lstStyle/>
-          <a:p>
-            <a:pPr algn="ctr"/>
-            <a:r>
-              <a:rPr lang="zh-CN" altLang="en-US" dirty="0" smtClean="0">
-                <a:solidFill>
-                  <a:schemeClr val="tx1"/>
-                </a:solidFill>
-              </a:rPr>
-              <a:t>学号</a:t>
-            </a:r>
-            <a:endParaRPr lang="zh-CN" altLang="en-US" dirty="0">
-              <a:solidFill>
-                <a:schemeClr val="tx1"/>
-              </a:solidFill>
-            </a:endParaRPr>
-          </a:p>
-        </p:txBody>
-      </p:sp>
-      <p:sp>
-        <p:nvSpPr>
           <p:cNvPr id="25" name="菱形 24"/>
           <p:cNvSpPr/>
           <p:nvPr/>
         </p:nvSpPr>
         <p:spPr>
           <a:xfrm>
-            <a:off x="7106071" y="1945609"/>
+            <a:off x="7945871" y="1705329"/>
             <a:ext cx="911156" cy="702258"/>
           </a:xfrm>
           <a:prstGeom prst="diamond">
@@ -6690,15 +6119,15 @@
         <p:nvCxnSpPr>
           <p:cNvPr id="30" name="直接连接符 29"/>
           <p:cNvCxnSpPr>
-            <a:stCxn id="22" idx="3"/>
+            <a:stCxn id="72" idx="0"/>
             <a:endCxn id="25" idx="1"/>
           </p:cNvCxnSpPr>
           <p:nvPr/>
         </p:nvCxnSpPr>
         <p:spPr>
           <a:xfrm>
-            <a:off x="6413018" y="1581199"/>
-            <a:ext cx="693053" cy="715539"/>
+            <a:off x="7133942" y="1489803"/>
+            <a:ext cx="811929" cy="566655"/>
           </a:xfrm>
           <a:prstGeom prst="line">
             <a:avLst/>
@@ -6965,7 +6394,7 @@
         </p:nvSpPr>
         <p:spPr>
           <a:xfrm>
-            <a:off x="6718288" y="1735662"/>
+            <a:off x="7505061" y="1574517"/>
             <a:ext cx="300616" cy="369332"/>
           </a:xfrm>
           <a:prstGeom prst="rect">
@@ -7228,23 +6657,134 @@
           </a:p>
         </p:txBody>
       </p:sp>
+      <p:sp>
+        <p:nvSpPr>
+          <p:cNvPr id="72" name="流程图: 合并 71"/>
+          <p:cNvSpPr/>
+          <p:nvPr/>
+        </p:nvSpPr>
+        <p:spPr>
+          <a:xfrm rot="5215371">
+            <a:off x="6478594" y="1296621"/>
+            <a:ext cx="903004" cy="408281"/>
+          </a:xfrm>
+          <a:prstGeom prst="flowChartMerge">
+            <a:avLst/>
+          </a:prstGeom>
+          <a:noFill/>
+        </p:spPr>
+        <p:style>
+          <a:lnRef idx="2">
+            <a:schemeClr val="accent1">
+              <a:shade val="50000"/>
+            </a:schemeClr>
+          </a:lnRef>
+          <a:fillRef idx="1">
+            <a:schemeClr val="accent1"/>
+          </a:fillRef>
+          <a:effectRef idx="0">
+            <a:schemeClr val="accent1"/>
+          </a:effectRef>
+          <a:fontRef idx="minor">
+            <a:schemeClr val="lt1"/>
+          </a:fontRef>
+        </p:style>
+        <p:txBody>
+          <a:bodyPr rtlCol="0" anchor="ctr"/>
+          <a:lstStyle/>
+          <a:p>
+            <a:pPr algn="ctr"/>
+            <a:endParaRPr lang="zh-CN" altLang="en-US"/>
+          </a:p>
+        </p:txBody>
+      </p:sp>
       <p:cxnSp>
         <p:nvCxnSpPr>
-          <p:cNvPr id="3" name="直接连接符 2"/>
+          <p:cNvPr id="73" name="直接连接符 72"/>
           <p:cNvCxnSpPr>
-            <a:stCxn id="29" idx="2"/>
-            <a:endCxn id="24" idx="0"/>
+            <a:stCxn id="22" idx="3"/>
+            <a:endCxn id="72" idx="2"/>
           </p:cNvCxnSpPr>
           <p:nvPr/>
         </p:nvCxnSpPr>
         <p:spPr>
-          <a:xfrm flipH="1">
-            <a:off x="7658140" y="4305777"/>
-            <a:ext cx="564263" cy="974206"/>
+          <a:xfrm flipV="1">
+            <a:off x="6413018" y="1511720"/>
+            <a:ext cx="313232" cy="69479"/>
           </a:xfrm>
           <a:prstGeom prst="line">
             <a:avLst/>
           </a:prstGeom>
+        </p:spPr>
+        <p:style>
+          <a:lnRef idx="1">
+            <a:schemeClr val="accent1"/>
+          </a:lnRef>
+          <a:fillRef idx="0">
+            <a:schemeClr val="accent1"/>
+          </a:fillRef>
+          <a:effectRef idx="0">
+            <a:schemeClr val="accent1"/>
+          </a:effectRef>
+          <a:fontRef idx="minor">
+            <a:schemeClr val="tx1"/>
+          </a:fontRef>
+        </p:style>
+      </p:cxnSp>
+      <p:cxnSp>
+        <p:nvCxnSpPr>
+          <p:cNvPr id="74" name="直接连接符 73"/>
+          <p:cNvCxnSpPr/>
+          <p:nvPr/>
+        </p:nvCxnSpPr>
+        <p:spPr>
+          <a:xfrm rot="5215371">
+            <a:off x="6841111" y="1379871"/>
+            <a:ext cx="273006" cy="225129"/>
+          </a:xfrm>
+          <a:prstGeom prst="line">
+            <a:avLst/>
+          </a:prstGeom>
+          <a:ln w="19050">
+            <a:solidFill>
+              <a:schemeClr val="tx1"/>
+            </a:solidFill>
+          </a:ln>
+        </p:spPr>
+        <p:style>
+          <a:lnRef idx="1">
+            <a:schemeClr val="accent1"/>
+          </a:lnRef>
+          <a:fillRef idx="0">
+            <a:schemeClr val="accent1"/>
+          </a:fillRef>
+          <a:effectRef idx="0">
+            <a:schemeClr val="accent1"/>
+          </a:effectRef>
+          <a:fontRef idx="minor">
+            <a:schemeClr val="tx1"/>
+          </a:fontRef>
+        </p:style>
+      </p:cxnSp>
+      <p:cxnSp>
+        <p:nvCxnSpPr>
+          <p:cNvPr id="75" name="直接连接符 74"/>
+          <p:cNvCxnSpPr/>
+          <p:nvPr/>
+        </p:nvCxnSpPr>
+        <p:spPr>
+          <a:xfrm rot="5215371" flipV="1">
+            <a:off x="6857161" y="1396806"/>
+            <a:ext cx="239086" cy="225129"/>
+          </a:xfrm>
+          <a:prstGeom prst="line">
+            <a:avLst/>
+          </a:prstGeom>
+          <a:ln w="19050">
+            <a:solidFill>
+              <a:schemeClr val="tx1"/>
+            </a:solidFill>
+          </a:ln>
         </p:spPr>
         <p:style>
           <a:lnRef idx="1">
@@ -8847,7 +8387,7 @@
         </p:nvSpPr>
         <p:spPr>
           <a:xfrm>
-            <a:off x="8238243" y="3638757"/>
+            <a:off x="8844527" y="1832934"/>
             <a:ext cx="794653" cy="649974"/>
           </a:xfrm>
           <a:prstGeom prst="diamond">
@@ -8901,14 +8441,14 @@
           <p:cNvPr id="239" name="直接连接符 238"/>
           <p:cNvCxnSpPr>
             <a:stCxn id="237" idx="1"/>
-            <a:endCxn id="219" idx="3"/>
+            <a:endCxn id="83" idx="3"/>
           </p:cNvCxnSpPr>
           <p:nvPr/>
         </p:nvCxnSpPr>
         <p:spPr>
-          <a:xfrm flipH="1">
-            <a:off x="7070418" y="3963744"/>
-            <a:ext cx="1167825" cy="0"/>
+          <a:xfrm flipH="1" flipV="1">
+            <a:off x="7508677" y="1991347"/>
+            <a:ext cx="1335850" cy="166574"/>
           </a:xfrm>
           <a:prstGeom prst="line">
             <a:avLst/>
@@ -8939,9 +8479,9 @@
           <p:nvPr/>
         </p:nvCxnSpPr>
         <p:spPr>
-          <a:xfrm flipV="1">
-            <a:off x="9032896" y="2158394"/>
-            <a:ext cx="891457" cy="1805350"/>
+          <a:xfrm>
+            <a:off x="9639180" y="2157921"/>
+            <a:ext cx="285173" cy="473"/>
           </a:xfrm>
           <a:prstGeom prst="line">
             <a:avLst/>
@@ -9093,7 +8633,7 @@
         </p:nvSpPr>
         <p:spPr>
           <a:xfrm>
-            <a:off x="3944782" y="3639183"/>
+            <a:off x="3377353" y="1778662"/>
             <a:ext cx="794653" cy="649974"/>
           </a:xfrm>
           <a:prstGeom prst="diamond">
@@ -9147,14 +8687,14 @@
           <p:cNvPr id="263" name="直接连接符 262"/>
           <p:cNvCxnSpPr>
             <a:stCxn id="261" idx="3"/>
-            <a:endCxn id="219" idx="1"/>
+            <a:endCxn id="82" idx="1"/>
           </p:cNvCxnSpPr>
           <p:nvPr/>
         </p:nvCxnSpPr>
         <p:spPr>
           <a:xfrm flipV="1">
-            <a:off x="4739435" y="3963744"/>
-            <a:ext cx="1219441" cy="426"/>
+            <a:off x="4172006" y="1988102"/>
+            <a:ext cx="1174797" cy="115547"/>
           </a:xfrm>
           <a:prstGeom prst="line">
             <a:avLst/>
@@ -9179,15 +8719,15 @@
         <p:nvCxnSpPr>
           <p:cNvPr id="265" name="直接连接符 264"/>
           <p:cNvCxnSpPr>
-            <a:stCxn id="261" idx="0"/>
+            <a:stCxn id="261" idx="1"/>
             <a:endCxn id="2" idx="3"/>
           </p:cNvCxnSpPr>
           <p:nvPr/>
         </p:nvCxnSpPr>
         <p:spPr>
-          <a:xfrm flipH="1" flipV="1">
-            <a:off x="2904090" y="2150408"/>
-            <a:ext cx="1438019" cy="1488775"/>
+          <a:xfrm flipH="1">
+            <a:off x="2904090" y="2103649"/>
+            <a:ext cx="473263" cy="46759"/>
           </a:xfrm>
           <a:prstGeom prst="line">
             <a:avLst/>
@@ -9399,7 +8939,7 @@
         </p:nvSpPr>
         <p:spPr>
           <a:xfrm>
-            <a:off x="4817207" y="1712850"/>
+            <a:off x="4793827" y="1442146"/>
             <a:ext cx="306494" cy="369332"/>
           </a:xfrm>
           <a:prstGeom prst="rect">
@@ -9489,8 +9029,8 @@
         </p:nvSpPr>
         <p:spPr>
           <a:xfrm>
-            <a:off x="9110731" y="2843211"/>
-            <a:ext cx="306494" cy="369332"/>
+            <a:off x="9596557" y="2074634"/>
+            <a:ext cx="301686" cy="369332"/>
           </a:xfrm>
           <a:prstGeom prst="rect">
             <a:avLst/>
@@ -9504,8 +9044,8 @@
           <a:lstStyle/>
           <a:p>
             <a:r>
-              <a:rPr lang="en-US" altLang="zh-CN" dirty="0" smtClean="0"/>
-              <a:t>n</a:t>
+              <a:rPr lang="en-US" altLang="zh-CN" dirty="0"/>
+              <a:t>1</a:t>
             </a:r>
             <a:endParaRPr lang="zh-CN" altLang="en-US" dirty="0"/>
           </a:p>
@@ -9519,7 +9059,7 @@
         </p:nvSpPr>
         <p:spPr>
           <a:xfrm>
-            <a:off x="7923111" y="1697121"/>
+            <a:off x="7842330" y="1478251"/>
             <a:ext cx="306494" cy="369332"/>
           </a:xfrm>
           <a:prstGeom prst="rect">
@@ -9699,7 +9239,7 @@
         </p:nvSpPr>
         <p:spPr>
           <a:xfrm>
-            <a:off x="7615344" y="3650692"/>
+            <a:off x="8452373" y="1816236"/>
             <a:ext cx="306494" cy="369332"/>
           </a:xfrm>
           <a:prstGeom prst="rect">
@@ -9729,8 +9269,8 @@
         </p:nvSpPr>
         <p:spPr>
           <a:xfrm>
-            <a:off x="3722468" y="2842809"/>
-            <a:ext cx="369012" cy="369332"/>
+            <a:off x="3015912" y="2045875"/>
+            <a:ext cx="301686" cy="369332"/>
           </a:xfrm>
           <a:prstGeom prst="rect">
             <a:avLst/>
@@ -9744,8 +9284,8 @@
           <a:lstStyle/>
           <a:p>
             <a:r>
-              <a:rPr lang="en-US" altLang="zh-CN" dirty="0" smtClean="0"/>
-              <a:t>m</a:t>
+              <a:rPr lang="en-US" altLang="zh-CN" dirty="0"/>
+              <a:t>1</a:t>
             </a:r>
             <a:endParaRPr lang="zh-CN" altLang="en-US" dirty="0"/>
           </a:p>
@@ -9759,7 +9299,7 @@
         </p:nvSpPr>
         <p:spPr>
           <a:xfrm>
-            <a:off x="5024236" y="3609141"/>
+            <a:off x="4148826" y="1756337"/>
             <a:ext cx="306494" cy="369332"/>
           </a:xfrm>
           <a:prstGeom prst="rect">
@@ -10440,6 +9980,565 @@
             <a:r>
               <a:rPr lang="en-US" altLang="zh-CN" dirty="0"/>
               <a:t>q</a:t>
+            </a:r>
+            <a:endParaRPr lang="zh-CN" altLang="en-US" dirty="0"/>
+          </a:p>
+        </p:txBody>
+      </p:sp>
+      <p:sp>
+        <p:nvSpPr>
+          <p:cNvPr id="82" name="矩形 81"/>
+          <p:cNvSpPr/>
+          <p:nvPr/>
+        </p:nvSpPr>
+        <p:spPr>
+          <a:xfrm>
+            <a:off x="5346803" y="1569400"/>
+            <a:ext cx="1043514" cy="837404"/>
+          </a:xfrm>
+          <a:prstGeom prst="rect">
+            <a:avLst/>
+          </a:prstGeom>
+          <a:solidFill>
+            <a:schemeClr val="accent6">
+              <a:lumMod val="20000"/>
+              <a:lumOff val="80000"/>
+            </a:schemeClr>
+          </a:solidFill>
+        </p:spPr>
+        <p:style>
+          <a:lnRef idx="2">
+            <a:schemeClr val="accent1">
+              <a:shade val="50000"/>
+            </a:schemeClr>
+          </a:lnRef>
+          <a:fillRef idx="1">
+            <a:schemeClr val="accent1"/>
+          </a:fillRef>
+          <a:effectRef idx="0">
+            <a:schemeClr val="accent1"/>
+          </a:effectRef>
+          <a:fontRef idx="minor">
+            <a:schemeClr val="lt1"/>
+          </a:fontRef>
+        </p:style>
+        <p:txBody>
+          <a:bodyPr rtlCol="0" anchor="ctr"/>
+          <a:lstStyle/>
+          <a:p>
+            <a:pPr algn="ctr"/>
+            <a:r>
+              <a:rPr lang="zh-CN" altLang="en-US" dirty="0" smtClean="0">
+                <a:solidFill>
+                  <a:schemeClr val="tx1"/>
+                </a:solidFill>
+              </a:rPr>
+              <a:t>个人</a:t>
+            </a:r>
+            <a:endParaRPr lang="en-US" altLang="zh-CN" dirty="0" smtClean="0">
+              <a:solidFill>
+                <a:schemeClr val="tx1"/>
+              </a:solidFill>
+            </a:endParaRPr>
+          </a:p>
+          <a:p>
+            <a:pPr algn="ctr"/>
+            <a:r>
+              <a:rPr lang="zh-CN" altLang="en-US" dirty="0">
+                <a:solidFill>
+                  <a:schemeClr val="tx1"/>
+                </a:solidFill>
+              </a:rPr>
+              <a:t>进出</a:t>
+            </a:r>
+            <a:r>
+              <a:rPr lang="zh-CN" altLang="en-US" dirty="0" smtClean="0">
+                <a:solidFill>
+                  <a:schemeClr val="tx1"/>
+                </a:solidFill>
+              </a:rPr>
+              <a:t>记录</a:t>
+            </a:r>
+            <a:endParaRPr lang="zh-CN" altLang="en-US" dirty="0">
+              <a:solidFill>
+                <a:schemeClr val="tx1"/>
+              </a:solidFill>
+            </a:endParaRPr>
+          </a:p>
+        </p:txBody>
+      </p:sp>
+      <p:sp>
+        <p:nvSpPr>
+          <p:cNvPr id="83" name="矩形 82"/>
+          <p:cNvSpPr/>
+          <p:nvPr/>
+        </p:nvSpPr>
+        <p:spPr>
+          <a:xfrm>
+            <a:off x="6556180" y="1524977"/>
+            <a:ext cx="952497" cy="932739"/>
+          </a:xfrm>
+          <a:prstGeom prst="rect">
+            <a:avLst/>
+          </a:prstGeom>
+          <a:solidFill>
+            <a:schemeClr val="accent6">
+              <a:lumMod val="20000"/>
+              <a:lumOff val="80000"/>
+            </a:schemeClr>
+          </a:solidFill>
+        </p:spPr>
+        <p:style>
+          <a:lnRef idx="2">
+            <a:schemeClr val="accent1">
+              <a:shade val="50000"/>
+            </a:schemeClr>
+          </a:lnRef>
+          <a:fillRef idx="1">
+            <a:schemeClr val="accent1"/>
+          </a:fillRef>
+          <a:effectRef idx="0">
+            <a:schemeClr val="accent1"/>
+          </a:effectRef>
+          <a:fontRef idx="minor">
+            <a:schemeClr val="lt1"/>
+          </a:fontRef>
+        </p:style>
+        <p:txBody>
+          <a:bodyPr rtlCol="0" anchor="ctr"/>
+          <a:lstStyle/>
+          <a:p>
+            <a:pPr algn="ctr"/>
+            <a:r>
+              <a:rPr lang="zh-CN" altLang="en-US" dirty="0" smtClean="0">
+                <a:solidFill>
+                  <a:schemeClr val="tx1"/>
+                </a:solidFill>
+              </a:rPr>
+              <a:t>团体</a:t>
+            </a:r>
+            <a:endParaRPr lang="en-US" altLang="zh-CN" dirty="0" smtClean="0">
+              <a:solidFill>
+                <a:schemeClr val="tx1"/>
+              </a:solidFill>
+            </a:endParaRPr>
+          </a:p>
+          <a:p>
+            <a:pPr algn="ctr"/>
+            <a:r>
+              <a:rPr lang="zh-CN" altLang="en-US" dirty="0">
+                <a:solidFill>
+                  <a:schemeClr val="tx1"/>
+                </a:solidFill>
+              </a:rPr>
+              <a:t>进出</a:t>
+            </a:r>
+            <a:r>
+              <a:rPr lang="zh-CN" altLang="en-US" dirty="0" smtClean="0">
+                <a:solidFill>
+                  <a:schemeClr val="tx1"/>
+                </a:solidFill>
+              </a:rPr>
+              <a:t>记录</a:t>
+            </a:r>
+            <a:endParaRPr lang="zh-CN" altLang="en-US" dirty="0">
+              <a:solidFill>
+                <a:schemeClr val="tx1"/>
+              </a:solidFill>
+            </a:endParaRPr>
+          </a:p>
+        </p:txBody>
+      </p:sp>
+      <p:cxnSp>
+        <p:nvCxnSpPr>
+          <p:cNvPr id="89" name="直接连接符 88"/>
+          <p:cNvCxnSpPr>
+            <a:stCxn id="82" idx="2"/>
+            <a:endCxn id="91" idx="0"/>
+          </p:cNvCxnSpPr>
+          <p:nvPr/>
+        </p:nvCxnSpPr>
+        <p:spPr>
+          <a:xfrm>
+            <a:off x="5868560" y="2406804"/>
+            <a:ext cx="659489" cy="589666"/>
+          </a:xfrm>
+          <a:prstGeom prst="line">
+            <a:avLst/>
+          </a:prstGeom>
+        </p:spPr>
+        <p:style>
+          <a:lnRef idx="1">
+            <a:schemeClr val="accent1"/>
+          </a:lnRef>
+          <a:fillRef idx="0">
+            <a:schemeClr val="accent1"/>
+          </a:fillRef>
+          <a:effectRef idx="0">
+            <a:schemeClr val="accent1"/>
+          </a:effectRef>
+          <a:fontRef idx="minor">
+            <a:schemeClr val="tx1"/>
+          </a:fontRef>
+        </p:style>
+      </p:cxnSp>
+      <p:cxnSp>
+        <p:nvCxnSpPr>
+          <p:cNvPr id="90" name="直接连接符 89"/>
+          <p:cNvCxnSpPr>
+            <a:stCxn id="91" idx="0"/>
+            <a:endCxn id="83" idx="2"/>
+          </p:cNvCxnSpPr>
+          <p:nvPr/>
+        </p:nvCxnSpPr>
+        <p:spPr>
+          <a:xfrm flipV="1">
+            <a:off x="6528049" y="2457716"/>
+            <a:ext cx="504380" cy="538754"/>
+          </a:xfrm>
+          <a:prstGeom prst="line">
+            <a:avLst/>
+          </a:prstGeom>
+        </p:spPr>
+        <p:style>
+          <a:lnRef idx="1">
+            <a:schemeClr val="accent1"/>
+          </a:lnRef>
+          <a:fillRef idx="0">
+            <a:schemeClr val="accent1"/>
+          </a:fillRef>
+          <a:effectRef idx="0">
+            <a:schemeClr val="accent1"/>
+          </a:effectRef>
+          <a:fontRef idx="minor">
+            <a:schemeClr val="tx1"/>
+          </a:fontRef>
+        </p:style>
+      </p:cxnSp>
+      <p:sp>
+        <p:nvSpPr>
+          <p:cNvPr id="91" name="流程图: 合并 90"/>
+          <p:cNvSpPr/>
+          <p:nvPr/>
+        </p:nvSpPr>
+        <p:spPr>
+          <a:xfrm>
+            <a:off x="6076547" y="2996470"/>
+            <a:ext cx="903004" cy="408281"/>
+          </a:xfrm>
+          <a:prstGeom prst="flowChartMerge">
+            <a:avLst/>
+          </a:prstGeom>
+          <a:noFill/>
+        </p:spPr>
+        <p:style>
+          <a:lnRef idx="2">
+            <a:schemeClr val="accent1">
+              <a:shade val="50000"/>
+            </a:schemeClr>
+          </a:lnRef>
+          <a:fillRef idx="1">
+            <a:schemeClr val="accent1"/>
+          </a:fillRef>
+          <a:effectRef idx="0">
+            <a:schemeClr val="accent1"/>
+          </a:effectRef>
+          <a:fontRef idx="minor">
+            <a:schemeClr val="lt1"/>
+          </a:fontRef>
+        </p:style>
+        <p:txBody>
+          <a:bodyPr rtlCol="0" anchor="ctr"/>
+          <a:lstStyle/>
+          <a:p>
+            <a:pPr algn="ctr"/>
+            <a:endParaRPr lang="zh-CN" altLang="en-US"/>
+          </a:p>
+        </p:txBody>
+      </p:sp>
+      <p:cxnSp>
+        <p:nvCxnSpPr>
+          <p:cNvPr id="92" name="直接连接符 91"/>
+          <p:cNvCxnSpPr>
+            <a:stCxn id="219" idx="0"/>
+            <a:endCxn id="91" idx="2"/>
+          </p:cNvCxnSpPr>
+          <p:nvPr/>
+        </p:nvCxnSpPr>
+        <p:spPr>
+          <a:xfrm flipV="1">
+            <a:off x="6514647" y="3404751"/>
+            <a:ext cx="13402" cy="307173"/>
+          </a:xfrm>
+          <a:prstGeom prst="line">
+            <a:avLst/>
+          </a:prstGeom>
+        </p:spPr>
+        <p:style>
+          <a:lnRef idx="1">
+            <a:schemeClr val="accent1"/>
+          </a:lnRef>
+          <a:fillRef idx="0">
+            <a:schemeClr val="accent1"/>
+          </a:fillRef>
+          <a:effectRef idx="0">
+            <a:schemeClr val="accent1"/>
+          </a:effectRef>
+          <a:fontRef idx="minor">
+            <a:schemeClr val="tx1"/>
+          </a:fontRef>
+        </p:style>
+      </p:cxnSp>
+      <p:cxnSp>
+        <p:nvCxnSpPr>
+          <p:cNvPr id="93" name="直接连接符 92"/>
+          <p:cNvCxnSpPr/>
+          <p:nvPr/>
+        </p:nvCxnSpPr>
+        <p:spPr>
+          <a:xfrm>
+            <a:off x="6374586" y="3029162"/>
+            <a:ext cx="273006" cy="225129"/>
+          </a:xfrm>
+          <a:prstGeom prst="line">
+            <a:avLst/>
+          </a:prstGeom>
+          <a:ln w="19050">
+            <a:solidFill>
+              <a:schemeClr val="tx1"/>
+            </a:solidFill>
+          </a:ln>
+        </p:spPr>
+        <p:style>
+          <a:lnRef idx="1">
+            <a:schemeClr val="accent1"/>
+          </a:lnRef>
+          <a:fillRef idx="0">
+            <a:schemeClr val="accent1"/>
+          </a:fillRef>
+          <a:effectRef idx="0">
+            <a:schemeClr val="accent1"/>
+          </a:effectRef>
+          <a:fontRef idx="minor">
+            <a:schemeClr val="tx1"/>
+          </a:fontRef>
+        </p:style>
+      </p:cxnSp>
+      <p:cxnSp>
+        <p:nvCxnSpPr>
+          <p:cNvPr id="94" name="直接连接符 93"/>
+          <p:cNvCxnSpPr/>
+          <p:nvPr/>
+        </p:nvCxnSpPr>
+        <p:spPr>
+          <a:xfrm flipV="1">
+            <a:off x="6408506" y="3029162"/>
+            <a:ext cx="239086" cy="225129"/>
+          </a:xfrm>
+          <a:prstGeom prst="line">
+            <a:avLst/>
+          </a:prstGeom>
+          <a:ln w="19050">
+            <a:solidFill>
+              <a:schemeClr val="tx1"/>
+            </a:solidFill>
+          </a:ln>
+        </p:spPr>
+        <p:style>
+          <a:lnRef idx="1">
+            <a:schemeClr val="accent1"/>
+          </a:lnRef>
+          <a:fillRef idx="0">
+            <a:schemeClr val="accent1"/>
+          </a:fillRef>
+          <a:effectRef idx="0">
+            <a:schemeClr val="accent1"/>
+          </a:effectRef>
+          <a:fontRef idx="minor">
+            <a:schemeClr val="tx1"/>
+          </a:fontRef>
+        </p:style>
+      </p:cxnSp>
+      <p:sp>
+        <p:nvSpPr>
+          <p:cNvPr id="108" name="菱形 107"/>
+          <p:cNvSpPr/>
+          <p:nvPr/>
+        </p:nvSpPr>
+        <p:spPr>
+          <a:xfrm>
+            <a:off x="9263978" y="6080185"/>
+            <a:ext cx="950151" cy="627258"/>
+          </a:xfrm>
+          <a:prstGeom prst="diamond">
+            <a:avLst/>
+          </a:prstGeom>
+          <a:solidFill>
+            <a:schemeClr val="bg1">
+              <a:lumMod val="95000"/>
+            </a:schemeClr>
+          </a:solidFill>
+        </p:spPr>
+        <p:style>
+          <a:lnRef idx="2">
+            <a:schemeClr val="accent1">
+              <a:shade val="50000"/>
+            </a:schemeClr>
+          </a:lnRef>
+          <a:fillRef idx="1">
+            <a:schemeClr val="accent1"/>
+          </a:fillRef>
+          <a:effectRef idx="0">
+            <a:schemeClr val="accent1"/>
+          </a:effectRef>
+          <a:fontRef idx="minor">
+            <a:schemeClr val="lt1"/>
+          </a:fontRef>
+        </p:style>
+        <p:txBody>
+          <a:bodyPr rtlCol="0" anchor="ctr"/>
+          <a:lstStyle/>
+          <a:p>
+            <a:pPr algn="ctr"/>
+            <a:r>
+              <a:rPr lang="zh-CN" altLang="en-US" dirty="0" smtClean="0">
+                <a:solidFill>
+                  <a:schemeClr val="tx1"/>
+                </a:solidFill>
+              </a:rPr>
+              <a:t>管理</a:t>
+            </a:r>
+            <a:endParaRPr lang="zh-CN" altLang="en-US" dirty="0">
+              <a:solidFill>
+                <a:schemeClr val="tx1"/>
+              </a:solidFill>
+            </a:endParaRPr>
+          </a:p>
+        </p:txBody>
+      </p:sp>
+      <p:sp>
+        <p:nvSpPr>
+          <p:cNvPr id="109" name="文本框 108"/>
+          <p:cNvSpPr txBox="1"/>
+          <p:nvPr/>
+        </p:nvSpPr>
+        <p:spPr>
+          <a:xfrm>
+            <a:off x="8663286" y="6273532"/>
+            <a:ext cx="369012" cy="369332"/>
+          </a:xfrm>
+          <a:prstGeom prst="rect">
+            <a:avLst/>
+          </a:prstGeom>
+          <a:noFill/>
+        </p:spPr>
+        <p:txBody>
+          <a:bodyPr wrap="none" rtlCol="0">
+            <a:spAutoFit/>
+          </a:bodyPr>
+          <a:lstStyle/>
+          <a:p>
+            <a:r>
+              <a:rPr lang="en-US" altLang="zh-CN" dirty="0" smtClean="0"/>
+              <a:t>m</a:t>
+            </a:r>
+            <a:endParaRPr lang="zh-CN" altLang="en-US" dirty="0"/>
+          </a:p>
+        </p:txBody>
+      </p:sp>
+      <p:cxnSp>
+        <p:nvCxnSpPr>
+          <p:cNvPr id="24" name="直接连接符 23"/>
+          <p:cNvCxnSpPr>
+            <a:stCxn id="5" idx="3"/>
+            <a:endCxn id="108" idx="1"/>
+          </p:cNvCxnSpPr>
+          <p:nvPr/>
+        </p:nvCxnSpPr>
+        <p:spPr>
+          <a:xfrm flipV="1">
+            <a:off x="7066184" y="6393814"/>
+            <a:ext cx="2197794" cy="71045"/>
+          </a:xfrm>
+          <a:prstGeom prst="line">
+            <a:avLst/>
+          </a:prstGeom>
+        </p:spPr>
+        <p:style>
+          <a:lnRef idx="1">
+            <a:schemeClr val="accent1"/>
+          </a:lnRef>
+          <a:fillRef idx="0">
+            <a:schemeClr val="accent1"/>
+          </a:fillRef>
+          <a:effectRef idx="0">
+            <a:schemeClr val="accent1"/>
+          </a:effectRef>
+          <a:fontRef idx="minor">
+            <a:schemeClr val="tx1"/>
+          </a:fontRef>
+        </p:style>
+      </p:cxnSp>
+      <p:cxnSp>
+        <p:nvCxnSpPr>
+          <p:cNvPr id="27" name="肘形连接符 26"/>
+          <p:cNvCxnSpPr>
+            <a:stCxn id="115" idx="3"/>
+            <a:endCxn id="108" idx="3"/>
+          </p:cNvCxnSpPr>
+          <p:nvPr/>
+        </p:nvCxnSpPr>
+        <p:spPr>
+          <a:xfrm>
+            <a:off x="6965969" y="294462"/>
+            <a:ext cx="3248160" cy="6099352"/>
+          </a:xfrm>
+          <a:prstGeom prst="bentConnector3">
+            <a:avLst>
+              <a:gd name="adj1" fmla="val 144705"/>
+            </a:avLst>
+          </a:prstGeom>
+        </p:spPr>
+        <p:style>
+          <a:lnRef idx="1">
+            <a:schemeClr val="accent1"/>
+          </a:lnRef>
+          <a:fillRef idx="0">
+            <a:schemeClr val="accent1"/>
+          </a:fillRef>
+          <a:effectRef idx="0">
+            <a:schemeClr val="accent1"/>
+          </a:effectRef>
+          <a:fontRef idx="minor">
+            <a:schemeClr val="tx1"/>
+          </a:fontRef>
+        </p:style>
+      </p:cxnSp>
+      <p:sp>
+        <p:nvSpPr>
+          <p:cNvPr id="124" name="文本框 123"/>
+          <p:cNvSpPr txBox="1"/>
+          <p:nvPr/>
+        </p:nvSpPr>
+        <p:spPr>
+          <a:xfrm>
+            <a:off x="10895579" y="6049568"/>
+            <a:ext cx="264816" cy="369332"/>
+          </a:xfrm>
+          <a:prstGeom prst="rect">
+            <a:avLst/>
+          </a:prstGeom>
+          <a:noFill/>
+        </p:spPr>
+        <p:txBody>
+          <a:bodyPr wrap="none" rtlCol="0">
+            <a:spAutoFit/>
+          </a:bodyPr>
+          <a:lstStyle/>
+          <a:p>
+            <a:r>
+              <a:rPr lang="en-US" altLang="zh-CN" dirty="0"/>
+              <a:t>r</a:t>
             </a:r>
             <a:endParaRPr lang="zh-CN" altLang="en-US" dirty="0"/>
           </a:p>
@@ -25855,15 +25954,7 @@
                   <a:schemeClr val="tx1"/>
                 </a:solidFill>
               </a:rPr>
-              <a:t>进出记录</a:t>
-            </a:r>
-            <a:r>
-              <a:rPr lang="zh-CN" altLang="en-US" b="1" u="sng" dirty="0" smtClean="0">
-                <a:solidFill>
-                  <a:schemeClr val="tx1"/>
-                </a:solidFill>
-              </a:rPr>
-              <a:t>编号</a:t>
+              <a:t>进出记录编号</a:t>
             </a:r>
             <a:endParaRPr lang="zh-CN" altLang="en-US" b="1" u="sng" dirty="0">
               <a:solidFill>

--- a/ours/E-R图初稿.pptx
+++ b/ours/E-R图初稿.pptx
@@ -5646,7 +5646,7 @@
         </p:nvSpPr>
         <p:spPr>
           <a:xfrm>
-            <a:off x="9471868" y="1793916"/>
+            <a:off x="10276268" y="2388449"/>
             <a:ext cx="1141101" cy="525083"/>
           </a:xfrm>
           <a:prstGeom prst="rect">
@@ -5698,71 +5698,13 @@
       </p:sp>
       <p:sp>
         <p:nvSpPr>
-          <p:cNvPr id="22" name="矩形 21"/>
-          <p:cNvSpPr/>
-          <p:nvPr/>
-        </p:nvSpPr>
-        <p:spPr>
-          <a:xfrm>
-            <a:off x="4704905" y="1318657"/>
-            <a:ext cx="1708113" cy="525083"/>
-          </a:xfrm>
-          <a:prstGeom prst="rect">
-            <a:avLst/>
-          </a:prstGeom>
-          <a:solidFill>
-            <a:schemeClr val="accent6">
-              <a:lumMod val="20000"/>
-              <a:lumOff val="80000"/>
-            </a:schemeClr>
-          </a:solidFill>
-        </p:spPr>
-        <p:style>
-          <a:lnRef idx="2">
-            <a:schemeClr val="accent1">
-              <a:shade val="50000"/>
-            </a:schemeClr>
-          </a:lnRef>
-          <a:fillRef idx="1">
-            <a:schemeClr val="accent1"/>
-          </a:fillRef>
-          <a:effectRef idx="0">
-            <a:schemeClr val="accent1"/>
-          </a:effectRef>
-          <a:fontRef idx="minor">
-            <a:schemeClr val="lt1"/>
-          </a:fontRef>
-        </p:style>
-        <p:txBody>
-          <a:bodyPr rtlCol="0" anchor="ctr"/>
-          <a:lstStyle/>
-          <a:p>
-            <a:pPr algn="ctr"/>
-            <a:r>
-              <a:rPr lang="zh-CN" altLang="en-US" dirty="0" smtClean="0">
-                <a:solidFill>
-                  <a:schemeClr val="tx1"/>
-                </a:solidFill>
-              </a:rPr>
-              <a:t>进出控制系统</a:t>
-            </a:r>
-            <a:endParaRPr lang="zh-CN" altLang="en-US" dirty="0">
-              <a:solidFill>
-                <a:schemeClr val="tx1"/>
-              </a:solidFill>
-            </a:endParaRPr>
-          </a:p>
-        </p:txBody>
-      </p:sp>
-      <p:sp>
-        <p:nvSpPr>
           <p:cNvPr id="5" name="菱形 4"/>
           <p:cNvSpPr/>
           <p:nvPr/>
         </p:nvSpPr>
         <p:spPr>
           <a:xfrm>
-            <a:off x="7945870" y="747698"/>
+            <a:off x="8774325" y="3518255"/>
             <a:ext cx="911156" cy="702258"/>
           </a:xfrm>
           <a:prstGeom prst="diamond">
@@ -5815,15 +5757,15 @@
         <p:nvCxnSpPr>
           <p:cNvPr id="7" name="直接连接符 6"/>
           <p:cNvCxnSpPr>
-            <a:stCxn id="72" idx="0"/>
+            <a:stCxn id="31" idx="3"/>
             <a:endCxn id="5" idx="1"/>
           </p:cNvCxnSpPr>
           <p:nvPr/>
         </p:nvCxnSpPr>
         <p:spPr>
           <a:xfrm flipV="1">
-            <a:off x="7133942" y="1098827"/>
-            <a:ext cx="811928" cy="390976"/>
+            <a:off x="8452818" y="3869384"/>
+            <a:ext cx="321507" cy="1"/>
           </a:xfrm>
           <a:prstGeom prst="line">
             <a:avLst/>
@@ -5855,7 +5797,7 @@
         </p:nvCxnSpPr>
         <p:spPr>
           <a:xfrm>
-            <a:off x="8857027" y="2056458"/>
+            <a:off x="9661427" y="2650991"/>
             <a:ext cx="614841" cy="0"/>
           </a:xfrm>
           <a:prstGeom prst="line">
@@ -5885,7 +5827,7 @@
         </p:nvSpPr>
         <p:spPr>
           <a:xfrm>
-            <a:off x="9471868" y="829116"/>
+            <a:off x="10276267" y="3606842"/>
             <a:ext cx="1141101" cy="525083"/>
           </a:xfrm>
           <a:prstGeom prst="rect">
@@ -5948,9 +5890,9 @@
           <p:nvPr/>
         </p:nvCxnSpPr>
         <p:spPr>
-          <a:xfrm flipV="1">
-            <a:off x="8857026" y="1091658"/>
-            <a:ext cx="614842" cy="7169"/>
+          <a:xfrm>
+            <a:off x="9685481" y="3869384"/>
+            <a:ext cx="590786" cy="0"/>
           </a:xfrm>
           <a:prstGeom prst="line">
             <a:avLst/>
@@ -5979,7 +5921,7 @@
         </p:nvSpPr>
         <p:spPr>
           <a:xfrm>
-            <a:off x="7466642" y="1033481"/>
+            <a:off x="8449655" y="3578183"/>
             <a:ext cx="300616" cy="369332"/>
           </a:xfrm>
           <a:prstGeom prst="rect">
@@ -6008,7 +5950,7 @@
         </p:nvSpPr>
         <p:spPr>
           <a:xfrm>
-            <a:off x="9041418" y="1740520"/>
+            <a:off x="9845818" y="2335053"/>
             <a:ext cx="367703" cy="369332"/>
           </a:xfrm>
           <a:prstGeom prst="rect">
@@ -6037,7 +5979,7 @@
         </p:nvSpPr>
         <p:spPr>
           <a:xfrm>
-            <a:off x="9035638" y="787462"/>
+            <a:off x="9864648" y="3534361"/>
             <a:ext cx="305407" cy="369332"/>
           </a:xfrm>
           <a:prstGeom prst="rect">
@@ -6066,7 +6008,7 @@
         </p:nvSpPr>
         <p:spPr>
           <a:xfrm>
-            <a:off x="7945871" y="1705329"/>
+            <a:off x="8750271" y="2299862"/>
             <a:ext cx="911156" cy="702258"/>
           </a:xfrm>
           <a:prstGeom prst="diamond">
@@ -6119,15 +6061,15 @@
         <p:nvCxnSpPr>
           <p:cNvPr id="30" name="直接连接符 29"/>
           <p:cNvCxnSpPr>
-            <a:stCxn id="72" idx="0"/>
+            <a:stCxn id="32" idx="3"/>
             <a:endCxn id="25" idx="1"/>
           </p:cNvCxnSpPr>
           <p:nvPr/>
         </p:nvCxnSpPr>
         <p:spPr>
           <a:xfrm>
-            <a:off x="7133942" y="1489803"/>
-            <a:ext cx="811929" cy="566655"/>
+            <a:off x="8507077" y="2650991"/>
+            <a:ext cx="243194" cy="0"/>
           </a:xfrm>
           <a:prstGeom prst="line">
             <a:avLst/>
@@ -6156,7 +6098,7 @@
         </p:nvSpPr>
         <p:spPr>
           <a:xfrm>
-            <a:off x="4044887" y="1746942"/>
+            <a:off x="4780870" y="3367668"/>
             <a:ext cx="300616" cy="369332"/>
           </a:xfrm>
           <a:prstGeom prst="rect">
@@ -6185,7 +6127,7 @@
         </p:nvSpPr>
         <p:spPr>
           <a:xfrm>
-            <a:off x="3048588" y="634349"/>
+            <a:off x="3871295" y="2254585"/>
             <a:ext cx="911156" cy="702258"/>
           </a:xfrm>
           <a:prstGeom prst="diamond">
@@ -6242,7 +6184,7 @@
         </p:nvSpPr>
         <p:spPr>
           <a:xfrm>
-            <a:off x="3048588" y="1932328"/>
+            <a:off x="3871295" y="3552564"/>
             <a:ext cx="911156" cy="702258"/>
           </a:xfrm>
           <a:prstGeom prst="diamond">
@@ -6296,14 +6238,14 @@
           <p:cNvPr id="27" name="直接连接符 26"/>
           <p:cNvCxnSpPr>
             <a:stCxn id="44" idx="3"/>
-            <a:endCxn id="22" idx="1"/>
+            <a:endCxn id="33" idx="1"/>
           </p:cNvCxnSpPr>
           <p:nvPr/>
         </p:nvCxnSpPr>
         <p:spPr>
           <a:xfrm>
-            <a:off x="3959744" y="985478"/>
-            <a:ext cx="745161" cy="595721"/>
+            <a:off x="4782451" y="2605714"/>
+            <a:ext cx="515330" cy="587958"/>
           </a:xfrm>
           <a:prstGeom prst="line">
             <a:avLst/>
@@ -6329,14 +6271,14 @@
           <p:cNvPr id="38" name="直接连接符 37"/>
           <p:cNvCxnSpPr>
             <a:stCxn id="45" idx="3"/>
-            <a:endCxn id="22" idx="1"/>
+            <a:endCxn id="33" idx="1"/>
           </p:cNvCxnSpPr>
           <p:nvPr/>
         </p:nvCxnSpPr>
         <p:spPr>
           <a:xfrm flipV="1">
-            <a:off x="3959744" y="1581199"/>
-            <a:ext cx="745161" cy="702258"/>
+            <a:off x="4782451" y="3193672"/>
+            <a:ext cx="515330" cy="710021"/>
           </a:xfrm>
           <a:prstGeom prst="line">
             <a:avLst/>
@@ -6365,7 +6307,7 @@
         </p:nvSpPr>
         <p:spPr>
           <a:xfrm>
-            <a:off x="4049081" y="840671"/>
+            <a:off x="4856267" y="2537830"/>
             <a:ext cx="300616" cy="369332"/>
           </a:xfrm>
           <a:prstGeom prst="rect">
@@ -6394,7 +6336,7 @@
         </p:nvSpPr>
         <p:spPr>
           <a:xfrm>
-            <a:off x="7505061" y="1574517"/>
+            <a:off x="8463263" y="2354778"/>
             <a:ext cx="300616" cy="369332"/>
           </a:xfrm>
           <a:prstGeom prst="rect">
@@ -6423,7 +6365,7 @@
         </p:nvSpPr>
         <p:spPr>
           <a:xfrm>
-            <a:off x="1375794" y="718234"/>
+            <a:off x="2198501" y="2338470"/>
             <a:ext cx="1120247" cy="525083"/>
           </a:xfrm>
           <a:prstGeom prst="rect">
@@ -6481,7 +6423,7 @@
         </p:nvSpPr>
         <p:spPr>
           <a:xfrm>
-            <a:off x="1375794" y="2020915"/>
+            <a:off x="2198501" y="3641151"/>
             <a:ext cx="1120248" cy="525083"/>
           </a:xfrm>
           <a:prstGeom prst="rect">
@@ -6542,7 +6484,7 @@
         </p:nvCxnSpPr>
         <p:spPr>
           <a:xfrm flipH="1" flipV="1">
-            <a:off x="2496041" y="980776"/>
+            <a:off x="3318748" y="2601012"/>
             <a:ext cx="552547" cy="4702"/>
           </a:xfrm>
           <a:prstGeom prst="line">
@@ -6575,7 +6517,7 @@
         </p:nvCxnSpPr>
         <p:spPr>
           <a:xfrm flipH="1">
-            <a:off x="2496042" y="2283457"/>
+            <a:off x="3318749" y="3903693"/>
             <a:ext cx="552546" cy="0"/>
           </a:xfrm>
           <a:prstGeom prst="line">
@@ -6605,7 +6547,7 @@
         </p:nvSpPr>
         <p:spPr>
           <a:xfrm>
-            <a:off x="2674654" y="669620"/>
+            <a:off x="3497361" y="2289856"/>
             <a:ext cx="306494" cy="369332"/>
           </a:xfrm>
           <a:prstGeom prst="rect">
@@ -6635,7 +6577,7 @@
         </p:nvSpPr>
         <p:spPr>
           <a:xfrm>
-            <a:off x="2668573" y="1932098"/>
+            <a:off x="3491280" y="3552334"/>
             <a:ext cx="306494" cy="369332"/>
           </a:xfrm>
           <a:prstGeom prst="rect">
@@ -6659,19 +6601,24 @@
       </p:sp>
       <p:sp>
         <p:nvSpPr>
-          <p:cNvPr id="72" name="流程图: 合并 71"/>
+          <p:cNvPr id="31" name="矩形 30"/>
           <p:cNvSpPr/>
           <p:nvPr/>
         </p:nvSpPr>
         <p:spPr>
-          <a:xfrm rot="5215371">
-            <a:off x="6478594" y="1296621"/>
-            <a:ext cx="903004" cy="408281"/>
-          </a:xfrm>
-          <a:prstGeom prst="flowChartMerge">
-            <a:avLst/>
-          </a:prstGeom>
-          <a:noFill/>
+          <a:xfrm>
+            <a:off x="7347839" y="3591099"/>
+            <a:ext cx="1104979" cy="556571"/>
+          </a:xfrm>
+          <a:prstGeom prst="rect">
+            <a:avLst/>
+          </a:prstGeom>
+          <a:solidFill>
+            <a:schemeClr val="accent6">
+              <a:lumMod val="20000"/>
+              <a:lumOff val="80000"/>
+            </a:schemeClr>
+          </a:solidFill>
         </p:spPr>
         <p:style>
           <a:lnRef idx="2">
@@ -6694,23 +6641,232 @@
           <a:lstStyle/>
           <a:p>
             <a:pPr algn="ctr"/>
-            <a:endParaRPr lang="zh-CN" altLang="en-US"/>
+            <a:r>
+              <a:rPr lang="zh-CN" altLang="en-US" dirty="0" smtClean="0">
+                <a:solidFill>
+                  <a:schemeClr val="tx1"/>
+                </a:solidFill>
+              </a:rPr>
+              <a:t>团队</a:t>
+            </a:r>
+            <a:endParaRPr lang="en-US" altLang="zh-CN" dirty="0" smtClean="0">
+              <a:solidFill>
+                <a:schemeClr val="tx1"/>
+              </a:solidFill>
+            </a:endParaRPr>
+          </a:p>
+          <a:p>
+            <a:pPr algn="ctr"/>
+            <a:r>
+              <a:rPr lang="zh-CN" altLang="en-US" dirty="0" smtClean="0">
+                <a:solidFill>
+                  <a:schemeClr val="tx1"/>
+                </a:solidFill>
+              </a:rPr>
+              <a:t>进出记录</a:t>
+            </a:r>
+            <a:endParaRPr lang="zh-CN" altLang="en-US" dirty="0">
+              <a:solidFill>
+                <a:schemeClr val="tx1"/>
+              </a:solidFill>
+            </a:endParaRPr>
+          </a:p>
+        </p:txBody>
+      </p:sp>
+      <p:sp>
+        <p:nvSpPr>
+          <p:cNvPr id="32" name="矩形 31"/>
+          <p:cNvSpPr/>
+          <p:nvPr/>
+        </p:nvSpPr>
+        <p:spPr>
+          <a:xfrm>
+            <a:off x="7353628" y="2387386"/>
+            <a:ext cx="1153449" cy="527209"/>
+          </a:xfrm>
+          <a:prstGeom prst="rect">
+            <a:avLst/>
+          </a:prstGeom>
+          <a:solidFill>
+            <a:schemeClr val="accent6">
+              <a:lumMod val="20000"/>
+              <a:lumOff val="80000"/>
+            </a:schemeClr>
+          </a:solidFill>
+        </p:spPr>
+        <p:style>
+          <a:lnRef idx="2">
+            <a:schemeClr val="accent1">
+              <a:shade val="50000"/>
+            </a:schemeClr>
+          </a:lnRef>
+          <a:fillRef idx="1">
+            <a:schemeClr val="accent1"/>
+          </a:fillRef>
+          <a:effectRef idx="0">
+            <a:schemeClr val="accent1"/>
+          </a:effectRef>
+          <a:fontRef idx="minor">
+            <a:schemeClr val="lt1"/>
+          </a:fontRef>
+        </p:style>
+        <p:txBody>
+          <a:bodyPr rtlCol="0" anchor="ctr"/>
+          <a:lstStyle/>
+          <a:p>
+            <a:pPr algn="ctr"/>
+            <a:r>
+              <a:rPr lang="zh-CN" altLang="en-US" dirty="0" smtClean="0">
+                <a:solidFill>
+                  <a:schemeClr val="tx1"/>
+                </a:solidFill>
+              </a:rPr>
+              <a:t>个人</a:t>
+            </a:r>
+            <a:endParaRPr lang="en-US" altLang="zh-CN" dirty="0" smtClean="0">
+              <a:solidFill>
+                <a:schemeClr val="tx1"/>
+              </a:solidFill>
+            </a:endParaRPr>
+          </a:p>
+          <a:p>
+            <a:pPr algn="ctr"/>
+            <a:r>
+              <a:rPr lang="zh-CN" altLang="en-US" dirty="0">
+                <a:solidFill>
+                  <a:schemeClr val="tx1"/>
+                </a:solidFill>
+              </a:rPr>
+              <a:t>进</a:t>
+            </a:r>
+            <a:r>
+              <a:rPr lang="zh-CN" altLang="en-US" dirty="0" smtClean="0">
+                <a:solidFill>
+                  <a:schemeClr val="tx1"/>
+                </a:solidFill>
+              </a:rPr>
+              <a:t>出记录</a:t>
+            </a:r>
+            <a:endParaRPr lang="zh-CN" altLang="en-US" dirty="0">
+              <a:solidFill>
+                <a:schemeClr val="tx1"/>
+              </a:solidFill>
+            </a:endParaRPr>
+          </a:p>
+        </p:txBody>
+      </p:sp>
+      <p:sp>
+        <p:nvSpPr>
+          <p:cNvPr id="33" name="矩形 32"/>
+          <p:cNvSpPr/>
+          <p:nvPr/>
+        </p:nvSpPr>
+        <p:spPr>
+          <a:xfrm>
+            <a:off x="5297781" y="2931130"/>
+            <a:ext cx="1132229" cy="525083"/>
+          </a:xfrm>
+          <a:prstGeom prst="rect">
+            <a:avLst/>
+          </a:prstGeom>
+          <a:solidFill>
+            <a:schemeClr val="accent6">
+              <a:lumMod val="20000"/>
+              <a:lumOff val="80000"/>
+            </a:schemeClr>
+          </a:solidFill>
+        </p:spPr>
+        <p:style>
+          <a:lnRef idx="2">
+            <a:schemeClr val="accent1">
+              <a:shade val="50000"/>
+            </a:schemeClr>
+          </a:lnRef>
+          <a:fillRef idx="1">
+            <a:schemeClr val="accent1"/>
+          </a:fillRef>
+          <a:effectRef idx="0">
+            <a:schemeClr val="accent1"/>
+          </a:effectRef>
+          <a:fontRef idx="minor">
+            <a:schemeClr val="lt1"/>
+          </a:fontRef>
+        </p:style>
+        <p:txBody>
+          <a:bodyPr rtlCol="0" anchor="ctr"/>
+          <a:lstStyle/>
+          <a:p>
+            <a:pPr algn="ctr"/>
+            <a:r>
+              <a:rPr lang="zh-CN" altLang="en-US" dirty="0" smtClean="0">
+                <a:solidFill>
+                  <a:schemeClr val="tx1"/>
+                </a:solidFill>
+              </a:rPr>
+              <a:t>进出控制系统</a:t>
+            </a:r>
+            <a:endParaRPr lang="zh-CN" altLang="en-US" dirty="0">
+              <a:solidFill>
+                <a:schemeClr val="tx1"/>
+              </a:solidFill>
+            </a:endParaRPr>
+          </a:p>
+        </p:txBody>
+      </p:sp>
+      <p:sp>
+        <p:nvSpPr>
+          <p:cNvPr id="34" name="流程图: 合并 33"/>
+          <p:cNvSpPr/>
+          <p:nvPr/>
+        </p:nvSpPr>
+        <p:spPr>
+          <a:xfrm rot="5400000">
+            <a:off x="6465826" y="2989531"/>
+            <a:ext cx="903004" cy="408281"/>
+          </a:xfrm>
+          <a:prstGeom prst="flowChartMerge">
+            <a:avLst/>
+          </a:prstGeom>
+          <a:noFill/>
+        </p:spPr>
+        <p:style>
+          <a:lnRef idx="2">
+            <a:schemeClr val="accent1">
+              <a:shade val="50000"/>
+            </a:schemeClr>
+          </a:lnRef>
+          <a:fillRef idx="1">
+            <a:schemeClr val="accent1"/>
+          </a:fillRef>
+          <a:effectRef idx="0">
+            <a:schemeClr val="accent1"/>
+          </a:effectRef>
+          <a:fontRef idx="minor">
+            <a:schemeClr val="lt1"/>
+          </a:fontRef>
+        </p:style>
+        <p:txBody>
+          <a:bodyPr rtlCol="0" anchor="ctr"/>
+          <a:lstStyle/>
+          <a:p>
+            <a:pPr algn="ctr"/>
+            <a:endParaRPr lang="zh-CN" altLang="en-US" dirty="0"/>
           </a:p>
         </p:txBody>
       </p:sp>
       <p:cxnSp>
         <p:nvCxnSpPr>
-          <p:cNvPr id="73" name="直接连接符 72"/>
+          <p:cNvPr id="35" name="直接连接符 34"/>
           <p:cNvCxnSpPr>
-            <a:stCxn id="22" idx="3"/>
-            <a:endCxn id="72" idx="2"/>
+            <a:stCxn id="33" idx="3"/>
+            <a:endCxn id="34" idx="2"/>
           </p:cNvCxnSpPr>
           <p:nvPr/>
         </p:nvCxnSpPr>
         <p:spPr>
-          <a:xfrm flipV="1">
-            <a:off x="6413018" y="1511720"/>
-            <a:ext cx="313232" cy="69479"/>
+          <a:xfrm>
+            <a:off x="6430010" y="3193672"/>
+            <a:ext cx="283178" cy="0"/>
           </a:xfrm>
           <a:prstGeom prst="line">
             <a:avLst/>
@@ -6733,13 +6889,13 @@
       </p:cxnSp>
       <p:cxnSp>
         <p:nvCxnSpPr>
-          <p:cNvPr id="74" name="直接连接符 73"/>
+          <p:cNvPr id="39" name="直接连接符 38"/>
           <p:cNvCxnSpPr/>
           <p:nvPr/>
         </p:nvCxnSpPr>
         <p:spPr>
           <a:xfrm rot="5215371">
-            <a:off x="6841111" y="1379871"/>
+            <a:off x="6817180" y="3065866"/>
             <a:ext cx="273006" cy="225129"/>
           </a:xfrm>
           <a:prstGeom prst="line">
@@ -6768,13 +6924,13 @@
       </p:cxnSp>
       <p:cxnSp>
         <p:nvCxnSpPr>
-          <p:cNvPr id="75" name="直接连接符 74"/>
+          <p:cNvPr id="41" name="直接连接符 40"/>
           <p:cNvCxnSpPr/>
           <p:nvPr/>
         </p:nvCxnSpPr>
         <p:spPr>
           <a:xfrm rot="5215371" flipV="1">
-            <a:off x="6857161" y="1396806"/>
+            <a:off x="6833230" y="3082801"/>
             <a:ext cx="239086" cy="225129"/>
           </a:xfrm>
           <a:prstGeom prst="line">
@@ -6785,6 +6941,72 @@
               <a:schemeClr val="tx1"/>
             </a:solidFill>
           </a:ln>
+        </p:spPr>
+        <p:style>
+          <a:lnRef idx="1">
+            <a:schemeClr val="accent1"/>
+          </a:lnRef>
+          <a:fillRef idx="0">
+            <a:schemeClr val="accent1"/>
+          </a:fillRef>
+          <a:effectRef idx="0">
+            <a:schemeClr val="accent1"/>
+          </a:effectRef>
+          <a:fontRef idx="minor">
+            <a:schemeClr val="tx1"/>
+          </a:fontRef>
+        </p:style>
+      </p:cxnSp>
+      <p:cxnSp>
+        <p:nvCxnSpPr>
+          <p:cNvPr id="42" name="直接连接符 41"/>
+          <p:cNvCxnSpPr>
+            <a:stCxn id="32" idx="1"/>
+            <a:endCxn id="34" idx="0"/>
+          </p:cNvCxnSpPr>
+          <p:nvPr/>
+        </p:nvCxnSpPr>
+        <p:spPr>
+          <a:xfrm flipH="1">
+            <a:off x="7121469" y="2650991"/>
+            <a:ext cx="232159" cy="542681"/>
+          </a:xfrm>
+          <a:prstGeom prst="line">
+            <a:avLst/>
+          </a:prstGeom>
+        </p:spPr>
+        <p:style>
+          <a:lnRef idx="1">
+            <a:schemeClr val="accent1"/>
+          </a:lnRef>
+          <a:fillRef idx="0">
+            <a:schemeClr val="accent1"/>
+          </a:fillRef>
+          <a:effectRef idx="0">
+            <a:schemeClr val="accent1"/>
+          </a:effectRef>
+          <a:fontRef idx="minor">
+            <a:schemeClr val="tx1"/>
+          </a:fontRef>
+        </p:style>
+      </p:cxnSp>
+      <p:cxnSp>
+        <p:nvCxnSpPr>
+          <p:cNvPr id="43" name="直接连接符 42"/>
+          <p:cNvCxnSpPr>
+            <a:stCxn id="31" idx="1"/>
+            <a:endCxn id="34" idx="0"/>
+          </p:cNvCxnSpPr>
+          <p:nvPr/>
+        </p:nvCxnSpPr>
+        <p:spPr>
+          <a:xfrm flipH="1" flipV="1">
+            <a:off x="7121469" y="3193672"/>
+            <a:ext cx="226370" cy="675713"/>
+          </a:xfrm>
+          <a:prstGeom prst="line">
+            <a:avLst/>
+          </a:prstGeom>
         </p:spPr>
         <p:style>
           <a:lnRef idx="1">
@@ -6846,7 +7068,7 @@
         </p:nvSpPr>
         <p:spPr>
           <a:xfrm>
-            <a:off x="1802293" y="1915515"/>
+            <a:off x="1800657" y="2292228"/>
             <a:ext cx="1101797" cy="469785"/>
           </a:xfrm>
           <a:prstGeom prst="rect">
@@ -6904,7 +7126,7 @@
         </p:nvSpPr>
         <p:spPr>
           <a:xfrm>
-            <a:off x="9924353" y="1923501"/>
+            <a:off x="9924353" y="2246296"/>
             <a:ext cx="1138726" cy="469785"/>
           </a:xfrm>
           <a:prstGeom prst="rect">
@@ -6962,7 +7184,7 @@
         </p:nvSpPr>
         <p:spPr>
           <a:xfrm>
-            <a:off x="5958876" y="6227396"/>
+            <a:off x="5948828" y="6019502"/>
             <a:ext cx="1107308" cy="474925"/>
           </a:xfrm>
           <a:prstGeom prst="rect">
@@ -7020,7 +7242,7 @@
         </p:nvSpPr>
         <p:spPr>
           <a:xfrm>
-            <a:off x="1779662" y="5293745"/>
+            <a:off x="1823454" y="5085399"/>
             <a:ext cx="1103952" cy="417533"/>
           </a:xfrm>
           <a:prstGeom prst="rect">
@@ -7081,8 +7303,8 @@
         </p:nvCxnSpPr>
         <p:spPr>
           <a:xfrm flipH="1" flipV="1">
-            <a:off x="6506554" y="5659276"/>
-            <a:ext cx="5976" cy="568120"/>
+            <a:off x="6498656" y="5635596"/>
+            <a:ext cx="3826" cy="383906"/>
           </a:xfrm>
           <a:prstGeom prst="line">
             <a:avLst/>
@@ -7111,7 +7333,7 @@
         </p:nvSpPr>
         <p:spPr>
           <a:xfrm>
-            <a:off x="6031478" y="5032018"/>
+            <a:off x="6023580" y="5008338"/>
             <a:ext cx="950151" cy="627258"/>
           </a:xfrm>
           <a:prstGeom prst="diamond">
@@ -7171,7 +7393,7 @@
         </p:nvCxnSpPr>
         <p:spPr>
           <a:xfrm flipH="1" flipV="1">
-            <a:off x="2883614" y="5502512"/>
+            <a:off x="2927406" y="5294166"/>
             <a:ext cx="1291760" cy="313627"/>
           </a:xfrm>
           <a:prstGeom prst="line">
@@ -7704,9 +7926,9 @@
           <p:nvPr/>
         </p:nvCxnSpPr>
         <p:spPr>
-          <a:xfrm>
-            <a:off x="2352114" y="1510807"/>
-            <a:ext cx="1078" cy="404708"/>
+          <a:xfrm flipH="1">
+            <a:off x="2351556" y="1510807"/>
+            <a:ext cx="558" cy="781421"/>
           </a:xfrm>
           <a:prstGeom prst="line">
             <a:avLst/>
@@ -7824,7 +8046,7 @@
         <p:spPr>
           <a:xfrm>
             <a:off x="10493716" y="1505968"/>
-            <a:ext cx="0" cy="417533"/>
+            <a:ext cx="0" cy="740328"/>
           </a:xfrm>
           <a:prstGeom prst="line">
             <a:avLst/>
@@ -7912,9 +8134,9 @@
           <p:nvPr/>
         </p:nvCxnSpPr>
         <p:spPr>
-          <a:xfrm flipH="1">
-            <a:off x="2351557" y="2385300"/>
-            <a:ext cx="1635" cy="1145207"/>
+          <a:xfrm>
+            <a:off x="2351556" y="2762013"/>
+            <a:ext cx="1" cy="768494"/>
           </a:xfrm>
           <a:prstGeom prst="line">
             <a:avLst/>
@@ -7945,9 +8167,9 @@
           <p:nvPr/>
         </p:nvCxnSpPr>
         <p:spPr>
-          <a:xfrm flipH="1">
-            <a:off x="2331638" y="4202563"/>
-            <a:ext cx="19919" cy="1091182"/>
+          <a:xfrm>
+            <a:off x="2351557" y="4202563"/>
+            <a:ext cx="23873" cy="882836"/>
           </a:xfrm>
           <a:prstGeom prst="line">
             <a:avLst/>
@@ -8102,8 +8324,8 @@
         </p:nvCxnSpPr>
         <p:spPr>
           <a:xfrm>
-            <a:off x="10493716" y="2393286"/>
-            <a:ext cx="0" cy="1187097"/>
+            <a:off x="10493716" y="2716081"/>
+            <a:ext cx="0" cy="864302"/>
           </a:xfrm>
           <a:prstGeom prst="line">
             <a:avLst/>
@@ -8168,8 +8390,8 @@
         </p:nvCxnSpPr>
         <p:spPr>
           <a:xfrm flipV="1">
-            <a:off x="8830241" y="5502511"/>
-            <a:ext cx="1215347" cy="313628"/>
+            <a:off x="8874033" y="5502511"/>
+            <a:ext cx="1171555" cy="105282"/>
           </a:xfrm>
           <a:prstGeom prst="line">
             <a:avLst/>
@@ -8198,7 +8420,7 @@
         </p:nvSpPr>
         <p:spPr>
           <a:xfrm>
-            <a:off x="5958876" y="3711924"/>
+            <a:off x="5944594" y="4099211"/>
             <a:ext cx="1111542" cy="503640"/>
           </a:xfrm>
           <a:prstGeom prst="rect">
@@ -8264,7 +8486,7 @@
         </p:nvSpPr>
         <p:spPr>
           <a:xfrm>
-            <a:off x="7543048" y="2246920"/>
+            <a:off x="7522532" y="3055091"/>
             <a:ext cx="768659" cy="685807"/>
           </a:xfrm>
           <a:prstGeom prst="diamond">
@@ -8323,9 +8545,9 @@
           <p:nvPr/>
         </p:nvCxnSpPr>
         <p:spPr>
-          <a:xfrm>
-            <a:off x="7923112" y="1423227"/>
-            <a:ext cx="4266" cy="823693"/>
+          <a:xfrm flipH="1">
+            <a:off x="7906862" y="1423227"/>
+            <a:ext cx="16250" cy="1631864"/>
           </a:xfrm>
           <a:prstGeom prst="line">
             <a:avLst/>
@@ -8357,8 +8579,8 @@
         </p:nvCxnSpPr>
         <p:spPr>
           <a:xfrm flipV="1">
-            <a:off x="6514647" y="2932727"/>
-            <a:ext cx="1412731" cy="779197"/>
+            <a:off x="6500365" y="3740898"/>
+            <a:ext cx="1406497" cy="358313"/>
           </a:xfrm>
           <a:prstGeom prst="line">
             <a:avLst/>
@@ -8387,7 +8609,7 @@
         </p:nvSpPr>
         <p:spPr>
           <a:xfrm>
-            <a:off x="8844527" y="1832934"/>
+            <a:off x="8499836" y="1794407"/>
             <a:ext cx="794653" cy="649974"/>
           </a:xfrm>
           <a:prstGeom prst="diamond">
@@ -8446,9 +8668,9 @@
           <p:nvPr/>
         </p:nvCxnSpPr>
         <p:spPr>
-          <a:xfrm flipH="1" flipV="1">
-            <a:off x="7508677" y="1991347"/>
-            <a:ext cx="1335850" cy="166574"/>
+          <a:xfrm flipH="1">
+            <a:off x="7711067" y="2119394"/>
+            <a:ext cx="788769" cy="913"/>
           </a:xfrm>
           <a:prstGeom prst="line">
             <a:avLst/>
@@ -8480,8 +8702,8 @@
         </p:nvCxnSpPr>
         <p:spPr>
           <a:xfrm>
-            <a:off x="9639180" y="2157921"/>
-            <a:ext cx="285173" cy="473"/>
+            <a:off x="9294489" y="2119394"/>
+            <a:ext cx="629864" cy="361795"/>
           </a:xfrm>
           <a:prstGeom prst="line">
             <a:avLst/>
@@ -8510,7 +8732,7 @@
         </p:nvSpPr>
         <p:spPr>
           <a:xfrm>
-            <a:off x="4473193" y="2218314"/>
+            <a:off x="4471406" y="2911026"/>
             <a:ext cx="768659" cy="685807"/>
           </a:xfrm>
           <a:prstGeom prst="diamond">
@@ -8570,8 +8792,8 @@
         </p:nvCxnSpPr>
         <p:spPr>
           <a:xfrm flipH="1" flipV="1">
-            <a:off x="4857523" y="2904121"/>
-            <a:ext cx="1657124" cy="807803"/>
+            <a:off x="4855736" y="3596833"/>
+            <a:ext cx="1644629" cy="502378"/>
           </a:xfrm>
           <a:prstGeom prst="line">
             <a:avLst/>
@@ -8603,8 +8825,8 @@
         </p:nvCxnSpPr>
         <p:spPr>
           <a:xfrm flipH="1">
-            <a:off x="4857523" y="1452589"/>
-            <a:ext cx="1" cy="765725"/>
+            <a:off x="4855736" y="1452589"/>
+            <a:ext cx="1788" cy="1458437"/>
           </a:xfrm>
           <a:prstGeom prst="line">
             <a:avLst/>
@@ -8692,9 +8914,9 @@
           <p:nvPr/>
         </p:nvCxnSpPr>
         <p:spPr>
-          <a:xfrm flipV="1">
-            <a:off x="4172006" y="1988102"/>
-            <a:ext cx="1174797" cy="115547"/>
+          <a:xfrm>
+            <a:off x="4172006" y="2103649"/>
+            <a:ext cx="919715" cy="5537"/>
           </a:xfrm>
           <a:prstGeom prst="line">
             <a:avLst/>
@@ -8726,8 +8948,8 @@
         </p:nvCxnSpPr>
         <p:spPr>
           <a:xfrm flipH="1">
-            <a:off x="2904090" y="2103649"/>
-            <a:ext cx="473263" cy="46759"/>
+            <a:off x="2902454" y="2103649"/>
+            <a:ext cx="474899" cy="423472"/>
           </a:xfrm>
           <a:prstGeom prst="line">
             <a:avLst/>
@@ -8759,8 +8981,8 @@
         </p:nvCxnSpPr>
         <p:spPr>
           <a:xfrm flipH="1">
-            <a:off x="6506554" y="4215564"/>
-            <a:ext cx="8093" cy="816454"/>
+            <a:off x="6498656" y="4602851"/>
+            <a:ext cx="1709" cy="405487"/>
           </a:xfrm>
           <a:prstGeom prst="line">
             <a:avLst/>
@@ -8789,7 +9011,7 @@
         </p:nvSpPr>
         <p:spPr>
           <a:xfrm>
-            <a:off x="2029952" y="4622293"/>
+            <a:off x="2073744" y="4413947"/>
             <a:ext cx="301686" cy="369332"/>
           </a:xfrm>
           <a:prstGeom prst="rect">
@@ -8819,7 +9041,7 @@
         </p:nvSpPr>
         <p:spPr>
           <a:xfrm>
-            <a:off x="3431292" y="5317844"/>
+            <a:off x="3487309" y="5182818"/>
             <a:ext cx="306494" cy="369332"/>
           </a:xfrm>
           <a:prstGeom prst="rect">
@@ -8849,7 +9071,7 @@
         </p:nvSpPr>
         <p:spPr>
           <a:xfrm>
-            <a:off x="5319273" y="6124227"/>
+            <a:off x="5259484" y="5801263"/>
             <a:ext cx="369012" cy="369332"/>
           </a:xfrm>
           <a:prstGeom prst="rect">
@@ -8879,7 +9101,37 @@
         </p:nvSpPr>
         <p:spPr>
           <a:xfrm>
-            <a:off x="6491433" y="4491121"/>
+            <a:off x="6446912" y="4646293"/>
+            <a:ext cx="305873" cy="369332"/>
+          </a:xfrm>
+          <a:prstGeom prst="rect">
+            <a:avLst/>
+          </a:prstGeom>
+          <a:noFill/>
+        </p:spPr>
+        <p:txBody>
+          <a:bodyPr wrap="square" rtlCol="0">
+            <a:spAutoFit/>
+          </a:bodyPr>
+          <a:lstStyle/>
+          <a:p>
+            <a:r>
+              <a:rPr lang="en-US" altLang="zh-CN" dirty="0" smtClean="0"/>
+              <a:t>q</a:t>
+            </a:r>
+            <a:endParaRPr lang="zh-CN" altLang="en-US" dirty="0"/>
+          </a:p>
+        </p:txBody>
+      </p:sp>
+      <p:sp>
+        <p:nvSpPr>
+          <p:cNvPr id="310" name="文本框 309"/>
+          <p:cNvSpPr txBox="1"/>
+          <p:nvPr/>
+        </p:nvSpPr>
+        <p:spPr>
+          <a:xfrm>
+            <a:off x="9192572" y="5266264"/>
             <a:ext cx="306494" cy="369332"/>
           </a:xfrm>
           <a:prstGeom prst="rect">
@@ -8895,7 +9147,7 @@
           <a:p>
             <a:r>
               <a:rPr lang="en-US" altLang="zh-CN" dirty="0" smtClean="0"/>
-              <a:t>q</a:t>
+              <a:t>p</a:t>
             </a:r>
             <a:endParaRPr lang="zh-CN" altLang="en-US" dirty="0"/>
           </a:p>
@@ -8903,13 +9155,13 @@
       </p:sp>
       <p:sp>
         <p:nvSpPr>
-          <p:cNvPr id="310" name="文本框 309"/>
+          <p:cNvPr id="316" name="文本框 315"/>
           <p:cNvSpPr txBox="1"/>
           <p:nvPr/>
         </p:nvSpPr>
         <p:spPr>
           <a:xfrm>
-            <a:off x="9393815" y="5303630"/>
+            <a:off x="4784088" y="2604790"/>
             <a:ext cx="306494" cy="369332"/>
           </a:xfrm>
           <a:prstGeom prst="rect">
@@ -8925,7 +9177,7 @@
           <a:p>
             <a:r>
               <a:rPr lang="en-US" altLang="zh-CN" dirty="0" smtClean="0"/>
-              <a:t>p</a:t>
+              <a:t>1</a:t>
             </a:r>
             <a:endParaRPr lang="zh-CN" altLang="en-US" dirty="0"/>
           </a:p>
@@ -8933,13 +9185,13 @@
       </p:sp>
       <p:sp>
         <p:nvSpPr>
-          <p:cNvPr id="316" name="文本框 315"/>
+          <p:cNvPr id="317" name="文本框 316"/>
           <p:cNvSpPr txBox="1"/>
           <p:nvPr/>
         </p:nvSpPr>
         <p:spPr>
           <a:xfrm>
-            <a:off x="4793827" y="1442146"/>
+            <a:off x="10419384" y="1833101"/>
             <a:ext cx="306494" cy="369332"/>
           </a:xfrm>
           <a:prstGeom prst="rect">
@@ -8963,13 +9215,13 @@
       </p:sp>
       <p:sp>
         <p:nvSpPr>
-          <p:cNvPr id="317" name="文本框 316"/>
+          <p:cNvPr id="319" name="文本框 318"/>
           <p:cNvSpPr txBox="1"/>
           <p:nvPr/>
         </p:nvSpPr>
         <p:spPr>
           <a:xfrm>
-            <a:off x="10541925" y="1505968"/>
+            <a:off x="2038752" y="1493388"/>
             <a:ext cx="306494" cy="369332"/>
           </a:xfrm>
           <a:prstGeom prst="rect">
@@ -8993,14 +9245,14 @@
       </p:sp>
       <p:sp>
         <p:nvSpPr>
-          <p:cNvPr id="319" name="文本框 318"/>
+          <p:cNvPr id="320" name="文本框 319"/>
           <p:cNvSpPr txBox="1"/>
           <p:nvPr/>
         </p:nvSpPr>
         <p:spPr>
           <a:xfrm>
-            <a:off x="2038752" y="1493388"/>
-            <a:ext cx="306494" cy="369332"/>
+            <a:off x="9479068" y="2002785"/>
+            <a:ext cx="301686" cy="369332"/>
           </a:xfrm>
           <a:prstGeom prst="rect">
             <a:avLst/>
@@ -9014,7 +9266,7 @@
           <a:lstStyle/>
           <a:p>
             <a:r>
-              <a:rPr lang="en-US" altLang="zh-CN" dirty="0" smtClean="0"/>
+              <a:rPr lang="en-US" altLang="zh-CN" dirty="0"/>
               <a:t>1</a:t>
             </a:r>
             <a:endParaRPr lang="zh-CN" altLang="en-US" dirty="0"/>
@@ -9023,14 +9275,14 @@
       </p:sp>
       <p:sp>
         <p:nvSpPr>
-          <p:cNvPr id="320" name="文本框 319"/>
+          <p:cNvPr id="321" name="文本框 320"/>
           <p:cNvSpPr txBox="1"/>
           <p:nvPr/>
         </p:nvSpPr>
         <p:spPr>
           <a:xfrm>
-            <a:off x="9596557" y="2074634"/>
-            <a:ext cx="301686" cy="369332"/>
+            <a:off x="7682521" y="2698172"/>
+            <a:ext cx="306494" cy="369332"/>
           </a:xfrm>
           <a:prstGeom prst="rect">
             <a:avLst/>
@@ -9044,7 +9296,7 @@
           <a:lstStyle/>
           <a:p>
             <a:r>
-              <a:rPr lang="en-US" altLang="zh-CN" dirty="0"/>
+              <a:rPr lang="en-US" altLang="zh-CN" dirty="0" smtClean="0"/>
               <a:t>1</a:t>
             </a:r>
             <a:endParaRPr lang="zh-CN" altLang="en-US" dirty="0"/>
@@ -9053,13 +9305,13 @@
       </p:sp>
       <p:sp>
         <p:nvSpPr>
-          <p:cNvPr id="321" name="文本框 320"/>
+          <p:cNvPr id="322" name="文本框 321"/>
           <p:cNvSpPr txBox="1"/>
           <p:nvPr/>
         </p:nvSpPr>
         <p:spPr>
           <a:xfrm>
-            <a:off x="7842330" y="1478251"/>
+            <a:off x="9182039" y="832380"/>
             <a:ext cx="306494" cy="369332"/>
           </a:xfrm>
           <a:prstGeom prst="rect">
@@ -9075,7 +9327,7 @@
           <a:p>
             <a:r>
               <a:rPr lang="en-US" altLang="zh-CN" dirty="0" smtClean="0"/>
-              <a:t>1</a:t>
+              <a:t>n</a:t>
             </a:r>
             <a:endParaRPr lang="zh-CN" altLang="en-US" dirty="0"/>
           </a:p>
@@ -9083,13 +9335,13 @@
       </p:sp>
       <p:sp>
         <p:nvSpPr>
-          <p:cNvPr id="322" name="文本框 321"/>
+          <p:cNvPr id="328" name="文本框 327"/>
           <p:cNvSpPr txBox="1"/>
           <p:nvPr/>
         </p:nvSpPr>
         <p:spPr>
           <a:xfrm>
-            <a:off x="9182039" y="832380"/>
+            <a:off x="5410474" y="3494084"/>
             <a:ext cx="306494" cy="369332"/>
           </a:xfrm>
           <a:prstGeom prst="rect">
@@ -9105,7 +9357,7 @@
           <a:p>
             <a:r>
               <a:rPr lang="en-US" altLang="zh-CN" dirty="0" smtClean="0"/>
-              <a:t>n</a:t>
+              <a:t>1</a:t>
             </a:r>
             <a:endParaRPr lang="zh-CN" altLang="en-US" dirty="0"/>
           </a:p>
@@ -9113,14 +9365,14 @@
       </p:sp>
       <p:sp>
         <p:nvSpPr>
-          <p:cNvPr id="328" name="文本框 327"/>
+          <p:cNvPr id="329" name="文本框 328"/>
           <p:cNvSpPr txBox="1"/>
           <p:nvPr/>
         </p:nvSpPr>
         <p:spPr>
           <a:xfrm>
-            <a:off x="5470262" y="2981204"/>
-            <a:ext cx="306494" cy="369332"/>
+            <a:off x="2088315" y="2966584"/>
+            <a:ext cx="301686" cy="369332"/>
           </a:xfrm>
           <a:prstGeom prst="rect">
             <a:avLst/>
@@ -9134,7 +9386,7 @@
           <a:lstStyle/>
           <a:p>
             <a:r>
-              <a:rPr lang="en-US" altLang="zh-CN" dirty="0" smtClean="0"/>
+              <a:rPr lang="en-US" altLang="zh-CN" dirty="0"/>
               <a:t>1</a:t>
             </a:r>
             <a:endParaRPr lang="zh-CN" altLang="en-US" dirty="0"/>
@@ -9143,13 +9395,13 @@
       </p:sp>
       <p:sp>
         <p:nvSpPr>
-          <p:cNvPr id="329" name="文本框 328"/>
+          <p:cNvPr id="331" name="文本框 330"/>
           <p:cNvSpPr txBox="1"/>
           <p:nvPr/>
         </p:nvSpPr>
         <p:spPr>
           <a:xfrm>
-            <a:off x="2088315" y="2966584"/>
+            <a:off x="10427143" y="3063000"/>
             <a:ext cx="301686" cy="369332"/>
           </a:xfrm>
           <a:prstGeom prst="rect">
@@ -9173,13 +9425,13 @@
       </p:sp>
       <p:sp>
         <p:nvSpPr>
-          <p:cNvPr id="331" name="文本框 330"/>
+          <p:cNvPr id="332" name="文本框 331"/>
           <p:cNvSpPr txBox="1"/>
           <p:nvPr/>
         </p:nvSpPr>
         <p:spPr>
           <a:xfrm>
-            <a:off x="10476711" y="2884970"/>
+            <a:off x="10594942" y="4652216"/>
             <a:ext cx="301686" cy="369332"/>
           </a:xfrm>
           <a:prstGeom prst="rect">
@@ -9203,14 +9455,14 @@
       </p:sp>
       <p:sp>
         <p:nvSpPr>
-          <p:cNvPr id="332" name="文本框 331"/>
+          <p:cNvPr id="335" name="文本框 334"/>
           <p:cNvSpPr txBox="1"/>
           <p:nvPr/>
         </p:nvSpPr>
         <p:spPr>
           <a:xfrm>
-            <a:off x="10594942" y="4652216"/>
-            <a:ext cx="301686" cy="369332"/>
+            <a:off x="8076438" y="1786518"/>
+            <a:ext cx="306494" cy="369332"/>
           </a:xfrm>
           <a:prstGeom prst="rect">
             <a:avLst/>
@@ -9224,7 +9476,7 @@
           <a:lstStyle/>
           <a:p>
             <a:r>
-              <a:rPr lang="en-US" altLang="zh-CN" dirty="0"/>
+              <a:rPr lang="en-US" altLang="zh-CN" dirty="0" smtClean="0"/>
               <a:t>1</a:t>
             </a:r>
             <a:endParaRPr lang="zh-CN" altLang="en-US" dirty="0"/>
@@ -9233,14 +9485,14 @@
       </p:sp>
       <p:sp>
         <p:nvSpPr>
-          <p:cNvPr id="335" name="文本框 334"/>
+          <p:cNvPr id="336" name="文本框 335"/>
           <p:cNvSpPr txBox="1"/>
           <p:nvPr/>
         </p:nvSpPr>
         <p:spPr>
           <a:xfrm>
-            <a:off x="8452373" y="1816236"/>
-            <a:ext cx="306494" cy="369332"/>
+            <a:off x="2989060" y="2012212"/>
+            <a:ext cx="301686" cy="369332"/>
           </a:xfrm>
           <a:prstGeom prst="rect">
             <a:avLst/>
@@ -9254,7 +9506,7 @@
           <a:lstStyle/>
           <a:p>
             <a:r>
-              <a:rPr lang="en-US" altLang="zh-CN" dirty="0" smtClean="0"/>
+              <a:rPr lang="en-US" altLang="zh-CN" dirty="0"/>
               <a:t>1</a:t>
             </a:r>
             <a:endParaRPr lang="zh-CN" altLang="en-US" dirty="0"/>
@@ -9263,14 +9515,14 @@
       </p:sp>
       <p:sp>
         <p:nvSpPr>
-          <p:cNvPr id="336" name="文本框 335"/>
+          <p:cNvPr id="337" name="文本框 336"/>
           <p:cNvSpPr txBox="1"/>
           <p:nvPr/>
         </p:nvSpPr>
         <p:spPr>
           <a:xfrm>
-            <a:off x="3015912" y="2045875"/>
-            <a:ext cx="301686" cy="369332"/>
+            <a:off x="4379663" y="1770469"/>
+            <a:ext cx="306494" cy="369332"/>
           </a:xfrm>
           <a:prstGeom prst="rect">
             <a:avLst/>
@@ -9284,7 +9536,7 @@
           <a:lstStyle/>
           <a:p>
             <a:r>
-              <a:rPr lang="en-US" altLang="zh-CN" dirty="0"/>
+              <a:rPr lang="en-US" altLang="zh-CN" dirty="0" smtClean="0"/>
               <a:t>1</a:t>
             </a:r>
             <a:endParaRPr lang="zh-CN" altLang="en-US" dirty="0"/>
@@ -9293,13 +9545,13 @@
       </p:sp>
       <p:sp>
         <p:nvSpPr>
-          <p:cNvPr id="337" name="文本框 336"/>
+          <p:cNvPr id="338" name="文本框 337"/>
           <p:cNvSpPr txBox="1"/>
           <p:nvPr/>
         </p:nvSpPr>
         <p:spPr>
           <a:xfrm>
-            <a:off x="4148826" y="1756337"/>
+            <a:off x="7098877" y="3626877"/>
             <a:ext cx="306494" cy="369332"/>
           </a:xfrm>
           <a:prstGeom prst="rect">
@@ -9323,13 +9575,13 @@
       </p:sp>
       <p:sp>
         <p:nvSpPr>
-          <p:cNvPr id="338" name="文本框 337"/>
+          <p:cNvPr id="87" name="文本框 86"/>
           <p:cNvSpPr txBox="1"/>
           <p:nvPr/>
         </p:nvSpPr>
         <p:spPr>
           <a:xfrm>
-            <a:off x="7127386" y="2981204"/>
+            <a:off x="3635102" y="854707"/>
             <a:ext cx="306494" cy="369332"/>
           </a:xfrm>
           <a:prstGeom prst="rect">
@@ -9345,36 +9597,6 @@
           <a:p>
             <a:r>
               <a:rPr lang="en-US" altLang="zh-CN" dirty="0" smtClean="0"/>
-              <a:t>1</a:t>
-            </a:r>
-            <a:endParaRPr lang="zh-CN" altLang="en-US" dirty="0"/>
-          </a:p>
-        </p:txBody>
-      </p:sp>
-      <p:sp>
-        <p:nvSpPr>
-          <p:cNvPr id="87" name="文本框 86"/>
-          <p:cNvSpPr txBox="1"/>
-          <p:nvPr/>
-        </p:nvSpPr>
-        <p:spPr>
-          <a:xfrm>
-            <a:off x="3635102" y="854707"/>
-            <a:ext cx="306494" cy="369332"/>
-          </a:xfrm>
-          <a:prstGeom prst="rect">
-            <a:avLst/>
-          </a:prstGeom>
-          <a:noFill/>
-        </p:spPr>
-        <p:txBody>
-          <a:bodyPr wrap="none" rtlCol="0">
-            <a:spAutoFit/>
-          </a:bodyPr>
-          <a:lstStyle/>
-          <a:p>
-            <a:r>
-              <a:rPr lang="en-US" altLang="zh-CN" dirty="0" smtClean="0"/>
               <a:t>n</a:t>
             </a:r>
             <a:endParaRPr lang="zh-CN" altLang="en-US" dirty="0"/>
@@ -9389,7 +9611,7 @@
         </p:nvSpPr>
         <p:spPr>
           <a:xfrm>
-            <a:off x="4175374" y="5502510"/>
+            <a:off x="4219166" y="5294164"/>
             <a:ext cx="950151" cy="627258"/>
           </a:xfrm>
           <a:prstGeom prst="diamond">
@@ -9446,7 +9668,7 @@
         </p:nvSpPr>
         <p:spPr>
           <a:xfrm>
-            <a:off x="7880090" y="5502510"/>
+            <a:off x="7923882" y="5294164"/>
             <a:ext cx="950151" cy="627258"/>
           </a:xfrm>
           <a:prstGeom prst="diamond">
@@ -9506,8 +9728,8 @@
         </p:nvCxnSpPr>
         <p:spPr>
           <a:xfrm flipH="1" flipV="1">
-            <a:off x="5125525" y="5816139"/>
-            <a:ext cx="833351" cy="648720"/>
+            <a:off x="5169317" y="5607793"/>
+            <a:ext cx="779511" cy="649172"/>
           </a:xfrm>
           <a:prstGeom prst="line">
             <a:avLst/>
@@ -9539,8 +9761,8 @@
         </p:nvCxnSpPr>
         <p:spPr>
           <a:xfrm flipV="1">
-            <a:off x="7066184" y="5816139"/>
-            <a:ext cx="813906" cy="648720"/>
+            <a:off x="7056136" y="5607793"/>
+            <a:ext cx="867746" cy="649172"/>
           </a:xfrm>
           <a:prstGeom prst="line">
             <a:avLst/>
@@ -9569,7 +9791,7 @@
         </p:nvSpPr>
         <p:spPr>
           <a:xfrm>
-            <a:off x="6426581" y="5771167"/>
+            <a:off x="6470373" y="5562821"/>
             <a:ext cx="369012" cy="369332"/>
           </a:xfrm>
           <a:prstGeom prst="rect">
@@ -9599,7 +9821,7 @@
         </p:nvSpPr>
         <p:spPr>
           <a:xfrm>
-            <a:off x="7430194" y="6009609"/>
+            <a:off x="7473986" y="5801263"/>
             <a:ext cx="369012" cy="369332"/>
           </a:xfrm>
           <a:prstGeom prst="rect">
@@ -9629,8 +9851,8 @@
         </p:nvSpPr>
         <p:spPr>
           <a:xfrm>
-            <a:off x="5056156" y="4266126"/>
-            <a:ext cx="263172" cy="369332"/>
+            <a:off x="4923729" y="4229281"/>
+            <a:ext cx="258270" cy="369332"/>
           </a:xfrm>
           <a:prstGeom prst="rect">
             <a:avLst/>
@@ -9658,7 +9880,7 @@
         </p:nvSpPr>
         <p:spPr>
           <a:xfrm>
-            <a:off x="4250930" y="4479763"/>
+            <a:off x="4055710" y="4364534"/>
             <a:ext cx="797666" cy="676446"/>
           </a:xfrm>
           <a:prstGeom prst="diamond">
@@ -9718,8 +9940,8 @@
         </p:nvCxnSpPr>
         <p:spPr>
           <a:xfrm flipV="1">
-            <a:off x="5048596" y="3963744"/>
-            <a:ext cx="910280" cy="854242"/>
+            <a:off x="4853376" y="4351031"/>
+            <a:ext cx="1091218" cy="351726"/>
           </a:xfrm>
           <a:prstGeom prst="line">
             <a:avLst/>
@@ -9751,8 +9973,8 @@
         </p:nvCxnSpPr>
         <p:spPr>
           <a:xfrm flipH="1">
-            <a:off x="2883614" y="4817986"/>
-            <a:ext cx="1367316" cy="684526"/>
+            <a:off x="2927406" y="4702757"/>
+            <a:ext cx="1128304" cy="591409"/>
           </a:xfrm>
           <a:prstGeom prst="line">
             <a:avLst/>
@@ -9781,7 +10003,7 @@
         </p:nvSpPr>
         <p:spPr>
           <a:xfrm>
-            <a:off x="3679842" y="4451282"/>
+            <a:off x="3430839" y="4577333"/>
             <a:ext cx="268318" cy="369332"/>
           </a:xfrm>
           <a:prstGeom prst="rect">
@@ -9840,7 +10062,7 @@
         </p:nvSpPr>
         <p:spPr>
           <a:xfrm>
-            <a:off x="7894111" y="4504348"/>
+            <a:off x="8260403" y="4369598"/>
             <a:ext cx="778018" cy="643909"/>
           </a:xfrm>
           <a:prstGeom prst="diamond">
@@ -9900,8 +10122,8 @@
         </p:nvCxnSpPr>
         <p:spPr>
           <a:xfrm>
-            <a:off x="8672129" y="4826303"/>
-            <a:ext cx="1373459" cy="676208"/>
+            <a:off x="9038421" y="4691553"/>
+            <a:ext cx="1007167" cy="810958"/>
           </a:xfrm>
           <a:prstGeom prst="line">
             <a:avLst/>
@@ -9933,8 +10155,8 @@
         </p:nvCxnSpPr>
         <p:spPr>
           <a:xfrm flipH="1" flipV="1">
-            <a:off x="7070418" y="3963744"/>
-            <a:ext cx="823693" cy="862559"/>
+            <a:off x="7056136" y="4351031"/>
+            <a:ext cx="1204267" cy="340522"/>
           </a:xfrm>
           <a:prstGeom prst="line">
             <a:avLst/>
@@ -9963,7 +10185,7 @@
         </p:nvSpPr>
         <p:spPr>
           <a:xfrm>
-            <a:off x="9335286" y="4879994"/>
+            <a:off x="9409244" y="4798636"/>
             <a:ext cx="306494" cy="369332"/>
           </a:xfrm>
           <a:prstGeom prst="rect">
@@ -9993,8 +10215,8 @@
         </p:nvSpPr>
         <p:spPr>
           <a:xfrm>
-            <a:off x="5346803" y="1569400"/>
-            <a:ext cx="1043514" cy="837404"/>
+            <a:off x="5091721" y="1850592"/>
+            <a:ext cx="1172657" cy="517188"/>
           </a:xfrm>
           <a:prstGeom prst="rect">
             <a:avLst/>
@@ -10075,8 +10297,8 @@
         </p:nvSpPr>
         <p:spPr>
           <a:xfrm>
-            <a:off x="6556180" y="1524977"/>
-            <a:ext cx="952497" cy="932739"/>
+            <a:off x="6563765" y="1860254"/>
+            <a:ext cx="1147302" cy="520106"/>
           </a:xfrm>
           <a:prstGeom prst="rect">
             <a:avLst/>
@@ -10160,8 +10382,8 @@
         </p:nvCxnSpPr>
         <p:spPr>
           <a:xfrm>
-            <a:off x="5868560" y="2406804"/>
-            <a:ext cx="659489" cy="589666"/>
+            <a:off x="5678050" y="2367780"/>
+            <a:ext cx="819693" cy="937157"/>
           </a:xfrm>
           <a:prstGeom prst="line">
             <a:avLst/>
@@ -10193,8 +10415,8 @@
         </p:nvCxnSpPr>
         <p:spPr>
           <a:xfrm flipV="1">
-            <a:off x="6528049" y="2457716"/>
-            <a:ext cx="504380" cy="538754"/>
+            <a:off x="6497743" y="2380360"/>
+            <a:ext cx="639673" cy="924577"/>
           </a:xfrm>
           <a:prstGeom prst="line">
             <a:avLst/>
@@ -10223,7 +10445,7 @@
         </p:nvSpPr>
         <p:spPr>
           <a:xfrm>
-            <a:off x="6076547" y="2996470"/>
+            <a:off x="6046241" y="3304937"/>
             <a:ext cx="903004" cy="408281"/>
           </a:xfrm>
           <a:prstGeom prst="flowChartMerge">
@@ -10266,9 +10488,9 @@
           <p:nvPr/>
         </p:nvCxnSpPr>
         <p:spPr>
-          <a:xfrm flipV="1">
-            <a:off x="6514647" y="3404751"/>
-            <a:ext cx="13402" cy="307173"/>
+          <a:xfrm flipH="1" flipV="1">
+            <a:off x="6497743" y="3713218"/>
+            <a:ext cx="2622" cy="385993"/>
           </a:xfrm>
           <a:prstGeom prst="line">
             <a:avLst/>
@@ -10297,7 +10519,7 @@
         </p:nvCxnSpPr>
         <p:spPr>
           <a:xfrm>
-            <a:off x="6374586" y="3029162"/>
+            <a:off x="6359648" y="3356514"/>
             <a:ext cx="273006" cy="225129"/>
           </a:xfrm>
           <a:prstGeom prst="line">
@@ -10332,7 +10554,7 @@
         </p:nvCxnSpPr>
         <p:spPr>
           <a:xfrm flipV="1">
-            <a:off x="6408506" y="3029162"/>
+            <a:off x="6393568" y="3356514"/>
             <a:ext cx="239086" cy="225129"/>
           </a:xfrm>
           <a:prstGeom prst="line">
@@ -10367,7 +10589,7 @@
         </p:nvSpPr>
         <p:spPr>
           <a:xfrm>
-            <a:off x="9263978" y="6080185"/>
+            <a:off x="10112928" y="5943336"/>
             <a:ext cx="950151" cy="627258"/>
           </a:xfrm>
           <a:prstGeom prst="diamond">
@@ -10424,7 +10646,7 @@
         </p:nvSpPr>
         <p:spPr>
           <a:xfrm>
-            <a:off x="8663286" y="6273532"/>
+            <a:off x="8679867" y="5985929"/>
             <a:ext cx="369012" cy="369332"/>
           </a:xfrm>
           <a:prstGeom prst="rect">
@@ -10456,9 +10678,9 @@
           <p:nvPr/>
         </p:nvCxnSpPr>
         <p:spPr>
-          <a:xfrm flipV="1">
-            <a:off x="7066184" y="6393814"/>
-            <a:ext cx="2197794" cy="71045"/>
+          <a:xfrm>
+            <a:off x="7056136" y="6256965"/>
+            <a:ext cx="3056792" cy="0"/>
           </a:xfrm>
           <a:prstGeom prst="line">
             <a:avLst/>
@@ -10491,11 +10713,11 @@
         <p:spPr>
           <a:xfrm>
             <a:off x="6965969" y="294462"/>
-            <a:ext cx="3248160" cy="6099352"/>
+            <a:ext cx="4097110" cy="5962503"/>
           </a:xfrm>
           <a:prstGeom prst="bentConnector3">
             <a:avLst>
-              <a:gd name="adj1" fmla="val 144705"/>
+              <a:gd name="adj1" fmla="val 105580"/>
             </a:avLst>
           </a:prstGeom>
         </p:spPr>
@@ -10522,7 +10744,7 @@
         </p:nvSpPr>
         <p:spPr>
           <a:xfrm>
-            <a:off x="10895579" y="6049568"/>
+            <a:off x="11030886" y="5948621"/>
             <a:ext cx="264816" cy="369332"/>
           </a:xfrm>
           <a:prstGeom prst="rect">
@@ -23657,7 +23879,7 @@
         </p:nvSpPr>
         <p:spPr>
           <a:xfrm>
-            <a:off x="2106126" y="2907475"/>
+            <a:off x="1434703" y="2899032"/>
             <a:ext cx="1103952" cy="417533"/>
           </a:xfrm>
           <a:prstGeom prst="rect">
@@ -23717,9 +23939,9 @@
           <p:nvPr/>
         </p:nvCxnSpPr>
         <p:spPr>
-          <a:xfrm>
-            <a:off x="4124519" y="1072244"/>
-            <a:ext cx="0" cy="546542"/>
+          <a:xfrm flipH="1">
+            <a:off x="3398433" y="1072244"/>
+            <a:ext cx="726086" cy="654244"/>
           </a:xfrm>
           <a:prstGeom prst="line">
             <a:avLst/>
@@ -23748,7 +23970,7 @@
         </p:nvSpPr>
         <p:spPr>
           <a:xfrm>
-            <a:off x="3649443" y="1618786"/>
+            <a:off x="2923357" y="1726488"/>
             <a:ext cx="950151" cy="627258"/>
           </a:xfrm>
           <a:prstGeom prst="diamond">
@@ -23808,8 +24030,8 @@
         </p:nvCxnSpPr>
         <p:spPr>
           <a:xfrm flipH="1">
-            <a:off x="2658102" y="2389433"/>
-            <a:ext cx="21272" cy="518042"/>
+            <a:off x="1986679" y="2354297"/>
+            <a:ext cx="1" cy="544735"/>
           </a:xfrm>
           <a:prstGeom prst="line">
             <a:avLst/>
@@ -23838,7 +24060,7 @@
         </p:nvSpPr>
         <p:spPr>
           <a:xfrm>
-            <a:off x="5309825" y="2899033"/>
+            <a:off x="4369676" y="2911066"/>
             <a:ext cx="896256" cy="417533"/>
           </a:xfrm>
           <a:prstGeom prst="rect">
@@ -23904,7 +24126,7 @@
         </p:nvSpPr>
         <p:spPr>
           <a:xfrm>
-            <a:off x="3570865" y="2821368"/>
+            <a:off x="2842661" y="2824959"/>
             <a:ext cx="1111542" cy="503640"/>
           </a:xfrm>
           <a:prstGeom prst="rect">
@@ -23972,9 +24194,9 @@
           <p:nvPr/>
         </p:nvCxnSpPr>
         <p:spPr>
-          <a:xfrm flipH="1" flipV="1">
-            <a:off x="4124519" y="2246044"/>
-            <a:ext cx="2117" cy="575324"/>
+          <a:xfrm flipV="1">
+            <a:off x="3398432" y="2353746"/>
+            <a:ext cx="1" cy="471213"/>
           </a:xfrm>
           <a:prstGeom prst="line">
             <a:avLst/>
@@ -24003,7 +24225,7 @@
         </p:nvSpPr>
         <p:spPr>
           <a:xfrm>
-            <a:off x="3828577" y="2354297"/>
+            <a:off x="3356692" y="2380732"/>
             <a:ext cx="306494" cy="369332"/>
           </a:xfrm>
           <a:prstGeom prst="rect">
@@ -24033,7 +24255,7 @@
         </p:nvSpPr>
         <p:spPr>
           <a:xfrm>
-            <a:off x="4060516" y="1201207"/>
+            <a:off x="3294174" y="1288908"/>
             <a:ext cx="369012" cy="369332"/>
           </a:xfrm>
           <a:prstGeom prst="rect">
@@ -24063,7 +24285,7 @@
         </p:nvSpPr>
         <p:spPr>
           <a:xfrm>
-            <a:off x="5454601" y="2310332"/>
+            <a:off x="4817804" y="2400737"/>
             <a:ext cx="306494" cy="369332"/>
           </a:xfrm>
           <a:prstGeom prst="rect">
@@ -24093,7 +24315,7 @@
         </p:nvSpPr>
         <p:spPr>
           <a:xfrm>
-            <a:off x="2658102" y="2389433"/>
+            <a:off x="1968201" y="2400737"/>
             <a:ext cx="274434" cy="369332"/>
           </a:xfrm>
           <a:prstGeom prst="rect">
@@ -24180,8 +24402,8 @@
         </p:nvSpPr>
         <p:spPr>
           <a:xfrm>
-            <a:off x="5515300" y="5054512"/>
-            <a:ext cx="1150669" cy="814699"/>
+            <a:off x="5537000" y="5048219"/>
+            <a:ext cx="1093324" cy="814699"/>
           </a:xfrm>
           <a:prstGeom prst="ellipse">
             <a:avLst/>
@@ -24468,8 +24690,8 @@
         </p:nvCxnSpPr>
         <p:spPr>
           <a:xfrm flipH="1">
-            <a:off x="6090635" y="4615773"/>
-            <a:ext cx="2222358" cy="438739"/>
+            <a:off x="6083662" y="4615773"/>
+            <a:ext cx="2229331" cy="432446"/>
           </a:xfrm>
           <a:prstGeom prst="line">
             <a:avLst/>
@@ -24630,7 +24852,7 @@
         </p:nvSpPr>
         <p:spPr>
           <a:xfrm>
-            <a:off x="5255930" y="1631264"/>
+            <a:off x="4335110" y="1726488"/>
             <a:ext cx="950151" cy="627258"/>
           </a:xfrm>
           <a:prstGeom prst="diamond">
@@ -24687,7 +24909,7 @@
         </p:nvSpPr>
         <p:spPr>
           <a:xfrm>
-            <a:off x="2204298" y="1762175"/>
+            <a:off x="1511604" y="1727039"/>
             <a:ext cx="950151" cy="627258"/>
           </a:xfrm>
           <a:prstGeom prst="diamond">
@@ -24747,8 +24969,8 @@
         </p:nvCxnSpPr>
         <p:spPr>
           <a:xfrm flipV="1">
-            <a:off x="2679374" y="1072244"/>
-            <a:ext cx="1445145" cy="689931"/>
+            <a:off x="1986680" y="1072244"/>
+            <a:ext cx="2137839" cy="654795"/>
           </a:xfrm>
           <a:prstGeom prst="line">
             <a:avLst/>
@@ -24781,7 +25003,7 @@
         <p:spPr>
           <a:xfrm>
             <a:off x="4124519" y="1072244"/>
-            <a:ext cx="1606487" cy="559020"/>
+            <a:ext cx="685667" cy="654244"/>
           </a:xfrm>
           <a:prstGeom prst="line">
             <a:avLst/>
@@ -24813,8 +25035,8 @@
         </p:nvCxnSpPr>
         <p:spPr>
           <a:xfrm>
-            <a:off x="5731006" y="2258522"/>
-            <a:ext cx="26947" cy="640511"/>
+            <a:off x="4810186" y="2353746"/>
+            <a:ext cx="7618" cy="557320"/>
           </a:xfrm>
           <a:prstGeom prst="line">
             <a:avLst/>
@@ -24843,7 +25065,7 @@
         </p:nvSpPr>
         <p:spPr>
           <a:xfrm>
-            <a:off x="4983182" y="1043925"/>
+            <a:off x="4493667" y="1289702"/>
             <a:ext cx="369012" cy="369332"/>
           </a:xfrm>
           <a:prstGeom prst="rect">
@@ -24873,7 +25095,248 @@
         </p:nvSpPr>
         <p:spPr>
           <a:xfrm>
-            <a:off x="2968932" y="1134917"/>
+            <a:off x="2686587" y="1139393"/>
+            <a:ext cx="369012" cy="369332"/>
+          </a:xfrm>
+          <a:prstGeom prst="rect">
+            <a:avLst/>
+          </a:prstGeom>
+          <a:noFill/>
+        </p:spPr>
+        <p:txBody>
+          <a:bodyPr wrap="none" rtlCol="0">
+            <a:spAutoFit/>
+          </a:bodyPr>
+          <a:lstStyle/>
+          <a:p>
+            <a:r>
+              <a:rPr lang="en-US" altLang="zh-CN" dirty="0" smtClean="0"/>
+              <a:t>m</a:t>
+            </a:r>
+            <a:endParaRPr lang="zh-CN" altLang="en-US" dirty="0"/>
+          </a:p>
+        </p:txBody>
+      </p:sp>
+      <p:sp>
+        <p:nvSpPr>
+          <p:cNvPr id="48" name="矩形 47"/>
+          <p:cNvSpPr/>
+          <p:nvPr/>
+        </p:nvSpPr>
+        <p:spPr>
+          <a:xfrm>
+            <a:off x="5574614" y="2911066"/>
+            <a:ext cx="1161267" cy="417533"/>
+          </a:xfrm>
+          <a:prstGeom prst="rect">
+            <a:avLst/>
+          </a:prstGeom>
+          <a:solidFill>
+            <a:schemeClr val="accent6">
+              <a:lumMod val="20000"/>
+              <a:lumOff val="80000"/>
+            </a:schemeClr>
+          </a:solidFill>
+        </p:spPr>
+        <p:style>
+          <a:lnRef idx="2">
+            <a:schemeClr val="accent1">
+              <a:shade val="50000"/>
+            </a:schemeClr>
+          </a:lnRef>
+          <a:fillRef idx="1">
+            <a:schemeClr val="accent1"/>
+          </a:fillRef>
+          <a:effectRef idx="0">
+            <a:schemeClr val="accent1"/>
+          </a:effectRef>
+          <a:fontRef idx="minor">
+            <a:schemeClr val="lt1"/>
+          </a:fontRef>
+        </p:style>
+        <p:txBody>
+          <a:bodyPr rtlCol="0" anchor="ctr"/>
+          <a:lstStyle/>
+          <a:p>
+            <a:pPr algn="ctr"/>
+            <a:r>
+              <a:rPr lang="zh-CN" altLang="en-US" dirty="0" smtClean="0">
+                <a:solidFill>
+                  <a:schemeClr val="tx1"/>
+                </a:solidFill>
+              </a:rPr>
+              <a:t>违约记录</a:t>
+            </a:r>
+            <a:endParaRPr lang="zh-CN" altLang="en-US" dirty="0">
+              <a:solidFill>
+                <a:schemeClr val="tx1"/>
+              </a:solidFill>
+            </a:endParaRPr>
+          </a:p>
+        </p:txBody>
+      </p:sp>
+      <p:sp>
+        <p:nvSpPr>
+          <p:cNvPr id="51" name="文本框 50"/>
+          <p:cNvSpPr txBox="1"/>
+          <p:nvPr/>
+        </p:nvSpPr>
+        <p:spPr>
+          <a:xfrm>
+            <a:off x="6155247" y="2412771"/>
+            <a:ext cx="264816" cy="369332"/>
+          </a:xfrm>
+          <a:prstGeom prst="rect">
+            <a:avLst/>
+          </a:prstGeom>
+          <a:noFill/>
+        </p:spPr>
+        <p:txBody>
+          <a:bodyPr wrap="none" rtlCol="0">
+            <a:spAutoFit/>
+          </a:bodyPr>
+          <a:lstStyle/>
+          <a:p>
+            <a:r>
+              <a:rPr lang="en-US" altLang="zh-CN" dirty="0" smtClean="0"/>
+              <a:t>r</a:t>
+            </a:r>
+            <a:endParaRPr lang="zh-CN" altLang="en-US" dirty="0"/>
+          </a:p>
+        </p:txBody>
+      </p:sp>
+      <p:sp>
+        <p:nvSpPr>
+          <p:cNvPr id="52" name="菱形 51"/>
+          <p:cNvSpPr/>
+          <p:nvPr/>
+        </p:nvSpPr>
+        <p:spPr>
+          <a:xfrm>
+            <a:off x="5680173" y="1725386"/>
+            <a:ext cx="950151" cy="627258"/>
+          </a:xfrm>
+          <a:prstGeom prst="diamond">
+            <a:avLst/>
+          </a:prstGeom>
+          <a:solidFill>
+            <a:schemeClr val="bg1">
+              <a:lumMod val="95000"/>
+            </a:schemeClr>
+          </a:solidFill>
+        </p:spPr>
+        <p:style>
+          <a:lnRef idx="2">
+            <a:schemeClr val="accent1">
+              <a:shade val="50000"/>
+            </a:schemeClr>
+          </a:lnRef>
+          <a:fillRef idx="1">
+            <a:schemeClr val="accent1"/>
+          </a:fillRef>
+          <a:effectRef idx="0">
+            <a:schemeClr val="accent1"/>
+          </a:effectRef>
+          <a:fontRef idx="minor">
+            <a:schemeClr val="lt1"/>
+          </a:fontRef>
+        </p:style>
+        <p:txBody>
+          <a:bodyPr rtlCol="0" anchor="ctr"/>
+          <a:lstStyle/>
+          <a:p>
+            <a:pPr algn="ctr"/>
+            <a:r>
+              <a:rPr lang="zh-CN" altLang="en-US" dirty="0" smtClean="0">
+                <a:solidFill>
+                  <a:schemeClr val="tx1"/>
+                </a:solidFill>
+              </a:rPr>
+              <a:t>管理</a:t>
+            </a:r>
+            <a:endParaRPr lang="zh-CN" altLang="en-US" dirty="0">
+              <a:solidFill>
+                <a:schemeClr val="tx1"/>
+              </a:solidFill>
+            </a:endParaRPr>
+          </a:p>
+        </p:txBody>
+      </p:sp>
+      <p:cxnSp>
+        <p:nvCxnSpPr>
+          <p:cNvPr id="53" name="直接连接符 52"/>
+          <p:cNvCxnSpPr>
+            <a:stCxn id="3" idx="2"/>
+            <a:endCxn id="52" idx="0"/>
+          </p:cNvCxnSpPr>
+          <p:nvPr/>
+        </p:nvCxnSpPr>
+        <p:spPr>
+          <a:xfrm>
+            <a:off x="4124519" y="1072244"/>
+            <a:ext cx="2030730" cy="653142"/>
+          </a:xfrm>
+          <a:prstGeom prst="line">
+            <a:avLst/>
+          </a:prstGeom>
+        </p:spPr>
+        <p:style>
+          <a:lnRef idx="1">
+            <a:schemeClr val="accent1"/>
+          </a:lnRef>
+          <a:fillRef idx="0">
+            <a:schemeClr val="accent1"/>
+          </a:fillRef>
+          <a:effectRef idx="0">
+            <a:schemeClr val="accent1"/>
+          </a:effectRef>
+          <a:fontRef idx="minor">
+            <a:schemeClr val="tx1"/>
+          </a:fontRef>
+        </p:style>
+      </p:cxnSp>
+      <p:cxnSp>
+        <p:nvCxnSpPr>
+          <p:cNvPr id="54" name="直接连接符 53"/>
+          <p:cNvCxnSpPr>
+            <a:stCxn id="52" idx="2"/>
+            <a:endCxn id="48" idx="0"/>
+          </p:cNvCxnSpPr>
+          <p:nvPr/>
+        </p:nvCxnSpPr>
+        <p:spPr>
+          <a:xfrm flipH="1">
+            <a:off x="6155248" y="2352644"/>
+            <a:ext cx="1" cy="558422"/>
+          </a:xfrm>
+          <a:prstGeom prst="line">
+            <a:avLst/>
+          </a:prstGeom>
+        </p:spPr>
+        <p:style>
+          <a:lnRef idx="1">
+            <a:schemeClr val="accent1"/>
+          </a:lnRef>
+          <a:fillRef idx="0">
+            <a:schemeClr val="accent1"/>
+          </a:fillRef>
+          <a:effectRef idx="0">
+            <a:schemeClr val="accent1"/>
+          </a:effectRef>
+          <a:fontRef idx="minor">
+            <a:schemeClr val="tx1"/>
+          </a:fontRef>
+        </p:style>
+      </p:cxnSp>
+      <p:sp>
+        <p:nvSpPr>
+          <p:cNvPr id="55" name="文本框 54"/>
+          <p:cNvSpPr txBox="1"/>
+          <p:nvPr/>
+        </p:nvSpPr>
+        <p:spPr>
+          <a:xfrm>
+            <a:off x="5179334" y="1183534"/>
             <a:ext cx="369012" cy="369332"/>
           </a:xfrm>
           <a:prstGeom prst="rect">
@@ -26879,7 +27342,7 @@
         </p:nvSpPr>
         <p:spPr>
           <a:xfrm>
-            <a:off x="4471092" y="3496317"/>
+            <a:off x="8598475" y="3638930"/>
             <a:ext cx="1101797" cy="469785"/>
           </a:xfrm>
           <a:prstGeom prst="rect">
@@ -26937,7 +27400,7 @@
         </p:nvSpPr>
         <p:spPr>
           <a:xfrm>
-            <a:off x="4434163" y="2286069"/>
+            <a:off x="8561546" y="2428682"/>
             <a:ext cx="1138726" cy="469785"/>
           </a:xfrm>
           <a:prstGeom prst="rect">
@@ -26995,7 +27458,7 @@
         </p:nvSpPr>
         <p:spPr>
           <a:xfrm>
-            <a:off x="863149" y="3461069"/>
+            <a:off x="4990532" y="3603682"/>
             <a:ext cx="1104979" cy="556571"/>
           </a:xfrm>
           <a:prstGeom prst="rect">
@@ -27069,7 +27532,7 @@
         </p:nvSpPr>
         <p:spPr>
           <a:xfrm>
-            <a:off x="868938" y="2257356"/>
+            <a:off x="4996321" y="2399969"/>
             <a:ext cx="1153449" cy="527209"/>
           </a:xfrm>
           <a:prstGeom prst="rect">
@@ -27143,7 +27606,7 @@
         </p:nvSpPr>
         <p:spPr>
           <a:xfrm>
-            <a:off x="2816698" y="3396148"/>
+            <a:off x="6944081" y="3538761"/>
             <a:ext cx="805824" cy="686412"/>
           </a:xfrm>
           <a:prstGeom prst="diamond">
@@ -27198,7 +27661,7 @@
         </p:nvCxnSpPr>
         <p:spPr>
           <a:xfrm flipH="1">
-            <a:off x="1968128" y="3739354"/>
+            <a:off x="6095511" y="3881967"/>
             <a:ext cx="848570" cy="1"/>
           </a:xfrm>
           <a:prstGeom prst="line">
@@ -27231,7 +27694,7 @@
         </p:nvCxnSpPr>
         <p:spPr>
           <a:xfrm flipV="1">
-            <a:off x="3622522" y="3731210"/>
+            <a:off x="7749905" y="3873823"/>
             <a:ext cx="848570" cy="8144"/>
           </a:xfrm>
           <a:prstGeom prst="line">
@@ -27261,7 +27724,7 @@
         </p:nvSpPr>
         <p:spPr>
           <a:xfrm>
-            <a:off x="2825363" y="2177754"/>
+            <a:off x="6952746" y="2320367"/>
             <a:ext cx="805824" cy="686412"/>
           </a:xfrm>
           <a:prstGeom prst="diamond">
@@ -27316,7 +27779,7 @@
         </p:nvCxnSpPr>
         <p:spPr>
           <a:xfrm flipV="1">
-            <a:off x="2022387" y="2520960"/>
+            <a:off x="6149770" y="2663573"/>
             <a:ext cx="802976" cy="1"/>
           </a:xfrm>
           <a:prstGeom prst="line">
@@ -27349,7 +27812,7 @@
         </p:nvCxnSpPr>
         <p:spPr>
           <a:xfrm>
-            <a:off x="3631187" y="2520960"/>
+            <a:off x="7758570" y="2663573"/>
             <a:ext cx="802976" cy="2"/>
           </a:xfrm>
           <a:prstGeom prst="line">
@@ -27379,7 +27842,7 @@
         </p:nvSpPr>
         <p:spPr>
           <a:xfrm>
-            <a:off x="3878983" y="2177754"/>
+            <a:off x="8006366" y="2320367"/>
             <a:ext cx="301686" cy="369332"/>
           </a:xfrm>
           <a:prstGeom prst="rect">
@@ -27409,7 +27872,7 @@
         </p:nvSpPr>
         <p:spPr>
           <a:xfrm>
-            <a:off x="2378116" y="2177754"/>
+            <a:off x="6505499" y="2320367"/>
             <a:ext cx="369012" cy="369332"/>
           </a:xfrm>
           <a:prstGeom prst="rect">
@@ -27439,7 +27902,7 @@
         </p:nvSpPr>
         <p:spPr>
           <a:xfrm>
-            <a:off x="3862686" y="3402394"/>
+            <a:off x="7990069" y="3545007"/>
             <a:ext cx="301686" cy="369332"/>
           </a:xfrm>
           <a:prstGeom prst="rect">
@@ -27469,7 +27932,7 @@
         </p:nvSpPr>
         <p:spPr>
           <a:xfrm>
-            <a:off x="2457269" y="3395478"/>
+            <a:off x="6584652" y="3538091"/>
             <a:ext cx="306494" cy="369332"/>
           </a:xfrm>
           <a:prstGeom prst="rect">
@@ -27491,6 +27954,274 @@
           </a:p>
         </p:txBody>
       </p:sp>
+      <p:sp>
+        <p:nvSpPr>
+          <p:cNvPr id="20" name="矩形 19"/>
+          <p:cNvSpPr/>
+          <p:nvPr/>
+        </p:nvSpPr>
+        <p:spPr>
+          <a:xfrm>
+            <a:off x="2618887" y="2956294"/>
+            <a:ext cx="1101346" cy="525083"/>
+          </a:xfrm>
+          <a:prstGeom prst="rect">
+            <a:avLst/>
+          </a:prstGeom>
+          <a:solidFill>
+            <a:schemeClr val="accent6">
+              <a:lumMod val="20000"/>
+              <a:lumOff val="80000"/>
+            </a:schemeClr>
+          </a:solidFill>
+        </p:spPr>
+        <p:style>
+          <a:lnRef idx="2">
+            <a:schemeClr val="accent1">
+              <a:shade val="50000"/>
+            </a:schemeClr>
+          </a:lnRef>
+          <a:fillRef idx="1">
+            <a:schemeClr val="accent1"/>
+          </a:fillRef>
+          <a:effectRef idx="0">
+            <a:schemeClr val="accent1"/>
+          </a:effectRef>
+          <a:fontRef idx="minor">
+            <a:schemeClr val="lt1"/>
+          </a:fontRef>
+        </p:style>
+        <p:txBody>
+          <a:bodyPr rtlCol="0" anchor="ctr"/>
+          <a:lstStyle/>
+          <a:p>
+            <a:pPr algn="ctr"/>
+            <a:r>
+              <a:rPr lang="zh-CN" altLang="en-US" dirty="0" smtClean="0">
+                <a:solidFill>
+                  <a:schemeClr val="tx1"/>
+                </a:solidFill>
+              </a:rPr>
+              <a:t>违约记录</a:t>
+            </a:r>
+            <a:endParaRPr lang="zh-CN" altLang="en-US" dirty="0">
+              <a:solidFill>
+                <a:schemeClr val="tx1"/>
+              </a:solidFill>
+            </a:endParaRPr>
+          </a:p>
+        </p:txBody>
+      </p:sp>
+      <p:sp>
+        <p:nvSpPr>
+          <p:cNvPr id="21" name="流程图: 合并 20"/>
+          <p:cNvSpPr/>
+          <p:nvPr/>
+        </p:nvSpPr>
+        <p:spPr>
+          <a:xfrm rot="5400000">
+            <a:off x="3919669" y="3007780"/>
+            <a:ext cx="903004" cy="408281"/>
+          </a:xfrm>
+          <a:prstGeom prst="flowChartMerge">
+            <a:avLst/>
+          </a:prstGeom>
+          <a:noFill/>
+        </p:spPr>
+        <p:style>
+          <a:lnRef idx="2">
+            <a:schemeClr val="accent1">
+              <a:shade val="50000"/>
+            </a:schemeClr>
+          </a:lnRef>
+          <a:fillRef idx="1">
+            <a:schemeClr val="accent1"/>
+          </a:fillRef>
+          <a:effectRef idx="0">
+            <a:schemeClr val="accent1"/>
+          </a:effectRef>
+          <a:fontRef idx="minor">
+            <a:schemeClr val="lt1"/>
+          </a:fontRef>
+        </p:style>
+        <p:txBody>
+          <a:bodyPr rtlCol="0" anchor="ctr"/>
+          <a:lstStyle/>
+          <a:p>
+            <a:pPr algn="ctr"/>
+            <a:endParaRPr lang="zh-CN" altLang="en-US" dirty="0"/>
+          </a:p>
+        </p:txBody>
+      </p:sp>
+      <p:cxnSp>
+        <p:nvCxnSpPr>
+          <p:cNvPr id="22" name="直接连接符 21"/>
+          <p:cNvCxnSpPr>
+            <a:stCxn id="20" idx="3"/>
+            <a:endCxn id="21" idx="2"/>
+          </p:cNvCxnSpPr>
+          <p:nvPr/>
+        </p:nvCxnSpPr>
+        <p:spPr>
+          <a:xfrm flipV="1">
+            <a:off x="3720233" y="3211921"/>
+            <a:ext cx="446798" cy="6915"/>
+          </a:xfrm>
+          <a:prstGeom prst="line">
+            <a:avLst/>
+          </a:prstGeom>
+        </p:spPr>
+        <p:style>
+          <a:lnRef idx="1">
+            <a:schemeClr val="accent1"/>
+          </a:lnRef>
+          <a:fillRef idx="0">
+            <a:schemeClr val="accent1"/>
+          </a:fillRef>
+          <a:effectRef idx="0">
+            <a:schemeClr val="accent1"/>
+          </a:effectRef>
+          <a:fontRef idx="minor">
+            <a:schemeClr val="tx1"/>
+          </a:fontRef>
+        </p:style>
+      </p:cxnSp>
+      <p:cxnSp>
+        <p:nvCxnSpPr>
+          <p:cNvPr id="23" name="直接连接符 22"/>
+          <p:cNvCxnSpPr/>
+          <p:nvPr/>
+        </p:nvCxnSpPr>
+        <p:spPr>
+          <a:xfrm rot="5215371">
+            <a:off x="4282186" y="3091030"/>
+            <a:ext cx="273006" cy="225129"/>
+          </a:xfrm>
+          <a:prstGeom prst="line">
+            <a:avLst/>
+          </a:prstGeom>
+          <a:ln w="19050">
+            <a:solidFill>
+              <a:schemeClr val="tx1"/>
+            </a:solidFill>
+          </a:ln>
+        </p:spPr>
+        <p:style>
+          <a:lnRef idx="1">
+            <a:schemeClr val="accent1"/>
+          </a:lnRef>
+          <a:fillRef idx="0">
+            <a:schemeClr val="accent1"/>
+          </a:fillRef>
+          <a:effectRef idx="0">
+            <a:schemeClr val="accent1"/>
+          </a:effectRef>
+          <a:fontRef idx="minor">
+            <a:schemeClr val="tx1"/>
+          </a:fontRef>
+        </p:style>
+      </p:cxnSp>
+      <p:cxnSp>
+        <p:nvCxnSpPr>
+          <p:cNvPr id="24" name="直接连接符 23"/>
+          <p:cNvCxnSpPr/>
+          <p:nvPr/>
+        </p:nvCxnSpPr>
+        <p:spPr>
+          <a:xfrm rot="5215371" flipV="1">
+            <a:off x="4298236" y="3107965"/>
+            <a:ext cx="239086" cy="225129"/>
+          </a:xfrm>
+          <a:prstGeom prst="line">
+            <a:avLst/>
+          </a:prstGeom>
+          <a:ln w="19050">
+            <a:solidFill>
+              <a:schemeClr val="tx1"/>
+            </a:solidFill>
+          </a:ln>
+        </p:spPr>
+        <p:style>
+          <a:lnRef idx="1">
+            <a:schemeClr val="accent1"/>
+          </a:lnRef>
+          <a:fillRef idx="0">
+            <a:schemeClr val="accent1"/>
+          </a:fillRef>
+          <a:effectRef idx="0">
+            <a:schemeClr val="accent1"/>
+          </a:effectRef>
+          <a:fontRef idx="minor">
+            <a:schemeClr val="tx1"/>
+          </a:fontRef>
+        </p:style>
+      </p:cxnSp>
+      <p:cxnSp>
+        <p:nvCxnSpPr>
+          <p:cNvPr id="8" name="直接连接符 7"/>
+          <p:cNvCxnSpPr>
+            <a:stCxn id="90" idx="1"/>
+            <a:endCxn id="21" idx="0"/>
+          </p:cNvCxnSpPr>
+          <p:nvPr/>
+        </p:nvCxnSpPr>
+        <p:spPr>
+          <a:xfrm flipH="1">
+            <a:off x="4575312" y="2663574"/>
+            <a:ext cx="421009" cy="548347"/>
+          </a:xfrm>
+          <a:prstGeom prst="line">
+            <a:avLst/>
+          </a:prstGeom>
+        </p:spPr>
+        <p:style>
+          <a:lnRef idx="1">
+            <a:schemeClr val="accent1"/>
+          </a:lnRef>
+          <a:fillRef idx="0">
+            <a:schemeClr val="accent1"/>
+          </a:fillRef>
+          <a:effectRef idx="0">
+            <a:schemeClr val="accent1"/>
+          </a:effectRef>
+          <a:fontRef idx="minor">
+            <a:schemeClr val="tx1"/>
+          </a:fontRef>
+        </p:style>
+      </p:cxnSp>
+      <p:cxnSp>
+        <p:nvCxnSpPr>
+          <p:cNvPr id="10" name="直接连接符 9"/>
+          <p:cNvCxnSpPr>
+            <a:stCxn id="89" idx="1"/>
+            <a:endCxn id="21" idx="0"/>
+          </p:cNvCxnSpPr>
+          <p:nvPr/>
+        </p:nvCxnSpPr>
+        <p:spPr>
+          <a:xfrm flipH="1" flipV="1">
+            <a:off x="4575312" y="3211921"/>
+            <a:ext cx="415220" cy="670047"/>
+          </a:xfrm>
+          <a:prstGeom prst="line">
+            <a:avLst/>
+          </a:prstGeom>
+        </p:spPr>
+        <p:style>
+          <a:lnRef idx="1">
+            <a:schemeClr val="accent1"/>
+          </a:lnRef>
+          <a:fillRef idx="0">
+            <a:schemeClr val="accent1"/>
+          </a:fillRef>
+          <a:effectRef idx="0">
+            <a:schemeClr val="accent1"/>
+          </a:effectRef>
+          <a:fontRef idx="minor">
+            <a:schemeClr val="tx1"/>
+          </a:fontRef>
+        </p:style>
+      </p:cxnSp>
     </p:spTree>
     <p:extLst>
       <p:ext uri="{BB962C8B-B14F-4D97-AF65-F5344CB8AC3E}">
